--- a/Capstone Project 2021.pptx
+++ b/Capstone Project 2021.pptx
@@ -7,6 +7,11 @@
   <p:sldIdLst>
     <p:sldId id="256" r:id="rId2"/>
     <p:sldId id="257" r:id="rId3"/>
+    <p:sldId id="258" r:id="rId4"/>
+    <p:sldId id="259" r:id="rId5"/>
+    <p:sldId id="260" r:id="rId6"/>
+    <p:sldId id="261" r:id="rId7"/>
+    <p:sldId id="262" r:id="rId8"/>
   </p:sldIdLst>
   <p:sldSz cx="12192000" cy="6858000"/>
   <p:notesSz cx="6858000" cy="9144000"/>
@@ -105,26 +110,39 @@
       </a:defRPr>
     </a:lvl9pPr>
   </p:defaultTextStyle>
+  <p:extLst>
+    <p:ext uri="{EFAFB233-063F-42B5-8137-9DF3F51BA10A}">
+      <p15:sldGuideLst xmlns:p15="http://schemas.microsoft.com/office/powerpoint/2012/main"/>
+    </p:ext>
+  </p:extLst>
 </p:presentation>
+</file>
+
+<file path=ppt/revisionInfo.xml><?xml version="1.0" encoding="utf-8"?>
+<p1510:revInfo xmlns:a="http://schemas.openxmlformats.org/drawingml/2006/main" xmlns:r="http://schemas.openxmlformats.org/officeDocument/2006/relationships" xmlns:p1510="http://schemas.microsoft.com/office/powerpoint/2015/10/main">
+  <p1510:revLst>
+    <p1510:client id="{D426A5C3-16BC-459B-8B24-6227DC7E5B5C}" v="1" dt="2021-06-03T02:44:06.247"/>
+  </p1510:revLst>
+</p1510:revInfo>
 </file>
 
 <file path=ppt/changesInfos/changesInfo1.xml><?xml version="1.0" encoding="utf-8"?>
 <pc:chgInfo xmlns:a="http://schemas.openxmlformats.org/drawingml/2006/main" xmlns:r="http://schemas.openxmlformats.org/officeDocument/2006/relationships" xmlns:ac="http://schemas.microsoft.com/office/drawing/2013/main/command" xmlns:pc="http://schemas.microsoft.com/office/powerpoint/2013/main/command">
   <pc:docChgLst>
     <pc:chgData name="Isaac Low" userId="7480a74fbf43f6b1" providerId="LiveId" clId="{D426A5C3-16BC-459B-8B24-6227DC7E5B5C}"/>
-    <pc:docChg chg="addSld modSld">
-      <pc:chgData name="Isaac Low" userId="7480a74fbf43f6b1" providerId="LiveId" clId="{D426A5C3-16BC-459B-8B24-6227DC7E5B5C}" dt="2021-06-02T12:12:41.835" v="95" actId="20577"/>
+    <pc:docChg chg="undo custSel addSld modSld">
+      <pc:chgData name="Isaac Low" userId="7480a74fbf43f6b1" providerId="LiveId" clId="{D426A5C3-16BC-459B-8B24-6227DC7E5B5C}" dt="2021-06-03T02:44:11.028" v="2802" actId="680"/>
       <pc:docMkLst>
         <pc:docMk/>
       </pc:docMkLst>
       <pc:sldChg chg="modSp new mod">
-        <pc:chgData name="Isaac Low" userId="7480a74fbf43f6b1" providerId="LiveId" clId="{D426A5C3-16BC-459B-8B24-6227DC7E5B5C}" dt="2021-06-02T12:12:23.205" v="78" actId="20577"/>
+        <pc:chgData name="Isaac Low" userId="7480a74fbf43f6b1" providerId="LiveId" clId="{D426A5C3-16BC-459B-8B24-6227DC7E5B5C}" dt="2021-06-02T15:48:11.927" v="176" actId="20577"/>
         <pc:sldMkLst>
           <pc:docMk/>
           <pc:sldMk cId="1346450560" sldId="256"/>
         </pc:sldMkLst>
         <pc:spChg chg="mod">
-          <ac:chgData name="Isaac Low" userId="7480a74fbf43f6b1" providerId="LiveId" clId="{D426A5C3-16BC-459B-8B24-6227DC7E5B5C}" dt="2021-06-02T12:12:08.671" v="20" actId="20577"/>
+          <ac:chgData name="Isaac Low" userId="7480a74fbf43f6b1" providerId="LiveId" clId="{D426A5C3-16BC-459B-8B24-6227DC7E5B5C}" dt="2021-06-02T15:06:40.232" v="97"/>
           <ac:spMkLst>
             <pc:docMk/>
             <pc:sldMk cId="1346450560" sldId="256"/>
@@ -132,7 +150,7 @@
           </ac:spMkLst>
         </pc:spChg>
         <pc:spChg chg="mod">
-          <ac:chgData name="Isaac Low" userId="7480a74fbf43f6b1" providerId="LiveId" clId="{D426A5C3-16BC-459B-8B24-6227DC7E5B5C}" dt="2021-06-02T12:12:23.205" v="78" actId="20577"/>
+          <ac:chgData name="Isaac Low" userId="7480a74fbf43f6b1" providerId="LiveId" clId="{D426A5C3-16BC-459B-8B24-6227DC7E5B5C}" dt="2021-06-02T15:48:11.927" v="176" actId="20577"/>
           <ac:spMkLst>
             <pc:docMk/>
             <pc:sldMk cId="1346450560" sldId="256"/>
@@ -141,19 +159,126 @@
         </pc:spChg>
       </pc:sldChg>
       <pc:sldChg chg="modSp new mod">
-        <pc:chgData name="Isaac Low" userId="7480a74fbf43f6b1" providerId="LiveId" clId="{D426A5C3-16BC-459B-8B24-6227DC7E5B5C}" dt="2021-06-02T12:12:41.835" v="95" actId="20577"/>
+        <pc:chgData name="Isaac Low" userId="7480a74fbf43f6b1" providerId="LiveId" clId="{D426A5C3-16BC-459B-8B24-6227DC7E5B5C}" dt="2021-06-02T15:56:07.134" v="969" actId="20577"/>
         <pc:sldMkLst>
           <pc:docMk/>
           <pc:sldMk cId="1413400137" sldId="257"/>
         </pc:sldMkLst>
         <pc:spChg chg="mod">
-          <ac:chgData name="Isaac Low" userId="7480a74fbf43f6b1" providerId="LiveId" clId="{D426A5C3-16BC-459B-8B24-6227DC7E5B5C}" dt="2021-06-02T12:12:41.835" v="95" actId="20577"/>
+          <ac:chgData name="Isaac Low" userId="7480a74fbf43f6b1" providerId="LiveId" clId="{D426A5C3-16BC-459B-8B24-6227DC7E5B5C}" dt="2021-06-02T15:48:45.962" v="188" actId="20577"/>
           <ac:spMkLst>
             <pc:docMk/>
             <pc:sldMk cId="1413400137" sldId="257"/>
             <ac:spMk id="2" creationId="{1B044B56-C6B8-4B17-8165-1D153226ADEA}"/>
           </ac:spMkLst>
         </pc:spChg>
+        <pc:spChg chg="mod">
+          <ac:chgData name="Isaac Low" userId="7480a74fbf43f6b1" providerId="LiveId" clId="{D426A5C3-16BC-459B-8B24-6227DC7E5B5C}" dt="2021-06-02T15:56:07.134" v="969" actId="20577"/>
+          <ac:spMkLst>
+            <pc:docMk/>
+            <pc:sldMk cId="1413400137" sldId="257"/>
+            <ac:spMk id="3" creationId="{C9EE74DE-FD5A-4DCE-8285-01B6FF9EF3AA}"/>
+          </ac:spMkLst>
+        </pc:spChg>
+      </pc:sldChg>
+      <pc:sldChg chg="modSp new mod">
+        <pc:chgData name="Isaac Low" userId="7480a74fbf43f6b1" providerId="LiveId" clId="{D426A5C3-16BC-459B-8B24-6227DC7E5B5C}" dt="2021-06-02T15:58:50.804" v="1026" actId="15"/>
+        <pc:sldMkLst>
+          <pc:docMk/>
+          <pc:sldMk cId="1287661203" sldId="258"/>
+        </pc:sldMkLst>
+        <pc:spChg chg="mod">
+          <ac:chgData name="Isaac Low" userId="7480a74fbf43f6b1" providerId="LiveId" clId="{D426A5C3-16BC-459B-8B24-6227DC7E5B5C}" dt="2021-06-02T15:51:40.601" v="624" actId="20577"/>
+          <ac:spMkLst>
+            <pc:docMk/>
+            <pc:sldMk cId="1287661203" sldId="258"/>
+            <ac:spMk id="2" creationId="{257C169C-2D3B-4430-984A-4E0B1F44A0DE}"/>
+          </ac:spMkLst>
+        </pc:spChg>
+        <pc:spChg chg="mod">
+          <ac:chgData name="Isaac Low" userId="7480a74fbf43f6b1" providerId="LiveId" clId="{D426A5C3-16BC-459B-8B24-6227DC7E5B5C}" dt="2021-06-02T15:58:50.804" v="1026" actId="15"/>
+          <ac:spMkLst>
+            <pc:docMk/>
+            <pc:sldMk cId="1287661203" sldId="258"/>
+            <ac:spMk id="3" creationId="{4D6281FC-511E-41EB-84B7-68F8E3B8A28C}"/>
+          </ac:spMkLst>
+        </pc:spChg>
+      </pc:sldChg>
+      <pc:sldChg chg="modSp new mod">
+        <pc:chgData name="Isaac Low" userId="7480a74fbf43f6b1" providerId="LiveId" clId="{D426A5C3-16BC-459B-8B24-6227DC7E5B5C}" dt="2021-06-03T02:24:44.539" v="2436" actId="20577"/>
+        <pc:sldMkLst>
+          <pc:docMk/>
+          <pc:sldMk cId="1597611348" sldId="259"/>
+        </pc:sldMkLst>
+        <pc:spChg chg="mod">
+          <ac:chgData name="Isaac Low" userId="7480a74fbf43f6b1" providerId="LiveId" clId="{D426A5C3-16BC-459B-8B24-6227DC7E5B5C}" dt="2021-06-02T16:01:25.190" v="1376" actId="20577"/>
+          <ac:spMkLst>
+            <pc:docMk/>
+            <pc:sldMk cId="1597611348" sldId="259"/>
+            <ac:spMk id="2" creationId="{03318686-D720-41DB-80BB-7F8781263C5C}"/>
+          </ac:spMkLst>
+        </pc:spChg>
+        <pc:spChg chg="mod">
+          <ac:chgData name="Isaac Low" userId="7480a74fbf43f6b1" providerId="LiveId" clId="{D426A5C3-16BC-459B-8B24-6227DC7E5B5C}" dt="2021-06-03T02:24:44.539" v="2436" actId="20577"/>
+          <ac:spMkLst>
+            <pc:docMk/>
+            <pc:sldMk cId="1597611348" sldId="259"/>
+            <ac:spMk id="3" creationId="{7DDCDE26-7BC2-49F7-8BCC-BA8F10922F55}"/>
+          </ac:spMkLst>
+        </pc:spChg>
+      </pc:sldChg>
+      <pc:sldChg chg="modSp new mod">
+        <pc:chgData name="Isaac Low" userId="7480a74fbf43f6b1" providerId="LiveId" clId="{D426A5C3-16BC-459B-8B24-6227DC7E5B5C}" dt="2021-06-03T02:43:20.962" v="2793" actId="108"/>
+        <pc:sldMkLst>
+          <pc:docMk/>
+          <pc:sldMk cId="2854986470" sldId="260"/>
+        </pc:sldMkLst>
+        <pc:spChg chg="mod">
+          <ac:chgData name="Isaac Low" userId="7480a74fbf43f6b1" providerId="LiveId" clId="{D426A5C3-16BC-459B-8B24-6227DC7E5B5C}" dt="2021-06-02T16:01:29.354" v="1382" actId="20577"/>
+          <ac:spMkLst>
+            <pc:docMk/>
+            <pc:sldMk cId="2854986470" sldId="260"/>
+            <ac:spMk id="2" creationId="{06844C44-3675-43DC-8592-4202DE50ACCC}"/>
+          </ac:spMkLst>
+        </pc:spChg>
+        <pc:spChg chg="mod">
+          <ac:chgData name="Isaac Low" userId="7480a74fbf43f6b1" providerId="LiveId" clId="{D426A5C3-16BC-459B-8B24-6227DC7E5B5C}" dt="2021-06-03T02:43:20.962" v="2793" actId="108"/>
+          <ac:spMkLst>
+            <pc:docMk/>
+            <pc:sldMk cId="2854986470" sldId="260"/>
+            <ac:spMk id="3" creationId="{F1142356-254B-4420-98BC-2D8AACCFA737}"/>
+          </ac:spMkLst>
+        </pc:spChg>
+      </pc:sldChg>
+      <pc:sldChg chg="modSp new mod">
+        <pc:chgData name="Isaac Low" userId="7480a74fbf43f6b1" providerId="LiveId" clId="{D426A5C3-16BC-459B-8B24-6227DC7E5B5C}" dt="2021-06-03T02:44:08.224" v="2801" actId="20577"/>
+        <pc:sldMkLst>
+          <pc:docMk/>
+          <pc:sldMk cId="4219432369" sldId="261"/>
+        </pc:sldMkLst>
+        <pc:spChg chg="mod">
+          <ac:chgData name="Isaac Low" userId="7480a74fbf43f6b1" providerId="LiveId" clId="{D426A5C3-16BC-459B-8B24-6227DC7E5B5C}" dt="2021-06-03T02:26:06.126" v="2445" actId="20577"/>
+          <ac:spMkLst>
+            <pc:docMk/>
+            <pc:sldMk cId="4219432369" sldId="261"/>
+            <ac:spMk id="2" creationId="{25716C74-8EF5-44F8-85D2-1499DBC94860}"/>
+          </ac:spMkLst>
+        </pc:spChg>
+        <pc:spChg chg="mod">
+          <ac:chgData name="Isaac Low" userId="7480a74fbf43f6b1" providerId="LiveId" clId="{D426A5C3-16BC-459B-8B24-6227DC7E5B5C}" dt="2021-06-03T02:44:08.224" v="2801" actId="20577"/>
+          <ac:spMkLst>
+            <pc:docMk/>
+            <pc:sldMk cId="4219432369" sldId="261"/>
+            <ac:spMk id="3" creationId="{97508E05-7405-413C-B1C8-0D632CBDFBE4}"/>
+          </ac:spMkLst>
+        </pc:spChg>
+      </pc:sldChg>
+      <pc:sldChg chg="new">
+        <pc:chgData name="Isaac Low" userId="7480a74fbf43f6b1" providerId="LiveId" clId="{D426A5C3-16BC-459B-8B24-6227DC7E5B5C}" dt="2021-06-03T02:44:11.028" v="2802" actId="680"/>
+        <pc:sldMkLst>
+          <pc:docMk/>
+          <pc:sldMk cId="2505818061" sldId="262"/>
+        </pc:sldMkLst>
       </pc:sldChg>
     </pc:docChg>
   </pc:docChgLst>
@@ -309,7 +434,7 @@
           <a:p>
             <a:fld id="{FB4D491D-4061-42FE-96D3-AE4CC17E143C}" type="datetimeFigureOut">
               <a:rPr lang="en-AU" smtClean="0"/>
-              <a:t>2/06/2021</a:t>
+              <a:t>3/06/2021</a:t>
             </a:fld>
             <a:endParaRPr lang="en-AU"/>
           </a:p>
@@ -509,7 +634,7 @@
           <a:p>
             <a:fld id="{FB4D491D-4061-42FE-96D3-AE4CC17E143C}" type="datetimeFigureOut">
               <a:rPr lang="en-AU" smtClean="0"/>
-              <a:t>2/06/2021</a:t>
+              <a:t>3/06/2021</a:t>
             </a:fld>
             <a:endParaRPr lang="en-AU"/>
           </a:p>
@@ -719,7 +844,7 @@
           <a:p>
             <a:fld id="{FB4D491D-4061-42FE-96D3-AE4CC17E143C}" type="datetimeFigureOut">
               <a:rPr lang="en-AU" smtClean="0"/>
-              <a:t>2/06/2021</a:t>
+              <a:t>3/06/2021</a:t>
             </a:fld>
             <a:endParaRPr lang="en-AU"/>
           </a:p>
@@ -919,7 +1044,7 @@
           <a:p>
             <a:fld id="{FB4D491D-4061-42FE-96D3-AE4CC17E143C}" type="datetimeFigureOut">
               <a:rPr lang="en-AU" smtClean="0"/>
-              <a:t>2/06/2021</a:t>
+              <a:t>3/06/2021</a:t>
             </a:fld>
             <a:endParaRPr lang="en-AU"/>
           </a:p>
@@ -1195,7 +1320,7 @@
           <a:p>
             <a:fld id="{FB4D491D-4061-42FE-96D3-AE4CC17E143C}" type="datetimeFigureOut">
               <a:rPr lang="en-AU" smtClean="0"/>
-              <a:t>2/06/2021</a:t>
+              <a:t>3/06/2021</a:t>
             </a:fld>
             <a:endParaRPr lang="en-AU"/>
           </a:p>
@@ -1463,7 +1588,7 @@
           <a:p>
             <a:fld id="{FB4D491D-4061-42FE-96D3-AE4CC17E143C}" type="datetimeFigureOut">
               <a:rPr lang="en-AU" smtClean="0"/>
-              <a:t>2/06/2021</a:t>
+              <a:t>3/06/2021</a:t>
             </a:fld>
             <a:endParaRPr lang="en-AU"/>
           </a:p>
@@ -1878,7 +2003,7 @@
           <a:p>
             <a:fld id="{FB4D491D-4061-42FE-96D3-AE4CC17E143C}" type="datetimeFigureOut">
               <a:rPr lang="en-AU" smtClean="0"/>
-              <a:t>2/06/2021</a:t>
+              <a:t>3/06/2021</a:t>
             </a:fld>
             <a:endParaRPr lang="en-AU"/>
           </a:p>
@@ -2020,7 +2145,7 @@
           <a:p>
             <a:fld id="{FB4D491D-4061-42FE-96D3-AE4CC17E143C}" type="datetimeFigureOut">
               <a:rPr lang="en-AU" smtClean="0"/>
-              <a:t>2/06/2021</a:t>
+              <a:t>3/06/2021</a:t>
             </a:fld>
             <a:endParaRPr lang="en-AU"/>
           </a:p>
@@ -2133,7 +2258,7 @@
           <a:p>
             <a:fld id="{FB4D491D-4061-42FE-96D3-AE4CC17E143C}" type="datetimeFigureOut">
               <a:rPr lang="en-AU" smtClean="0"/>
-              <a:t>2/06/2021</a:t>
+              <a:t>3/06/2021</a:t>
             </a:fld>
             <a:endParaRPr lang="en-AU"/>
           </a:p>
@@ -2446,7 +2571,7 @@
           <a:p>
             <a:fld id="{FB4D491D-4061-42FE-96D3-AE4CC17E143C}" type="datetimeFigureOut">
               <a:rPr lang="en-AU" smtClean="0"/>
-              <a:t>2/06/2021</a:t>
+              <a:t>3/06/2021</a:t>
             </a:fld>
             <a:endParaRPr lang="en-AU"/>
           </a:p>
@@ -2735,7 +2860,7 @@
           <a:p>
             <a:fld id="{FB4D491D-4061-42FE-96D3-AE4CC17E143C}" type="datetimeFigureOut">
               <a:rPr lang="en-AU" smtClean="0"/>
-              <a:t>2/06/2021</a:t>
+              <a:t>3/06/2021</a:t>
             </a:fld>
             <a:endParaRPr lang="en-AU"/>
           </a:p>
@@ -2978,7 +3103,7 @@
           <a:p>
             <a:fld id="{FB4D491D-4061-42FE-96D3-AE4CC17E143C}" type="datetimeFigureOut">
               <a:rPr lang="en-AU" smtClean="0"/>
-              <a:t>2/06/2021</a:t>
+              <a:t>3/06/2021</a:t>
             </a:fld>
             <a:endParaRPr lang="en-AU"/>
           </a:p>
@@ -3418,35 +3543,44 @@
           <a:p>
             <a:r>
               <a:rPr lang="en-AU" dirty="0"/>
+              <a:t>Sentiment Analysis of Google Play App customer reviews</a:t>
+            </a:r>
+          </a:p>
+        </p:txBody>
+      </p:sp>
+      <p:sp>
+        <p:nvSpPr>
+          <p:cNvPr id="3" name="Subtitle 2">
+            <a:extLst>
+              <a:ext uri="{FF2B5EF4-FFF2-40B4-BE49-F238E27FC236}">
+                <a16:creationId xmlns:a16="http://schemas.microsoft.com/office/drawing/2014/main" id="{C0BEADF8-CE23-4B1C-BF6B-0C9AF1C6EFAB}"/>
+              </a:ext>
+            </a:extLst>
+          </p:cNvPr>
+          <p:cNvSpPr>
+            <a:spLocks noGrp="1"/>
+          </p:cNvSpPr>
+          <p:nvPr>
+            <p:ph type="subTitle" idx="1"/>
+          </p:nvPr>
+        </p:nvSpPr>
+        <p:spPr/>
+        <p:txBody>
+          <a:bodyPr/>
+          <a:lstStyle/>
+          <a:p>
+            <a:r>
+              <a:rPr lang="en-AU" dirty="0"/>
               <a:t>Capstone Project</a:t>
             </a:r>
           </a:p>
-        </p:txBody>
-      </p:sp>
-      <p:sp>
-        <p:nvSpPr>
-          <p:cNvPr id="3" name="Subtitle 2">
-            <a:extLst>
-              <a:ext uri="{FF2B5EF4-FFF2-40B4-BE49-F238E27FC236}">
-                <a16:creationId xmlns:a16="http://schemas.microsoft.com/office/drawing/2014/main" id="{C0BEADF8-CE23-4B1C-BF6B-0C9AF1C6EFAB}"/>
-              </a:ext>
-            </a:extLst>
-          </p:cNvPr>
-          <p:cNvSpPr>
-            <a:spLocks noGrp="1"/>
-          </p:cNvSpPr>
-          <p:nvPr>
-            <p:ph type="subTitle" idx="1"/>
-          </p:nvPr>
-        </p:nvSpPr>
-        <p:spPr/>
-        <p:txBody>
-          <a:bodyPr/>
-          <a:lstStyle/>
+          <a:p>
+            <a:endParaRPr lang="en-AU" dirty="0"/>
+          </a:p>
           <a:p>
             <a:r>
               <a:rPr lang="en-AU" dirty="0"/>
-              <a:t>Sentiment Analysis of Google Play App customer reviews</a:t>
+              <a:t>Isaac Kar Wai Low, Data Scientist</a:t>
             </a:r>
           </a:p>
         </p:txBody>
@@ -3504,7 +3638,7 @@
           <a:p>
             <a:r>
               <a:rPr lang="en-AU" dirty="0"/>
-              <a:t>Project Overview</a:t>
+              <a:t>Agenda</a:t>
             </a:r>
           </a:p>
         </p:txBody>
@@ -3530,6 +3664,49 @@
           <a:bodyPr/>
           <a:lstStyle/>
           <a:p>
+            <a:r>
+              <a:rPr lang="en-AU" dirty="0"/>
+              <a:t>Bio</a:t>
+            </a:r>
+          </a:p>
+          <a:p>
+            <a:r>
+              <a:rPr lang="en-AU" dirty="0"/>
+              <a:t>Project Context</a:t>
+            </a:r>
+          </a:p>
+          <a:p>
+            <a:r>
+              <a:rPr lang="en-AU" dirty="0"/>
+              <a:t>Define</a:t>
+            </a:r>
+          </a:p>
+          <a:p>
+            <a:r>
+              <a:rPr lang="en-AU" dirty="0"/>
+              <a:t>Design</a:t>
+            </a:r>
+          </a:p>
+          <a:p>
+            <a:r>
+              <a:rPr lang="en-AU" dirty="0"/>
+              <a:t>Deliver</a:t>
+            </a:r>
+          </a:p>
+          <a:p>
+            <a:r>
+              <a:rPr lang="en-AU" dirty="0"/>
+              <a:t>Summary, conclusions and next steps</a:t>
+            </a:r>
+          </a:p>
+          <a:p>
+            <a:r>
+              <a:rPr lang="en-AU" dirty="0"/>
+              <a:t>Appendix: list of supporting documents</a:t>
+            </a:r>
+          </a:p>
+          <a:p>
+            <a:pPr lvl="1"/>
             <a:endParaRPr lang="en-AU" dirty="0"/>
           </a:p>
         </p:txBody>
@@ -3538,6 +3715,692 @@
     <p:extLst>
       <p:ext uri="{BB962C8B-B14F-4D97-AF65-F5344CB8AC3E}">
         <p14:creationId xmlns:p14="http://schemas.microsoft.com/office/powerpoint/2010/main" val="1413400137"/>
+      </p:ext>
+    </p:extLst>
+  </p:cSld>
+  <p:clrMapOvr>
+    <a:masterClrMapping/>
+  </p:clrMapOvr>
+</p:sld>
+</file>
+
+<file path=ppt/slides/slide3.xml><?xml version="1.0" encoding="utf-8"?>
+<p:sld xmlns:a="http://schemas.openxmlformats.org/drawingml/2006/main" xmlns:r="http://schemas.openxmlformats.org/officeDocument/2006/relationships" xmlns:p="http://schemas.openxmlformats.org/presentationml/2006/main">
+  <p:cSld>
+    <p:spTree>
+      <p:nvGrpSpPr>
+        <p:cNvPr id="1" name=""/>
+        <p:cNvGrpSpPr/>
+        <p:nvPr/>
+      </p:nvGrpSpPr>
+      <p:grpSpPr>
+        <a:xfrm>
+          <a:off x="0" y="0"/>
+          <a:ext cx="0" cy="0"/>
+          <a:chOff x="0" y="0"/>
+          <a:chExt cx="0" cy="0"/>
+        </a:xfrm>
+      </p:grpSpPr>
+      <p:sp>
+        <p:nvSpPr>
+          <p:cNvPr id="2" name="Title 1">
+            <a:extLst>
+              <a:ext uri="{FF2B5EF4-FFF2-40B4-BE49-F238E27FC236}">
+                <a16:creationId xmlns:a16="http://schemas.microsoft.com/office/drawing/2014/main" id="{257C169C-2D3B-4430-984A-4E0B1F44A0DE}"/>
+              </a:ext>
+            </a:extLst>
+          </p:cNvPr>
+          <p:cNvSpPr>
+            <a:spLocks noGrp="1"/>
+          </p:cNvSpPr>
+          <p:nvPr>
+            <p:ph type="title"/>
+          </p:nvPr>
+        </p:nvSpPr>
+        <p:spPr/>
+        <p:txBody>
+          <a:bodyPr/>
+          <a:lstStyle/>
+          <a:p>
+            <a:r>
+              <a:rPr lang="en-AU" dirty="0"/>
+              <a:t>Bio</a:t>
+            </a:r>
+          </a:p>
+        </p:txBody>
+      </p:sp>
+      <p:sp>
+        <p:nvSpPr>
+          <p:cNvPr id="3" name="Content Placeholder 2">
+            <a:extLst>
+              <a:ext uri="{FF2B5EF4-FFF2-40B4-BE49-F238E27FC236}">
+                <a16:creationId xmlns:a16="http://schemas.microsoft.com/office/drawing/2014/main" id="{4D6281FC-511E-41EB-84B7-68F8E3B8A28C}"/>
+              </a:ext>
+            </a:extLst>
+          </p:cNvPr>
+          <p:cNvSpPr>
+            <a:spLocks noGrp="1"/>
+          </p:cNvSpPr>
+          <p:nvPr>
+            <p:ph idx="1"/>
+          </p:nvPr>
+        </p:nvSpPr>
+        <p:spPr/>
+        <p:txBody>
+          <a:bodyPr/>
+          <a:lstStyle/>
+          <a:p>
+            <a:pPr lvl="1"/>
+            <a:r>
+              <a:rPr lang="en-AU" dirty="0"/>
+              <a:t>Education</a:t>
+            </a:r>
+          </a:p>
+          <a:p>
+            <a:pPr lvl="2"/>
+            <a:r>
+              <a:rPr lang="en-AU" dirty="0"/>
+              <a:t>Masters of Information Technology Graduate 2019, Major: Data Analytics</a:t>
+            </a:r>
+          </a:p>
+          <a:p>
+            <a:pPr lvl="1"/>
+            <a:r>
+              <a:rPr lang="en-AU" dirty="0"/>
+              <a:t>Professional Experience</a:t>
+            </a:r>
+          </a:p>
+          <a:p>
+            <a:pPr lvl="2"/>
+            <a:r>
+              <a:rPr lang="en-AU" dirty="0"/>
+              <a:t>Experience in data engineering at a start-up called Possible doing NLP</a:t>
+            </a:r>
+          </a:p>
+          <a:p>
+            <a:pPr lvl="2"/>
+            <a:r>
+              <a:rPr lang="en-AU" dirty="0"/>
+              <a:t>ANZ virtual internship project on GitHub</a:t>
+            </a:r>
+          </a:p>
+          <a:p>
+            <a:pPr lvl="3"/>
+            <a:r>
+              <a:rPr lang="en-AU" dirty="0"/>
+              <a:t>25+ features engineered, 5+ models used</a:t>
+            </a:r>
+          </a:p>
+          <a:p>
+            <a:pPr lvl="2"/>
+            <a:r>
+              <a:rPr lang="en-AU" dirty="0"/>
+              <a:t>Sentiment Analysis Mini Project catalyst for Capstone Project</a:t>
+            </a:r>
+          </a:p>
+          <a:p>
+            <a:endParaRPr lang="en-AU" dirty="0"/>
+          </a:p>
+        </p:txBody>
+      </p:sp>
+    </p:spTree>
+    <p:extLst>
+      <p:ext uri="{BB962C8B-B14F-4D97-AF65-F5344CB8AC3E}">
+        <p14:creationId xmlns:p14="http://schemas.microsoft.com/office/powerpoint/2010/main" val="1287661203"/>
+      </p:ext>
+    </p:extLst>
+  </p:cSld>
+  <p:clrMapOvr>
+    <a:masterClrMapping/>
+  </p:clrMapOvr>
+</p:sld>
+</file>
+
+<file path=ppt/slides/slide4.xml><?xml version="1.0" encoding="utf-8"?>
+<p:sld xmlns:a="http://schemas.openxmlformats.org/drawingml/2006/main" xmlns:r="http://schemas.openxmlformats.org/officeDocument/2006/relationships" xmlns:p="http://schemas.openxmlformats.org/presentationml/2006/main">
+  <p:cSld>
+    <p:spTree>
+      <p:nvGrpSpPr>
+        <p:cNvPr id="1" name=""/>
+        <p:cNvGrpSpPr/>
+        <p:nvPr/>
+      </p:nvGrpSpPr>
+      <p:grpSpPr>
+        <a:xfrm>
+          <a:off x="0" y="0"/>
+          <a:ext cx="0" cy="0"/>
+          <a:chOff x="0" y="0"/>
+          <a:chExt cx="0" cy="0"/>
+        </a:xfrm>
+      </p:grpSpPr>
+      <p:sp>
+        <p:nvSpPr>
+          <p:cNvPr id="2" name="Title 1">
+            <a:extLst>
+              <a:ext uri="{FF2B5EF4-FFF2-40B4-BE49-F238E27FC236}">
+                <a16:creationId xmlns:a16="http://schemas.microsoft.com/office/drawing/2014/main" id="{03318686-D720-41DB-80BB-7F8781263C5C}"/>
+              </a:ext>
+            </a:extLst>
+          </p:cNvPr>
+          <p:cNvSpPr>
+            <a:spLocks noGrp="1"/>
+          </p:cNvSpPr>
+          <p:nvPr>
+            <p:ph type="title"/>
+          </p:nvPr>
+        </p:nvSpPr>
+        <p:spPr/>
+        <p:txBody>
+          <a:bodyPr/>
+          <a:lstStyle/>
+          <a:p>
+            <a:r>
+              <a:rPr lang="en-AU" dirty="0"/>
+              <a:t>Project context</a:t>
+            </a:r>
+          </a:p>
+        </p:txBody>
+      </p:sp>
+      <p:sp>
+        <p:nvSpPr>
+          <p:cNvPr id="3" name="Content Placeholder 2">
+            <a:extLst>
+              <a:ext uri="{FF2B5EF4-FFF2-40B4-BE49-F238E27FC236}">
+                <a16:creationId xmlns:a16="http://schemas.microsoft.com/office/drawing/2014/main" id="{7DDCDE26-7BC2-49F7-8BCC-BA8F10922F55}"/>
+              </a:ext>
+            </a:extLst>
+          </p:cNvPr>
+          <p:cNvSpPr>
+            <a:spLocks noGrp="1"/>
+          </p:cNvSpPr>
+          <p:nvPr>
+            <p:ph idx="1"/>
+          </p:nvPr>
+        </p:nvSpPr>
+        <p:spPr/>
+        <p:txBody>
+          <a:bodyPr>
+            <a:normAutofit/>
+          </a:bodyPr>
+          <a:lstStyle/>
+          <a:p>
+            <a:r>
+              <a:rPr lang="en-AU" dirty="0"/>
+              <a:t>Industry or domain</a:t>
+            </a:r>
+          </a:p>
+          <a:p>
+            <a:pPr lvl="1"/>
+            <a:r>
+              <a:rPr lang="en-AU" dirty="0"/>
+              <a:t>Application software development: Android and iOS, mobile, and web</a:t>
+            </a:r>
+          </a:p>
+          <a:p>
+            <a:r>
+              <a:rPr lang="en-AU" dirty="0"/>
+              <a:t>Problem area</a:t>
+            </a:r>
+          </a:p>
+          <a:p>
+            <a:pPr lvl="1"/>
+            <a:r>
+              <a:rPr lang="en-AU" dirty="0"/>
+              <a:t>Young start-up Possible Me operates in a competitive landscape that adopts an Agile, customer-focussed approach. Even so, customer complaints are not being read because of its large volume and variety</a:t>
+            </a:r>
+          </a:p>
+          <a:p>
+            <a:pPr lvl="1"/>
+            <a:r>
+              <a:rPr lang="en-US" sz="2400" dirty="0"/>
+              <a:t>However, their A/B Testing time takes an average of 3 days. Using NLP and sentiment analysis, they want to be able to quickly forecast the current sentiment concerning the product portfolio to speed up iterations</a:t>
+            </a:r>
+            <a:endParaRPr lang="en-AU" dirty="0"/>
+          </a:p>
+        </p:txBody>
+      </p:sp>
+    </p:spTree>
+    <p:extLst>
+      <p:ext uri="{BB962C8B-B14F-4D97-AF65-F5344CB8AC3E}">
+        <p14:creationId xmlns:p14="http://schemas.microsoft.com/office/powerpoint/2010/main" val="1597611348"/>
+      </p:ext>
+    </p:extLst>
+  </p:cSld>
+  <p:clrMapOvr>
+    <a:masterClrMapping/>
+  </p:clrMapOvr>
+</p:sld>
+</file>
+
+<file path=ppt/slides/slide5.xml><?xml version="1.0" encoding="utf-8"?>
+<p:sld xmlns:a="http://schemas.openxmlformats.org/drawingml/2006/main" xmlns:r="http://schemas.openxmlformats.org/officeDocument/2006/relationships" xmlns:p="http://schemas.openxmlformats.org/presentationml/2006/main">
+  <p:cSld>
+    <p:spTree>
+      <p:nvGrpSpPr>
+        <p:cNvPr id="1" name=""/>
+        <p:cNvGrpSpPr/>
+        <p:nvPr/>
+      </p:nvGrpSpPr>
+      <p:grpSpPr>
+        <a:xfrm>
+          <a:off x="0" y="0"/>
+          <a:ext cx="0" cy="0"/>
+          <a:chOff x="0" y="0"/>
+          <a:chExt cx="0" cy="0"/>
+        </a:xfrm>
+      </p:grpSpPr>
+      <p:sp>
+        <p:nvSpPr>
+          <p:cNvPr id="2" name="Title 1">
+            <a:extLst>
+              <a:ext uri="{FF2B5EF4-FFF2-40B4-BE49-F238E27FC236}">
+                <a16:creationId xmlns:a16="http://schemas.microsoft.com/office/drawing/2014/main" id="{06844C44-3675-43DC-8592-4202DE50ACCC}"/>
+              </a:ext>
+            </a:extLst>
+          </p:cNvPr>
+          <p:cNvSpPr>
+            <a:spLocks noGrp="1"/>
+          </p:cNvSpPr>
+          <p:nvPr>
+            <p:ph type="title"/>
+          </p:nvPr>
+        </p:nvSpPr>
+        <p:spPr/>
+        <p:txBody>
+          <a:bodyPr/>
+          <a:lstStyle/>
+          <a:p>
+            <a:r>
+              <a:rPr lang="en-AU" dirty="0"/>
+              <a:t>Define</a:t>
+            </a:r>
+          </a:p>
+        </p:txBody>
+      </p:sp>
+      <p:sp>
+        <p:nvSpPr>
+          <p:cNvPr id="3" name="Content Placeholder 2">
+            <a:extLst>
+              <a:ext uri="{FF2B5EF4-FFF2-40B4-BE49-F238E27FC236}">
+                <a16:creationId xmlns:a16="http://schemas.microsoft.com/office/drawing/2014/main" id="{F1142356-254B-4420-98BC-2D8AACCFA737}"/>
+              </a:ext>
+            </a:extLst>
+          </p:cNvPr>
+          <p:cNvSpPr>
+            <a:spLocks noGrp="1"/>
+          </p:cNvSpPr>
+          <p:nvPr>
+            <p:ph idx="1"/>
+          </p:nvPr>
+        </p:nvSpPr>
+        <p:spPr/>
+        <p:txBody>
+          <a:bodyPr>
+            <a:normAutofit lnSpcReduction="10000"/>
+          </a:bodyPr>
+          <a:lstStyle/>
+          <a:p>
+            <a:pPr marL="0" indent="0">
+              <a:buNone/>
+            </a:pPr>
+            <a:r>
+              <a:rPr lang="en-AU" dirty="0"/>
+              <a:t>Business aspects</a:t>
+            </a:r>
+          </a:p>
+          <a:p>
+            <a:pPr lvl="1"/>
+            <a:r>
+              <a:rPr lang="en-AU" dirty="0"/>
+              <a:t>Stakeholders: Customers, Manager, Product Owner, Requirements Analysts, UI/UX Designers, Web Developers, Java developers, IT Project Manager, Financial Manager, Marketing Manager, Data Engineers, Data Analysts.</a:t>
+            </a:r>
+          </a:p>
+          <a:p>
+            <a:pPr lvl="1"/>
+            <a:r>
+              <a:rPr lang="en-AU" dirty="0"/>
+              <a:t>Business question: </a:t>
+            </a:r>
+            <a:r>
+              <a:rPr lang="en-GB" dirty="0"/>
+              <a:t>How to increase delivery cycle speeds by prioritizing applications with the lowest perceived value from customers?</a:t>
+            </a:r>
+            <a:endParaRPr lang="en-AU" dirty="0"/>
+          </a:p>
+          <a:p>
+            <a:pPr lvl="1"/>
+            <a:r>
+              <a:rPr lang="en-US" dirty="0"/>
+              <a:t>Stakeholder &amp; ROI/Dollar Value:</a:t>
+            </a:r>
+          </a:p>
+          <a:p>
+            <a:pPr marL="1485900" lvl="2" indent="-342900"/>
+            <a:r>
+              <a:rPr lang="en-US" sz="2000" dirty="0"/>
+              <a:t>Reduce change fail percentage for cycle times</a:t>
+            </a:r>
+          </a:p>
+          <a:p>
+            <a:pPr marL="1485900" lvl="2" indent="-342900"/>
+            <a:r>
+              <a:rPr lang="en-US" sz="2000" dirty="0"/>
+              <a:t>Reduce mean time to restoration for cycle times</a:t>
+            </a:r>
+          </a:p>
+          <a:p>
+            <a:pPr lvl="1"/>
+            <a:r>
+              <a:rPr lang="en-US" dirty="0"/>
+              <a:t>Goals</a:t>
+            </a:r>
+          </a:p>
+          <a:p>
+            <a:pPr marL="1485900" lvl="2" indent="-342900"/>
+            <a:r>
+              <a:rPr lang="en-US" dirty="0"/>
+              <a:t>To increase production cycle times</a:t>
+            </a:r>
+          </a:p>
+          <a:p>
+            <a:pPr marL="1485900" lvl="2" indent="-342900"/>
+            <a:r>
+              <a:rPr lang="en-US" dirty="0"/>
+              <a:t>To increase quarterly operational gross profit</a:t>
+            </a:r>
+          </a:p>
+          <a:p>
+            <a:pPr lvl="1"/>
+            <a:endParaRPr lang="en-US" dirty="0"/>
+          </a:p>
+          <a:p>
+            <a:pPr lvl="1"/>
+            <a:endParaRPr lang="en-US" dirty="0"/>
+          </a:p>
+        </p:txBody>
+      </p:sp>
+    </p:spTree>
+    <p:extLst>
+      <p:ext uri="{BB962C8B-B14F-4D97-AF65-F5344CB8AC3E}">
+        <p14:creationId xmlns:p14="http://schemas.microsoft.com/office/powerpoint/2010/main" val="2854986470"/>
+      </p:ext>
+    </p:extLst>
+  </p:cSld>
+  <p:clrMapOvr>
+    <a:masterClrMapping/>
+  </p:clrMapOvr>
+</p:sld>
+</file>
+
+<file path=ppt/slides/slide6.xml><?xml version="1.0" encoding="utf-8"?>
+<p:sld xmlns:a="http://schemas.openxmlformats.org/drawingml/2006/main" xmlns:r="http://schemas.openxmlformats.org/officeDocument/2006/relationships" xmlns:p="http://schemas.openxmlformats.org/presentationml/2006/main">
+  <p:cSld>
+    <p:spTree>
+      <p:nvGrpSpPr>
+        <p:cNvPr id="1" name=""/>
+        <p:cNvGrpSpPr/>
+        <p:nvPr/>
+      </p:nvGrpSpPr>
+      <p:grpSpPr>
+        <a:xfrm>
+          <a:off x="0" y="0"/>
+          <a:ext cx="0" cy="0"/>
+          <a:chOff x="0" y="0"/>
+          <a:chExt cx="0" cy="0"/>
+        </a:xfrm>
+      </p:grpSpPr>
+      <p:sp>
+        <p:nvSpPr>
+          <p:cNvPr id="2" name="Title 1">
+            <a:extLst>
+              <a:ext uri="{FF2B5EF4-FFF2-40B4-BE49-F238E27FC236}">
+                <a16:creationId xmlns:a16="http://schemas.microsoft.com/office/drawing/2014/main" id="{25716C74-8EF5-44F8-85D2-1499DBC94860}"/>
+              </a:ext>
+            </a:extLst>
+          </p:cNvPr>
+          <p:cNvSpPr>
+            <a:spLocks noGrp="1"/>
+          </p:cNvSpPr>
+          <p:nvPr>
+            <p:ph type="title"/>
+          </p:nvPr>
+        </p:nvSpPr>
+        <p:spPr/>
+        <p:txBody>
+          <a:bodyPr/>
+          <a:lstStyle/>
+          <a:p>
+            <a:r>
+              <a:rPr lang="en-AU" dirty="0"/>
+              <a:t>Define</a:t>
+            </a:r>
+          </a:p>
+        </p:txBody>
+      </p:sp>
+      <p:sp>
+        <p:nvSpPr>
+          <p:cNvPr id="3" name="Content Placeholder 2">
+            <a:extLst>
+              <a:ext uri="{FF2B5EF4-FFF2-40B4-BE49-F238E27FC236}">
+                <a16:creationId xmlns:a16="http://schemas.microsoft.com/office/drawing/2014/main" id="{97508E05-7405-413C-B1C8-0D632CBDFBE4}"/>
+              </a:ext>
+            </a:extLst>
+          </p:cNvPr>
+          <p:cNvSpPr>
+            <a:spLocks noGrp="1"/>
+          </p:cNvSpPr>
+          <p:nvPr>
+            <p:ph idx="1"/>
+          </p:nvPr>
+        </p:nvSpPr>
+        <p:spPr/>
+        <p:txBody>
+          <a:bodyPr/>
+          <a:lstStyle/>
+          <a:p>
+            <a:r>
+              <a:rPr lang="en-AU" dirty="0"/>
+              <a:t>Data Science aspects</a:t>
+            </a:r>
+          </a:p>
+          <a:p>
+            <a:pPr lvl="1"/>
+            <a:r>
+              <a:rPr lang="en-AU" dirty="0"/>
+              <a:t>Data question</a:t>
+            </a:r>
+          </a:p>
+          <a:p>
+            <a:pPr lvl="2"/>
+            <a:r>
+              <a:rPr lang="en-GB" sz="1800" dirty="0">
+                <a:effectLst/>
+                <a:latin typeface="Arial" panose="020B0604020202020204" pitchFamily="34" charset="0"/>
+                <a:ea typeface="Arial" panose="020B0604020202020204" pitchFamily="34" charset="0"/>
+              </a:rPr>
+              <a:t>Question: What are the models and features give us the best accuracy and ROC scores when predicting sentiment of customer reviews on the Google Play Store?</a:t>
+            </a:r>
+          </a:p>
+          <a:p>
+            <a:pPr lvl="1"/>
+            <a:r>
+              <a:rPr lang="en-GB" dirty="0"/>
+              <a:t>Data required</a:t>
+            </a:r>
+          </a:p>
+          <a:p>
+            <a:pPr lvl="2"/>
+            <a:r>
+              <a:rPr lang="en-GB" sz="1800" dirty="0">
+                <a:effectLst/>
+                <a:latin typeface="Arial" panose="020B0604020202020204" pitchFamily="34" charset="0"/>
+                <a:ea typeface="Arial" panose="020B0604020202020204" pitchFamily="34" charset="0"/>
+              </a:rPr>
+              <a:t>To answer the question, we need to frame the problem as a supervised machine learning problem that requires labelled training and test data.</a:t>
+            </a:r>
+            <a:endParaRPr lang="en-AU" sz="1800" dirty="0">
+              <a:effectLst/>
+              <a:latin typeface="Arial" panose="020B0604020202020204" pitchFamily="34" charset="0"/>
+              <a:ea typeface="Arial" panose="020B0604020202020204" pitchFamily="34" charset="0"/>
+            </a:endParaRPr>
+          </a:p>
+          <a:p>
+            <a:pPr lvl="2"/>
+            <a:r>
+              <a:rPr lang="en-AU" dirty="0"/>
+              <a:t>Customer reviews: text string type</a:t>
+            </a:r>
+          </a:p>
+          <a:p>
+            <a:pPr lvl="2"/>
+            <a:r>
+              <a:rPr lang="en-AU" dirty="0"/>
+              <a:t>Sentiment label: binary or polarized integer type</a:t>
+            </a:r>
+          </a:p>
+          <a:p>
+            <a:pPr lvl="1"/>
+            <a:r>
+              <a:rPr lang="en-AU" dirty="0"/>
+              <a:t>Data Source</a:t>
+            </a:r>
+          </a:p>
+          <a:p>
+            <a:pPr lvl="2"/>
+            <a:r>
+              <a:rPr lang="en-GB" dirty="0"/>
+              <a:t>Kaggle: </a:t>
+            </a:r>
+            <a:r>
+              <a:rPr lang="en-GB" dirty="0">
+                <a:hlinkClick r:id="rId2">
+                  <a:extLst>
+                    <a:ext uri="{A12FA001-AC4F-418D-AE19-62706E023703}">
+                      <ahyp:hlinkClr xmlns:ahyp="http://schemas.microsoft.com/office/drawing/2018/hyperlinkcolor" val="tx"/>
+                    </a:ext>
+                  </a:extLst>
+                </a:hlinkClick>
+              </a:rPr>
+              <a:t>https://www.kaggle.com/ashraf1997/anz-synthesised-transaction-dataset</a:t>
+            </a:r>
+            <a:endParaRPr lang="en-GB" dirty="0"/>
+          </a:p>
+          <a:p>
+            <a:pPr lvl="2"/>
+            <a:r>
+              <a:rPr lang="en-GB" sz="1800" dirty="0">
+                <a:effectLst/>
+                <a:latin typeface="Arial" panose="020B0604020202020204" pitchFamily="34" charset="0"/>
+                <a:ea typeface="Arial" panose="020B0604020202020204" pitchFamily="34" charset="0"/>
+              </a:rPr>
+              <a:t>Google Play: </a:t>
+            </a:r>
+            <a:r>
+              <a:rPr lang="en-GB" sz="1800" u="sng" dirty="0">
+                <a:solidFill>
+                  <a:srgbClr val="0000FF"/>
+                </a:solidFill>
+                <a:effectLst/>
+                <a:latin typeface="Arial" panose="020B0604020202020204" pitchFamily="34" charset="0"/>
+                <a:ea typeface="Arial" panose="020B0604020202020204" pitchFamily="34" charset="0"/>
+                <a:hlinkClick r:id="rId3"/>
+              </a:rPr>
+              <a:t>https://play.google.com/store</a:t>
+            </a:r>
+            <a:endParaRPr lang="en-AU" dirty="0"/>
+          </a:p>
+          <a:p>
+            <a:pPr marL="457200" lvl="1" indent="0">
+              <a:buNone/>
+            </a:pPr>
+            <a:endParaRPr lang="en-AU" dirty="0"/>
+          </a:p>
+        </p:txBody>
+      </p:sp>
+    </p:spTree>
+    <p:extLst>
+      <p:ext uri="{BB962C8B-B14F-4D97-AF65-F5344CB8AC3E}">
+        <p14:creationId xmlns:p14="http://schemas.microsoft.com/office/powerpoint/2010/main" val="4219432369"/>
+      </p:ext>
+    </p:extLst>
+  </p:cSld>
+  <p:clrMapOvr>
+    <a:masterClrMapping/>
+  </p:clrMapOvr>
+</p:sld>
+</file>
+
+<file path=ppt/slides/slide7.xml><?xml version="1.0" encoding="utf-8"?>
+<p:sld xmlns:a="http://schemas.openxmlformats.org/drawingml/2006/main" xmlns:r="http://schemas.openxmlformats.org/officeDocument/2006/relationships" xmlns:p="http://schemas.openxmlformats.org/presentationml/2006/main">
+  <p:cSld>
+    <p:spTree>
+      <p:nvGrpSpPr>
+        <p:cNvPr id="1" name=""/>
+        <p:cNvGrpSpPr/>
+        <p:nvPr/>
+      </p:nvGrpSpPr>
+      <p:grpSpPr>
+        <a:xfrm>
+          <a:off x="0" y="0"/>
+          <a:ext cx="0" cy="0"/>
+          <a:chOff x="0" y="0"/>
+          <a:chExt cx="0" cy="0"/>
+        </a:xfrm>
+      </p:grpSpPr>
+      <p:sp>
+        <p:nvSpPr>
+          <p:cNvPr id="2" name="Title 1">
+            <a:extLst>
+              <a:ext uri="{FF2B5EF4-FFF2-40B4-BE49-F238E27FC236}">
+                <a16:creationId xmlns:a16="http://schemas.microsoft.com/office/drawing/2014/main" id="{7164A467-CE29-4753-951E-FA56A5B8866E}"/>
+              </a:ext>
+            </a:extLst>
+          </p:cNvPr>
+          <p:cNvSpPr>
+            <a:spLocks noGrp="1"/>
+          </p:cNvSpPr>
+          <p:nvPr>
+            <p:ph type="title"/>
+          </p:nvPr>
+        </p:nvSpPr>
+        <p:spPr/>
+        <p:txBody>
+          <a:bodyPr/>
+          <a:lstStyle/>
+          <a:p>
+            <a:endParaRPr lang="en-AU"/>
+          </a:p>
+        </p:txBody>
+      </p:sp>
+      <p:sp>
+        <p:nvSpPr>
+          <p:cNvPr id="3" name="Content Placeholder 2">
+            <a:extLst>
+              <a:ext uri="{FF2B5EF4-FFF2-40B4-BE49-F238E27FC236}">
+                <a16:creationId xmlns:a16="http://schemas.microsoft.com/office/drawing/2014/main" id="{E51F004A-2C7F-4E04-BA2C-6B46B2598D5A}"/>
+              </a:ext>
+            </a:extLst>
+          </p:cNvPr>
+          <p:cNvSpPr>
+            <a:spLocks noGrp="1"/>
+          </p:cNvSpPr>
+          <p:nvPr>
+            <p:ph idx="1"/>
+          </p:nvPr>
+        </p:nvSpPr>
+        <p:spPr/>
+        <p:txBody>
+          <a:bodyPr/>
+          <a:lstStyle/>
+          <a:p>
+            <a:endParaRPr lang="en-AU"/>
+          </a:p>
+        </p:txBody>
+      </p:sp>
+    </p:spTree>
+    <p:extLst>
+      <p:ext uri="{BB962C8B-B14F-4D97-AF65-F5344CB8AC3E}">
+        <p14:creationId xmlns:p14="http://schemas.microsoft.com/office/powerpoint/2010/main" val="2505818061"/>
       </p:ext>
     </p:extLst>
   </p:cSld>

--- a/Capstone Project 2021.pptx
+++ b/Capstone Project 2021.pptx
@@ -2,7 +2,7 @@
 <file path=ppt/presentation.xml><?xml version="1.0" encoding="utf-8"?>
 <p:presentation xmlns:a="http://schemas.openxmlformats.org/drawingml/2006/main" xmlns:r="http://schemas.openxmlformats.org/officeDocument/2006/relationships" xmlns:p="http://schemas.openxmlformats.org/presentationml/2006/main" saveSubsetFonts="1">
   <p:sldMasterIdLst>
-    <p:sldMasterId id="2147483648" r:id="rId1"/>
+    <p:sldMasterId id="2147483773" r:id="rId1"/>
   </p:sldMasterIdLst>
   <p:sldIdLst>
     <p:sldId id="256" r:id="rId2"/>
@@ -12,6 +12,12 @@
     <p:sldId id="260" r:id="rId6"/>
     <p:sldId id="261" r:id="rId7"/>
     <p:sldId id="262" r:id="rId8"/>
+    <p:sldId id="263" r:id="rId9"/>
+    <p:sldId id="264" r:id="rId10"/>
+    <p:sldId id="265" r:id="rId11"/>
+    <p:sldId id="266" r:id="rId12"/>
+    <p:sldId id="267" r:id="rId13"/>
+    <p:sldId id="268" r:id="rId14"/>
   </p:sldIdLst>
   <p:sldSz cx="12192000" cy="6858000"/>
   <p:notesSz cx="6858000" cy="9144000"/>
@@ -19,7 +25,7 @@
     <a:defPPr>
       <a:defRPr lang="en-US"/>
     </a:defPPr>
-    <a:lvl1pPr marL="0" algn="l" defTabSz="914400" rtl="0" eaLnBrk="1" latinLnBrk="0" hangingPunct="1">
+    <a:lvl1pPr marL="0" algn="l" defTabSz="457200" rtl="0" eaLnBrk="1" latinLnBrk="0" hangingPunct="1">
       <a:defRPr sz="1800" kern="1200">
         <a:solidFill>
           <a:schemeClr val="tx1"/>
@@ -29,7 +35,7 @@
         <a:cs typeface="+mn-cs"/>
       </a:defRPr>
     </a:lvl1pPr>
-    <a:lvl2pPr marL="457200" algn="l" defTabSz="914400" rtl="0" eaLnBrk="1" latinLnBrk="0" hangingPunct="1">
+    <a:lvl2pPr marL="457200" algn="l" defTabSz="457200" rtl="0" eaLnBrk="1" latinLnBrk="0" hangingPunct="1">
       <a:defRPr sz="1800" kern="1200">
         <a:solidFill>
           <a:schemeClr val="tx1"/>
@@ -39,7 +45,7 @@
         <a:cs typeface="+mn-cs"/>
       </a:defRPr>
     </a:lvl2pPr>
-    <a:lvl3pPr marL="914400" algn="l" defTabSz="914400" rtl="0" eaLnBrk="1" latinLnBrk="0" hangingPunct="1">
+    <a:lvl3pPr marL="914400" algn="l" defTabSz="457200" rtl="0" eaLnBrk="1" latinLnBrk="0" hangingPunct="1">
       <a:defRPr sz="1800" kern="1200">
         <a:solidFill>
           <a:schemeClr val="tx1"/>
@@ -49,7 +55,7 @@
         <a:cs typeface="+mn-cs"/>
       </a:defRPr>
     </a:lvl3pPr>
-    <a:lvl4pPr marL="1371600" algn="l" defTabSz="914400" rtl="0" eaLnBrk="1" latinLnBrk="0" hangingPunct="1">
+    <a:lvl4pPr marL="1371600" algn="l" defTabSz="457200" rtl="0" eaLnBrk="1" latinLnBrk="0" hangingPunct="1">
       <a:defRPr sz="1800" kern="1200">
         <a:solidFill>
           <a:schemeClr val="tx1"/>
@@ -59,7 +65,7 @@
         <a:cs typeface="+mn-cs"/>
       </a:defRPr>
     </a:lvl4pPr>
-    <a:lvl5pPr marL="1828800" algn="l" defTabSz="914400" rtl="0" eaLnBrk="1" latinLnBrk="0" hangingPunct="1">
+    <a:lvl5pPr marL="1828800" algn="l" defTabSz="457200" rtl="0" eaLnBrk="1" latinLnBrk="0" hangingPunct="1">
       <a:defRPr sz="1800" kern="1200">
         <a:solidFill>
           <a:schemeClr val="tx1"/>
@@ -69,7 +75,7 @@
         <a:cs typeface="+mn-cs"/>
       </a:defRPr>
     </a:lvl5pPr>
-    <a:lvl6pPr marL="2286000" algn="l" defTabSz="914400" rtl="0" eaLnBrk="1" latinLnBrk="0" hangingPunct="1">
+    <a:lvl6pPr marL="2286000" algn="l" defTabSz="457200" rtl="0" eaLnBrk="1" latinLnBrk="0" hangingPunct="1">
       <a:defRPr sz="1800" kern="1200">
         <a:solidFill>
           <a:schemeClr val="tx1"/>
@@ -79,7 +85,7 @@
         <a:cs typeface="+mn-cs"/>
       </a:defRPr>
     </a:lvl6pPr>
-    <a:lvl7pPr marL="2743200" algn="l" defTabSz="914400" rtl="0" eaLnBrk="1" latinLnBrk="0" hangingPunct="1">
+    <a:lvl7pPr marL="2743200" algn="l" defTabSz="457200" rtl="0" eaLnBrk="1" latinLnBrk="0" hangingPunct="1">
       <a:defRPr sz="1800" kern="1200">
         <a:solidFill>
           <a:schemeClr val="tx1"/>
@@ -89,7 +95,7 @@
         <a:cs typeface="+mn-cs"/>
       </a:defRPr>
     </a:lvl7pPr>
-    <a:lvl8pPr marL="3200400" algn="l" defTabSz="914400" rtl="0" eaLnBrk="1" latinLnBrk="0" hangingPunct="1">
+    <a:lvl8pPr marL="3200400" algn="l" defTabSz="457200" rtl="0" eaLnBrk="1" latinLnBrk="0" hangingPunct="1">
       <a:defRPr sz="1800" kern="1200">
         <a:solidFill>
           <a:schemeClr val="tx1"/>
@@ -99,7 +105,7 @@
         <a:cs typeface="+mn-cs"/>
       </a:defRPr>
     </a:lvl8pPr>
-    <a:lvl9pPr marL="3657600" algn="l" defTabSz="914400" rtl="0" eaLnBrk="1" latinLnBrk="0" hangingPunct="1">
+    <a:lvl9pPr marL="3657600" algn="l" defTabSz="457200" rtl="0" eaLnBrk="1" latinLnBrk="0" hangingPunct="1">
       <a:defRPr sz="1800" kern="1200">
         <a:solidFill>
           <a:schemeClr val="tx1"/>
@@ -121,7 +127,7 @@
 <file path=ppt/revisionInfo.xml><?xml version="1.0" encoding="utf-8"?>
 <p1510:revInfo xmlns:a="http://schemas.openxmlformats.org/drawingml/2006/main" xmlns:r="http://schemas.openxmlformats.org/officeDocument/2006/relationships" xmlns:p1510="http://schemas.microsoft.com/office/powerpoint/2015/10/main">
   <p1510:revLst>
-    <p1510:client id="{D426A5C3-16BC-459B-8B24-6227DC7E5B5C}" v="1" dt="2021-06-03T02:44:06.247"/>
+    <p1510:client id="{D426A5C3-16BC-459B-8B24-6227DC7E5B5C}" v="13" dt="2021-06-03T04:13:16.717"/>
   </p1510:revLst>
 </p1510:revInfo>
 </file>
@@ -131,18 +137,18 @@
   <pc:docChgLst>
     <pc:chgData name="Isaac Low" userId="7480a74fbf43f6b1" providerId="LiveId" clId="{D426A5C3-16BC-459B-8B24-6227DC7E5B5C}"/>
     <pc:docChg chg="undo custSel addSld modSld">
-      <pc:chgData name="Isaac Low" userId="7480a74fbf43f6b1" providerId="LiveId" clId="{D426A5C3-16BC-459B-8B24-6227DC7E5B5C}" dt="2021-06-03T02:44:11.028" v="2802" actId="680"/>
+      <pc:chgData name="Isaac Low" userId="7480a74fbf43f6b1" providerId="LiveId" clId="{D426A5C3-16BC-459B-8B24-6227DC7E5B5C}" dt="2021-06-03T04:22:15.788" v="5442"/>
       <pc:docMkLst>
         <pc:docMk/>
       </pc:docMkLst>
-      <pc:sldChg chg="modSp new mod">
-        <pc:chgData name="Isaac Low" userId="7480a74fbf43f6b1" providerId="LiveId" clId="{D426A5C3-16BC-459B-8B24-6227DC7E5B5C}" dt="2021-06-02T15:48:11.927" v="176" actId="20577"/>
+      <pc:sldChg chg="addSp delSp modSp new mod setBg addAnim setClrOvrMap delDesignElem">
+        <pc:chgData name="Isaac Low" userId="7480a74fbf43f6b1" providerId="LiveId" clId="{D426A5C3-16BC-459B-8B24-6227DC7E5B5C}" dt="2021-06-03T04:13:39.558" v="5421" actId="26606"/>
         <pc:sldMkLst>
           <pc:docMk/>
           <pc:sldMk cId="1346450560" sldId="256"/>
         </pc:sldMkLst>
-        <pc:spChg chg="mod">
-          <ac:chgData name="Isaac Low" userId="7480a74fbf43f6b1" providerId="LiveId" clId="{D426A5C3-16BC-459B-8B24-6227DC7E5B5C}" dt="2021-06-02T15:06:40.232" v="97"/>
+        <pc:spChg chg="mod ord">
+          <ac:chgData name="Isaac Low" userId="7480a74fbf43f6b1" providerId="LiveId" clId="{D426A5C3-16BC-459B-8B24-6227DC7E5B5C}" dt="2021-06-03T04:13:39.558" v="5421" actId="26606"/>
           <ac:spMkLst>
             <pc:docMk/>
             <pc:sldMk cId="1346450560" sldId="256"/>
@@ -150,22 +156,302 @@
           </ac:spMkLst>
         </pc:spChg>
         <pc:spChg chg="mod">
-          <ac:chgData name="Isaac Low" userId="7480a74fbf43f6b1" providerId="LiveId" clId="{D426A5C3-16BC-459B-8B24-6227DC7E5B5C}" dt="2021-06-02T15:48:11.927" v="176" actId="20577"/>
+          <ac:chgData name="Isaac Low" userId="7480a74fbf43f6b1" providerId="LiveId" clId="{D426A5C3-16BC-459B-8B24-6227DC7E5B5C}" dt="2021-06-03T04:13:39.558" v="5421" actId="26606"/>
           <ac:spMkLst>
             <pc:docMk/>
             <pc:sldMk cId="1346450560" sldId="256"/>
             <ac:spMk id="3" creationId="{C0BEADF8-CE23-4B1C-BF6B-0C9AF1C6EFAB}"/>
           </ac:spMkLst>
         </pc:spChg>
+        <pc:spChg chg="add del">
+          <ac:chgData name="Isaac Low" userId="7480a74fbf43f6b1" providerId="LiveId" clId="{D426A5C3-16BC-459B-8B24-6227DC7E5B5C}" dt="2021-06-03T04:13:30.334" v="5410" actId="26606"/>
+          <ac:spMkLst>
+            <pc:docMk/>
+            <pc:sldMk cId="1346450560" sldId="256"/>
+            <ac:spMk id="5" creationId="{F81819F9-8CAC-4A6C-8F06-0482027F9736}"/>
+          </ac:spMkLst>
+        </pc:spChg>
+        <pc:spChg chg="add del">
+          <ac:chgData name="Isaac Low" userId="7480a74fbf43f6b1" providerId="LiveId" clId="{D426A5C3-16BC-459B-8B24-6227DC7E5B5C}" dt="2021-06-03T04:13:30.334" v="5410" actId="26606"/>
+          <ac:spMkLst>
+            <pc:docMk/>
+            <pc:sldMk cId="1346450560" sldId="256"/>
+            <ac:spMk id="6" creationId="{4A98CC08-AEC2-4E8F-8F52-0F5C6372DB4F}"/>
+          </ac:spMkLst>
+        </pc:spChg>
+        <pc:spChg chg="add del">
+          <ac:chgData name="Isaac Low" userId="7480a74fbf43f6b1" providerId="LiveId" clId="{D426A5C3-16BC-459B-8B24-6227DC7E5B5C}" dt="2021-06-03T04:12:51.185" v="5384"/>
+          <ac:spMkLst>
+            <pc:docMk/>
+            <pc:sldMk cId="1346450560" sldId="256"/>
+            <ac:spMk id="8" creationId="{88294908-8B00-4F58-BBBA-20F71A40AA9E}"/>
+          </ac:spMkLst>
+        </pc:spChg>
+        <pc:spChg chg="add del">
+          <ac:chgData name="Isaac Low" userId="7480a74fbf43f6b1" providerId="LiveId" clId="{D426A5C3-16BC-459B-8B24-6227DC7E5B5C}" dt="2021-06-03T04:12:51.185" v="5384"/>
+          <ac:spMkLst>
+            <pc:docMk/>
+            <pc:sldMk cId="1346450560" sldId="256"/>
+            <ac:spMk id="10" creationId="{4364C879-1404-4203-8E9D-CC5DE0A621A2}"/>
+          </ac:spMkLst>
+        </pc:spChg>
+        <pc:spChg chg="add del">
+          <ac:chgData name="Isaac Low" userId="7480a74fbf43f6b1" providerId="LiveId" clId="{D426A5C3-16BC-459B-8B24-6227DC7E5B5C}" dt="2021-06-03T04:12:51.185" v="5384"/>
+          <ac:spMkLst>
+            <pc:docMk/>
+            <pc:sldMk cId="1346450560" sldId="256"/>
+            <ac:spMk id="12" creationId="{84617302-4B0D-4351-A6BB-6F0930D943AC}"/>
+          </ac:spMkLst>
+        </pc:spChg>
+        <pc:spChg chg="add del">
+          <ac:chgData name="Isaac Low" userId="7480a74fbf43f6b1" providerId="LiveId" clId="{D426A5C3-16BC-459B-8B24-6227DC7E5B5C}" dt="2021-06-03T04:12:51.185" v="5384"/>
+          <ac:spMkLst>
+            <pc:docMk/>
+            <pc:sldMk cId="1346450560" sldId="256"/>
+            <ac:spMk id="14" creationId="{DA2C7802-C2E0-4218-8F89-8DD7CCD2CD1C}"/>
+          </ac:spMkLst>
+        </pc:spChg>
+        <pc:spChg chg="add del">
+          <ac:chgData name="Isaac Low" userId="7480a74fbf43f6b1" providerId="LiveId" clId="{D426A5C3-16BC-459B-8B24-6227DC7E5B5C}" dt="2021-06-03T04:12:51.185" v="5384"/>
+          <ac:spMkLst>
+            <pc:docMk/>
+            <pc:sldMk cId="1346450560" sldId="256"/>
+            <ac:spMk id="16" creationId="{A6D7111A-21E5-4EE9-8A78-10E5530F0116}"/>
+          </ac:spMkLst>
+        </pc:spChg>
+        <pc:spChg chg="add del">
+          <ac:chgData name="Isaac Low" userId="7480a74fbf43f6b1" providerId="LiveId" clId="{D426A5C3-16BC-459B-8B24-6227DC7E5B5C}" dt="2021-06-03T04:12:51.185" v="5384"/>
+          <ac:spMkLst>
+            <pc:docMk/>
+            <pc:sldMk cId="1346450560" sldId="256"/>
+            <ac:spMk id="18" creationId="{A3969E80-A77B-49FC-9122-D89AFD5EE118}"/>
+          </ac:spMkLst>
+        </pc:spChg>
+        <pc:spChg chg="add del">
+          <ac:chgData name="Isaac Low" userId="7480a74fbf43f6b1" providerId="LiveId" clId="{D426A5C3-16BC-459B-8B24-6227DC7E5B5C}" dt="2021-06-03T04:12:51.185" v="5384"/>
+          <ac:spMkLst>
+            <pc:docMk/>
+            <pc:sldMk cId="1346450560" sldId="256"/>
+            <ac:spMk id="20" creationId="{1849CA57-76BD-4CF2-80BA-D7A46A01B7B1}"/>
+          </ac:spMkLst>
+        </pc:spChg>
+        <pc:spChg chg="add del">
+          <ac:chgData name="Isaac Low" userId="7480a74fbf43f6b1" providerId="LiveId" clId="{D426A5C3-16BC-459B-8B24-6227DC7E5B5C}" dt="2021-06-03T04:12:51.185" v="5384"/>
+          <ac:spMkLst>
+            <pc:docMk/>
+            <pc:sldMk cId="1346450560" sldId="256"/>
+            <ac:spMk id="22" creationId="{35E9085E-E730-4768-83D4-6CB7E9897153}"/>
+          </ac:spMkLst>
+        </pc:spChg>
+        <pc:spChg chg="add del">
+          <ac:chgData name="Isaac Low" userId="7480a74fbf43f6b1" providerId="LiveId" clId="{D426A5C3-16BC-459B-8B24-6227DC7E5B5C}" dt="2021-06-03T04:12:51.185" v="5384"/>
+          <ac:spMkLst>
+            <pc:docMk/>
+            <pc:sldMk cId="1346450560" sldId="256"/>
+            <ac:spMk id="24" creationId="{973272FE-A474-4CAE-8CA2-BCC8B476C3F4}"/>
+          </ac:spMkLst>
+        </pc:spChg>
+        <pc:spChg chg="add del">
+          <ac:chgData name="Isaac Low" userId="7480a74fbf43f6b1" providerId="LiveId" clId="{D426A5C3-16BC-459B-8B24-6227DC7E5B5C}" dt="2021-06-03T04:12:51.185" v="5384"/>
+          <ac:spMkLst>
+            <pc:docMk/>
+            <pc:sldMk cId="1346450560" sldId="256"/>
+            <ac:spMk id="26" creationId="{E07981EA-05A6-437C-88D7-B377B92B031D}"/>
+          </ac:spMkLst>
+        </pc:spChg>
+        <pc:spChg chg="add del">
+          <ac:chgData name="Isaac Low" userId="7480a74fbf43f6b1" providerId="LiveId" clId="{D426A5C3-16BC-459B-8B24-6227DC7E5B5C}" dt="2021-06-03T04:12:51.185" v="5384"/>
+          <ac:spMkLst>
+            <pc:docMk/>
+            <pc:sldMk cId="1346450560" sldId="256"/>
+            <ac:spMk id="28" creationId="{15E3C750-986E-4769-B1AE-49289FBEE757}"/>
+          </ac:spMkLst>
+        </pc:spChg>
+        <pc:spChg chg="add del">
+          <ac:chgData name="Isaac Low" userId="7480a74fbf43f6b1" providerId="LiveId" clId="{D426A5C3-16BC-459B-8B24-6227DC7E5B5C}" dt="2021-06-03T04:13:30.334" v="5410" actId="26606"/>
+          <ac:spMkLst>
+            <pc:docMk/>
+            <pc:sldMk cId="1346450560" sldId="256"/>
+            <ac:spMk id="31" creationId="{1310EFE2-B91D-47E7-B117-C2A802800A7C}"/>
+          </ac:spMkLst>
+        </pc:spChg>
+        <pc:spChg chg="add del">
+          <ac:chgData name="Isaac Low" userId="7480a74fbf43f6b1" providerId="LiveId" clId="{D426A5C3-16BC-459B-8B24-6227DC7E5B5C}" dt="2021-06-03T04:13:32.505" v="5412" actId="26606"/>
+          <ac:spMkLst>
+            <pc:docMk/>
+            <pc:sldMk cId="1346450560" sldId="256"/>
+            <ac:spMk id="33" creationId="{8AE13726-118E-4447-A494-BC78C0315293}"/>
+          </ac:spMkLst>
+        </pc:spChg>
+        <pc:spChg chg="add del">
+          <ac:chgData name="Isaac Low" userId="7480a74fbf43f6b1" providerId="LiveId" clId="{D426A5C3-16BC-459B-8B24-6227DC7E5B5C}" dt="2021-06-03T04:13:32.505" v="5412" actId="26606"/>
+          <ac:spMkLst>
+            <pc:docMk/>
+            <pc:sldMk cId="1346450560" sldId="256"/>
+            <ac:spMk id="34" creationId="{57ABABA7-0420-4200-9B65-1C1967CE9373}"/>
+          </ac:spMkLst>
+        </pc:spChg>
+        <pc:spChg chg="add del">
+          <ac:chgData name="Isaac Low" userId="7480a74fbf43f6b1" providerId="LiveId" clId="{D426A5C3-16BC-459B-8B24-6227DC7E5B5C}" dt="2021-06-03T04:13:32.505" v="5412" actId="26606"/>
+          <ac:spMkLst>
+            <pc:docMk/>
+            <pc:sldMk cId="1346450560" sldId="256"/>
+            <ac:spMk id="35" creationId="{1E86F813-D67B-409D-AA77-FA8878C28E40}"/>
+          </ac:spMkLst>
+        </pc:spChg>
+        <pc:spChg chg="add del">
+          <ac:chgData name="Isaac Low" userId="7480a74fbf43f6b1" providerId="LiveId" clId="{D426A5C3-16BC-459B-8B24-6227DC7E5B5C}" dt="2021-06-03T04:13:32.983" v="5414" actId="26606"/>
+          <ac:spMkLst>
+            <pc:docMk/>
+            <pc:sldMk cId="1346450560" sldId="256"/>
+            <ac:spMk id="37" creationId="{57ABABA7-0420-4200-9B65-1C1967CE9373}"/>
+          </ac:spMkLst>
+        </pc:spChg>
+        <pc:spChg chg="add del">
+          <ac:chgData name="Isaac Low" userId="7480a74fbf43f6b1" providerId="LiveId" clId="{D426A5C3-16BC-459B-8B24-6227DC7E5B5C}" dt="2021-06-03T04:13:32.983" v="5414" actId="26606"/>
+          <ac:spMkLst>
+            <pc:docMk/>
+            <pc:sldMk cId="1346450560" sldId="256"/>
+            <ac:spMk id="38" creationId="{A317EBE3-FF86-4DA1-BC9A-331F7F2144E9}"/>
+          </ac:spMkLst>
+        </pc:spChg>
+        <pc:spChg chg="add del">
+          <ac:chgData name="Isaac Low" userId="7480a74fbf43f6b1" providerId="LiveId" clId="{D426A5C3-16BC-459B-8B24-6227DC7E5B5C}" dt="2021-06-03T04:13:34.511" v="5416" actId="26606"/>
+          <ac:spMkLst>
+            <pc:docMk/>
+            <pc:sldMk cId="1346450560" sldId="256"/>
+            <ac:spMk id="41" creationId="{F81819F9-8CAC-4A6C-8F06-0482027F9736}"/>
+          </ac:spMkLst>
+        </pc:spChg>
+        <pc:spChg chg="add del">
+          <ac:chgData name="Isaac Low" userId="7480a74fbf43f6b1" providerId="LiveId" clId="{D426A5C3-16BC-459B-8B24-6227DC7E5B5C}" dt="2021-06-03T04:13:34.511" v="5416" actId="26606"/>
+          <ac:spMkLst>
+            <pc:docMk/>
+            <pc:sldMk cId="1346450560" sldId="256"/>
+            <ac:spMk id="42" creationId="{4A98CC08-AEC2-4E8F-8F52-0F5C6372DB4F}"/>
+          </ac:spMkLst>
+        </pc:spChg>
+        <pc:spChg chg="add del">
+          <ac:chgData name="Isaac Low" userId="7480a74fbf43f6b1" providerId="LiveId" clId="{D426A5C3-16BC-459B-8B24-6227DC7E5B5C}" dt="2021-06-03T04:13:34.511" v="5416" actId="26606"/>
+          <ac:spMkLst>
+            <pc:docMk/>
+            <pc:sldMk cId="1346450560" sldId="256"/>
+            <ac:spMk id="50" creationId="{1310EFE2-B91D-47E7-B117-C2A802800A7C}"/>
+          </ac:spMkLst>
+        </pc:spChg>
+        <pc:spChg chg="add del">
+          <ac:chgData name="Isaac Low" userId="7480a74fbf43f6b1" providerId="LiveId" clId="{D426A5C3-16BC-459B-8B24-6227DC7E5B5C}" dt="2021-06-03T04:13:38.329" v="5418" actId="26606"/>
+          <ac:spMkLst>
+            <pc:docMk/>
+            <pc:sldMk cId="1346450560" sldId="256"/>
+            <ac:spMk id="52" creationId="{57ABABA7-0420-4200-9B65-1C1967CE9373}"/>
+          </ac:spMkLst>
+        </pc:spChg>
+        <pc:spChg chg="add del">
+          <ac:chgData name="Isaac Low" userId="7480a74fbf43f6b1" providerId="LiveId" clId="{D426A5C3-16BC-459B-8B24-6227DC7E5B5C}" dt="2021-06-03T04:13:38.329" v="5418" actId="26606"/>
+          <ac:spMkLst>
+            <pc:docMk/>
+            <pc:sldMk cId="1346450560" sldId="256"/>
+            <ac:spMk id="53" creationId="{A317EBE3-FF86-4DA1-BC9A-331F7F2144E9}"/>
+          </ac:spMkLst>
+        </pc:spChg>
+        <pc:spChg chg="add del">
+          <ac:chgData name="Isaac Low" userId="7480a74fbf43f6b1" providerId="LiveId" clId="{D426A5C3-16BC-459B-8B24-6227DC7E5B5C}" dt="2021-06-03T04:13:39.552" v="5420" actId="26606"/>
+          <ac:spMkLst>
+            <pc:docMk/>
+            <pc:sldMk cId="1346450560" sldId="256"/>
+            <ac:spMk id="56" creationId="{F81819F9-8CAC-4A6C-8F06-0482027F9736}"/>
+          </ac:spMkLst>
+        </pc:spChg>
+        <pc:spChg chg="add del">
+          <ac:chgData name="Isaac Low" userId="7480a74fbf43f6b1" providerId="LiveId" clId="{D426A5C3-16BC-459B-8B24-6227DC7E5B5C}" dt="2021-06-03T04:13:39.552" v="5420" actId="26606"/>
+          <ac:spMkLst>
+            <pc:docMk/>
+            <pc:sldMk cId="1346450560" sldId="256"/>
+            <ac:spMk id="57" creationId="{4A98CC08-AEC2-4E8F-8F52-0F5C6372DB4F}"/>
+          </ac:spMkLst>
+        </pc:spChg>
+        <pc:spChg chg="add del">
+          <ac:chgData name="Isaac Low" userId="7480a74fbf43f6b1" providerId="LiveId" clId="{D426A5C3-16BC-459B-8B24-6227DC7E5B5C}" dt="2021-06-03T04:13:39.552" v="5420" actId="26606"/>
+          <ac:spMkLst>
+            <pc:docMk/>
+            <pc:sldMk cId="1346450560" sldId="256"/>
+            <ac:spMk id="65" creationId="{1310EFE2-B91D-47E7-B117-C2A802800A7C}"/>
+          </ac:spMkLst>
+        </pc:spChg>
+        <pc:spChg chg="add">
+          <ac:chgData name="Isaac Low" userId="7480a74fbf43f6b1" providerId="LiveId" clId="{D426A5C3-16BC-459B-8B24-6227DC7E5B5C}" dt="2021-06-03T04:13:39.558" v="5421" actId="26606"/>
+          <ac:spMkLst>
+            <pc:docMk/>
+            <pc:sldMk cId="1346450560" sldId="256"/>
+            <ac:spMk id="67" creationId="{57ABABA7-0420-4200-9B65-1C1967CE9373}"/>
+          </ac:spMkLst>
+        </pc:spChg>
+        <pc:spChg chg="add">
+          <ac:chgData name="Isaac Low" userId="7480a74fbf43f6b1" providerId="LiveId" clId="{D426A5C3-16BC-459B-8B24-6227DC7E5B5C}" dt="2021-06-03T04:13:39.558" v="5421" actId="26606"/>
+          <ac:spMkLst>
+            <pc:docMk/>
+            <pc:sldMk cId="1346450560" sldId="256"/>
+            <ac:spMk id="68" creationId="{A317EBE3-FF86-4DA1-BC9A-331F7F2144E9}"/>
+          </ac:spMkLst>
+        </pc:spChg>
+        <pc:grpChg chg="add del">
+          <ac:chgData name="Isaac Low" userId="7480a74fbf43f6b1" providerId="LiveId" clId="{D426A5C3-16BC-459B-8B24-6227DC7E5B5C}" dt="2021-06-03T04:13:30.334" v="5410" actId="26606"/>
+          <ac:grpSpMkLst>
+            <pc:docMk/>
+            <pc:sldMk cId="1346450560" sldId="256"/>
+            <ac:grpSpMk id="7" creationId="{5D1545E6-EB3C-4478-A661-A2CA963F129C}"/>
+          </ac:grpSpMkLst>
+        </pc:grpChg>
+        <pc:grpChg chg="add del">
+          <ac:chgData name="Isaac Low" userId="7480a74fbf43f6b1" providerId="LiveId" clId="{D426A5C3-16BC-459B-8B24-6227DC7E5B5C}" dt="2021-06-03T04:13:34.511" v="5416" actId="26606"/>
+          <ac:grpSpMkLst>
+            <pc:docMk/>
+            <pc:sldMk cId="1346450560" sldId="256"/>
+            <ac:grpSpMk id="43" creationId="{5D1545E6-EB3C-4478-A661-A2CA963F129C}"/>
+          </ac:grpSpMkLst>
+        </pc:grpChg>
+        <pc:grpChg chg="add del">
+          <ac:chgData name="Isaac Low" userId="7480a74fbf43f6b1" providerId="LiveId" clId="{D426A5C3-16BC-459B-8B24-6227DC7E5B5C}" dt="2021-06-03T04:13:39.552" v="5420" actId="26606"/>
+          <ac:grpSpMkLst>
+            <pc:docMk/>
+            <pc:sldMk cId="1346450560" sldId="256"/>
+            <ac:grpSpMk id="58" creationId="{5D1545E6-EB3C-4478-A661-A2CA963F129C}"/>
+          </ac:grpSpMkLst>
+        </pc:grpChg>
+        <pc:cxnChg chg="add del">
+          <ac:chgData name="Isaac Low" userId="7480a74fbf43f6b1" providerId="LiveId" clId="{D426A5C3-16BC-459B-8B24-6227DC7E5B5C}" dt="2021-06-03T04:13:32.983" v="5414" actId="26606"/>
+          <ac:cxnSpMkLst>
+            <pc:docMk/>
+            <pc:sldMk cId="1346450560" sldId="256"/>
+            <ac:cxnSpMk id="39" creationId="{34D43EC1-35FA-4FC3-8526-F655CEB09D9C}"/>
+          </ac:cxnSpMkLst>
+        </pc:cxnChg>
+        <pc:cxnChg chg="add del">
+          <ac:chgData name="Isaac Low" userId="7480a74fbf43f6b1" providerId="LiveId" clId="{D426A5C3-16BC-459B-8B24-6227DC7E5B5C}" dt="2021-06-03T04:13:38.329" v="5418" actId="26606"/>
+          <ac:cxnSpMkLst>
+            <pc:docMk/>
+            <pc:sldMk cId="1346450560" sldId="256"/>
+            <ac:cxnSpMk id="54" creationId="{34D43EC1-35FA-4FC3-8526-F655CEB09D9C}"/>
+          </ac:cxnSpMkLst>
+        </pc:cxnChg>
+        <pc:cxnChg chg="add">
+          <ac:chgData name="Isaac Low" userId="7480a74fbf43f6b1" providerId="LiveId" clId="{D426A5C3-16BC-459B-8B24-6227DC7E5B5C}" dt="2021-06-03T04:13:39.558" v="5421" actId="26606"/>
+          <ac:cxnSpMkLst>
+            <pc:docMk/>
+            <pc:sldMk cId="1346450560" sldId="256"/>
+            <ac:cxnSpMk id="69" creationId="{34D43EC1-35FA-4FC3-8526-F655CEB09D9C}"/>
+          </ac:cxnSpMkLst>
+        </pc:cxnChg>
       </pc:sldChg>
       <pc:sldChg chg="modSp new mod">
-        <pc:chgData name="Isaac Low" userId="7480a74fbf43f6b1" providerId="LiveId" clId="{D426A5C3-16BC-459B-8B24-6227DC7E5B5C}" dt="2021-06-02T15:56:07.134" v="969" actId="20577"/>
+        <pc:chgData name="Isaac Low" userId="7480a74fbf43f6b1" providerId="LiveId" clId="{D426A5C3-16BC-459B-8B24-6227DC7E5B5C}" dt="2021-06-03T04:13:16.717" v="5408"/>
         <pc:sldMkLst>
           <pc:docMk/>
           <pc:sldMk cId="1413400137" sldId="257"/>
         </pc:sldMkLst>
         <pc:spChg chg="mod">
-          <ac:chgData name="Isaac Low" userId="7480a74fbf43f6b1" providerId="LiveId" clId="{D426A5C3-16BC-459B-8B24-6227DC7E5B5C}" dt="2021-06-02T15:48:45.962" v="188" actId="20577"/>
+          <ac:chgData name="Isaac Low" userId="7480a74fbf43f6b1" providerId="LiveId" clId="{D426A5C3-16BC-459B-8B24-6227DC7E5B5C}" dt="2021-06-03T04:13:16.717" v="5408"/>
           <ac:spMkLst>
             <pc:docMk/>
             <pc:sldMk cId="1413400137" sldId="257"/>
@@ -173,7 +459,7 @@
           </ac:spMkLst>
         </pc:spChg>
         <pc:spChg chg="mod">
-          <ac:chgData name="Isaac Low" userId="7480a74fbf43f6b1" providerId="LiveId" clId="{D426A5C3-16BC-459B-8B24-6227DC7E5B5C}" dt="2021-06-02T15:56:07.134" v="969" actId="20577"/>
+          <ac:chgData name="Isaac Low" userId="7480a74fbf43f6b1" providerId="LiveId" clId="{D426A5C3-16BC-459B-8B24-6227DC7E5B5C}" dt="2021-06-03T04:13:16.717" v="5408"/>
           <ac:spMkLst>
             <pc:docMk/>
             <pc:sldMk cId="1413400137" sldId="257"/>
@@ -182,13 +468,13 @@
         </pc:spChg>
       </pc:sldChg>
       <pc:sldChg chg="modSp new mod">
-        <pc:chgData name="Isaac Low" userId="7480a74fbf43f6b1" providerId="LiveId" clId="{D426A5C3-16BC-459B-8B24-6227DC7E5B5C}" dt="2021-06-02T15:58:50.804" v="1026" actId="15"/>
+        <pc:chgData name="Isaac Low" userId="7480a74fbf43f6b1" providerId="LiveId" clId="{D426A5C3-16BC-459B-8B24-6227DC7E5B5C}" dt="2021-06-03T04:13:16.717" v="5408"/>
         <pc:sldMkLst>
           <pc:docMk/>
           <pc:sldMk cId="1287661203" sldId="258"/>
         </pc:sldMkLst>
         <pc:spChg chg="mod">
-          <ac:chgData name="Isaac Low" userId="7480a74fbf43f6b1" providerId="LiveId" clId="{D426A5C3-16BC-459B-8B24-6227DC7E5B5C}" dt="2021-06-02T15:51:40.601" v="624" actId="20577"/>
+          <ac:chgData name="Isaac Low" userId="7480a74fbf43f6b1" providerId="LiveId" clId="{D426A5C3-16BC-459B-8B24-6227DC7E5B5C}" dt="2021-06-03T04:13:16.717" v="5408"/>
           <ac:spMkLst>
             <pc:docMk/>
             <pc:sldMk cId="1287661203" sldId="258"/>
@@ -196,7 +482,7 @@
           </ac:spMkLst>
         </pc:spChg>
         <pc:spChg chg="mod">
-          <ac:chgData name="Isaac Low" userId="7480a74fbf43f6b1" providerId="LiveId" clId="{D426A5C3-16BC-459B-8B24-6227DC7E5B5C}" dt="2021-06-02T15:58:50.804" v="1026" actId="15"/>
+          <ac:chgData name="Isaac Low" userId="7480a74fbf43f6b1" providerId="LiveId" clId="{D426A5C3-16BC-459B-8B24-6227DC7E5B5C}" dt="2021-06-03T04:13:16.717" v="5408"/>
           <ac:spMkLst>
             <pc:docMk/>
             <pc:sldMk cId="1287661203" sldId="258"/>
@@ -205,13 +491,13 @@
         </pc:spChg>
       </pc:sldChg>
       <pc:sldChg chg="modSp new mod">
-        <pc:chgData name="Isaac Low" userId="7480a74fbf43f6b1" providerId="LiveId" clId="{D426A5C3-16BC-459B-8B24-6227DC7E5B5C}" dt="2021-06-03T02:24:44.539" v="2436" actId="20577"/>
+        <pc:chgData name="Isaac Low" userId="7480a74fbf43f6b1" providerId="LiveId" clId="{D426A5C3-16BC-459B-8B24-6227DC7E5B5C}" dt="2021-06-03T04:13:16.717" v="5408"/>
         <pc:sldMkLst>
           <pc:docMk/>
           <pc:sldMk cId="1597611348" sldId="259"/>
         </pc:sldMkLst>
         <pc:spChg chg="mod">
-          <ac:chgData name="Isaac Low" userId="7480a74fbf43f6b1" providerId="LiveId" clId="{D426A5C3-16BC-459B-8B24-6227DC7E5B5C}" dt="2021-06-02T16:01:25.190" v="1376" actId="20577"/>
+          <ac:chgData name="Isaac Low" userId="7480a74fbf43f6b1" providerId="LiveId" clId="{D426A5C3-16BC-459B-8B24-6227DC7E5B5C}" dt="2021-06-03T04:13:16.717" v="5408"/>
           <ac:spMkLst>
             <pc:docMk/>
             <pc:sldMk cId="1597611348" sldId="259"/>
@@ -219,7 +505,7 @@
           </ac:spMkLst>
         </pc:spChg>
         <pc:spChg chg="mod">
-          <ac:chgData name="Isaac Low" userId="7480a74fbf43f6b1" providerId="LiveId" clId="{D426A5C3-16BC-459B-8B24-6227DC7E5B5C}" dt="2021-06-03T02:24:44.539" v="2436" actId="20577"/>
+          <ac:chgData name="Isaac Low" userId="7480a74fbf43f6b1" providerId="LiveId" clId="{D426A5C3-16BC-459B-8B24-6227DC7E5B5C}" dt="2021-06-03T04:13:16.717" v="5408"/>
           <ac:spMkLst>
             <pc:docMk/>
             <pc:sldMk cId="1597611348" sldId="259"/>
@@ -228,13 +514,13 @@
         </pc:spChg>
       </pc:sldChg>
       <pc:sldChg chg="modSp new mod">
-        <pc:chgData name="Isaac Low" userId="7480a74fbf43f6b1" providerId="LiveId" clId="{D426A5C3-16BC-459B-8B24-6227DC7E5B5C}" dt="2021-06-03T02:43:20.962" v="2793" actId="108"/>
+        <pc:chgData name="Isaac Low" userId="7480a74fbf43f6b1" providerId="LiveId" clId="{D426A5C3-16BC-459B-8B24-6227DC7E5B5C}" dt="2021-06-03T04:13:16.717" v="5408"/>
         <pc:sldMkLst>
           <pc:docMk/>
           <pc:sldMk cId="2854986470" sldId="260"/>
         </pc:sldMkLst>
         <pc:spChg chg="mod">
-          <ac:chgData name="Isaac Low" userId="7480a74fbf43f6b1" providerId="LiveId" clId="{D426A5C3-16BC-459B-8B24-6227DC7E5B5C}" dt="2021-06-02T16:01:29.354" v="1382" actId="20577"/>
+          <ac:chgData name="Isaac Low" userId="7480a74fbf43f6b1" providerId="LiveId" clId="{D426A5C3-16BC-459B-8B24-6227DC7E5B5C}" dt="2021-06-03T04:13:16.717" v="5408"/>
           <ac:spMkLst>
             <pc:docMk/>
             <pc:sldMk cId="2854986470" sldId="260"/>
@@ -242,7 +528,7 @@
           </ac:spMkLst>
         </pc:spChg>
         <pc:spChg chg="mod">
-          <ac:chgData name="Isaac Low" userId="7480a74fbf43f6b1" providerId="LiveId" clId="{D426A5C3-16BC-459B-8B24-6227DC7E5B5C}" dt="2021-06-03T02:43:20.962" v="2793" actId="108"/>
+          <ac:chgData name="Isaac Low" userId="7480a74fbf43f6b1" providerId="LiveId" clId="{D426A5C3-16BC-459B-8B24-6227DC7E5B5C}" dt="2021-06-03T04:13:16.717" v="5408"/>
           <ac:spMkLst>
             <pc:docMk/>
             <pc:sldMk cId="2854986470" sldId="260"/>
@@ -251,13 +537,13 @@
         </pc:spChg>
       </pc:sldChg>
       <pc:sldChg chg="modSp new mod">
-        <pc:chgData name="Isaac Low" userId="7480a74fbf43f6b1" providerId="LiveId" clId="{D426A5C3-16BC-459B-8B24-6227DC7E5B5C}" dt="2021-06-03T02:44:08.224" v="2801" actId="20577"/>
+        <pc:chgData name="Isaac Low" userId="7480a74fbf43f6b1" providerId="LiveId" clId="{D426A5C3-16BC-459B-8B24-6227DC7E5B5C}" dt="2021-06-03T04:13:16.717" v="5408"/>
         <pc:sldMkLst>
           <pc:docMk/>
           <pc:sldMk cId="4219432369" sldId="261"/>
         </pc:sldMkLst>
         <pc:spChg chg="mod">
-          <ac:chgData name="Isaac Low" userId="7480a74fbf43f6b1" providerId="LiveId" clId="{D426A5C3-16BC-459B-8B24-6227DC7E5B5C}" dt="2021-06-03T02:26:06.126" v="2445" actId="20577"/>
+          <ac:chgData name="Isaac Low" userId="7480a74fbf43f6b1" providerId="LiveId" clId="{D426A5C3-16BC-459B-8B24-6227DC7E5B5C}" dt="2021-06-03T04:13:16.717" v="5408"/>
           <ac:spMkLst>
             <pc:docMk/>
             <pc:sldMk cId="4219432369" sldId="261"/>
@@ -265,7 +551,7 @@
           </ac:spMkLst>
         </pc:spChg>
         <pc:spChg chg="mod">
-          <ac:chgData name="Isaac Low" userId="7480a74fbf43f6b1" providerId="LiveId" clId="{D426A5C3-16BC-459B-8B24-6227DC7E5B5C}" dt="2021-06-03T02:44:08.224" v="2801" actId="20577"/>
+          <ac:chgData name="Isaac Low" userId="7480a74fbf43f6b1" providerId="LiveId" clId="{D426A5C3-16BC-459B-8B24-6227DC7E5B5C}" dt="2021-06-03T04:13:16.717" v="5408"/>
           <ac:spMkLst>
             <pc:docMk/>
             <pc:sldMk cId="4219432369" sldId="261"/>
@@ -273,12 +559,206 @@
           </ac:spMkLst>
         </pc:spChg>
       </pc:sldChg>
-      <pc:sldChg chg="new">
-        <pc:chgData name="Isaac Low" userId="7480a74fbf43f6b1" providerId="LiveId" clId="{D426A5C3-16BC-459B-8B24-6227DC7E5B5C}" dt="2021-06-03T02:44:11.028" v="2802" actId="680"/>
+      <pc:sldChg chg="modSp new mod">
+        <pc:chgData name="Isaac Low" userId="7480a74fbf43f6b1" providerId="LiveId" clId="{D426A5C3-16BC-459B-8B24-6227DC7E5B5C}" dt="2021-06-03T04:13:16.717" v="5408"/>
         <pc:sldMkLst>
           <pc:docMk/>
           <pc:sldMk cId="2505818061" sldId="262"/>
         </pc:sldMkLst>
+        <pc:spChg chg="mod">
+          <ac:chgData name="Isaac Low" userId="7480a74fbf43f6b1" providerId="LiveId" clId="{D426A5C3-16BC-459B-8B24-6227DC7E5B5C}" dt="2021-06-03T04:13:16.717" v="5408"/>
+          <ac:spMkLst>
+            <pc:docMk/>
+            <pc:sldMk cId="2505818061" sldId="262"/>
+            <ac:spMk id="2" creationId="{7164A467-CE29-4753-951E-FA56A5B8866E}"/>
+          </ac:spMkLst>
+        </pc:spChg>
+        <pc:spChg chg="mod">
+          <ac:chgData name="Isaac Low" userId="7480a74fbf43f6b1" providerId="LiveId" clId="{D426A5C3-16BC-459B-8B24-6227DC7E5B5C}" dt="2021-06-03T04:13:16.717" v="5408"/>
+          <ac:spMkLst>
+            <pc:docMk/>
+            <pc:sldMk cId="2505818061" sldId="262"/>
+            <ac:spMk id="3" creationId="{E51F004A-2C7F-4E04-BA2C-6B46B2598D5A}"/>
+          </ac:spMkLst>
+        </pc:spChg>
+      </pc:sldChg>
+      <pc:sldChg chg="addSp modSp new mod">
+        <pc:chgData name="Isaac Low" userId="7480a74fbf43f6b1" providerId="LiveId" clId="{D426A5C3-16BC-459B-8B24-6227DC7E5B5C}" dt="2021-06-03T04:13:16.717" v="5408"/>
+        <pc:sldMkLst>
+          <pc:docMk/>
+          <pc:sldMk cId="463234992" sldId="263"/>
+        </pc:sldMkLst>
+        <pc:spChg chg="mod">
+          <ac:chgData name="Isaac Low" userId="7480a74fbf43f6b1" providerId="LiveId" clId="{D426A5C3-16BC-459B-8B24-6227DC7E5B5C}" dt="2021-06-03T04:13:16.717" v="5408"/>
+          <ac:spMkLst>
+            <pc:docMk/>
+            <pc:sldMk cId="463234992" sldId="263"/>
+            <ac:spMk id="2" creationId="{E0C6F855-EBD0-4973-963B-C70AFAE00121}"/>
+          </ac:spMkLst>
+        </pc:spChg>
+        <pc:spChg chg="mod">
+          <ac:chgData name="Isaac Low" userId="7480a74fbf43f6b1" providerId="LiveId" clId="{D426A5C3-16BC-459B-8B24-6227DC7E5B5C}" dt="2021-06-03T03:50:15.142" v="2950" actId="14100"/>
+          <ac:spMkLst>
+            <pc:docMk/>
+            <pc:sldMk cId="463234992" sldId="263"/>
+            <ac:spMk id="3" creationId="{5225F5B7-D60D-425B-8064-029E6BEE6355}"/>
+          </ac:spMkLst>
+        </pc:spChg>
+        <pc:picChg chg="add mod">
+          <ac:chgData name="Isaac Low" userId="7480a74fbf43f6b1" providerId="LiveId" clId="{D426A5C3-16BC-459B-8B24-6227DC7E5B5C}" dt="2021-06-03T03:51:05.067" v="2953" actId="14100"/>
+          <ac:picMkLst>
+            <pc:docMk/>
+            <pc:sldMk cId="463234992" sldId="263"/>
+            <ac:picMk id="1026" creationId="{0D593FD9-FD2F-4833-A056-458A93BA181D}"/>
+          </ac:picMkLst>
+        </pc:picChg>
+      </pc:sldChg>
+      <pc:sldChg chg="addSp delSp modSp new mod setBg">
+        <pc:chgData name="Isaac Low" userId="7480a74fbf43f6b1" providerId="LiveId" clId="{D426A5C3-16BC-459B-8B24-6227DC7E5B5C}" dt="2021-06-03T04:13:16.717" v="5408"/>
+        <pc:sldMkLst>
+          <pc:docMk/>
+          <pc:sldMk cId="559979042" sldId="264"/>
+        </pc:sldMkLst>
+        <pc:spChg chg="mod">
+          <ac:chgData name="Isaac Low" userId="7480a74fbf43f6b1" providerId="LiveId" clId="{D426A5C3-16BC-459B-8B24-6227DC7E5B5C}" dt="2021-06-03T04:13:16.717" v="5408"/>
+          <ac:spMkLst>
+            <pc:docMk/>
+            <pc:sldMk cId="559979042" sldId="264"/>
+            <ac:spMk id="2" creationId="{5BB3B005-A5BB-4219-8223-8738E71E2F5B}"/>
+          </ac:spMkLst>
+        </pc:spChg>
+        <pc:spChg chg="del">
+          <ac:chgData name="Isaac Low" userId="7480a74fbf43f6b1" providerId="LiveId" clId="{D426A5C3-16BC-459B-8B24-6227DC7E5B5C}" dt="2021-06-03T03:51:24.084" v="2980" actId="22"/>
+          <ac:spMkLst>
+            <pc:docMk/>
+            <pc:sldMk cId="559979042" sldId="264"/>
+            <ac:spMk id="3" creationId="{F5BB5767-918B-4F95-9F76-4F04EBB6DA32}"/>
+          </ac:spMkLst>
+        </pc:spChg>
+        <pc:spChg chg="add del">
+          <ac:chgData name="Isaac Low" userId="7480a74fbf43f6b1" providerId="LiveId" clId="{D426A5C3-16BC-459B-8B24-6227DC7E5B5C}" dt="2021-06-03T03:51:35.447" v="2984" actId="26606"/>
+          <ac:spMkLst>
+            <pc:docMk/>
+            <pc:sldMk cId="559979042" sldId="264"/>
+            <ac:spMk id="9" creationId="{0EC12FA6-7D80-4C34-AF0C-861EB52D5A9A}"/>
+          </ac:spMkLst>
+        </pc:spChg>
+        <pc:spChg chg="add del">
+          <ac:chgData name="Isaac Low" userId="7480a74fbf43f6b1" providerId="LiveId" clId="{D426A5C3-16BC-459B-8B24-6227DC7E5B5C}" dt="2021-06-03T03:51:31.053" v="2982" actId="26606"/>
+          <ac:spMkLst>
+            <pc:docMk/>
+            <pc:sldMk cId="559979042" sldId="264"/>
+            <ac:spMk id="10" creationId="{A4AC5506-6312-4701-8D3C-40187889A947}"/>
+          </ac:spMkLst>
+        </pc:spChg>
+        <pc:spChg chg="add del">
+          <ac:chgData name="Isaac Low" userId="7480a74fbf43f6b1" providerId="LiveId" clId="{D426A5C3-16BC-459B-8B24-6227DC7E5B5C}" dt="2021-06-03T03:51:35.447" v="2984" actId="26606"/>
+          <ac:spMkLst>
+            <pc:docMk/>
+            <pc:sldMk cId="559979042" sldId="264"/>
+            <ac:spMk id="12" creationId="{1A95671B-3CC6-4792-9114-B74FAEA224E6}"/>
+          </ac:spMkLst>
+        </pc:spChg>
+        <pc:picChg chg="add mod ord">
+          <ac:chgData name="Isaac Low" userId="7480a74fbf43f6b1" providerId="LiveId" clId="{D426A5C3-16BC-459B-8B24-6227DC7E5B5C}" dt="2021-06-03T04:13:16.717" v="5408"/>
+          <ac:picMkLst>
+            <pc:docMk/>
+            <pc:sldMk cId="559979042" sldId="264"/>
+            <ac:picMk id="5" creationId="{9A3E4B6E-2617-466B-B0C6-2A2A1017E261}"/>
+          </ac:picMkLst>
+        </pc:picChg>
+      </pc:sldChg>
+      <pc:sldChg chg="modSp new mod">
+        <pc:chgData name="Isaac Low" userId="7480a74fbf43f6b1" providerId="LiveId" clId="{D426A5C3-16BC-459B-8B24-6227DC7E5B5C}" dt="2021-06-03T04:13:16.717" v="5408"/>
+        <pc:sldMkLst>
+          <pc:docMk/>
+          <pc:sldMk cId="2126947556" sldId="265"/>
+        </pc:sldMkLst>
+        <pc:spChg chg="mod">
+          <ac:chgData name="Isaac Low" userId="7480a74fbf43f6b1" providerId="LiveId" clId="{D426A5C3-16BC-459B-8B24-6227DC7E5B5C}" dt="2021-06-03T04:13:16.717" v="5408"/>
+          <ac:spMkLst>
+            <pc:docMk/>
+            <pc:sldMk cId="2126947556" sldId="265"/>
+            <ac:spMk id="2" creationId="{E690C563-19FD-42C3-AA57-A828CEC0A4FD}"/>
+          </ac:spMkLst>
+        </pc:spChg>
+        <pc:spChg chg="mod">
+          <ac:chgData name="Isaac Low" userId="7480a74fbf43f6b1" providerId="LiveId" clId="{D426A5C3-16BC-459B-8B24-6227DC7E5B5C}" dt="2021-06-03T04:13:16.717" v="5408"/>
+          <ac:spMkLst>
+            <pc:docMk/>
+            <pc:sldMk cId="2126947556" sldId="265"/>
+            <ac:spMk id="3" creationId="{10963AB8-FE2D-48AC-A4CB-A964D25CACF4}"/>
+          </ac:spMkLst>
+        </pc:spChg>
+      </pc:sldChg>
+      <pc:sldChg chg="modSp new mod">
+        <pc:chgData name="Isaac Low" userId="7480a74fbf43f6b1" providerId="LiveId" clId="{D426A5C3-16BC-459B-8B24-6227DC7E5B5C}" dt="2021-06-03T04:13:16.717" v="5408"/>
+        <pc:sldMkLst>
+          <pc:docMk/>
+          <pc:sldMk cId="1656088696" sldId="266"/>
+        </pc:sldMkLst>
+        <pc:spChg chg="mod">
+          <ac:chgData name="Isaac Low" userId="7480a74fbf43f6b1" providerId="LiveId" clId="{D426A5C3-16BC-459B-8B24-6227DC7E5B5C}" dt="2021-06-03T04:13:16.717" v="5408"/>
+          <ac:spMkLst>
+            <pc:docMk/>
+            <pc:sldMk cId="1656088696" sldId="266"/>
+            <ac:spMk id="2" creationId="{6C818964-9215-41DD-A1F3-9C6EA8B40A29}"/>
+          </ac:spMkLst>
+        </pc:spChg>
+        <pc:spChg chg="mod">
+          <ac:chgData name="Isaac Low" userId="7480a74fbf43f6b1" providerId="LiveId" clId="{D426A5C3-16BC-459B-8B24-6227DC7E5B5C}" dt="2021-06-03T04:13:16.717" v="5408"/>
+          <ac:spMkLst>
+            <pc:docMk/>
+            <pc:sldMk cId="1656088696" sldId="266"/>
+            <ac:spMk id="3" creationId="{5A9420FC-569D-4FF0-9AD5-1F26D58A6002}"/>
+          </ac:spMkLst>
+        </pc:spChg>
+      </pc:sldChg>
+      <pc:sldChg chg="modSp new mod">
+        <pc:chgData name="Isaac Low" userId="7480a74fbf43f6b1" providerId="LiveId" clId="{D426A5C3-16BC-459B-8B24-6227DC7E5B5C}" dt="2021-06-03T04:13:16.717" v="5408"/>
+        <pc:sldMkLst>
+          <pc:docMk/>
+          <pc:sldMk cId="443828993" sldId="267"/>
+        </pc:sldMkLst>
+        <pc:spChg chg="mod">
+          <ac:chgData name="Isaac Low" userId="7480a74fbf43f6b1" providerId="LiveId" clId="{D426A5C3-16BC-459B-8B24-6227DC7E5B5C}" dt="2021-06-03T04:13:16.717" v="5408"/>
+          <ac:spMkLst>
+            <pc:docMk/>
+            <pc:sldMk cId="443828993" sldId="267"/>
+            <ac:spMk id="2" creationId="{DC24AD11-DE99-43A7-B16F-C6E82565A320}"/>
+          </ac:spMkLst>
+        </pc:spChg>
+        <pc:spChg chg="mod">
+          <ac:chgData name="Isaac Low" userId="7480a74fbf43f6b1" providerId="LiveId" clId="{D426A5C3-16BC-459B-8B24-6227DC7E5B5C}" dt="2021-06-03T04:13:16.717" v="5408"/>
+          <ac:spMkLst>
+            <pc:docMk/>
+            <pc:sldMk cId="443828993" sldId="267"/>
+            <ac:spMk id="3" creationId="{1C695CFC-8F29-463A-825F-D3BECB2AF44F}"/>
+          </ac:spMkLst>
+        </pc:spChg>
+      </pc:sldChg>
+      <pc:sldChg chg="modSp new mod">
+        <pc:chgData name="Isaac Low" userId="7480a74fbf43f6b1" providerId="LiveId" clId="{D426A5C3-16BC-459B-8B24-6227DC7E5B5C}" dt="2021-06-03T04:22:15.788" v="5442"/>
+        <pc:sldMkLst>
+          <pc:docMk/>
+          <pc:sldMk cId="3367198734" sldId="268"/>
+        </pc:sldMkLst>
+        <pc:spChg chg="mod">
+          <ac:chgData name="Isaac Low" userId="7480a74fbf43f6b1" providerId="LiveId" clId="{D426A5C3-16BC-459B-8B24-6227DC7E5B5C}" dt="2021-06-03T04:21:36.683" v="5430" actId="20577"/>
+          <ac:spMkLst>
+            <pc:docMk/>
+            <pc:sldMk cId="3367198734" sldId="268"/>
+            <ac:spMk id="2" creationId="{93912A85-5843-4ED2-920A-3843FDC16C63}"/>
+          </ac:spMkLst>
+        </pc:spChg>
+        <pc:spChg chg="mod">
+          <ac:chgData name="Isaac Low" userId="7480a74fbf43f6b1" providerId="LiveId" clId="{D426A5C3-16BC-459B-8B24-6227DC7E5B5C}" dt="2021-06-03T04:22:15.788" v="5442"/>
+          <ac:spMkLst>
+            <pc:docMk/>
+            <pc:sldMk cId="3367198734" sldId="268"/>
+            <ac:spMk id="3" creationId="{37BA1053-BF24-4BCC-8E70-074EE7484BFD}"/>
+          </ac:spMkLst>
+        </pc:spChg>
       </pc:sldChg>
     </pc:docChg>
   </pc:docChgLst>
@@ -304,13 +784,7 @@
       </p:grpSpPr>
       <p:sp>
         <p:nvSpPr>
-          <p:cNvPr id="2" name="Title 1">
-            <a:extLst>
-              <a:ext uri="{FF2B5EF4-FFF2-40B4-BE49-F238E27FC236}">
-                <a16:creationId xmlns:a16="http://schemas.microsoft.com/office/drawing/2014/main" id="{899270E7-8E82-4EF0-986B-2F618600F26C}"/>
-              </a:ext>
-            </a:extLst>
-          </p:cNvPr>
+          <p:cNvPr id="2" name="Title 1"/>
           <p:cNvSpPr>
             <a:spLocks noGrp="1"/>
           </p:cNvSpPr>
@@ -320,15 +794,17 @@
         </p:nvSpPr>
         <p:spPr>
           <a:xfrm>
-            <a:off x="1524000" y="1122363"/>
-            <a:ext cx="9144000" cy="2387600"/>
+            <a:off x="2589213" y="2514600"/>
+            <a:ext cx="8915399" cy="2262781"/>
           </a:xfrm>
         </p:spPr>
         <p:txBody>
-          <a:bodyPr anchor="b"/>
+          <a:bodyPr anchor="b">
+            <a:normAutofit/>
+          </a:bodyPr>
           <a:lstStyle>
-            <a:lvl1pPr algn="ctr">
-              <a:defRPr sz="6000"/>
+            <a:lvl1pPr>
+              <a:defRPr sz="5400"/>
             </a:lvl1pPr>
           </a:lstStyle>
           <a:p>
@@ -336,19 +812,13 @@
               <a:rPr lang="en-US"/>
               <a:t>Click to edit Master title style</a:t>
             </a:r>
-            <a:endParaRPr lang="en-AU"/>
-          </a:p>
-        </p:txBody>
-      </p:sp>
-      <p:sp>
-        <p:nvSpPr>
-          <p:cNvPr id="3" name="Subtitle 2">
-            <a:extLst>
-              <a:ext uri="{FF2B5EF4-FFF2-40B4-BE49-F238E27FC236}">
-                <a16:creationId xmlns:a16="http://schemas.microsoft.com/office/drawing/2014/main" id="{DB437A7E-1823-4C0F-8D29-62B9E9A23F52}"/>
-              </a:ext>
-            </a:extLst>
-          </p:cNvPr>
+            <a:endParaRPr lang="en-US" dirty="0"/>
+          </a:p>
+        </p:txBody>
+      </p:sp>
+      <p:sp>
+        <p:nvSpPr>
+          <p:cNvPr id="3" name="Subtitle 2"/>
           <p:cNvSpPr>
             <a:spLocks noGrp="1"/>
           </p:cNvSpPr>
@@ -358,48 +828,103 @@
         </p:nvSpPr>
         <p:spPr>
           <a:xfrm>
-            <a:off x="1524000" y="3602038"/>
-            <a:ext cx="9144000" cy="1655762"/>
+            <a:off x="2589213" y="4777379"/>
+            <a:ext cx="8915399" cy="1126283"/>
           </a:xfrm>
         </p:spPr>
         <p:txBody>
-          <a:bodyPr/>
+          <a:bodyPr anchor="t"/>
           <a:lstStyle>
-            <a:lvl1pPr marL="0" indent="0" algn="ctr">
+            <a:lvl1pPr marL="0" indent="0" algn="l">
               <a:buNone/>
-              <a:defRPr sz="2400"/>
+              <a:defRPr>
+                <a:solidFill>
+                  <a:schemeClr val="tx1">
+                    <a:lumMod val="65000"/>
+                    <a:lumOff val="35000"/>
+                  </a:schemeClr>
+                </a:solidFill>
+              </a:defRPr>
             </a:lvl1pPr>
             <a:lvl2pPr marL="457200" indent="0" algn="ctr">
               <a:buNone/>
-              <a:defRPr sz="2000"/>
+              <a:defRPr>
+                <a:solidFill>
+                  <a:schemeClr val="tx1">
+                    <a:tint val="75000"/>
+                  </a:schemeClr>
+                </a:solidFill>
+              </a:defRPr>
             </a:lvl2pPr>
             <a:lvl3pPr marL="914400" indent="0" algn="ctr">
               <a:buNone/>
-              <a:defRPr sz="1800"/>
+              <a:defRPr>
+                <a:solidFill>
+                  <a:schemeClr val="tx1">
+                    <a:tint val="75000"/>
+                  </a:schemeClr>
+                </a:solidFill>
+              </a:defRPr>
             </a:lvl3pPr>
             <a:lvl4pPr marL="1371600" indent="0" algn="ctr">
               <a:buNone/>
-              <a:defRPr sz="1600"/>
+              <a:defRPr>
+                <a:solidFill>
+                  <a:schemeClr val="tx1">
+                    <a:tint val="75000"/>
+                  </a:schemeClr>
+                </a:solidFill>
+              </a:defRPr>
             </a:lvl4pPr>
             <a:lvl5pPr marL="1828800" indent="0" algn="ctr">
               <a:buNone/>
-              <a:defRPr sz="1600"/>
+              <a:defRPr>
+                <a:solidFill>
+                  <a:schemeClr val="tx1">
+                    <a:tint val="75000"/>
+                  </a:schemeClr>
+                </a:solidFill>
+              </a:defRPr>
             </a:lvl5pPr>
             <a:lvl6pPr marL="2286000" indent="0" algn="ctr">
               <a:buNone/>
-              <a:defRPr sz="1600"/>
+              <a:defRPr>
+                <a:solidFill>
+                  <a:schemeClr val="tx1">
+                    <a:tint val="75000"/>
+                  </a:schemeClr>
+                </a:solidFill>
+              </a:defRPr>
             </a:lvl6pPr>
             <a:lvl7pPr marL="2743200" indent="0" algn="ctr">
               <a:buNone/>
-              <a:defRPr sz="1600"/>
+              <a:defRPr>
+                <a:solidFill>
+                  <a:schemeClr val="tx1">
+                    <a:tint val="75000"/>
+                  </a:schemeClr>
+                </a:solidFill>
+              </a:defRPr>
             </a:lvl7pPr>
             <a:lvl8pPr marL="3200400" indent="0" algn="ctr">
               <a:buNone/>
-              <a:defRPr sz="1600"/>
+              <a:defRPr>
+                <a:solidFill>
+                  <a:schemeClr val="tx1">
+                    <a:tint val="75000"/>
+                  </a:schemeClr>
+                </a:solidFill>
+              </a:defRPr>
             </a:lvl8pPr>
             <a:lvl9pPr marL="3657600" indent="0" algn="ctr">
               <a:buNone/>
-              <a:defRPr sz="1600"/>
+              <a:defRPr>
+                <a:solidFill>
+                  <a:schemeClr val="tx1">
+                    <a:tint val="75000"/>
+                  </a:schemeClr>
+                </a:solidFill>
+              </a:defRPr>
             </a:lvl9pPr>
           </a:lstStyle>
           <a:p>
@@ -407,19 +932,13 @@
               <a:rPr lang="en-US"/>
               <a:t>Click to edit Master subtitle style</a:t>
             </a:r>
-            <a:endParaRPr lang="en-AU"/>
-          </a:p>
-        </p:txBody>
-      </p:sp>
-      <p:sp>
-        <p:nvSpPr>
-          <p:cNvPr id="4" name="Date Placeholder 3">
-            <a:extLst>
-              <a:ext uri="{FF2B5EF4-FFF2-40B4-BE49-F238E27FC236}">
-                <a16:creationId xmlns:a16="http://schemas.microsoft.com/office/drawing/2014/main" id="{8F2A3F5F-52EA-400E-BBDD-F90F135472E4}"/>
-              </a:ext>
-            </a:extLst>
-          </p:cNvPr>
+            <a:endParaRPr lang="en-US" dirty="0"/>
+          </a:p>
+        </p:txBody>
+      </p:sp>
+      <p:sp>
+        <p:nvSpPr>
+          <p:cNvPr id="4" name="Date Placeholder 3"/>
           <p:cNvSpPr>
             <a:spLocks noGrp="1"/>
           </p:cNvSpPr>
@@ -442,13 +961,7 @@
       </p:sp>
       <p:sp>
         <p:nvSpPr>
-          <p:cNvPr id="5" name="Footer Placeholder 4">
-            <a:extLst>
-              <a:ext uri="{FF2B5EF4-FFF2-40B4-BE49-F238E27FC236}">
-                <a16:creationId xmlns:a16="http://schemas.microsoft.com/office/drawing/2014/main" id="{BFD699D5-649F-4A16-8AD3-A5A9C804E12C}"/>
-              </a:ext>
-            </a:extLst>
-          </p:cNvPr>
+          <p:cNvPr id="5" name="Footer Placeholder 4"/>
           <p:cNvSpPr>
             <a:spLocks noGrp="1"/>
           </p:cNvSpPr>
@@ -467,13 +980,89 @@
       </p:sp>
       <p:sp>
         <p:nvSpPr>
-          <p:cNvPr id="6" name="Slide Number Placeholder 5">
-            <a:extLst>
-              <a:ext uri="{FF2B5EF4-FFF2-40B4-BE49-F238E27FC236}">
-                <a16:creationId xmlns:a16="http://schemas.microsoft.com/office/drawing/2014/main" id="{182645AB-C511-4167-B779-2EC236F3D14F}"/>
-              </a:ext>
-            </a:extLst>
-          </p:cNvPr>
+          <p:cNvPr id="7" name="Freeform 6"/>
+          <p:cNvSpPr/>
+          <p:nvPr/>
+        </p:nvSpPr>
+        <p:spPr bwMode="auto">
+          <a:xfrm>
+            <a:off x="0" y="4323810"/>
+            <a:ext cx="1744652" cy="778589"/>
+          </a:xfrm>
+          <a:custGeom>
+            <a:avLst/>
+            <a:gdLst/>
+            <a:ahLst/>
+            <a:cxnLst/>
+            <a:rect l="0" t="0" r="r" b="b"/>
+            <a:pathLst>
+              <a:path w="372" h="166">
+                <a:moveTo>
+                  <a:pt x="287" y="166"/>
+                </a:moveTo>
+                <a:cubicBezTo>
+                  <a:pt x="290" y="166"/>
+                  <a:pt x="292" y="165"/>
+                  <a:pt x="293" y="164"/>
+                </a:cubicBezTo>
+                <a:cubicBezTo>
+                  <a:pt x="293" y="163"/>
+                  <a:pt x="294" y="163"/>
+                  <a:pt x="294" y="163"/>
+                </a:cubicBezTo>
+                <a:cubicBezTo>
+                  <a:pt x="370" y="87"/>
+                  <a:pt x="370" y="87"/>
+                  <a:pt x="370" y="87"/>
+                </a:cubicBezTo>
+                <a:cubicBezTo>
+                  <a:pt x="372" y="85"/>
+                  <a:pt x="372" y="81"/>
+                  <a:pt x="370" y="78"/>
+                </a:cubicBezTo>
+                <a:cubicBezTo>
+                  <a:pt x="294" y="3"/>
+                  <a:pt x="294" y="3"/>
+                  <a:pt x="294" y="3"/>
+                </a:cubicBezTo>
+                <a:cubicBezTo>
+                  <a:pt x="294" y="2"/>
+                  <a:pt x="293" y="2"/>
+                  <a:pt x="293" y="2"/>
+                </a:cubicBezTo>
+                <a:cubicBezTo>
+                  <a:pt x="292" y="1"/>
+                  <a:pt x="290" y="0"/>
+                  <a:pt x="287" y="0"/>
+                </a:cubicBezTo>
+                <a:cubicBezTo>
+                  <a:pt x="0" y="0"/>
+                  <a:pt x="0" y="0"/>
+                  <a:pt x="0" y="0"/>
+                </a:cubicBezTo>
+                <a:cubicBezTo>
+                  <a:pt x="0" y="166"/>
+                  <a:pt x="0" y="166"/>
+                  <a:pt x="0" y="166"/>
+                </a:cubicBezTo>
+                <a:lnTo>
+                  <a:pt x="287" y="166"/>
+                </a:lnTo>
+                <a:close/>
+              </a:path>
+            </a:pathLst>
+          </a:custGeom>
+          <a:solidFill>
+            <a:schemeClr val="accent1"/>
+          </a:solidFill>
+          <a:ln>
+            <a:noFill/>
+          </a:ln>
+        </p:spPr>
+      </p:sp>
+      <p:sp>
+        <p:nvSpPr>
+          <p:cNvPr id="6" name="Slide Number Placeholder 5"/>
           <p:cNvSpPr>
             <a:spLocks noGrp="1"/>
           </p:cNvSpPr>
@@ -481,7 +1070,12 @@
             <p:ph type="sldNum" sz="quarter" idx="12"/>
           </p:nvPr>
         </p:nvSpPr>
-        <p:spPr/>
+        <p:spPr>
+          <a:xfrm>
+            <a:off x="531812" y="4529540"/>
+            <a:ext cx="779767" cy="365125"/>
+          </a:xfrm>
+        </p:spPr>
         <p:txBody>
           <a:bodyPr/>
           <a:lstStyle/>
@@ -497,7 +1091,7 @@
     </p:spTree>
     <p:extLst>
       <p:ext uri="{BB962C8B-B14F-4D97-AF65-F5344CB8AC3E}">
-        <p14:creationId xmlns:p14="http://schemas.microsoft.com/office/powerpoint/2010/main" val="3768660702"/>
+        <p14:creationId xmlns:p14="http://schemas.microsoft.com/office/powerpoint/2010/main" val="751131119"/>
       </p:ext>
     </p:extLst>
   </p:cSld>
@@ -508,6 +1102,1797 @@
 </file>
 
 <file path=ppt/slideLayouts/slideLayout10.xml><?xml version="1.0" encoding="utf-8"?>
+<p:sldLayout xmlns:a="http://schemas.openxmlformats.org/drawingml/2006/main" xmlns:r="http://schemas.openxmlformats.org/officeDocument/2006/relationships" xmlns:p="http://schemas.openxmlformats.org/presentationml/2006/main" preserve="1">
+  <p:cSld name="Title and Caption">
+    <p:spTree>
+      <p:nvGrpSpPr>
+        <p:cNvPr id="1" name=""/>
+        <p:cNvGrpSpPr/>
+        <p:nvPr/>
+      </p:nvGrpSpPr>
+      <p:grpSpPr>
+        <a:xfrm>
+          <a:off x="0" y="0"/>
+          <a:ext cx="0" cy="0"/>
+          <a:chOff x="0" y="0"/>
+          <a:chExt cx="0" cy="0"/>
+        </a:xfrm>
+      </p:grpSpPr>
+      <p:sp>
+        <p:nvSpPr>
+          <p:cNvPr id="2" name="Title 1"/>
+          <p:cNvSpPr>
+            <a:spLocks noGrp="1"/>
+          </p:cNvSpPr>
+          <p:nvPr>
+            <p:ph type="title"/>
+          </p:nvPr>
+        </p:nvSpPr>
+        <p:spPr>
+          <a:xfrm>
+            <a:off x="2589212" y="609600"/>
+            <a:ext cx="8915399" cy="3117040"/>
+          </a:xfrm>
+        </p:spPr>
+        <p:txBody>
+          <a:bodyPr anchor="ctr">
+            <a:normAutofit/>
+          </a:bodyPr>
+          <a:lstStyle>
+            <a:lvl1pPr algn="l">
+              <a:defRPr sz="4800" b="0" cap="none"/>
+            </a:lvl1pPr>
+          </a:lstStyle>
+          <a:p>
+            <a:r>
+              <a:rPr lang="en-US"/>
+              <a:t>Click to edit Master title style</a:t>
+            </a:r>
+            <a:endParaRPr lang="en-US" dirty="0"/>
+          </a:p>
+        </p:txBody>
+      </p:sp>
+      <p:sp>
+        <p:nvSpPr>
+          <p:cNvPr id="3" name="Text Placeholder 2"/>
+          <p:cNvSpPr>
+            <a:spLocks noGrp="1"/>
+          </p:cNvSpPr>
+          <p:nvPr>
+            <p:ph type="body" idx="1"/>
+          </p:nvPr>
+        </p:nvSpPr>
+        <p:spPr>
+          <a:xfrm>
+            <a:off x="2589212" y="4354046"/>
+            <a:ext cx="8915399" cy="1555864"/>
+          </a:xfrm>
+        </p:spPr>
+        <p:txBody>
+          <a:bodyPr anchor="ctr">
+            <a:normAutofit/>
+          </a:bodyPr>
+          <a:lstStyle>
+            <a:lvl1pPr marL="0" indent="0" algn="l">
+              <a:buNone/>
+              <a:defRPr sz="1800">
+                <a:solidFill>
+                  <a:schemeClr val="tx1">
+                    <a:lumMod val="65000"/>
+                    <a:lumOff val="35000"/>
+                  </a:schemeClr>
+                </a:solidFill>
+              </a:defRPr>
+            </a:lvl1pPr>
+            <a:lvl2pPr marL="457200" indent="0">
+              <a:buNone/>
+              <a:defRPr sz="1800">
+                <a:solidFill>
+                  <a:schemeClr val="tx1">
+                    <a:tint val="75000"/>
+                  </a:schemeClr>
+                </a:solidFill>
+              </a:defRPr>
+            </a:lvl2pPr>
+            <a:lvl3pPr marL="914400" indent="0">
+              <a:buNone/>
+              <a:defRPr sz="1600">
+                <a:solidFill>
+                  <a:schemeClr val="tx1">
+                    <a:tint val="75000"/>
+                  </a:schemeClr>
+                </a:solidFill>
+              </a:defRPr>
+            </a:lvl3pPr>
+            <a:lvl4pPr marL="1371600" indent="0">
+              <a:buNone/>
+              <a:defRPr sz="1400">
+                <a:solidFill>
+                  <a:schemeClr val="tx1">
+                    <a:tint val="75000"/>
+                  </a:schemeClr>
+                </a:solidFill>
+              </a:defRPr>
+            </a:lvl4pPr>
+            <a:lvl5pPr marL="1828800" indent="0">
+              <a:buNone/>
+              <a:defRPr sz="1400">
+                <a:solidFill>
+                  <a:schemeClr val="tx1">
+                    <a:tint val="75000"/>
+                  </a:schemeClr>
+                </a:solidFill>
+              </a:defRPr>
+            </a:lvl5pPr>
+            <a:lvl6pPr marL="2286000" indent="0">
+              <a:buNone/>
+              <a:defRPr sz="1400">
+                <a:solidFill>
+                  <a:schemeClr val="tx1">
+                    <a:tint val="75000"/>
+                  </a:schemeClr>
+                </a:solidFill>
+              </a:defRPr>
+            </a:lvl6pPr>
+            <a:lvl7pPr marL="2743200" indent="0">
+              <a:buNone/>
+              <a:defRPr sz="1400">
+                <a:solidFill>
+                  <a:schemeClr val="tx1">
+                    <a:tint val="75000"/>
+                  </a:schemeClr>
+                </a:solidFill>
+              </a:defRPr>
+            </a:lvl7pPr>
+            <a:lvl8pPr marL="3200400" indent="0">
+              <a:buNone/>
+              <a:defRPr sz="1400">
+                <a:solidFill>
+                  <a:schemeClr val="tx1">
+                    <a:tint val="75000"/>
+                  </a:schemeClr>
+                </a:solidFill>
+              </a:defRPr>
+            </a:lvl8pPr>
+            <a:lvl9pPr marL="3657600" indent="0">
+              <a:buNone/>
+              <a:defRPr sz="1400">
+                <a:solidFill>
+                  <a:schemeClr val="tx1">
+                    <a:tint val="75000"/>
+                  </a:schemeClr>
+                </a:solidFill>
+              </a:defRPr>
+            </a:lvl9pPr>
+          </a:lstStyle>
+          <a:p>
+            <a:pPr lvl="0"/>
+            <a:r>
+              <a:rPr lang="en-US"/>
+              <a:t>Click to edit Master text styles</a:t>
+            </a:r>
+          </a:p>
+        </p:txBody>
+      </p:sp>
+      <p:sp>
+        <p:nvSpPr>
+          <p:cNvPr id="4" name="Date Placeholder 3"/>
+          <p:cNvSpPr>
+            <a:spLocks noGrp="1"/>
+          </p:cNvSpPr>
+          <p:nvPr>
+            <p:ph type="dt" sz="half" idx="10"/>
+          </p:nvPr>
+        </p:nvSpPr>
+        <p:spPr/>
+        <p:txBody>
+          <a:bodyPr/>
+          <a:lstStyle/>
+          <a:p>
+            <a:fld id="{FB4D491D-4061-42FE-96D3-AE4CC17E143C}" type="datetimeFigureOut">
+              <a:rPr lang="en-AU" smtClean="0"/>
+              <a:t>3/06/2021</a:t>
+            </a:fld>
+            <a:endParaRPr lang="en-AU"/>
+          </a:p>
+        </p:txBody>
+      </p:sp>
+      <p:sp>
+        <p:nvSpPr>
+          <p:cNvPr id="5" name="Footer Placeholder 4"/>
+          <p:cNvSpPr>
+            <a:spLocks noGrp="1"/>
+          </p:cNvSpPr>
+          <p:nvPr>
+            <p:ph type="ftr" sz="quarter" idx="11"/>
+          </p:nvPr>
+        </p:nvSpPr>
+        <p:spPr/>
+        <p:txBody>
+          <a:bodyPr/>
+          <a:lstStyle/>
+          <a:p>
+            <a:endParaRPr lang="en-AU"/>
+          </a:p>
+        </p:txBody>
+      </p:sp>
+      <p:sp>
+        <p:nvSpPr>
+          <p:cNvPr id="9" name="Freeform 11"/>
+          <p:cNvSpPr/>
+          <p:nvPr/>
+        </p:nvSpPr>
+        <p:spPr bwMode="auto">
+          <a:xfrm flipV="1">
+            <a:off x="-4189" y="3178175"/>
+            <a:ext cx="1588527" cy="507297"/>
+          </a:xfrm>
+          <a:custGeom>
+            <a:avLst/>
+            <a:gdLst/>
+            <a:ahLst/>
+            <a:cxnLst/>
+            <a:rect l="l" t="t" r="r" b="b"/>
+            <a:pathLst>
+              <a:path w="9248" h="10000">
+                <a:moveTo>
+                  <a:pt x="9248" y="4701"/>
+                </a:moveTo>
+                <a:lnTo>
+                  <a:pt x="7915" y="188"/>
+                </a:lnTo>
+                <a:cubicBezTo>
+                  <a:pt x="7906" y="156"/>
+                  <a:pt x="7895" y="126"/>
+                  <a:pt x="7886" y="94"/>
+                </a:cubicBezTo>
+                <a:cubicBezTo>
+                  <a:pt x="7859" y="0"/>
+                  <a:pt x="7831" y="0"/>
+                  <a:pt x="7803" y="0"/>
+                </a:cubicBezTo>
+                <a:lnTo>
+                  <a:pt x="7275" y="0"/>
+                </a:lnTo>
+                <a:lnTo>
+                  <a:pt x="0" y="70"/>
+                </a:lnTo>
+                <a:cubicBezTo>
+                  <a:pt x="8" y="3380"/>
+                  <a:pt x="17" y="6690"/>
+                  <a:pt x="25" y="10000"/>
+                </a:cubicBezTo>
+                <a:lnTo>
+                  <a:pt x="7275" y="9966"/>
+                </a:lnTo>
+                <a:lnTo>
+                  <a:pt x="7803" y="9966"/>
+                </a:lnTo>
+                <a:cubicBezTo>
+                  <a:pt x="7831" y="9966"/>
+                  <a:pt x="7859" y="9872"/>
+                  <a:pt x="7886" y="9872"/>
+                </a:cubicBezTo>
+                <a:cubicBezTo>
+                  <a:pt x="7886" y="9778"/>
+                  <a:pt x="7915" y="9778"/>
+                  <a:pt x="7915" y="9778"/>
+                </a:cubicBezTo>
+                <a:lnTo>
+                  <a:pt x="9248" y="5265"/>
+                </a:lnTo>
+                <a:cubicBezTo>
+                  <a:pt x="9303" y="5077"/>
+                  <a:pt x="9303" y="4889"/>
+                  <a:pt x="9248" y="4701"/>
+                </a:cubicBezTo>
+                <a:close/>
+              </a:path>
+            </a:pathLst>
+          </a:custGeom>
+          <a:solidFill>
+            <a:schemeClr val="accent1"/>
+          </a:solidFill>
+          <a:ln>
+            <a:noFill/>
+          </a:ln>
+        </p:spPr>
+      </p:sp>
+      <p:sp>
+        <p:nvSpPr>
+          <p:cNvPr id="6" name="Slide Number Placeholder 5"/>
+          <p:cNvSpPr>
+            <a:spLocks noGrp="1"/>
+          </p:cNvSpPr>
+          <p:nvPr>
+            <p:ph type="sldNum" sz="quarter" idx="12"/>
+          </p:nvPr>
+        </p:nvSpPr>
+        <p:spPr>
+          <a:xfrm>
+            <a:off x="531812" y="3244139"/>
+            <a:ext cx="779767" cy="365125"/>
+          </a:xfrm>
+        </p:spPr>
+        <p:txBody>
+          <a:bodyPr/>
+          <a:lstStyle/>
+          <a:p>
+            <a:fld id="{21A4CCA3-7B27-4DDE-AB16-AE57AD2A5BAC}" type="slidenum">
+              <a:rPr lang="en-AU" smtClean="0"/>
+              <a:t>‹#›</a:t>
+            </a:fld>
+            <a:endParaRPr lang="en-AU"/>
+          </a:p>
+        </p:txBody>
+      </p:sp>
+    </p:spTree>
+    <p:extLst>
+      <p:ext uri="{BB962C8B-B14F-4D97-AF65-F5344CB8AC3E}">
+        <p14:creationId xmlns:p14="http://schemas.microsoft.com/office/powerpoint/2010/main" val="1075909914"/>
+      </p:ext>
+    </p:extLst>
+  </p:cSld>
+  <p:clrMapOvr>
+    <a:masterClrMapping/>
+  </p:clrMapOvr>
+</p:sldLayout>
+</file>
+
+<file path=ppt/slideLayouts/slideLayout11.xml><?xml version="1.0" encoding="utf-8"?>
+<p:sldLayout xmlns:a="http://schemas.openxmlformats.org/drawingml/2006/main" xmlns:r="http://schemas.openxmlformats.org/officeDocument/2006/relationships" xmlns:p="http://schemas.openxmlformats.org/presentationml/2006/main" preserve="1">
+  <p:cSld name="Quote with Caption">
+    <p:spTree>
+      <p:nvGrpSpPr>
+        <p:cNvPr id="1" name=""/>
+        <p:cNvGrpSpPr/>
+        <p:nvPr/>
+      </p:nvGrpSpPr>
+      <p:grpSpPr>
+        <a:xfrm>
+          <a:off x="0" y="0"/>
+          <a:ext cx="0" cy="0"/>
+          <a:chOff x="0" y="0"/>
+          <a:chExt cx="0" cy="0"/>
+        </a:xfrm>
+      </p:grpSpPr>
+      <p:sp>
+        <p:nvSpPr>
+          <p:cNvPr id="2" name="Title 1"/>
+          <p:cNvSpPr>
+            <a:spLocks noGrp="1"/>
+          </p:cNvSpPr>
+          <p:nvPr>
+            <p:ph type="title"/>
+          </p:nvPr>
+        </p:nvSpPr>
+        <p:spPr>
+          <a:xfrm>
+            <a:off x="2849949" y="609600"/>
+            <a:ext cx="8393926" cy="2895600"/>
+          </a:xfrm>
+        </p:spPr>
+        <p:txBody>
+          <a:bodyPr anchor="ctr">
+            <a:normAutofit/>
+          </a:bodyPr>
+          <a:lstStyle>
+            <a:lvl1pPr algn="l">
+              <a:defRPr sz="4800" b="0" cap="none"/>
+            </a:lvl1pPr>
+          </a:lstStyle>
+          <a:p>
+            <a:r>
+              <a:rPr lang="en-US"/>
+              <a:t>Click to edit Master title style</a:t>
+            </a:r>
+            <a:endParaRPr lang="en-US" dirty="0"/>
+          </a:p>
+        </p:txBody>
+      </p:sp>
+      <p:sp>
+        <p:nvSpPr>
+          <p:cNvPr id="13" name="Text Placeholder 9"/>
+          <p:cNvSpPr>
+            <a:spLocks noGrp="1"/>
+          </p:cNvSpPr>
+          <p:nvPr>
+            <p:ph type="body" sz="quarter" idx="13"/>
+          </p:nvPr>
+        </p:nvSpPr>
+        <p:spPr>
+          <a:xfrm>
+            <a:off x="3275012" y="3505200"/>
+            <a:ext cx="7536554" cy="381000"/>
+          </a:xfrm>
+        </p:spPr>
+        <p:txBody>
+          <a:bodyPr anchor="ctr">
+            <a:noAutofit/>
+          </a:bodyPr>
+          <a:lstStyle>
+            <a:lvl1pPr marL="0" indent="0">
+              <a:buFontTx/>
+              <a:buNone/>
+              <a:defRPr sz="1600">
+                <a:solidFill>
+                  <a:schemeClr val="tx1">
+                    <a:lumMod val="50000"/>
+                    <a:lumOff val="50000"/>
+                  </a:schemeClr>
+                </a:solidFill>
+              </a:defRPr>
+            </a:lvl1pPr>
+            <a:lvl2pPr marL="457200" indent="0">
+              <a:buFontTx/>
+              <a:buNone/>
+              <a:defRPr/>
+            </a:lvl2pPr>
+            <a:lvl3pPr marL="914400" indent="0">
+              <a:buFontTx/>
+              <a:buNone/>
+              <a:defRPr/>
+            </a:lvl3pPr>
+            <a:lvl4pPr marL="1371600" indent="0">
+              <a:buFontTx/>
+              <a:buNone/>
+              <a:defRPr/>
+            </a:lvl4pPr>
+            <a:lvl5pPr marL="1828800" indent="0">
+              <a:buFontTx/>
+              <a:buNone/>
+              <a:defRPr/>
+            </a:lvl5pPr>
+          </a:lstStyle>
+          <a:p>
+            <a:pPr lvl="0"/>
+            <a:r>
+              <a:rPr lang="en-US"/>
+              <a:t>Click to edit Master text styles</a:t>
+            </a:r>
+          </a:p>
+        </p:txBody>
+      </p:sp>
+      <p:sp>
+        <p:nvSpPr>
+          <p:cNvPr id="3" name="Text Placeholder 2"/>
+          <p:cNvSpPr>
+            <a:spLocks noGrp="1"/>
+          </p:cNvSpPr>
+          <p:nvPr>
+            <p:ph type="body" idx="1"/>
+          </p:nvPr>
+        </p:nvSpPr>
+        <p:spPr>
+          <a:xfrm>
+            <a:off x="2589212" y="4354046"/>
+            <a:ext cx="8915399" cy="1555864"/>
+          </a:xfrm>
+        </p:spPr>
+        <p:txBody>
+          <a:bodyPr anchor="ctr">
+            <a:normAutofit/>
+          </a:bodyPr>
+          <a:lstStyle>
+            <a:lvl1pPr marL="0" indent="0" algn="l">
+              <a:buNone/>
+              <a:defRPr sz="1800">
+                <a:solidFill>
+                  <a:schemeClr val="tx1">
+                    <a:lumMod val="65000"/>
+                    <a:lumOff val="35000"/>
+                  </a:schemeClr>
+                </a:solidFill>
+              </a:defRPr>
+            </a:lvl1pPr>
+            <a:lvl2pPr marL="457200" indent="0">
+              <a:buNone/>
+              <a:defRPr sz="1800">
+                <a:solidFill>
+                  <a:schemeClr val="tx1">
+                    <a:tint val="75000"/>
+                  </a:schemeClr>
+                </a:solidFill>
+              </a:defRPr>
+            </a:lvl2pPr>
+            <a:lvl3pPr marL="914400" indent="0">
+              <a:buNone/>
+              <a:defRPr sz="1600">
+                <a:solidFill>
+                  <a:schemeClr val="tx1">
+                    <a:tint val="75000"/>
+                  </a:schemeClr>
+                </a:solidFill>
+              </a:defRPr>
+            </a:lvl3pPr>
+            <a:lvl4pPr marL="1371600" indent="0">
+              <a:buNone/>
+              <a:defRPr sz="1400">
+                <a:solidFill>
+                  <a:schemeClr val="tx1">
+                    <a:tint val="75000"/>
+                  </a:schemeClr>
+                </a:solidFill>
+              </a:defRPr>
+            </a:lvl4pPr>
+            <a:lvl5pPr marL="1828800" indent="0">
+              <a:buNone/>
+              <a:defRPr sz="1400">
+                <a:solidFill>
+                  <a:schemeClr val="tx1">
+                    <a:tint val="75000"/>
+                  </a:schemeClr>
+                </a:solidFill>
+              </a:defRPr>
+            </a:lvl5pPr>
+            <a:lvl6pPr marL="2286000" indent="0">
+              <a:buNone/>
+              <a:defRPr sz="1400">
+                <a:solidFill>
+                  <a:schemeClr val="tx1">
+                    <a:tint val="75000"/>
+                  </a:schemeClr>
+                </a:solidFill>
+              </a:defRPr>
+            </a:lvl6pPr>
+            <a:lvl7pPr marL="2743200" indent="0">
+              <a:buNone/>
+              <a:defRPr sz="1400">
+                <a:solidFill>
+                  <a:schemeClr val="tx1">
+                    <a:tint val="75000"/>
+                  </a:schemeClr>
+                </a:solidFill>
+              </a:defRPr>
+            </a:lvl7pPr>
+            <a:lvl8pPr marL="3200400" indent="0">
+              <a:buNone/>
+              <a:defRPr sz="1400">
+                <a:solidFill>
+                  <a:schemeClr val="tx1">
+                    <a:tint val="75000"/>
+                  </a:schemeClr>
+                </a:solidFill>
+              </a:defRPr>
+            </a:lvl8pPr>
+            <a:lvl9pPr marL="3657600" indent="0">
+              <a:buNone/>
+              <a:defRPr sz="1400">
+                <a:solidFill>
+                  <a:schemeClr val="tx1">
+                    <a:tint val="75000"/>
+                  </a:schemeClr>
+                </a:solidFill>
+              </a:defRPr>
+            </a:lvl9pPr>
+          </a:lstStyle>
+          <a:p>
+            <a:pPr lvl="0"/>
+            <a:r>
+              <a:rPr lang="en-US"/>
+              <a:t>Click to edit Master text styles</a:t>
+            </a:r>
+          </a:p>
+        </p:txBody>
+      </p:sp>
+      <p:sp>
+        <p:nvSpPr>
+          <p:cNvPr id="4" name="Date Placeholder 3"/>
+          <p:cNvSpPr>
+            <a:spLocks noGrp="1"/>
+          </p:cNvSpPr>
+          <p:nvPr>
+            <p:ph type="dt" sz="half" idx="10"/>
+          </p:nvPr>
+        </p:nvSpPr>
+        <p:spPr/>
+        <p:txBody>
+          <a:bodyPr/>
+          <a:lstStyle/>
+          <a:p>
+            <a:fld id="{FB4D491D-4061-42FE-96D3-AE4CC17E143C}" type="datetimeFigureOut">
+              <a:rPr lang="en-AU" smtClean="0"/>
+              <a:t>3/06/2021</a:t>
+            </a:fld>
+            <a:endParaRPr lang="en-AU"/>
+          </a:p>
+        </p:txBody>
+      </p:sp>
+      <p:sp>
+        <p:nvSpPr>
+          <p:cNvPr id="5" name="Footer Placeholder 4"/>
+          <p:cNvSpPr>
+            <a:spLocks noGrp="1"/>
+          </p:cNvSpPr>
+          <p:nvPr>
+            <p:ph type="ftr" sz="quarter" idx="11"/>
+          </p:nvPr>
+        </p:nvSpPr>
+        <p:spPr/>
+        <p:txBody>
+          <a:bodyPr/>
+          <a:lstStyle/>
+          <a:p>
+            <a:endParaRPr lang="en-AU"/>
+          </a:p>
+        </p:txBody>
+      </p:sp>
+      <p:sp>
+        <p:nvSpPr>
+          <p:cNvPr id="11" name="Freeform 11"/>
+          <p:cNvSpPr/>
+          <p:nvPr/>
+        </p:nvSpPr>
+        <p:spPr bwMode="auto">
+          <a:xfrm flipV="1">
+            <a:off x="-4189" y="3178175"/>
+            <a:ext cx="1588527" cy="507297"/>
+          </a:xfrm>
+          <a:custGeom>
+            <a:avLst/>
+            <a:gdLst/>
+            <a:ahLst/>
+            <a:cxnLst/>
+            <a:rect l="l" t="t" r="r" b="b"/>
+            <a:pathLst>
+              <a:path w="9248" h="10000">
+                <a:moveTo>
+                  <a:pt x="9248" y="4701"/>
+                </a:moveTo>
+                <a:lnTo>
+                  <a:pt x="7915" y="188"/>
+                </a:lnTo>
+                <a:cubicBezTo>
+                  <a:pt x="7906" y="156"/>
+                  <a:pt x="7895" y="126"/>
+                  <a:pt x="7886" y="94"/>
+                </a:cubicBezTo>
+                <a:cubicBezTo>
+                  <a:pt x="7859" y="0"/>
+                  <a:pt x="7831" y="0"/>
+                  <a:pt x="7803" y="0"/>
+                </a:cubicBezTo>
+                <a:lnTo>
+                  <a:pt x="7275" y="0"/>
+                </a:lnTo>
+                <a:lnTo>
+                  <a:pt x="0" y="70"/>
+                </a:lnTo>
+                <a:cubicBezTo>
+                  <a:pt x="8" y="3380"/>
+                  <a:pt x="17" y="6690"/>
+                  <a:pt x="25" y="10000"/>
+                </a:cubicBezTo>
+                <a:lnTo>
+                  <a:pt x="7275" y="9966"/>
+                </a:lnTo>
+                <a:lnTo>
+                  <a:pt x="7803" y="9966"/>
+                </a:lnTo>
+                <a:cubicBezTo>
+                  <a:pt x="7831" y="9966"/>
+                  <a:pt x="7859" y="9872"/>
+                  <a:pt x="7886" y="9872"/>
+                </a:cubicBezTo>
+                <a:cubicBezTo>
+                  <a:pt x="7886" y="9778"/>
+                  <a:pt x="7915" y="9778"/>
+                  <a:pt x="7915" y="9778"/>
+                </a:cubicBezTo>
+                <a:lnTo>
+                  <a:pt x="9248" y="5265"/>
+                </a:lnTo>
+                <a:cubicBezTo>
+                  <a:pt x="9303" y="5077"/>
+                  <a:pt x="9303" y="4889"/>
+                  <a:pt x="9248" y="4701"/>
+                </a:cubicBezTo>
+                <a:close/>
+              </a:path>
+            </a:pathLst>
+          </a:custGeom>
+          <a:solidFill>
+            <a:schemeClr val="accent1"/>
+          </a:solidFill>
+          <a:ln>
+            <a:noFill/>
+          </a:ln>
+        </p:spPr>
+      </p:sp>
+      <p:sp>
+        <p:nvSpPr>
+          <p:cNvPr id="6" name="Slide Number Placeholder 5"/>
+          <p:cNvSpPr>
+            <a:spLocks noGrp="1"/>
+          </p:cNvSpPr>
+          <p:nvPr>
+            <p:ph type="sldNum" sz="quarter" idx="12"/>
+          </p:nvPr>
+        </p:nvSpPr>
+        <p:spPr>
+          <a:xfrm>
+            <a:off x="531812" y="3244139"/>
+            <a:ext cx="779767" cy="365125"/>
+          </a:xfrm>
+        </p:spPr>
+        <p:txBody>
+          <a:bodyPr/>
+          <a:lstStyle/>
+          <a:p>
+            <a:fld id="{21A4CCA3-7B27-4DDE-AB16-AE57AD2A5BAC}" type="slidenum">
+              <a:rPr lang="en-AU" smtClean="0"/>
+              <a:t>‹#›</a:t>
+            </a:fld>
+            <a:endParaRPr lang="en-AU"/>
+          </a:p>
+        </p:txBody>
+      </p:sp>
+      <p:sp>
+        <p:nvSpPr>
+          <p:cNvPr id="14" name="TextBox 13"/>
+          <p:cNvSpPr txBox="1"/>
+          <p:nvPr/>
+        </p:nvSpPr>
+        <p:spPr>
+          <a:xfrm>
+            <a:off x="2467652" y="648005"/>
+            <a:ext cx="609600" cy="584776"/>
+          </a:xfrm>
+          <a:prstGeom prst="rect">
+            <a:avLst/>
+          </a:prstGeom>
+        </p:spPr>
+        <p:txBody>
+          <a:bodyPr vert="horz" lIns="91440" tIns="45720" rIns="91440" bIns="45720" rtlCol="0" anchor="ctr">
+            <a:noAutofit/>
+          </a:bodyPr>
+          <a:lstStyle/>
+          <a:p>
+            <a:pPr lvl="0"/>
+            <a:r>
+              <a:rPr lang="en-US" sz="8000" baseline="0" dirty="0">
+                <a:ln w="3175" cmpd="sng">
+                  <a:noFill/>
+                </a:ln>
+                <a:solidFill>
+                  <a:schemeClr val="accent1"/>
+                </a:solidFill>
+                <a:effectLst/>
+                <a:latin typeface="Arial"/>
+              </a:rPr>
+              <a:t>“</a:t>
+            </a:r>
+          </a:p>
+        </p:txBody>
+      </p:sp>
+      <p:sp>
+        <p:nvSpPr>
+          <p:cNvPr id="15" name="TextBox 14"/>
+          <p:cNvSpPr txBox="1"/>
+          <p:nvPr/>
+        </p:nvSpPr>
+        <p:spPr>
+          <a:xfrm>
+            <a:off x="11114852" y="2905306"/>
+            <a:ext cx="609600" cy="584776"/>
+          </a:xfrm>
+          <a:prstGeom prst="rect">
+            <a:avLst/>
+          </a:prstGeom>
+        </p:spPr>
+        <p:txBody>
+          <a:bodyPr vert="horz" lIns="91440" tIns="45720" rIns="91440" bIns="45720" rtlCol="0" anchor="ctr">
+            <a:noAutofit/>
+          </a:bodyPr>
+          <a:lstStyle/>
+          <a:p>
+            <a:pPr lvl="0"/>
+            <a:r>
+              <a:rPr lang="en-US" sz="8000" baseline="0" dirty="0">
+                <a:ln w="3175" cmpd="sng">
+                  <a:noFill/>
+                </a:ln>
+                <a:solidFill>
+                  <a:schemeClr val="accent1"/>
+                </a:solidFill>
+                <a:effectLst/>
+                <a:latin typeface="Arial"/>
+              </a:rPr>
+              <a:t>”</a:t>
+            </a:r>
+          </a:p>
+        </p:txBody>
+      </p:sp>
+    </p:spTree>
+    <p:extLst>
+      <p:ext uri="{BB962C8B-B14F-4D97-AF65-F5344CB8AC3E}">
+        <p14:creationId xmlns:p14="http://schemas.microsoft.com/office/powerpoint/2010/main" val="1318771491"/>
+      </p:ext>
+    </p:extLst>
+  </p:cSld>
+  <p:clrMapOvr>
+    <a:masterClrMapping/>
+  </p:clrMapOvr>
+</p:sldLayout>
+</file>
+
+<file path=ppt/slideLayouts/slideLayout12.xml><?xml version="1.0" encoding="utf-8"?>
+<p:sldLayout xmlns:a="http://schemas.openxmlformats.org/drawingml/2006/main" xmlns:r="http://schemas.openxmlformats.org/officeDocument/2006/relationships" xmlns:p="http://schemas.openxmlformats.org/presentationml/2006/main" preserve="1">
+  <p:cSld name="Name Card">
+    <p:spTree>
+      <p:nvGrpSpPr>
+        <p:cNvPr id="1" name=""/>
+        <p:cNvGrpSpPr/>
+        <p:nvPr/>
+      </p:nvGrpSpPr>
+      <p:grpSpPr>
+        <a:xfrm>
+          <a:off x="0" y="0"/>
+          <a:ext cx="0" cy="0"/>
+          <a:chOff x="0" y="0"/>
+          <a:chExt cx="0" cy="0"/>
+        </a:xfrm>
+      </p:grpSpPr>
+      <p:sp>
+        <p:nvSpPr>
+          <p:cNvPr id="2" name="Title 1"/>
+          <p:cNvSpPr>
+            <a:spLocks noGrp="1"/>
+          </p:cNvSpPr>
+          <p:nvPr>
+            <p:ph type="title"/>
+          </p:nvPr>
+        </p:nvSpPr>
+        <p:spPr>
+          <a:xfrm>
+            <a:off x="2589213" y="2438400"/>
+            <a:ext cx="8915400" cy="2724845"/>
+          </a:xfrm>
+        </p:spPr>
+        <p:txBody>
+          <a:bodyPr anchor="b">
+            <a:normAutofit/>
+          </a:bodyPr>
+          <a:lstStyle>
+            <a:lvl1pPr algn="l">
+              <a:defRPr sz="4800" b="0"/>
+            </a:lvl1pPr>
+          </a:lstStyle>
+          <a:p>
+            <a:r>
+              <a:rPr lang="en-US"/>
+              <a:t>Click to edit Master title style</a:t>
+            </a:r>
+            <a:endParaRPr lang="en-US" dirty="0"/>
+          </a:p>
+        </p:txBody>
+      </p:sp>
+      <p:sp>
+        <p:nvSpPr>
+          <p:cNvPr id="4" name="Text Placeholder 3"/>
+          <p:cNvSpPr>
+            <a:spLocks noGrp="1"/>
+          </p:cNvSpPr>
+          <p:nvPr>
+            <p:ph type="body" sz="half" idx="2"/>
+          </p:nvPr>
+        </p:nvSpPr>
+        <p:spPr>
+          <a:xfrm>
+            <a:off x="2589213" y="5181600"/>
+            <a:ext cx="8915400" cy="729622"/>
+          </a:xfrm>
+        </p:spPr>
+        <p:txBody>
+          <a:bodyPr vert="horz" lIns="91440" tIns="45720" rIns="91440" bIns="45720" rtlCol="0" anchor="t">
+            <a:normAutofit/>
+          </a:bodyPr>
+          <a:lstStyle>
+            <a:lvl1pPr>
+              <a:buNone/>
+              <a:defRPr lang="en-US">
+                <a:solidFill>
+                  <a:schemeClr val="tx1">
+                    <a:lumMod val="65000"/>
+                    <a:lumOff val="35000"/>
+                  </a:schemeClr>
+                </a:solidFill>
+              </a:defRPr>
+            </a:lvl1pPr>
+          </a:lstStyle>
+          <a:p>
+            <a:pPr marL="0" lvl="0" indent="0">
+              <a:buNone/>
+            </a:pPr>
+            <a:r>
+              <a:rPr lang="en-US"/>
+              <a:t>Click to edit Master text styles</a:t>
+            </a:r>
+          </a:p>
+        </p:txBody>
+      </p:sp>
+      <p:sp>
+        <p:nvSpPr>
+          <p:cNvPr id="5" name="Date Placeholder 4"/>
+          <p:cNvSpPr>
+            <a:spLocks noGrp="1"/>
+          </p:cNvSpPr>
+          <p:nvPr>
+            <p:ph type="dt" sz="half" idx="10"/>
+          </p:nvPr>
+        </p:nvSpPr>
+        <p:spPr/>
+        <p:txBody>
+          <a:bodyPr/>
+          <a:lstStyle/>
+          <a:p>
+            <a:fld id="{FB4D491D-4061-42FE-96D3-AE4CC17E143C}" type="datetimeFigureOut">
+              <a:rPr lang="en-AU" smtClean="0"/>
+              <a:t>3/06/2021</a:t>
+            </a:fld>
+            <a:endParaRPr lang="en-AU"/>
+          </a:p>
+        </p:txBody>
+      </p:sp>
+      <p:sp>
+        <p:nvSpPr>
+          <p:cNvPr id="6" name="Footer Placeholder 5"/>
+          <p:cNvSpPr>
+            <a:spLocks noGrp="1"/>
+          </p:cNvSpPr>
+          <p:nvPr>
+            <p:ph type="ftr" sz="quarter" idx="11"/>
+          </p:nvPr>
+        </p:nvSpPr>
+        <p:spPr/>
+        <p:txBody>
+          <a:bodyPr/>
+          <a:lstStyle/>
+          <a:p>
+            <a:endParaRPr lang="en-AU"/>
+          </a:p>
+        </p:txBody>
+      </p:sp>
+      <p:sp>
+        <p:nvSpPr>
+          <p:cNvPr id="9" name="Freeform 11"/>
+          <p:cNvSpPr/>
+          <p:nvPr/>
+        </p:nvSpPr>
+        <p:spPr bwMode="auto">
+          <a:xfrm flipV="1">
+            <a:off x="-4189" y="4911725"/>
+            <a:ext cx="1588527" cy="507297"/>
+          </a:xfrm>
+          <a:custGeom>
+            <a:avLst/>
+            <a:gdLst/>
+            <a:ahLst/>
+            <a:cxnLst/>
+            <a:rect l="l" t="t" r="r" b="b"/>
+            <a:pathLst>
+              <a:path w="9248" h="10000">
+                <a:moveTo>
+                  <a:pt x="9248" y="4701"/>
+                </a:moveTo>
+                <a:lnTo>
+                  <a:pt x="7915" y="188"/>
+                </a:lnTo>
+                <a:cubicBezTo>
+                  <a:pt x="7906" y="156"/>
+                  <a:pt x="7895" y="126"/>
+                  <a:pt x="7886" y="94"/>
+                </a:cubicBezTo>
+                <a:cubicBezTo>
+                  <a:pt x="7859" y="0"/>
+                  <a:pt x="7831" y="0"/>
+                  <a:pt x="7803" y="0"/>
+                </a:cubicBezTo>
+                <a:lnTo>
+                  <a:pt x="7275" y="0"/>
+                </a:lnTo>
+                <a:lnTo>
+                  <a:pt x="0" y="70"/>
+                </a:lnTo>
+                <a:cubicBezTo>
+                  <a:pt x="8" y="3380"/>
+                  <a:pt x="17" y="6690"/>
+                  <a:pt x="25" y="10000"/>
+                </a:cubicBezTo>
+                <a:lnTo>
+                  <a:pt x="7275" y="9966"/>
+                </a:lnTo>
+                <a:lnTo>
+                  <a:pt x="7803" y="9966"/>
+                </a:lnTo>
+                <a:cubicBezTo>
+                  <a:pt x="7831" y="9966"/>
+                  <a:pt x="7859" y="9872"/>
+                  <a:pt x="7886" y="9872"/>
+                </a:cubicBezTo>
+                <a:cubicBezTo>
+                  <a:pt x="7886" y="9778"/>
+                  <a:pt x="7915" y="9778"/>
+                  <a:pt x="7915" y="9778"/>
+                </a:cubicBezTo>
+                <a:lnTo>
+                  <a:pt x="9248" y="5265"/>
+                </a:lnTo>
+                <a:cubicBezTo>
+                  <a:pt x="9303" y="5077"/>
+                  <a:pt x="9303" y="4889"/>
+                  <a:pt x="9248" y="4701"/>
+                </a:cubicBezTo>
+                <a:close/>
+              </a:path>
+            </a:pathLst>
+          </a:custGeom>
+          <a:solidFill>
+            <a:schemeClr val="accent1"/>
+          </a:solidFill>
+          <a:ln>
+            <a:noFill/>
+          </a:ln>
+        </p:spPr>
+      </p:sp>
+      <p:sp>
+        <p:nvSpPr>
+          <p:cNvPr id="7" name="Slide Number Placeholder 6"/>
+          <p:cNvSpPr>
+            <a:spLocks noGrp="1"/>
+          </p:cNvSpPr>
+          <p:nvPr>
+            <p:ph type="sldNum" sz="quarter" idx="12"/>
+          </p:nvPr>
+        </p:nvSpPr>
+        <p:spPr>
+          <a:xfrm>
+            <a:off x="531812" y="4983087"/>
+            <a:ext cx="779767" cy="365125"/>
+          </a:xfrm>
+        </p:spPr>
+        <p:txBody>
+          <a:bodyPr/>
+          <a:lstStyle/>
+          <a:p>
+            <a:fld id="{21A4CCA3-7B27-4DDE-AB16-AE57AD2A5BAC}" type="slidenum">
+              <a:rPr lang="en-AU" smtClean="0"/>
+              <a:t>‹#›</a:t>
+            </a:fld>
+            <a:endParaRPr lang="en-AU"/>
+          </a:p>
+        </p:txBody>
+      </p:sp>
+    </p:spTree>
+    <p:extLst>
+      <p:ext uri="{BB962C8B-B14F-4D97-AF65-F5344CB8AC3E}">
+        <p14:creationId xmlns:p14="http://schemas.microsoft.com/office/powerpoint/2010/main" val="461754442"/>
+      </p:ext>
+    </p:extLst>
+  </p:cSld>
+  <p:clrMapOvr>
+    <a:masterClrMapping/>
+  </p:clrMapOvr>
+</p:sldLayout>
+</file>
+
+<file path=ppt/slideLayouts/slideLayout13.xml><?xml version="1.0" encoding="utf-8"?>
+<p:sldLayout xmlns:a="http://schemas.openxmlformats.org/drawingml/2006/main" xmlns:r="http://schemas.openxmlformats.org/officeDocument/2006/relationships" xmlns:p="http://schemas.openxmlformats.org/presentationml/2006/main" preserve="1">
+  <p:cSld name="Quote Name Card">
+    <p:spTree>
+      <p:nvGrpSpPr>
+        <p:cNvPr id="1" name=""/>
+        <p:cNvGrpSpPr/>
+        <p:nvPr/>
+      </p:nvGrpSpPr>
+      <p:grpSpPr>
+        <a:xfrm>
+          <a:off x="0" y="0"/>
+          <a:ext cx="0" cy="0"/>
+          <a:chOff x="0" y="0"/>
+          <a:chExt cx="0" cy="0"/>
+        </a:xfrm>
+      </p:grpSpPr>
+      <p:sp>
+        <p:nvSpPr>
+          <p:cNvPr id="12" name="Title 1"/>
+          <p:cNvSpPr>
+            <a:spLocks noGrp="1"/>
+          </p:cNvSpPr>
+          <p:nvPr>
+            <p:ph type="title"/>
+          </p:nvPr>
+        </p:nvSpPr>
+        <p:spPr>
+          <a:xfrm>
+            <a:off x="2849949" y="609600"/>
+            <a:ext cx="8393926" cy="2895600"/>
+          </a:xfrm>
+        </p:spPr>
+        <p:txBody>
+          <a:bodyPr anchor="ctr">
+            <a:normAutofit/>
+          </a:bodyPr>
+          <a:lstStyle>
+            <a:lvl1pPr algn="l">
+              <a:defRPr sz="4800" b="0" cap="none"/>
+            </a:lvl1pPr>
+          </a:lstStyle>
+          <a:p>
+            <a:r>
+              <a:rPr lang="en-US"/>
+              <a:t>Click to edit Master title style</a:t>
+            </a:r>
+            <a:endParaRPr lang="en-US" dirty="0"/>
+          </a:p>
+        </p:txBody>
+      </p:sp>
+      <p:sp>
+        <p:nvSpPr>
+          <p:cNvPr id="21" name="Text Placeholder 9"/>
+          <p:cNvSpPr>
+            <a:spLocks noGrp="1"/>
+          </p:cNvSpPr>
+          <p:nvPr>
+            <p:ph type="body" sz="quarter" idx="13"/>
+          </p:nvPr>
+        </p:nvSpPr>
+        <p:spPr>
+          <a:xfrm>
+            <a:off x="2589212" y="4343400"/>
+            <a:ext cx="8915400" cy="838200"/>
+          </a:xfrm>
+        </p:spPr>
+        <p:txBody>
+          <a:bodyPr anchor="b">
+            <a:noAutofit/>
+          </a:bodyPr>
+          <a:lstStyle>
+            <a:lvl1pPr marL="0" indent="0">
+              <a:buFontTx/>
+              <a:buNone/>
+              <a:defRPr sz="2400">
+                <a:solidFill>
+                  <a:schemeClr val="accent1"/>
+                </a:solidFill>
+              </a:defRPr>
+            </a:lvl1pPr>
+            <a:lvl2pPr marL="457200" indent="0">
+              <a:buFontTx/>
+              <a:buNone/>
+              <a:defRPr/>
+            </a:lvl2pPr>
+            <a:lvl3pPr marL="914400" indent="0">
+              <a:buFontTx/>
+              <a:buNone/>
+              <a:defRPr/>
+            </a:lvl3pPr>
+            <a:lvl4pPr marL="1371600" indent="0">
+              <a:buFontTx/>
+              <a:buNone/>
+              <a:defRPr/>
+            </a:lvl4pPr>
+            <a:lvl5pPr marL="1828800" indent="0">
+              <a:buFontTx/>
+              <a:buNone/>
+              <a:defRPr/>
+            </a:lvl5pPr>
+          </a:lstStyle>
+          <a:p>
+            <a:pPr lvl="0"/>
+            <a:r>
+              <a:rPr lang="en-US"/>
+              <a:t>Click to edit Master text styles</a:t>
+            </a:r>
+          </a:p>
+        </p:txBody>
+      </p:sp>
+      <p:sp>
+        <p:nvSpPr>
+          <p:cNvPr id="4" name="Text Placeholder 3"/>
+          <p:cNvSpPr>
+            <a:spLocks noGrp="1"/>
+          </p:cNvSpPr>
+          <p:nvPr>
+            <p:ph type="body" sz="half" idx="2"/>
+          </p:nvPr>
+        </p:nvSpPr>
+        <p:spPr>
+          <a:xfrm>
+            <a:off x="2589213" y="5181600"/>
+            <a:ext cx="8915400" cy="729622"/>
+          </a:xfrm>
+        </p:spPr>
+        <p:txBody>
+          <a:bodyPr vert="horz" lIns="91440" tIns="45720" rIns="91440" bIns="45720" rtlCol="0" anchor="t">
+            <a:normAutofit/>
+          </a:bodyPr>
+          <a:lstStyle>
+            <a:lvl1pPr>
+              <a:buNone/>
+              <a:defRPr lang="en-US">
+                <a:solidFill>
+                  <a:schemeClr val="tx1">
+                    <a:lumMod val="65000"/>
+                    <a:lumOff val="35000"/>
+                  </a:schemeClr>
+                </a:solidFill>
+              </a:defRPr>
+            </a:lvl1pPr>
+          </a:lstStyle>
+          <a:p>
+            <a:pPr marL="0" lvl="0" indent="0">
+              <a:buNone/>
+            </a:pPr>
+            <a:r>
+              <a:rPr lang="en-US"/>
+              <a:t>Click to edit Master text styles</a:t>
+            </a:r>
+          </a:p>
+        </p:txBody>
+      </p:sp>
+      <p:sp>
+        <p:nvSpPr>
+          <p:cNvPr id="5" name="Date Placeholder 4"/>
+          <p:cNvSpPr>
+            <a:spLocks noGrp="1"/>
+          </p:cNvSpPr>
+          <p:nvPr>
+            <p:ph type="dt" sz="half" idx="10"/>
+          </p:nvPr>
+        </p:nvSpPr>
+        <p:spPr/>
+        <p:txBody>
+          <a:bodyPr/>
+          <a:lstStyle/>
+          <a:p>
+            <a:fld id="{FB4D491D-4061-42FE-96D3-AE4CC17E143C}" type="datetimeFigureOut">
+              <a:rPr lang="en-AU" smtClean="0"/>
+              <a:t>3/06/2021</a:t>
+            </a:fld>
+            <a:endParaRPr lang="en-AU"/>
+          </a:p>
+        </p:txBody>
+      </p:sp>
+      <p:sp>
+        <p:nvSpPr>
+          <p:cNvPr id="6" name="Footer Placeholder 5"/>
+          <p:cNvSpPr>
+            <a:spLocks noGrp="1"/>
+          </p:cNvSpPr>
+          <p:nvPr>
+            <p:ph type="ftr" sz="quarter" idx="11"/>
+          </p:nvPr>
+        </p:nvSpPr>
+        <p:spPr/>
+        <p:txBody>
+          <a:bodyPr/>
+          <a:lstStyle/>
+          <a:p>
+            <a:endParaRPr lang="en-AU"/>
+          </a:p>
+        </p:txBody>
+      </p:sp>
+      <p:sp>
+        <p:nvSpPr>
+          <p:cNvPr id="11" name="Freeform 11"/>
+          <p:cNvSpPr/>
+          <p:nvPr/>
+        </p:nvSpPr>
+        <p:spPr bwMode="auto">
+          <a:xfrm flipV="1">
+            <a:off x="-4189" y="4911725"/>
+            <a:ext cx="1588527" cy="507297"/>
+          </a:xfrm>
+          <a:custGeom>
+            <a:avLst/>
+            <a:gdLst/>
+            <a:ahLst/>
+            <a:cxnLst/>
+            <a:rect l="l" t="t" r="r" b="b"/>
+            <a:pathLst>
+              <a:path w="9248" h="10000">
+                <a:moveTo>
+                  <a:pt x="9248" y="4701"/>
+                </a:moveTo>
+                <a:lnTo>
+                  <a:pt x="7915" y="188"/>
+                </a:lnTo>
+                <a:cubicBezTo>
+                  <a:pt x="7906" y="156"/>
+                  <a:pt x="7895" y="126"/>
+                  <a:pt x="7886" y="94"/>
+                </a:cubicBezTo>
+                <a:cubicBezTo>
+                  <a:pt x="7859" y="0"/>
+                  <a:pt x="7831" y="0"/>
+                  <a:pt x="7803" y="0"/>
+                </a:cubicBezTo>
+                <a:lnTo>
+                  <a:pt x="7275" y="0"/>
+                </a:lnTo>
+                <a:lnTo>
+                  <a:pt x="0" y="70"/>
+                </a:lnTo>
+                <a:cubicBezTo>
+                  <a:pt x="8" y="3380"/>
+                  <a:pt x="17" y="6690"/>
+                  <a:pt x="25" y="10000"/>
+                </a:cubicBezTo>
+                <a:lnTo>
+                  <a:pt x="7275" y="9966"/>
+                </a:lnTo>
+                <a:lnTo>
+                  <a:pt x="7803" y="9966"/>
+                </a:lnTo>
+                <a:cubicBezTo>
+                  <a:pt x="7831" y="9966"/>
+                  <a:pt x="7859" y="9872"/>
+                  <a:pt x="7886" y="9872"/>
+                </a:cubicBezTo>
+                <a:cubicBezTo>
+                  <a:pt x="7886" y="9778"/>
+                  <a:pt x="7915" y="9778"/>
+                  <a:pt x="7915" y="9778"/>
+                </a:cubicBezTo>
+                <a:lnTo>
+                  <a:pt x="9248" y="5265"/>
+                </a:lnTo>
+                <a:cubicBezTo>
+                  <a:pt x="9303" y="5077"/>
+                  <a:pt x="9303" y="4889"/>
+                  <a:pt x="9248" y="4701"/>
+                </a:cubicBezTo>
+                <a:close/>
+              </a:path>
+            </a:pathLst>
+          </a:custGeom>
+          <a:solidFill>
+            <a:schemeClr val="accent1"/>
+          </a:solidFill>
+          <a:ln>
+            <a:noFill/>
+          </a:ln>
+        </p:spPr>
+      </p:sp>
+      <p:sp>
+        <p:nvSpPr>
+          <p:cNvPr id="7" name="Slide Number Placeholder 6"/>
+          <p:cNvSpPr>
+            <a:spLocks noGrp="1"/>
+          </p:cNvSpPr>
+          <p:nvPr>
+            <p:ph type="sldNum" sz="quarter" idx="12"/>
+          </p:nvPr>
+        </p:nvSpPr>
+        <p:spPr>
+          <a:xfrm>
+            <a:off x="531812" y="4983087"/>
+            <a:ext cx="779767" cy="365125"/>
+          </a:xfrm>
+        </p:spPr>
+        <p:txBody>
+          <a:bodyPr/>
+          <a:lstStyle/>
+          <a:p>
+            <a:fld id="{21A4CCA3-7B27-4DDE-AB16-AE57AD2A5BAC}" type="slidenum">
+              <a:rPr lang="en-AU" smtClean="0"/>
+              <a:t>‹#›</a:t>
+            </a:fld>
+            <a:endParaRPr lang="en-AU"/>
+          </a:p>
+        </p:txBody>
+      </p:sp>
+      <p:sp>
+        <p:nvSpPr>
+          <p:cNvPr id="17" name="TextBox 16"/>
+          <p:cNvSpPr txBox="1"/>
+          <p:nvPr/>
+        </p:nvSpPr>
+        <p:spPr>
+          <a:xfrm>
+            <a:off x="2467652" y="648005"/>
+            <a:ext cx="609600" cy="584776"/>
+          </a:xfrm>
+          <a:prstGeom prst="rect">
+            <a:avLst/>
+          </a:prstGeom>
+        </p:spPr>
+        <p:txBody>
+          <a:bodyPr vert="horz" lIns="91440" tIns="45720" rIns="91440" bIns="45720" rtlCol="0" anchor="ctr">
+            <a:noAutofit/>
+          </a:bodyPr>
+          <a:lstStyle/>
+          <a:p>
+            <a:pPr lvl="0"/>
+            <a:r>
+              <a:rPr lang="en-US" sz="8000" baseline="0" dirty="0">
+                <a:ln w="3175" cmpd="sng">
+                  <a:noFill/>
+                </a:ln>
+                <a:solidFill>
+                  <a:schemeClr val="accent1"/>
+                </a:solidFill>
+                <a:effectLst/>
+                <a:latin typeface="Arial"/>
+              </a:rPr>
+              <a:t>“</a:t>
+            </a:r>
+          </a:p>
+        </p:txBody>
+      </p:sp>
+      <p:sp>
+        <p:nvSpPr>
+          <p:cNvPr id="18" name="TextBox 17"/>
+          <p:cNvSpPr txBox="1"/>
+          <p:nvPr/>
+        </p:nvSpPr>
+        <p:spPr>
+          <a:xfrm>
+            <a:off x="11114852" y="2905306"/>
+            <a:ext cx="609600" cy="584776"/>
+          </a:xfrm>
+          <a:prstGeom prst="rect">
+            <a:avLst/>
+          </a:prstGeom>
+        </p:spPr>
+        <p:txBody>
+          <a:bodyPr vert="horz" lIns="91440" tIns="45720" rIns="91440" bIns="45720" rtlCol="0" anchor="ctr">
+            <a:noAutofit/>
+          </a:bodyPr>
+          <a:lstStyle/>
+          <a:p>
+            <a:pPr lvl="0"/>
+            <a:r>
+              <a:rPr lang="en-US" sz="8000" baseline="0" dirty="0">
+                <a:ln w="3175" cmpd="sng">
+                  <a:noFill/>
+                </a:ln>
+                <a:solidFill>
+                  <a:schemeClr val="accent1"/>
+                </a:solidFill>
+                <a:effectLst/>
+                <a:latin typeface="Arial"/>
+              </a:rPr>
+              <a:t>”</a:t>
+            </a:r>
+          </a:p>
+        </p:txBody>
+      </p:sp>
+    </p:spTree>
+    <p:extLst>
+      <p:ext uri="{BB962C8B-B14F-4D97-AF65-F5344CB8AC3E}">
+        <p14:creationId xmlns:p14="http://schemas.microsoft.com/office/powerpoint/2010/main" val="3463966392"/>
+      </p:ext>
+    </p:extLst>
+  </p:cSld>
+  <p:clrMapOvr>
+    <a:masterClrMapping/>
+  </p:clrMapOvr>
+</p:sldLayout>
+</file>
+
+<file path=ppt/slideLayouts/slideLayout14.xml><?xml version="1.0" encoding="utf-8"?>
+<p:sldLayout xmlns:a="http://schemas.openxmlformats.org/drawingml/2006/main" xmlns:r="http://schemas.openxmlformats.org/officeDocument/2006/relationships" xmlns:p="http://schemas.openxmlformats.org/presentationml/2006/main" preserve="1">
+  <p:cSld name="True or False">
+    <p:spTree>
+      <p:nvGrpSpPr>
+        <p:cNvPr id="1" name=""/>
+        <p:cNvGrpSpPr/>
+        <p:nvPr/>
+      </p:nvGrpSpPr>
+      <p:grpSpPr>
+        <a:xfrm>
+          <a:off x="0" y="0"/>
+          <a:ext cx="0" cy="0"/>
+          <a:chOff x="0" y="0"/>
+          <a:chExt cx="0" cy="0"/>
+        </a:xfrm>
+      </p:grpSpPr>
+      <p:sp>
+        <p:nvSpPr>
+          <p:cNvPr id="2" name="Title 1"/>
+          <p:cNvSpPr>
+            <a:spLocks noGrp="1"/>
+          </p:cNvSpPr>
+          <p:nvPr>
+            <p:ph type="title"/>
+          </p:nvPr>
+        </p:nvSpPr>
+        <p:spPr>
+          <a:xfrm>
+            <a:off x="2589212" y="627407"/>
+            <a:ext cx="8915399" cy="2880020"/>
+          </a:xfrm>
+        </p:spPr>
+        <p:txBody>
+          <a:bodyPr anchor="ctr">
+            <a:normAutofit/>
+          </a:bodyPr>
+          <a:lstStyle>
+            <a:lvl1pPr algn="l">
+              <a:defRPr sz="4800" b="0"/>
+            </a:lvl1pPr>
+          </a:lstStyle>
+          <a:p>
+            <a:r>
+              <a:rPr lang="en-US"/>
+              <a:t>Click to edit Master title style</a:t>
+            </a:r>
+            <a:endParaRPr lang="en-US" dirty="0"/>
+          </a:p>
+        </p:txBody>
+      </p:sp>
+      <p:sp>
+        <p:nvSpPr>
+          <p:cNvPr id="21" name="Text Placeholder 9"/>
+          <p:cNvSpPr>
+            <a:spLocks noGrp="1"/>
+          </p:cNvSpPr>
+          <p:nvPr>
+            <p:ph type="body" sz="quarter" idx="13"/>
+          </p:nvPr>
+        </p:nvSpPr>
+        <p:spPr>
+          <a:xfrm>
+            <a:off x="2589212" y="4343400"/>
+            <a:ext cx="8915400" cy="838200"/>
+          </a:xfrm>
+        </p:spPr>
+        <p:txBody>
+          <a:bodyPr anchor="b">
+            <a:noAutofit/>
+          </a:bodyPr>
+          <a:lstStyle>
+            <a:lvl1pPr marL="0" indent="0">
+              <a:buFontTx/>
+              <a:buNone/>
+              <a:defRPr sz="2400">
+                <a:solidFill>
+                  <a:schemeClr val="accent1"/>
+                </a:solidFill>
+              </a:defRPr>
+            </a:lvl1pPr>
+            <a:lvl2pPr marL="457200" indent="0">
+              <a:buFontTx/>
+              <a:buNone/>
+              <a:defRPr/>
+            </a:lvl2pPr>
+            <a:lvl3pPr marL="914400" indent="0">
+              <a:buFontTx/>
+              <a:buNone/>
+              <a:defRPr/>
+            </a:lvl3pPr>
+            <a:lvl4pPr marL="1371600" indent="0">
+              <a:buFontTx/>
+              <a:buNone/>
+              <a:defRPr/>
+            </a:lvl4pPr>
+            <a:lvl5pPr marL="1828800" indent="0">
+              <a:buFontTx/>
+              <a:buNone/>
+              <a:defRPr/>
+            </a:lvl5pPr>
+          </a:lstStyle>
+          <a:p>
+            <a:pPr lvl="0"/>
+            <a:r>
+              <a:rPr lang="en-US"/>
+              <a:t>Click to edit Master text styles</a:t>
+            </a:r>
+          </a:p>
+        </p:txBody>
+      </p:sp>
+      <p:sp>
+        <p:nvSpPr>
+          <p:cNvPr id="4" name="Text Placeholder 3"/>
+          <p:cNvSpPr>
+            <a:spLocks noGrp="1"/>
+          </p:cNvSpPr>
+          <p:nvPr>
+            <p:ph type="body" sz="half" idx="2"/>
+          </p:nvPr>
+        </p:nvSpPr>
+        <p:spPr>
+          <a:xfrm>
+            <a:off x="2589213" y="5181600"/>
+            <a:ext cx="8915400" cy="729622"/>
+          </a:xfrm>
+        </p:spPr>
+        <p:txBody>
+          <a:bodyPr vert="horz" lIns="91440" tIns="45720" rIns="91440" bIns="45720" rtlCol="0" anchor="t">
+            <a:normAutofit/>
+          </a:bodyPr>
+          <a:lstStyle>
+            <a:lvl1pPr>
+              <a:buNone/>
+              <a:defRPr lang="en-US">
+                <a:solidFill>
+                  <a:schemeClr val="tx1">
+                    <a:lumMod val="65000"/>
+                    <a:lumOff val="35000"/>
+                  </a:schemeClr>
+                </a:solidFill>
+              </a:defRPr>
+            </a:lvl1pPr>
+          </a:lstStyle>
+          <a:p>
+            <a:pPr marL="0" lvl="0" indent="0">
+              <a:buNone/>
+            </a:pPr>
+            <a:r>
+              <a:rPr lang="en-US"/>
+              <a:t>Click to edit Master text styles</a:t>
+            </a:r>
+          </a:p>
+        </p:txBody>
+      </p:sp>
+      <p:sp>
+        <p:nvSpPr>
+          <p:cNvPr id="5" name="Date Placeholder 4"/>
+          <p:cNvSpPr>
+            <a:spLocks noGrp="1"/>
+          </p:cNvSpPr>
+          <p:nvPr>
+            <p:ph type="dt" sz="half" idx="10"/>
+          </p:nvPr>
+        </p:nvSpPr>
+        <p:spPr/>
+        <p:txBody>
+          <a:bodyPr/>
+          <a:lstStyle/>
+          <a:p>
+            <a:fld id="{FB4D491D-4061-42FE-96D3-AE4CC17E143C}" type="datetimeFigureOut">
+              <a:rPr lang="en-AU" smtClean="0"/>
+              <a:t>3/06/2021</a:t>
+            </a:fld>
+            <a:endParaRPr lang="en-AU"/>
+          </a:p>
+        </p:txBody>
+      </p:sp>
+      <p:sp>
+        <p:nvSpPr>
+          <p:cNvPr id="6" name="Footer Placeholder 5"/>
+          <p:cNvSpPr>
+            <a:spLocks noGrp="1"/>
+          </p:cNvSpPr>
+          <p:nvPr>
+            <p:ph type="ftr" sz="quarter" idx="11"/>
+          </p:nvPr>
+        </p:nvSpPr>
+        <p:spPr/>
+        <p:txBody>
+          <a:bodyPr/>
+          <a:lstStyle/>
+          <a:p>
+            <a:endParaRPr lang="en-AU"/>
+          </a:p>
+        </p:txBody>
+      </p:sp>
+      <p:sp>
+        <p:nvSpPr>
+          <p:cNvPr id="9" name="Freeform 11"/>
+          <p:cNvSpPr/>
+          <p:nvPr/>
+        </p:nvSpPr>
+        <p:spPr bwMode="auto">
+          <a:xfrm flipV="1">
+            <a:off x="-4189" y="4911725"/>
+            <a:ext cx="1588527" cy="507297"/>
+          </a:xfrm>
+          <a:custGeom>
+            <a:avLst/>
+            <a:gdLst/>
+            <a:ahLst/>
+            <a:cxnLst/>
+            <a:rect l="l" t="t" r="r" b="b"/>
+            <a:pathLst>
+              <a:path w="9248" h="10000">
+                <a:moveTo>
+                  <a:pt x="9248" y="4701"/>
+                </a:moveTo>
+                <a:lnTo>
+                  <a:pt x="7915" y="188"/>
+                </a:lnTo>
+                <a:cubicBezTo>
+                  <a:pt x="7906" y="156"/>
+                  <a:pt x="7895" y="126"/>
+                  <a:pt x="7886" y="94"/>
+                </a:cubicBezTo>
+                <a:cubicBezTo>
+                  <a:pt x="7859" y="0"/>
+                  <a:pt x="7831" y="0"/>
+                  <a:pt x="7803" y="0"/>
+                </a:cubicBezTo>
+                <a:lnTo>
+                  <a:pt x="7275" y="0"/>
+                </a:lnTo>
+                <a:lnTo>
+                  <a:pt x="0" y="70"/>
+                </a:lnTo>
+                <a:cubicBezTo>
+                  <a:pt x="8" y="3380"/>
+                  <a:pt x="17" y="6690"/>
+                  <a:pt x="25" y="10000"/>
+                </a:cubicBezTo>
+                <a:lnTo>
+                  <a:pt x="7275" y="9966"/>
+                </a:lnTo>
+                <a:lnTo>
+                  <a:pt x="7803" y="9966"/>
+                </a:lnTo>
+                <a:cubicBezTo>
+                  <a:pt x="7831" y="9966"/>
+                  <a:pt x="7859" y="9872"/>
+                  <a:pt x="7886" y="9872"/>
+                </a:cubicBezTo>
+                <a:cubicBezTo>
+                  <a:pt x="7886" y="9778"/>
+                  <a:pt x="7915" y="9778"/>
+                  <a:pt x="7915" y="9778"/>
+                </a:cubicBezTo>
+                <a:lnTo>
+                  <a:pt x="9248" y="5265"/>
+                </a:lnTo>
+                <a:cubicBezTo>
+                  <a:pt x="9303" y="5077"/>
+                  <a:pt x="9303" y="4889"/>
+                  <a:pt x="9248" y="4701"/>
+                </a:cubicBezTo>
+                <a:close/>
+              </a:path>
+            </a:pathLst>
+          </a:custGeom>
+          <a:solidFill>
+            <a:schemeClr val="accent1"/>
+          </a:solidFill>
+          <a:ln>
+            <a:noFill/>
+          </a:ln>
+        </p:spPr>
+      </p:sp>
+      <p:sp>
+        <p:nvSpPr>
+          <p:cNvPr id="7" name="Slide Number Placeholder 6"/>
+          <p:cNvSpPr>
+            <a:spLocks noGrp="1"/>
+          </p:cNvSpPr>
+          <p:nvPr>
+            <p:ph type="sldNum" sz="quarter" idx="12"/>
+          </p:nvPr>
+        </p:nvSpPr>
+        <p:spPr>
+          <a:xfrm>
+            <a:off x="531812" y="4983087"/>
+            <a:ext cx="779767" cy="365125"/>
+          </a:xfrm>
+        </p:spPr>
+        <p:txBody>
+          <a:bodyPr/>
+          <a:lstStyle/>
+          <a:p>
+            <a:fld id="{21A4CCA3-7B27-4DDE-AB16-AE57AD2A5BAC}" type="slidenum">
+              <a:rPr lang="en-AU" smtClean="0"/>
+              <a:t>‹#›</a:t>
+            </a:fld>
+            <a:endParaRPr lang="en-AU"/>
+          </a:p>
+        </p:txBody>
+      </p:sp>
+    </p:spTree>
+    <p:extLst>
+      <p:ext uri="{BB962C8B-B14F-4D97-AF65-F5344CB8AC3E}">
+        <p14:creationId xmlns:p14="http://schemas.microsoft.com/office/powerpoint/2010/main" val="236386341"/>
+      </p:ext>
+    </p:extLst>
+  </p:cSld>
+  <p:clrMapOvr>
+    <a:masterClrMapping/>
+  </p:clrMapOvr>
+</p:sldLayout>
+</file>
+
+<file path=ppt/slideLayouts/slideLayout15.xml><?xml version="1.0" encoding="utf-8"?>
 <p:sldLayout xmlns:a="http://schemas.openxmlformats.org/drawingml/2006/main" xmlns:r="http://schemas.openxmlformats.org/officeDocument/2006/relationships" xmlns:p="http://schemas.openxmlformats.org/presentationml/2006/main" type="vertTx" preserve="1">
   <p:cSld name="Title and Vertical Text">
     <p:spTree>
@@ -526,13 +2911,7 @@
       </p:grpSpPr>
       <p:sp>
         <p:nvSpPr>
-          <p:cNvPr id="2" name="Title 1">
-            <a:extLst>
-              <a:ext uri="{FF2B5EF4-FFF2-40B4-BE49-F238E27FC236}">
-                <a16:creationId xmlns:a16="http://schemas.microsoft.com/office/drawing/2014/main" id="{6EC7EB14-95E8-4107-962E-DEB3906B6EF4}"/>
-              </a:ext>
-            </a:extLst>
-          </p:cNvPr>
+          <p:cNvPr id="2" name="Title 1"/>
           <p:cNvSpPr>
             <a:spLocks noGrp="1"/>
           </p:cNvSpPr>
@@ -549,19 +2928,13 @@
               <a:rPr lang="en-US"/>
               <a:t>Click to edit Master title style</a:t>
             </a:r>
-            <a:endParaRPr lang="en-AU"/>
-          </a:p>
-        </p:txBody>
-      </p:sp>
-      <p:sp>
-        <p:nvSpPr>
-          <p:cNvPr id="3" name="Vertical Text Placeholder 2">
-            <a:extLst>
-              <a:ext uri="{FF2B5EF4-FFF2-40B4-BE49-F238E27FC236}">
-                <a16:creationId xmlns:a16="http://schemas.microsoft.com/office/drawing/2014/main" id="{F42A971C-5C2E-4419-B99D-A1DF8A69C9E2}"/>
-              </a:ext>
-            </a:extLst>
-          </p:cNvPr>
+            <a:endParaRPr lang="en-US" dirty="0"/>
+          </a:p>
+        </p:txBody>
+      </p:sp>
+      <p:sp>
+        <p:nvSpPr>
+          <p:cNvPr id="3" name="Vertical Text Placeholder 2"/>
           <p:cNvSpPr>
             <a:spLocks noGrp="1"/>
           </p:cNvSpPr>
@@ -571,7 +2944,7 @@
         </p:nvSpPr>
         <p:spPr/>
         <p:txBody>
-          <a:bodyPr vert="eaVert"/>
+          <a:bodyPr vert="eaVert" anchor="t"/>
           <a:lstStyle/>
           <a:p>
             <a:pPr lvl="0"/>
@@ -607,19 +2980,13 @@
               <a:rPr lang="en-US"/>
               <a:t>Fifth level</a:t>
             </a:r>
-            <a:endParaRPr lang="en-AU"/>
-          </a:p>
-        </p:txBody>
-      </p:sp>
-      <p:sp>
-        <p:nvSpPr>
-          <p:cNvPr id="4" name="Date Placeholder 3">
-            <a:extLst>
-              <a:ext uri="{FF2B5EF4-FFF2-40B4-BE49-F238E27FC236}">
-                <a16:creationId xmlns:a16="http://schemas.microsoft.com/office/drawing/2014/main" id="{4BFB6896-C97D-43D0-8AA3-6EE2EF9DB9F8}"/>
-              </a:ext>
-            </a:extLst>
-          </p:cNvPr>
+            <a:endParaRPr lang="en-US" dirty="0"/>
+          </a:p>
+        </p:txBody>
+      </p:sp>
+      <p:sp>
+        <p:nvSpPr>
+          <p:cNvPr id="4" name="Date Placeholder 3"/>
           <p:cNvSpPr>
             <a:spLocks noGrp="1"/>
           </p:cNvSpPr>
@@ -642,13 +3009,7 @@
       </p:sp>
       <p:sp>
         <p:nvSpPr>
-          <p:cNvPr id="5" name="Footer Placeholder 4">
-            <a:extLst>
-              <a:ext uri="{FF2B5EF4-FFF2-40B4-BE49-F238E27FC236}">
-                <a16:creationId xmlns:a16="http://schemas.microsoft.com/office/drawing/2014/main" id="{B9F2559E-B471-48C3-B148-D12BC944BDDB}"/>
-              </a:ext>
-            </a:extLst>
-          </p:cNvPr>
+          <p:cNvPr id="5" name="Footer Placeholder 4"/>
           <p:cNvSpPr>
             <a:spLocks noGrp="1"/>
           </p:cNvSpPr>
@@ -667,13 +3028,89 @@
       </p:sp>
       <p:sp>
         <p:nvSpPr>
-          <p:cNvPr id="6" name="Slide Number Placeholder 5">
-            <a:extLst>
-              <a:ext uri="{FF2B5EF4-FFF2-40B4-BE49-F238E27FC236}">
-                <a16:creationId xmlns:a16="http://schemas.microsoft.com/office/drawing/2014/main" id="{EFB616BF-B819-4696-913D-66B8C83AE763}"/>
-              </a:ext>
-            </a:extLst>
-          </p:cNvPr>
+          <p:cNvPr id="8" name="Freeform 11"/>
+          <p:cNvSpPr/>
+          <p:nvPr/>
+        </p:nvSpPr>
+        <p:spPr bwMode="auto">
+          <a:xfrm flipV="1">
+            <a:off x="-4189" y="714375"/>
+            <a:ext cx="1588527" cy="507297"/>
+          </a:xfrm>
+          <a:custGeom>
+            <a:avLst/>
+            <a:gdLst/>
+            <a:ahLst/>
+            <a:cxnLst/>
+            <a:rect l="l" t="t" r="r" b="b"/>
+            <a:pathLst>
+              <a:path w="9248" h="10000">
+                <a:moveTo>
+                  <a:pt x="9248" y="4701"/>
+                </a:moveTo>
+                <a:lnTo>
+                  <a:pt x="7915" y="188"/>
+                </a:lnTo>
+                <a:cubicBezTo>
+                  <a:pt x="7906" y="156"/>
+                  <a:pt x="7895" y="126"/>
+                  <a:pt x="7886" y="94"/>
+                </a:cubicBezTo>
+                <a:cubicBezTo>
+                  <a:pt x="7859" y="0"/>
+                  <a:pt x="7831" y="0"/>
+                  <a:pt x="7803" y="0"/>
+                </a:cubicBezTo>
+                <a:lnTo>
+                  <a:pt x="7275" y="0"/>
+                </a:lnTo>
+                <a:lnTo>
+                  <a:pt x="0" y="70"/>
+                </a:lnTo>
+                <a:cubicBezTo>
+                  <a:pt x="8" y="3380"/>
+                  <a:pt x="17" y="6690"/>
+                  <a:pt x="25" y="10000"/>
+                </a:cubicBezTo>
+                <a:lnTo>
+                  <a:pt x="7275" y="9966"/>
+                </a:lnTo>
+                <a:lnTo>
+                  <a:pt x="7803" y="9966"/>
+                </a:lnTo>
+                <a:cubicBezTo>
+                  <a:pt x="7831" y="9966"/>
+                  <a:pt x="7859" y="9872"/>
+                  <a:pt x="7886" y="9872"/>
+                </a:cubicBezTo>
+                <a:cubicBezTo>
+                  <a:pt x="7886" y="9778"/>
+                  <a:pt x="7915" y="9778"/>
+                  <a:pt x="7915" y="9778"/>
+                </a:cubicBezTo>
+                <a:lnTo>
+                  <a:pt x="9248" y="5265"/>
+                </a:lnTo>
+                <a:cubicBezTo>
+                  <a:pt x="9303" y="5077"/>
+                  <a:pt x="9303" y="4889"/>
+                  <a:pt x="9248" y="4701"/>
+                </a:cubicBezTo>
+                <a:close/>
+              </a:path>
+            </a:pathLst>
+          </a:custGeom>
+          <a:solidFill>
+            <a:schemeClr val="accent1"/>
+          </a:solidFill>
+          <a:ln>
+            <a:noFill/>
+          </a:ln>
+        </p:spPr>
+      </p:sp>
+      <p:sp>
+        <p:nvSpPr>
+          <p:cNvPr id="6" name="Slide Number Placeholder 5"/>
           <p:cNvSpPr>
             <a:spLocks noGrp="1"/>
           </p:cNvSpPr>
@@ -697,7 +3134,7 @@
     </p:spTree>
     <p:extLst>
       <p:ext uri="{BB962C8B-B14F-4D97-AF65-F5344CB8AC3E}">
-        <p14:creationId xmlns:p14="http://schemas.microsoft.com/office/powerpoint/2010/main" val="210864674"/>
+        <p14:creationId xmlns:p14="http://schemas.microsoft.com/office/powerpoint/2010/main" val="2975401349"/>
       </p:ext>
     </p:extLst>
   </p:cSld>
@@ -707,7 +3144,7 @@
 </p:sldLayout>
 </file>
 
-<file path=ppt/slideLayouts/slideLayout11.xml><?xml version="1.0" encoding="utf-8"?>
+<file path=ppt/slideLayouts/slideLayout16.xml><?xml version="1.0" encoding="utf-8"?>
 <p:sldLayout xmlns:a="http://schemas.openxmlformats.org/drawingml/2006/main" xmlns:r="http://schemas.openxmlformats.org/officeDocument/2006/relationships" xmlns:p="http://schemas.openxmlformats.org/presentationml/2006/main" type="vertTitleAndTx" preserve="1">
   <p:cSld name="Vertical Title and Text">
     <p:spTree>
@@ -726,13 +3163,7 @@
       </p:grpSpPr>
       <p:sp>
         <p:nvSpPr>
-          <p:cNvPr id="2" name="Vertical Title 1">
-            <a:extLst>
-              <a:ext uri="{FF2B5EF4-FFF2-40B4-BE49-F238E27FC236}">
-                <a16:creationId xmlns:a16="http://schemas.microsoft.com/office/drawing/2014/main" id="{DE2E8BFE-5325-4B55-98D3-8015CCD0E88D}"/>
-              </a:ext>
-            </a:extLst>
-          </p:cNvPr>
+          <p:cNvPr id="2" name="Vertical Title 1"/>
           <p:cNvSpPr>
             <a:spLocks noGrp="1"/>
           </p:cNvSpPr>
@@ -742,48 +3173,42 @@
         </p:nvSpPr>
         <p:spPr>
           <a:xfrm>
-            <a:off x="8724900" y="365125"/>
-            <a:ext cx="2628900" cy="5811838"/>
+            <a:off x="9294812" y="627405"/>
+            <a:ext cx="2207601" cy="5283817"/>
           </a:xfrm>
         </p:spPr>
         <p:txBody>
+          <a:bodyPr vert="eaVert" anchor="ctr"/>
+          <a:lstStyle/>
+          <a:p>
+            <a:r>
+              <a:rPr lang="en-US"/>
+              <a:t>Click to edit Master title style</a:t>
+            </a:r>
+            <a:endParaRPr lang="en-US" dirty="0"/>
+          </a:p>
+        </p:txBody>
+      </p:sp>
+      <p:sp>
+        <p:nvSpPr>
+          <p:cNvPr id="3" name="Vertical Text Placeholder 2"/>
+          <p:cNvSpPr>
+            <a:spLocks noGrp="1"/>
+          </p:cNvSpPr>
+          <p:nvPr>
+            <p:ph type="body" orient="vert" idx="1"/>
+          </p:nvPr>
+        </p:nvSpPr>
+        <p:spPr>
+          <a:xfrm>
+            <a:off x="2589212" y="627405"/>
+            <a:ext cx="6477000" cy="5283817"/>
+          </a:xfrm>
+        </p:spPr>
+        <p:txBody>
           <a:bodyPr vert="eaVert"/>
           <a:lstStyle/>
           <a:p>
-            <a:r>
-              <a:rPr lang="en-US"/>
-              <a:t>Click to edit Master title style</a:t>
-            </a:r>
-            <a:endParaRPr lang="en-AU"/>
-          </a:p>
-        </p:txBody>
-      </p:sp>
-      <p:sp>
-        <p:nvSpPr>
-          <p:cNvPr id="3" name="Vertical Text Placeholder 2">
-            <a:extLst>
-              <a:ext uri="{FF2B5EF4-FFF2-40B4-BE49-F238E27FC236}">
-                <a16:creationId xmlns:a16="http://schemas.microsoft.com/office/drawing/2014/main" id="{EFB4A72A-AE44-4F3E-AD5E-6DCEA9ADEECC}"/>
-              </a:ext>
-            </a:extLst>
-          </p:cNvPr>
-          <p:cNvSpPr>
-            <a:spLocks noGrp="1"/>
-          </p:cNvSpPr>
-          <p:nvPr>
-            <p:ph type="body" orient="vert" idx="1"/>
-          </p:nvPr>
-        </p:nvSpPr>
-        <p:spPr>
-          <a:xfrm>
-            <a:off x="838200" y="365125"/>
-            <a:ext cx="7734300" cy="5811838"/>
-          </a:xfrm>
-        </p:spPr>
-        <p:txBody>
-          <a:bodyPr vert="eaVert"/>
-          <a:lstStyle/>
-          <a:p>
             <a:pPr lvl="0"/>
             <a:r>
               <a:rPr lang="en-US"/>
@@ -817,19 +3242,13 @@
               <a:rPr lang="en-US"/>
               <a:t>Fifth level</a:t>
             </a:r>
-            <a:endParaRPr lang="en-AU"/>
-          </a:p>
-        </p:txBody>
-      </p:sp>
-      <p:sp>
-        <p:nvSpPr>
-          <p:cNvPr id="4" name="Date Placeholder 3">
-            <a:extLst>
-              <a:ext uri="{FF2B5EF4-FFF2-40B4-BE49-F238E27FC236}">
-                <a16:creationId xmlns:a16="http://schemas.microsoft.com/office/drawing/2014/main" id="{11E40923-381A-45C1-A26C-EBCF906C6696}"/>
-              </a:ext>
-            </a:extLst>
-          </p:cNvPr>
+            <a:endParaRPr lang="en-US" dirty="0"/>
+          </a:p>
+        </p:txBody>
+      </p:sp>
+      <p:sp>
+        <p:nvSpPr>
+          <p:cNvPr id="4" name="Date Placeholder 3"/>
           <p:cNvSpPr>
             <a:spLocks noGrp="1"/>
           </p:cNvSpPr>
@@ -852,13 +3271,7 @@
       </p:sp>
       <p:sp>
         <p:nvSpPr>
-          <p:cNvPr id="5" name="Footer Placeholder 4">
-            <a:extLst>
-              <a:ext uri="{FF2B5EF4-FFF2-40B4-BE49-F238E27FC236}">
-                <a16:creationId xmlns:a16="http://schemas.microsoft.com/office/drawing/2014/main" id="{AA73A28E-2E77-4160-B243-FFC266760455}"/>
-              </a:ext>
-            </a:extLst>
-          </p:cNvPr>
+          <p:cNvPr id="5" name="Footer Placeholder 4"/>
           <p:cNvSpPr>
             <a:spLocks noGrp="1"/>
           </p:cNvSpPr>
@@ -877,13 +3290,89 @@
       </p:sp>
       <p:sp>
         <p:nvSpPr>
-          <p:cNvPr id="6" name="Slide Number Placeholder 5">
-            <a:extLst>
-              <a:ext uri="{FF2B5EF4-FFF2-40B4-BE49-F238E27FC236}">
-                <a16:creationId xmlns:a16="http://schemas.microsoft.com/office/drawing/2014/main" id="{97123286-242B-45F9-9FD4-3862826520E0}"/>
-              </a:ext>
-            </a:extLst>
-          </p:cNvPr>
+          <p:cNvPr id="8" name="Freeform 11"/>
+          <p:cNvSpPr/>
+          <p:nvPr/>
+        </p:nvSpPr>
+        <p:spPr bwMode="auto">
+          <a:xfrm flipV="1">
+            <a:off x="-4189" y="714375"/>
+            <a:ext cx="1588527" cy="507297"/>
+          </a:xfrm>
+          <a:custGeom>
+            <a:avLst/>
+            <a:gdLst/>
+            <a:ahLst/>
+            <a:cxnLst/>
+            <a:rect l="l" t="t" r="r" b="b"/>
+            <a:pathLst>
+              <a:path w="9248" h="10000">
+                <a:moveTo>
+                  <a:pt x="9248" y="4701"/>
+                </a:moveTo>
+                <a:lnTo>
+                  <a:pt x="7915" y="188"/>
+                </a:lnTo>
+                <a:cubicBezTo>
+                  <a:pt x="7906" y="156"/>
+                  <a:pt x="7895" y="126"/>
+                  <a:pt x="7886" y="94"/>
+                </a:cubicBezTo>
+                <a:cubicBezTo>
+                  <a:pt x="7859" y="0"/>
+                  <a:pt x="7831" y="0"/>
+                  <a:pt x="7803" y="0"/>
+                </a:cubicBezTo>
+                <a:lnTo>
+                  <a:pt x="7275" y="0"/>
+                </a:lnTo>
+                <a:lnTo>
+                  <a:pt x="0" y="70"/>
+                </a:lnTo>
+                <a:cubicBezTo>
+                  <a:pt x="8" y="3380"/>
+                  <a:pt x="17" y="6690"/>
+                  <a:pt x="25" y="10000"/>
+                </a:cubicBezTo>
+                <a:lnTo>
+                  <a:pt x="7275" y="9966"/>
+                </a:lnTo>
+                <a:lnTo>
+                  <a:pt x="7803" y="9966"/>
+                </a:lnTo>
+                <a:cubicBezTo>
+                  <a:pt x="7831" y="9966"/>
+                  <a:pt x="7859" y="9872"/>
+                  <a:pt x="7886" y="9872"/>
+                </a:cubicBezTo>
+                <a:cubicBezTo>
+                  <a:pt x="7886" y="9778"/>
+                  <a:pt x="7915" y="9778"/>
+                  <a:pt x="7915" y="9778"/>
+                </a:cubicBezTo>
+                <a:lnTo>
+                  <a:pt x="9248" y="5265"/>
+                </a:lnTo>
+                <a:cubicBezTo>
+                  <a:pt x="9303" y="5077"/>
+                  <a:pt x="9303" y="4889"/>
+                  <a:pt x="9248" y="4701"/>
+                </a:cubicBezTo>
+                <a:close/>
+              </a:path>
+            </a:pathLst>
+          </a:custGeom>
+          <a:solidFill>
+            <a:schemeClr val="accent1"/>
+          </a:solidFill>
+          <a:ln>
+            <a:noFill/>
+          </a:ln>
+        </p:spPr>
+      </p:sp>
+      <p:sp>
+        <p:nvSpPr>
+          <p:cNvPr id="6" name="Slide Number Placeholder 5"/>
           <p:cNvSpPr>
             <a:spLocks noGrp="1"/>
           </p:cNvSpPr>
@@ -907,7 +3396,7 @@
     </p:spTree>
     <p:extLst>
       <p:ext uri="{BB962C8B-B14F-4D97-AF65-F5344CB8AC3E}">
-        <p14:creationId xmlns:p14="http://schemas.microsoft.com/office/powerpoint/2010/main" val="1689952297"/>
+        <p14:creationId xmlns:p14="http://schemas.microsoft.com/office/powerpoint/2010/main" val="1286125217"/>
       </p:ext>
     </p:extLst>
   </p:cSld>
@@ -936,13 +3425,7 @@
       </p:grpSpPr>
       <p:sp>
         <p:nvSpPr>
-          <p:cNvPr id="2" name="Title 1">
-            <a:extLst>
-              <a:ext uri="{FF2B5EF4-FFF2-40B4-BE49-F238E27FC236}">
-                <a16:creationId xmlns:a16="http://schemas.microsoft.com/office/drawing/2014/main" id="{5AF3FA27-F31C-487E-B781-EDA90DE7605E}"/>
-              </a:ext>
-            </a:extLst>
-          </p:cNvPr>
+          <p:cNvPr id="2" name="Title 1"/>
           <p:cNvSpPr>
             <a:spLocks noGrp="1"/>
           </p:cNvSpPr>
@@ -950,7 +3433,12 @@
             <p:ph type="title"/>
           </p:nvPr>
         </p:nvSpPr>
-        <p:spPr/>
+        <p:spPr>
+          <a:xfrm>
+            <a:off x="2592925" y="624110"/>
+            <a:ext cx="8911687" cy="1280890"/>
+          </a:xfrm>
+        </p:spPr>
         <p:txBody>
           <a:bodyPr/>
           <a:lstStyle/>
@@ -959,19 +3447,13 @@
               <a:rPr lang="en-US"/>
               <a:t>Click to edit Master title style</a:t>
             </a:r>
-            <a:endParaRPr lang="en-AU"/>
-          </a:p>
-        </p:txBody>
-      </p:sp>
-      <p:sp>
-        <p:nvSpPr>
-          <p:cNvPr id="3" name="Content Placeholder 2">
-            <a:extLst>
-              <a:ext uri="{FF2B5EF4-FFF2-40B4-BE49-F238E27FC236}">
-                <a16:creationId xmlns:a16="http://schemas.microsoft.com/office/drawing/2014/main" id="{074880E8-0070-4B6A-93D1-6AEE013E2221}"/>
-              </a:ext>
-            </a:extLst>
-          </p:cNvPr>
+            <a:endParaRPr lang="en-US" dirty="0"/>
+          </a:p>
+        </p:txBody>
+      </p:sp>
+      <p:sp>
+        <p:nvSpPr>
+          <p:cNvPr id="3" name="Content Placeholder 2"/>
           <p:cNvSpPr>
             <a:spLocks noGrp="1"/>
           </p:cNvSpPr>
@@ -979,7 +3461,12 @@
             <p:ph idx="1"/>
           </p:nvPr>
         </p:nvSpPr>
-        <p:spPr/>
+        <p:spPr>
+          <a:xfrm>
+            <a:off x="2589212" y="2133600"/>
+            <a:ext cx="8915400" cy="3777622"/>
+          </a:xfrm>
+        </p:spPr>
         <p:txBody>
           <a:bodyPr/>
           <a:lstStyle/>
@@ -1017,19 +3504,13 @@
               <a:rPr lang="en-US"/>
               <a:t>Fifth level</a:t>
             </a:r>
-            <a:endParaRPr lang="en-AU"/>
-          </a:p>
-        </p:txBody>
-      </p:sp>
-      <p:sp>
-        <p:nvSpPr>
-          <p:cNvPr id="4" name="Date Placeholder 3">
-            <a:extLst>
-              <a:ext uri="{FF2B5EF4-FFF2-40B4-BE49-F238E27FC236}">
-                <a16:creationId xmlns:a16="http://schemas.microsoft.com/office/drawing/2014/main" id="{8C3EA04D-BF2C-4DE0-9AD9-6BE286AB6262}"/>
-              </a:ext>
-            </a:extLst>
-          </p:cNvPr>
+            <a:endParaRPr lang="en-US" dirty="0"/>
+          </a:p>
+        </p:txBody>
+      </p:sp>
+      <p:sp>
+        <p:nvSpPr>
+          <p:cNvPr id="4" name="Date Placeholder 3"/>
           <p:cNvSpPr>
             <a:spLocks noGrp="1"/>
           </p:cNvSpPr>
@@ -1052,13 +3533,7 @@
       </p:sp>
       <p:sp>
         <p:nvSpPr>
-          <p:cNvPr id="5" name="Footer Placeholder 4">
-            <a:extLst>
-              <a:ext uri="{FF2B5EF4-FFF2-40B4-BE49-F238E27FC236}">
-                <a16:creationId xmlns:a16="http://schemas.microsoft.com/office/drawing/2014/main" id="{64AA11B4-EC8F-4F77-B0D7-B619C1DF2FCD}"/>
-              </a:ext>
-            </a:extLst>
-          </p:cNvPr>
+          <p:cNvPr id="5" name="Footer Placeholder 4"/>
           <p:cNvSpPr>
             <a:spLocks noGrp="1"/>
           </p:cNvSpPr>
@@ -1077,13 +3552,89 @@
       </p:sp>
       <p:sp>
         <p:nvSpPr>
-          <p:cNvPr id="6" name="Slide Number Placeholder 5">
-            <a:extLst>
-              <a:ext uri="{FF2B5EF4-FFF2-40B4-BE49-F238E27FC236}">
-                <a16:creationId xmlns:a16="http://schemas.microsoft.com/office/drawing/2014/main" id="{78D2AFEC-C768-468E-A299-7CC270CC40E5}"/>
-              </a:ext>
-            </a:extLst>
-          </p:cNvPr>
+          <p:cNvPr id="8" name="Freeform 11"/>
+          <p:cNvSpPr/>
+          <p:nvPr/>
+        </p:nvSpPr>
+        <p:spPr bwMode="auto">
+          <a:xfrm flipV="1">
+            <a:off x="-4189" y="714375"/>
+            <a:ext cx="1588527" cy="507297"/>
+          </a:xfrm>
+          <a:custGeom>
+            <a:avLst/>
+            <a:gdLst/>
+            <a:ahLst/>
+            <a:cxnLst/>
+            <a:rect l="l" t="t" r="r" b="b"/>
+            <a:pathLst>
+              <a:path w="9248" h="10000">
+                <a:moveTo>
+                  <a:pt x="9248" y="4701"/>
+                </a:moveTo>
+                <a:lnTo>
+                  <a:pt x="7915" y="188"/>
+                </a:lnTo>
+                <a:cubicBezTo>
+                  <a:pt x="7906" y="156"/>
+                  <a:pt x="7895" y="126"/>
+                  <a:pt x="7886" y="94"/>
+                </a:cubicBezTo>
+                <a:cubicBezTo>
+                  <a:pt x="7859" y="0"/>
+                  <a:pt x="7831" y="0"/>
+                  <a:pt x="7803" y="0"/>
+                </a:cubicBezTo>
+                <a:lnTo>
+                  <a:pt x="7275" y="0"/>
+                </a:lnTo>
+                <a:lnTo>
+                  <a:pt x="0" y="70"/>
+                </a:lnTo>
+                <a:cubicBezTo>
+                  <a:pt x="8" y="3380"/>
+                  <a:pt x="17" y="6690"/>
+                  <a:pt x="25" y="10000"/>
+                </a:cubicBezTo>
+                <a:lnTo>
+                  <a:pt x="7275" y="9966"/>
+                </a:lnTo>
+                <a:lnTo>
+                  <a:pt x="7803" y="9966"/>
+                </a:lnTo>
+                <a:cubicBezTo>
+                  <a:pt x="7831" y="9966"/>
+                  <a:pt x="7859" y="9872"/>
+                  <a:pt x="7886" y="9872"/>
+                </a:cubicBezTo>
+                <a:cubicBezTo>
+                  <a:pt x="7886" y="9778"/>
+                  <a:pt x="7915" y="9778"/>
+                  <a:pt x="7915" y="9778"/>
+                </a:cubicBezTo>
+                <a:lnTo>
+                  <a:pt x="9248" y="5265"/>
+                </a:lnTo>
+                <a:cubicBezTo>
+                  <a:pt x="9303" y="5077"/>
+                  <a:pt x="9303" y="4889"/>
+                  <a:pt x="9248" y="4701"/>
+                </a:cubicBezTo>
+                <a:close/>
+              </a:path>
+            </a:pathLst>
+          </a:custGeom>
+          <a:solidFill>
+            <a:schemeClr val="accent1"/>
+          </a:solidFill>
+          <a:ln>
+            <a:noFill/>
+          </a:ln>
+        </p:spPr>
+      </p:sp>
+      <p:sp>
+        <p:nvSpPr>
+          <p:cNvPr id="6" name="Slide Number Placeholder 5"/>
           <p:cNvSpPr>
             <a:spLocks noGrp="1"/>
           </p:cNvSpPr>
@@ -1107,7 +3658,7 @@
     </p:spTree>
     <p:extLst>
       <p:ext uri="{BB962C8B-B14F-4D97-AF65-F5344CB8AC3E}">
-        <p14:creationId xmlns:p14="http://schemas.microsoft.com/office/powerpoint/2010/main" val="3742590427"/>
+        <p14:creationId xmlns:p14="http://schemas.microsoft.com/office/powerpoint/2010/main" val="1126213657"/>
       </p:ext>
     </p:extLst>
   </p:cSld>
@@ -1136,13 +3687,7 @@
       </p:grpSpPr>
       <p:sp>
         <p:nvSpPr>
-          <p:cNvPr id="2" name="Title 1">
-            <a:extLst>
-              <a:ext uri="{FF2B5EF4-FFF2-40B4-BE49-F238E27FC236}">
-                <a16:creationId xmlns:a16="http://schemas.microsoft.com/office/drawing/2014/main" id="{A84B5CEB-CE26-4C35-9BB2-1749156875A7}"/>
-              </a:ext>
-            </a:extLst>
-          </p:cNvPr>
+          <p:cNvPr id="2" name="Title 1"/>
           <p:cNvSpPr>
             <a:spLocks noGrp="1"/>
           </p:cNvSpPr>
@@ -1152,15 +3697,15 @@
         </p:nvSpPr>
         <p:spPr>
           <a:xfrm>
-            <a:off x="831850" y="1709738"/>
-            <a:ext cx="10515600" cy="2852737"/>
+            <a:off x="2589212" y="2058750"/>
+            <a:ext cx="8915399" cy="1468800"/>
           </a:xfrm>
         </p:spPr>
         <p:txBody>
           <a:bodyPr anchor="b"/>
           <a:lstStyle>
-            <a:lvl1pPr>
-              <a:defRPr sz="6000"/>
+            <a:lvl1pPr algn="l">
+              <a:defRPr sz="4000" b="0" cap="none"/>
             </a:lvl1pPr>
           </a:lstStyle>
           <a:p>
@@ -1168,19 +3713,13 @@
               <a:rPr lang="en-US"/>
               <a:t>Click to edit Master title style</a:t>
             </a:r>
-            <a:endParaRPr lang="en-AU"/>
-          </a:p>
-        </p:txBody>
-      </p:sp>
-      <p:sp>
-        <p:nvSpPr>
-          <p:cNvPr id="3" name="Text Placeholder 2">
-            <a:extLst>
-              <a:ext uri="{FF2B5EF4-FFF2-40B4-BE49-F238E27FC236}">
-                <a16:creationId xmlns:a16="http://schemas.microsoft.com/office/drawing/2014/main" id="{F57CA5A6-3BFC-436E-9582-3B612769176D}"/>
-              </a:ext>
-            </a:extLst>
-          </p:cNvPr>
+            <a:endParaRPr lang="en-US" dirty="0"/>
+          </a:p>
+        </p:txBody>
+      </p:sp>
+      <p:sp>
+        <p:nvSpPr>
+          <p:cNvPr id="3" name="Text Placeholder 2"/>
           <p:cNvSpPr>
             <a:spLocks noGrp="1"/>
           </p:cNvSpPr>
@@ -1190,26 +3729,27 @@
         </p:nvSpPr>
         <p:spPr>
           <a:xfrm>
-            <a:off x="831850" y="4589463"/>
-            <a:ext cx="10515600" cy="1500187"/>
+            <a:off x="2589212" y="3530129"/>
+            <a:ext cx="8915399" cy="860400"/>
           </a:xfrm>
         </p:spPr>
         <p:txBody>
-          <a:bodyPr/>
+          <a:bodyPr anchor="t"/>
           <a:lstStyle>
-            <a:lvl1pPr marL="0" indent="0">
+            <a:lvl1pPr marL="0" indent="0" algn="l">
               <a:buNone/>
-              <a:defRPr sz="2400">
+              <a:defRPr sz="2000">
                 <a:solidFill>
                   <a:schemeClr val="tx1">
-                    <a:tint val="75000"/>
+                    <a:lumMod val="65000"/>
+                    <a:lumOff val="35000"/>
                   </a:schemeClr>
                 </a:solidFill>
               </a:defRPr>
             </a:lvl1pPr>
             <a:lvl2pPr marL="457200" indent="0">
               <a:buNone/>
-              <a:defRPr sz="2000">
+              <a:defRPr sz="1800">
                 <a:solidFill>
                   <a:schemeClr val="tx1">
                     <a:tint val="75000"/>
@@ -1219,7 +3759,7 @@
             </a:lvl2pPr>
             <a:lvl3pPr marL="914400" indent="0">
               <a:buNone/>
-              <a:defRPr sz="1800">
+              <a:defRPr sz="1600">
                 <a:solidFill>
                   <a:schemeClr val="tx1">
                     <a:tint val="75000"/>
@@ -1229,7 +3769,7 @@
             </a:lvl3pPr>
             <a:lvl4pPr marL="1371600" indent="0">
               <a:buNone/>
-              <a:defRPr sz="1600">
+              <a:defRPr sz="1400">
                 <a:solidFill>
                   <a:schemeClr val="tx1">
                     <a:tint val="75000"/>
@@ -1239,7 +3779,7 @@
             </a:lvl4pPr>
             <a:lvl5pPr marL="1828800" indent="0">
               <a:buNone/>
-              <a:defRPr sz="1600">
+              <a:defRPr sz="1400">
                 <a:solidFill>
                   <a:schemeClr val="tx1">
                     <a:tint val="75000"/>
@@ -1249,7 +3789,7 @@
             </a:lvl5pPr>
             <a:lvl6pPr marL="2286000" indent="0">
               <a:buNone/>
-              <a:defRPr sz="1600">
+              <a:defRPr sz="1400">
                 <a:solidFill>
                   <a:schemeClr val="tx1">
                     <a:tint val="75000"/>
@@ -1259,7 +3799,7 @@
             </a:lvl6pPr>
             <a:lvl7pPr marL="2743200" indent="0">
               <a:buNone/>
-              <a:defRPr sz="1600">
+              <a:defRPr sz="1400">
                 <a:solidFill>
                   <a:schemeClr val="tx1">
                     <a:tint val="75000"/>
@@ -1269,7 +3809,7 @@
             </a:lvl7pPr>
             <a:lvl8pPr marL="3200400" indent="0">
               <a:buNone/>
-              <a:defRPr sz="1600">
+              <a:defRPr sz="1400">
                 <a:solidFill>
                   <a:schemeClr val="tx1">
                     <a:tint val="75000"/>
@@ -1279,7 +3819,7 @@
             </a:lvl8pPr>
             <a:lvl9pPr marL="3657600" indent="0">
               <a:buNone/>
-              <a:defRPr sz="1600">
+              <a:defRPr sz="1400">
                 <a:solidFill>
                   <a:schemeClr val="tx1">
                     <a:tint val="75000"/>
@@ -1299,13 +3839,7 @@
       </p:sp>
       <p:sp>
         <p:nvSpPr>
-          <p:cNvPr id="4" name="Date Placeholder 3">
-            <a:extLst>
-              <a:ext uri="{FF2B5EF4-FFF2-40B4-BE49-F238E27FC236}">
-                <a16:creationId xmlns:a16="http://schemas.microsoft.com/office/drawing/2014/main" id="{715C8B9D-0B04-45F4-AC90-78BFDD989F4E}"/>
-              </a:ext>
-            </a:extLst>
-          </p:cNvPr>
+          <p:cNvPr id="4" name="Date Placeholder 3"/>
           <p:cNvSpPr>
             <a:spLocks noGrp="1"/>
           </p:cNvSpPr>
@@ -1328,13 +3862,7 @@
       </p:sp>
       <p:sp>
         <p:nvSpPr>
-          <p:cNvPr id="5" name="Footer Placeholder 4">
-            <a:extLst>
-              <a:ext uri="{FF2B5EF4-FFF2-40B4-BE49-F238E27FC236}">
-                <a16:creationId xmlns:a16="http://schemas.microsoft.com/office/drawing/2014/main" id="{DECE95CE-7DB9-471F-87BC-D62ED2A72F42}"/>
-              </a:ext>
-            </a:extLst>
-          </p:cNvPr>
+          <p:cNvPr id="5" name="Footer Placeholder 4"/>
           <p:cNvSpPr>
             <a:spLocks noGrp="1"/>
           </p:cNvSpPr>
@@ -1353,13 +3881,89 @@
       </p:sp>
       <p:sp>
         <p:nvSpPr>
-          <p:cNvPr id="6" name="Slide Number Placeholder 5">
-            <a:extLst>
-              <a:ext uri="{FF2B5EF4-FFF2-40B4-BE49-F238E27FC236}">
-                <a16:creationId xmlns:a16="http://schemas.microsoft.com/office/drawing/2014/main" id="{4FC80582-4DE7-49F3-A57B-6264632EF449}"/>
-              </a:ext>
-            </a:extLst>
-          </p:cNvPr>
+          <p:cNvPr id="9" name="Freeform 11"/>
+          <p:cNvSpPr/>
+          <p:nvPr/>
+        </p:nvSpPr>
+        <p:spPr bwMode="auto">
+          <a:xfrm flipV="1">
+            <a:off x="-4189" y="3178175"/>
+            <a:ext cx="1588527" cy="507297"/>
+          </a:xfrm>
+          <a:custGeom>
+            <a:avLst/>
+            <a:gdLst/>
+            <a:ahLst/>
+            <a:cxnLst/>
+            <a:rect l="l" t="t" r="r" b="b"/>
+            <a:pathLst>
+              <a:path w="9248" h="10000">
+                <a:moveTo>
+                  <a:pt x="9248" y="4701"/>
+                </a:moveTo>
+                <a:lnTo>
+                  <a:pt x="7915" y="188"/>
+                </a:lnTo>
+                <a:cubicBezTo>
+                  <a:pt x="7906" y="156"/>
+                  <a:pt x="7895" y="126"/>
+                  <a:pt x="7886" y="94"/>
+                </a:cubicBezTo>
+                <a:cubicBezTo>
+                  <a:pt x="7859" y="0"/>
+                  <a:pt x="7831" y="0"/>
+                  <a:pt x="7803" y="0"/>
+                </a:cubicBezTo>
+                <a:lnTo>
+                  <a:pt x="7275" y="0"/>
+                </a:lnTo>
+                <a:lnTo>
+                  <a:pt x="0" y="70"/>
+                </a:lnTo>
+                <a:cubicBezTo>
+                  <a:pt x="8" y="3380"/>
+                  <a:pt x="17" y="6690"/>
+                  <a:pt x="25" y="10000"/>
+                </a:cubicBezTo>
+                <a:lnTo>
+                  <a:pt x="7275" y="9966"/>
+                </a:lnTo>
+                <a:lnTo>
+                  <a:pt x="7803" y="9966"/>
+                </a:lnTo>
+                <a:cubicBezTo>
+                  <a:pt x="7831" y="9966"/>
+                  <a:pt x="7859" y="9872"/>
+                  <a:pt x="7886" y="9872"/>
+                </a:cubicBezTo>
+                <a:cubicBezTo>
+                  <a:pt x="7886" y="9778"/>
+                  <a:pt x="7915" y="9778"/>
+                  <a:pt x="7915" y="9778"/>
+                </a:cubicBezTo>
+                <a:lnTo>
+                  <a:pt x="9248" y="5265"/>
+                </a:lnTo>
+                <a:cubicBezTo>
+                  <a:pt x="9303" y="5077"/>
+                  <a:pt x="9303" y="4889"/>
+                  <a:pt x="9248" y="4701"/>
+                </a:cubicBezTo>
+                <a:close/>
+              </a:path>
+            </a:pathLst>
+          </a:custGeom>
+          <a:solidFill>
+            <a:schemeClr val="accent1"/>
+          </a:solidFill>
+          <a:ln>
+            <a:noFill/>
+          </a:ln>
+        </p:spPr>
+      </p:sp>
+      <p:sp>
+        <p:nvSpPr>
+          <p:cNvPr id="6" name="Slide Number Placeholder 5"/>
           <p:cNvSpPr>
             <a:spLocks noGrp="1"/>
           </p:cNvSpPr>
@@ -1367,7 +3971,12 @@
             <p:ph type="sldNum" sz="quarter" idx="12"/>
           </p:nvPr>
         </p:nvSpPr>
-        <p:spPr/>
+        <p:spPr>
+          <a:xfrm>
+            <a:off x="531812" y="3244139"/>
+            <a:ext cx="779767" cy="365125"/>
+          </a:xfrm>
+        </p:spPr>
         <p:txBody>
           <a:bodyPr/>
           <a:lstStyle/>
@@ -1383,7 +3992,7 @@
     </p:spTree>
     <p:extLst>
       <p:ext uri="{BB962C8B-B14F-4D97-AF65-F5344CB8AC3E}">
-        <p14:creationId xmlns:p14="http://schemas.microsoft.com/office/powerpoint/2010/main" val="645711356"/>
+        <p14:creationId xmlns:p14="http://schemas.microsoft.com/office/powerpoint/2010/main" val="1902363004"/>
       </p:ext>
     </p:extLst>
   </p:cSld>
@@ -1412,13 +4021,7 @@
       </p:grpSpPr>
       <p:sp>
         <p:nvSpPr>
-          <p:cNvPr id="2" name="Title 1">
-            <a:extLst>
-              <a:ext uri="{FF2B5EF4-FFF2-40B4-BE49-F238E27FC236}">
-                <a16:creationId xmlns:a16="http://schemas.microsoft.com/office/drawing/2014/main" id="{C719238D-FB28-4454-A1C9-8D335F817284}"/>
-              </a:ext>
-            </a:extLst>
-          </p:cNvPr>
+          <p:cNvPr id="8" name="Title 7"/>
           <p:cNvSpPr>
             <a:spLocks noGrp="1"/>
           </p:cNvSpPr>
@@ -1435,19 +4038,13 @@
               <a:rPr lang="en-US"/>
               <a:t>Click to edit Master title style</a:t>
             </a:r>
-            <a:endParaRPr lang="en-AU"/>
-          </a:p>
-        </p:txBody>
-      </p:sp>
-      <p:sp>
-        <p:nvSpPr>
-          <p:cNvPr id="3" name="Content Placeholder 2">
-            <a:extLst>
-              <a:ext uri="{FF2B5EF4-FFF2-40B4-BE49-F238E27FC236}">
-                <a16:creationId xmlns:a16="http://schemas.microsoft.com/office/drawing/2014/main" id="{9E2EF2A5-B408-4983-AB90-29BE989D3AC7}"/>
-              </a:ext>
-            </a:extLst>
-          </p:cNvPr>
+            <a:endParaRPr lang="en-US" dirty="0"/>
+          </a:p>
+        </p:txBody>
+      </p:sp>
+      <p:sp>
+        <p:nvSpPr>
+          <p:cNvPr id="3" name="Content Placeholder 2"/>
           <p:cNvSpPr>
             <a:spLocks noGrp="1"/>
           </p:cNvSpPr>
@@ -1457,12 +4054,14 @@
         </p:nvSpPr>
         <p:spPr>
           <a:xfrm>
-            <a:off x="838200" y="1825625"/>
-            <a:ext cx="5181600" cy="4351338"/>
+            <a:off x="2589212" y="2133600"/>
+            <a:ext cx="4313864" cy="3777622"/>
           </a:xfrm>
         </p:spPr>
         <p:txBody>
-          <a:bodyPr/>
+          <a:bodyPr>
+            <a:normAutofit/>
+          </a:bodyPr>
           <a:lstStyle/>
           <a:p>
             <a:pPr lvl="0"/>
@@ -1498,19 +4097,13 @@
               <a:rPr lang="en-US"/>
               <a:t>Fifth level</a:t>
             </a:r>
-            <a:endParaRPr lang="en-AU"/>
-          </a:p>
-        </p:txBody>
-      </p:sp>
-      <p:sp>
-        <p:nvSpPr>
-          <p:cNvPr id="4" name="Content Placeholder 3">
-            <a:extLst>
-              <a:ext uri="{FF2B5EF4-FFF2-40B4-BE49-F238E27FC236}">
-                <a16:creationId xmlns:a16="http://schemas.microsoft.com/office/drawing/2014/main" id="{3D2A09FE-1A6C-4173-8F8B-6B72298A9222}"/>
-              </a:ext>
-            </a:extLst>
-          </p:cNvPr>
+            <a:endParaRPr lang="en-US" dirty="0"/>
+          </a:p>
+        </p:txBody>
+      </p:sp>
+      <p:sp>
+        <p:nvSpPr>
+          <p:cNvPr id="4" name="Content Placeholder 3"/>
           <p:cNvSpPr>
             <a:spLocks noGrp="1"/>
           </p:cNvSpPr>
@@ -1520,12 +4113,14 @@
         </p:nvSpPr>
         <p:spPr>
           <a:xfrm>
-            <a:off x="6172200" y="1825625"/>
-            <a:ext cx="5181600" cy="4351338"/>
+            <a:off x="7190747" y="2126222"/>
+            <a:ext cx="4313864" cy="3777622"/>
           </a:xfrm>
         </p:spPr>
         <p:txBody>
-          <a:bodyPr/>
+          <a:bodyPr>
+            <a:normAutofit/>
+          </a:bodyPr>
           <a:lstStyle/>
           <a:p>
             <a:pPr lvl="0"/>
@@ -1561,19 +4156,13 @@
               <a:rPr lang="en-US"/>
               <a:t>Fifth level</a:t>
             </a:r>
-            <a:endParaRPr lang="en-AU"/>
-          </a:p>
-        </p:txBody>
-      </p:sp>
-      <p:sp>
-        <p:nvSpPr>
-          <p:cNvPr id="5" name="Date Placeholder 4">
-            <a:extLst>
-              <a:ext uri="{FF2B5EF4-FFF2-40B4-BE49-F238E27FC236}">
-                <a16:creationId xmlns:a16="http://schemas.microsoft.com/office/drawing/2014/main" id="{A0BAAF35-EED2-495B-AA0B-24EA742CC344}"/>
-              </a:ext>
-            </a:extLst>
-          </p:cNvPr>
+            <a:endParaRPr lang="en-US" dirty="0"/>
+          </a:p>
+        </p:txBody>
+      </p:sp>
+      <p:sp>
+        <p:nvSpPr>
+          <p:cNvPr id="5" name="Date Placeholder 4"/>
           <p:cNvSpPr>
             <a:spLocks noGrp="1"/>
           </p:cNvSpPr>
@@ -1596,13 +4185,7 @@
       </p:sp>
       <p:sp>
         <p:nvSpPr>
-          <p:cNvPr id="6" name="Footer Placeholder 5">
-            <a:extLst>
-              <a:ext uri="{FF2B5EF4-FFF2-40B4-BE49-F238E27FC236}">
-                <a16:creationId xmlns:a16="http://schemas.microsoft.com/office/drawing/2014/main" id="{DA7BF8E4-820C-4D21-A2D1-47C038428AAC}"/>
-              </a:ext>
-            </a:extLst>
-          </p:cNvPr>
+          <p:cNvPr id="6" name="Footer Placeholder 5"/>
           <p:cNvSpPr>
             <a:spLocks noGrp="1"/>
           </p:cNvSpPr>
@@ -1621,13 +4204,89 @@
       </p:sp>
       <p:sp>
         <p:nvSpPr>
-          <p:cNvPr id="7" name="Slide Number Placeholder 6">
-            <a:extLst>
-              <a:ext uri="{FF2B5EF4-FFF2-40B4-BE49-F238E27FC236}">
-                <a16:creationId xmlns:a16="http://schemas.microsoft.com/office/drawing/2014/main" id="{0CCAD2D8-ACCB-4B23-8FD3-F24CFA88917F}"/>
-              </a:ext>
-            </a:extLst>
-          </p:cNvPr>
+          <p:cNvPr id="10" name="Freeform 11"/>
+          <p:cNvSpPr/>
+          <p:nvPr/>
+        </p:nvSpPr>
+        <p:spPr bwMode="auto">
+          <a:xfrm flipV="1">
+            <a:off x="-4189" y="714375"/>
+            <a:ext cx="1588527" cy="507297"/>
+          </a:xfrm>
+          <a:custGeom>
+            <a:avLst/>
+            <a:gdLst/>
+            <a:ahLst/>
+            <a:cxnLst/>
+            <a:rect l="l" t="t" r="r" b="b"/>
+            <a:pathLst>
+              <a:path w="9248" h="10000">
+                <a:moveTo>
+                  <a:pt x="9248" y="4701"/>
+                </a:moveTo>
+                <a:lnTo>
+                  <a:pt x="7915" y="188"/>
+                </a:lnTo>
+                <a:cubicBezTo>
+                  <a:pt x="7906" y="156"/>
+                  <a:pt x="7895" y="126"/>
+                  <a:pt x="7886" y="94"/>
+                </a:cubicBezTo>
+                <a:cubicBezTo>
+                  <a:pt x="7859" y="0"/>
+                  <a:pt x="7831" y="0"/>
+                  <a:pt x="7803" y="0"/>
+                </a:cubicBezTo>
+                <a:lnTo>
+                  <a:pt x="7275" y="0"/>
+                </a:lnTo>
+                <a:lnTo>
+                  <a:pt x="0" y="70"/>
+                </a:lnTo>
+                <a:cubicBezTo>
+                  <a:pt x="8" y="3380"/>
+                  <a:pt x="17" y="6690"/>
+                  <a:pt x="25" y="10000"/>
+                </a:cubicBezTo>
+                <a:lnTo>
+                  <a:pt x="7275" y="9966"/>
+                </a:lnTo>
+                <a:lnTo>
+                  <a:pt x="7803" y="9966"/>
+                </a:lnTo>
+                <a:cubicBezTo>
+                  <a:pt x="7831" y="9966"/>
+                  <a:pt x="7859" y="9872"/>
+                  <a:pt x="7886" y="9872"/>
+                </a:cubicBezTo>
+                <a:cubicBezTo>
+                  <a:pt x="7886" y="9778"/>
+                  <a:pt x="7915" y="9778"/>
+                  <a:pt x="7915" y="9778"/>
+                </a:cubicBezTo>
+                <a:lnTo>
+                  <a:pt x="9248" y="5265"/>
+                </a:lnTo>
+                <a:cubicBezTo>
+                  <a:pt x="9303" y="5077"/>
+                  <a:pt x="9303" y="4889"/>
+                  <a:pt x="9248" y="4701"/>
+                </a:cubicBezTo>
+                <a:close/>
+              </a:path>
+            </a:pathLst>
+          </a:custGeom>
+          <a:solidFill>
+            <a:schemeClr val="accent1"/>
+          </a:solidFill>
+          <a:ln>
+            <a:noFill/>
+          </a:ln>
+        </p:spPr>
+      </p:sp>
+      <p:sp>
+        <p:nvSpPr>
+          <p:cNvPr id="11" name="Slide Number Placeholder 5"/>
           <p:cNvSpPr>
             <a:spLocks noGrp="1"/>
           </p:cNvSpPr>
@@ -1635,7 +4294,12 @@
             <p:ph type="sldNum" sz="quarter" idx="12"/>
           </p:nvPr>
         </p:nvSpPr>
-        <p:spPr/>
+        <p:spPr>
+          <a:xfrm>
+            <a:off x="531812" y="787782"/>
+            <a:ext cx="779767" cy="365125"/>
+          </a:xfrm>
+        </p:spPr>
         <p:txBody>
           <a:bodyPr/>
           <a:lstStyle/>
@@ -1651,7 +4315,7 @@
     </p:spTree>
     <p:extLst>
       <p:ext uri="{BB962C8B-B14F-4D97-AF65-F5344CB8AC3E}">
-        <p14:creationId xmlns:p14="http://schemas.microsoft.com/office/powerpoint/2010/main" val="573779661"/>
+        <p14:creationId xmlns:p14="http://schemas.microsoft.com/office/powerpoint/2010/main" val="298141452"/>
       </p:ext>
     </p:extLst>
   </p:cSld>
@@ -1680,66 +4344,51 @@
       </p:grpSpPr>
       <p:sp>
         <p:nvSpPr>
-          <p:cNvPr id="2" name="Title 1">
-            <a:extLst>
-              <a:ext uri="{FF2B5EF4-FFF2-40B4-BE49-F238E27FC236}">
-                <a16:creationId xmlns:a16="http://schemas.microsoft.com/office/drawing/2014/main" id="{4CECA57C-4E8B-4A2B-92E2-A88C8EDA7D9B}"/>
-              </a:ext>
-            </a:extLst>
-          </p:cNvPr>
+          <p:cNvPr id="10" name="Title 9"/>
           <p:cNvSpPr>
             <a:spLocks noGrp="1"/>
           </p:cNvSpPr>
           <p:nvPr>
             <p:ph type="title"/>
+          </p:nvPr>
+        </p:nvSpPr>
+        <p:spPr/>
+        <p:txBody>
+          <a:bodyPr/>
+          <a:lstStyle/>
+          <a:p>
+            <a:r>
+              <a:rPr lang="en-US"/>
+              <a:t>Click to edit Master title style</a:t>
+            </a:r>
+            <a:endParaRPr lang="en-US" dirty="0"/>
+          </a:p>
+        </p:txBody>
+      </p:sp>
+      <p:sp>
+        <p:nvSpPr>
+          <p:cNvPr id="3" name="Text Placeholder 2"/>
+          <p:cNvSpPr>
+            <a:spLocks noGrp="1"/>
+          </p:cNvSpPr>
+          <p:nvPr>
+            <p:ph type="body" idx="1"/>
           </p:nvPr>
         </p:nvSpPr>
         <p:spPr>
           <a:xfrm>
-            <a:off x="839788" y="365125"/>
-            <a:ext cx="10515600" cy="1325563"/>
+            <a:off x="2939373" y="1972703"/>
+            <a:ext cx="3992732" cy="576262"/>
           </a:xfrm>
         </p:spPr>
         <p:txBody>
-          <a:bodyPr/>
-          <a:lstStyle/>
-          <a:p>
-            <a:r>
-              <a:rPr lang="en-US"/>
-              <a:t>Click to edit Master title style</a:t>
-            </a:r>
-            <a:endParaRPr lang="en-AU"/>
-          </a:p>
-        </p:txBody>
-      </p:sp>
-      <p:sp>
-        <p:nvSpPr>
-          <p:cNvPr id="3" name="Text Placeholder 2">
-            <a:extLst>
-              <a:ext uri="{FF2B5EF4-FFF2-40B4-BE49-F238E27FC236}">
-                <a16:creationId xmlns:a16="http://schemas.microsoft.com/office/drawing/2014/main" id="{BC48E56E-FEFC-46A9-9534-D2C53AE393AB}"/>
-              </a:ext>
-            </a:extLst>
-          </p:cNvPr>
-          <p:cNvSpPr>
-            <a:spLocks noGrp="1"/>
-          </p:cNvSpPr>
-          <p:nvPr>
-            <p:ph type="body" idx="1"/>
-          </p:nvPr>
-        </p:nvSpPr>
-        <p:spPr>
-          <a:xfrm>
-            <a:off x="839788" y="1681163"/>
-            <a:ext cx="5157787" cy="823912"/>
-          </a:xfrm>
-        </p:spPr>
-        <p:txBody>
-          <a:bodyPr anchor="b"/>
+          <a:bodyPr anchor="b">
+            <a:noAutofit/>
+          </a:bodyPr>
           <a:lstStyle>
             <a:lvl1pPr marL="0" indent="0">
               <a:buNone/>
-              <a:defRPr sz="2400" b="1"/>
+              <a:defRPr sz="2400" b="0"/>
             </a:lvl1pPr>
             <a:lvl2pPr marL="457200" indent="0">
               <a:buNone/>
@@ -1785,13 +4434,7 @@
       </p:sp>
       <p:sp>
         <p:nvSpPr>
-          <p:cNvPr id="4" name="Content Placeholder 3">
-            <a:extLst>
-              <a:ext uri="{FF2B5EF4-FFF2-40B4-BE49-F238E27FC236}">
-                <a16:creationId xmlns:a16="http://schemas.microsoft.com/office/drawing/2014/main" id="{A5C3957E-3CD2-4973-B884-9C43E621A88F}"/>
-              </a:ext>
-            </a:extLst>
-          </p:cNvPr>
+          <p:cNvPr id="4" name="Content Placeholder 3"/>
           <p:cNvSpPr>
             <a:spLocks noGrp="1"/>
           </p:cNvSpPr>
@@ -1801,12 +4444,14 @@
         </p:nvSpPr>
         <p:spPr>
           <a:xfrm>
-            <a:off x="839788" y="2505075"/>
-            <a:ext cx="5157787" cy="3684588"/>
+            <a:off x="2589212" y="2548966"/>
+            <a:ext cx="4342893" cy="3354060"/>
           </a:xfrm>
         </p:spPr>
         <p:txBody>
-          <a:bodyPr/>
+          <a:bodyPr>
+            <a:normAutofit/>
+          </a:bodyPr>
           <a:lstStyle/>
           <a:p>
             <a:pPr lvl="0"/>
@@ -1842,19 +4487,13 @@
               <a:rPr lang="en-US"/>
               <a:t>Fifth level</a:t>
             </a:r>
-            <a:endParaRPr lang="en-AU"/>
-          </a:p>
-        </p:txBody>
-      </p:sp>
-      <p:sp>
-        <p:nvSpPr>
-          <p:cNvPr id="5" name="Text Placeholder 4">
-            <a:extLst>
-              <a:ext uri="{FF2B5EF4-FFF2-40B4-BE49-F238E27FC236}">
-                <a16:creationId xmlns:a16="http://schemas.microsoft.com/office/drawing/2014/main" id="{FF860465-948E-42C0-ACED-846AAE3CD7B3}"/>
-              </a:ext>
-            </a:extLst>
-          </p:cNvPr>
+            <a:endParaRPr lang="en-US" dirty="0"/>
+          </a:p>
+        </p:txBody>
+      </p:sp>
+      <p:sp>
+        <p:nvSpPr>
+          <p:cNvPr id="5" name="Text Placeholder 4"/>
           <p:cNvSpPr>
             <a:spLocks noGrp="1"/>
           </p:cNvSpPr>
@@ -1864,16 +4503,18 @@
         </p:nvSpPr>
         <p:spPr>
           <a:xfrm>
-            <a:off x="6172200" y="1681163"/>
-            <a:ext cx="5183188" cy="823912"/>
+            <a:off x="7506629" y="1969475"/>
+            <a:ext cx="3999001" cy="576262"/>
           </a:xfrm>
         </p:spPr>
         <p:txBody>
-          <a:bodyPr anchor="b"/>
+          <a:bodyPr anchor="b">
+            <a:noAutofit/>
+          </a:bodyPr>
           <a:lstStyle>
             <a:lvl1pPr marL="0" indent="0">
               <a:buNone/>
-              <a:defRPr sz="2400" b="1"/>
+              <a:defRPr sz="2400" b="0"/>
             </a:lvl1pPr>
             <a:lvl2pPr marL="457200" indent="0">
               <a:buNone/>
@@ -1919,13 +4560,7 @@
       </p:sp>
       <p:sp>
         <p:nvSpPr>
-          <p:cNvPr id="6" name="Content Placeholder 5">
-            <a:extLst>
-              <a:ext uri="{FF2B5EF4-FFF2-40B4-BE49-F238E27FC236}">
-                <a16:creationId xmlns:a16="http://schemas.microsoft.com/office/drawing/2014/main" id="{0CDD9AAE-B3C6-48A1-A1A0-2F0EBA1F691B}"/>
-              </a:ext>
-            </a:extLst>
-          </p:cNvPr>
+          <p:cNvPr id="6" name="Content Placeholder 5"/>
           <p:cNvSpPr>
             <a:spLocks noGrp="1"/>
           </p:cNvSpPr>
@@ -1935,12 +4570,14 @@
         </p:nvSpPr>
         <p:spPr>
           <a:xfrm>
-            <a:off x="6172200" y="2505075"/>
-            <a:ext cx="5183188" cy="3684588"/>
+            <a:off x="7166957" y="2545738"/>
+            <a:ext cx="4338674" cy="3354060"/>
           </a:xfrm>
         </p:spPr>
         <p:txBody>
-          <a:bodyPr/>
+          <a:bodyPr>
+            <a:normAutofit/>
+          </a:bodyPr>
           <a:lstStyle/>
           <a:p>
             <a:pPr lvl="0"/>
@@ -1976,19 +4613,13 @@
               <a:rPr lang="en-US"/>
               <a:t>Fifth level</a:t>
             </a:r>
-            <a:endParaRPr lang="en-AU"/>
-          </a:p>
-        </p:txBody>
-      </p:sp>
-      <p:sp>
-        <p:nvSpPr>
-          <p:cNvPr id="7" name="Date Placeholder 6">
-            <a:extLst>
-              <a:ext uri="{FF2B5EF4-FFF2-40B4-BE49-F238E27FC236}">
-                <a16:creationId xmlns:a16="http://schemas.microsoft.com/office/drawing/2014/main" id="{58BF4B50-FA3B-406B-897D-4B027146C974}"/>
-              </a:ext>
-            </a:extLst>
-          </p:cNvPr>
+            <a:endParaRPr lang="en-US" dirty="0"/>
+          </a:p>
+        </p:txBody>
+      </p:sp>
+      <p:sp>
+        <p:nvSpPr>
+          <p:cNvPr id="7" name="Date Placeholder 6"/>
           <p:cNvSpPr>
             <a:spLocks noGrp="1"/>
           </p:cNvSpPr>
@@ -2011,13 +4642,7 @@
       </p:sp>
       <p:sp>
         <p:nvSpPr>
-          <p:cNvPr id="8" name="Footer Placeholder 7">
-            <a:extLst>
-              <a:ext uri="{FF2B5EF4-FFF2-40B4-BE49-F238E27FC236}">
-                <a16:creationId xmlns:a16="http://schemas.microsoft.com/office/drawing/2014/main" id="{EB4AE97F-04BA-4574-9958-1118744C32E3}"/>
-              </a:ext>
-            </a:extLst>
-          </p:cNvPr>
+          <p:cNvPr id="8" name="Footer Placeholder 7"/>
           <p:cNvSpPr>
             <a:spLocks noGrp="1"/>
           </p:cNvSpPr>
@@ -2036,13 +4661,89 @@
       </p:sp>
       <p:sp>
         <p:nvSpPr>
-          <p:cNvPr id="9" name="Slide Number Placeholder 8">
-            <a:extLst>
-              <a:ext uri="{FF2B5EF4-FFF2-40B4-BE49-F238E27FC236}">
-                <a16:creationId xmlns:a16="http://schemas.microsoft.com/office/drawing/2014/main" id="{D07E823B-F160-4FAA-B45D-998A4713710A}"/>
-              </a:ext>
-            </a:extLst>
-          </p:cNvPr>
+          <p:cNvPr id="12" name="Freeform 11"/>
+          <p:cNvSpPr/>
+          <p:nvPr/>
+        </p:nvSpPr>
+        <p:spPr bwMode="auto">
+          <a:xfrm flipV="1">
+            <a:off x="-4189" y="714375"/>
+            <a:ext cx="1588527" cy="507297"/>
+          </a:xfrm>
+          <a:custGeom>
+            <a:avLst/>
+            <a:gdLst/>
+            <a:ahLst/>
+            <a:cxnLst/>
+            <a:rect l="l" t="t" r="r" b="b"/>
+            <a:pathLst>
+              <a:path w="9248" h="10000">
+                <a:moveTo>
+                  <a:pt x="9248" y="4701"/>
+                </a:moveTo>
+                <a:lnTo>
+                  <a:pt x="7915" y="188"/>
+                </a:lnTo>
+                <a:cubicBezTo>
+                  <a:pt x="7906" y="156"/>
+                  <a:pt x="7895" y="126"/>
+                  <a:pt x="7886" y="94"/>
+                </a:cubicBezTo>
+                <a:cubicBezTo>
+                  <a:pt x="7859" y="0"/>
+                  <a:pt x="7831" y="0"/>
+                  <a:pt x="7803" y="0"/>
+                </a:cubicBezTo>
+                <a:lnTo>
+                  <a:pt x="7275" y="0"/>
+                </a:lnTo>
+                <a:lnTo>
+                  <a:pt x="0" y="70"/>
+                </a:lnTo>
+                <a:cubicBezTo>
+                  <a:pt x="8" y="3380"/>
+                  <a:pt x="17" y="6690"/>
+                  <a:pt x="25" y="10000"/>
+                </a:cubicBezTo>
+                <a:lnTo>
+                  <a:pt x="7275" y="9966"/>
+                </a:lnTo>
+                <a:lnTo>
+                  <a:pt x="7803" y="9966"/>
+                </a:lnTo>
+                <a:cubicBezTo>
+                  <a:pt x="7831" y="9966"/>
+                  <a:pt x="7859" y="9872"/>
+                  <a:pt x="7886" y="9872"/>
+                </a:cubicBezTo>
+                <a:cubicBezTo>
+                  <a:pt x="7886" y="9778"/>
+                  <a:pt x="7915" y="9778"/>
+                  <a:pt x="7915" y="9778"/>
+                </a:cubicBezTo>
+                <a:lnTo>
+                  <a:pt x="9248" y="5265"/>
+                </a:lnTo>
+                <a:cubicBezTo>
+                  <a:pt x="9303" y="5077"/>
+                  <a:pt x="9303" y="4889"/>
+                  <a:pt x="9248" y="4701"/>
+                </a:cubicBezTo>
+                <a:close/>
+              </a:path>
+            </a:pathLst>
+          </a:custGeom>
+          <a:solidFill>
+            <a:schemeClr val="accent1"/>
+          </a:solidFill>
+          <a:ln>
+            <a:noFill/>
+          </a:ln>
+        </p:spPr>
+      </p:sp>
+      <p:sp>
+        <p:nvSpPr>
+          <p:cNvPr id="13" name="Slide Number Placeholder 5"/>
           <p:cNvSpPr>
             <a:spLocks noGrp="1"/>
           </p:cNvSpPr>
@@ -2050,7 +4751,12 @@
             <p:ph type="sldNum" sz="quarter" idx="12"/>
           </p:nvPr>
         </p:nvSpPr>
-        <p:spPr/>
+        <p:spPr>
+          <a:xfrm>
+            <a:off x="531812" y="787782"/>
+            <a:ext cx="779767" cy="365125"/>
+          </a:xfrm>
+        </p:spPr>
         <p:txBody>
           <a:bodyPr/>
           <a:lstStyle/>
@@ -2066,7 +4772,7 @@
     </p:spTree>
     <p:extLst>
       <p:ext uri="{BB962C8B-B14F-4D97-AF65-F5344CB8AC3E}">
-        <p14:creationId xmlns:p14="http://schemas.microsoft.com/office/powerpoint/2010/main" val="3306031925"/>
+        <p14:creationId xmlns:p14="http://schemas.microsoft.com/office/powerpoint/2010/main" val="3940671529"/>
       </p:ext>
     </p:extLst>
   </p:cSld>
@@ -2095,13 +4801,7 @@
       </p:grpSpPr>
       <p:sp>
         <p:nvSpPr>
-          <p:cNvPr id="2" name="Title 1">
-            <a:extLst>
-              <a:ext uri="{FF2B5EF4-FFF2-40B4-BE49-F238E27FC236}">
-                <a16:creationId xmlns:a16="http://schemas.microsoft.com/office/drawing/2014/main" id="{61802483-CA30-4205-B6DD-307596022DCE}"/>
-              </a:ext>
-            </a:extLst>
-          </p:cNvPr>
+          <p:cNvPr id="2" name="Title 1"/>
           <p:cNvSpPr>
             <a:spLocks noGrp="1"/>
           </p:cNvSpPr>
@@ -2118,19 +4818,13 @@
               <a:rPr lang="en-US"/>
               <a:t>Click to edit Master title style</a:t>
             </a:r>
-            <a:endParaRPr lang="en-AU"/>
-          </a:p>
-        </p:txBody>
-      </p:sp>
-      <p:sp>
-        <p:nvSpPr>
-          <p:cNvPr id="3" name="Date Placeholder 2">
-            <a:extLst>
-              <a:ext uri="{FF2B5EF4-FFF2-40B4-BE49-F238E27FC236}">
-                <a16:creationId xmlns:a16="http://schemas.microsoft.com/office/drawing/2014/main" id="{6B08D7F4-D770-4896-BB49-4B4EB09CB38C}"/>
-              </a:ext>
-            </a:extLst>
-          </p:cNvPr>
+            <a:endParaRPr lang="en-US" dirty="0"/>
+          </a:p>
+        </p:txBody>
+      </p:sp>
+      <p:sp>
+        <p:nvSpPr>
+          <p:cNvPr id="3" name="Date Placeholder 2"/>
           <p:cNvSpPr>
             <a:spLocks noGrp="1"/>
           </p:cNvSpPr>
@@ -2153,13 +4847,7 @@
       </p:sp>
       <p:sp>
         <p:nvSpPr>
-          <p:cNvPr id="4" name="Footer Placeholder 3">
-            <a:extLst>
-              <a:ext uri="{FF2B5EF4-FFF2-40B4-BE49-F238E27FC236}">
-                <a16:creationId xmlns:a16="http://schemas.microsoft.com/office/drawing/2014/main" id="{C742E317-4BD7-4928-AA19-C7D8DE01210C}"/>
-              </a:ext>
-            </a:extLst>
-          </p:cNvPr>
+          <p:cNvPr id="4" name="Footer Placeholder 3"/>
           <p:cNvSpPr>
             <a:spLocks noGrp="1"/>
           </p:cNvSpPr>
@@ -2178,13 +4866,89 @@
       </p:sp>
       <p:sp>
         <p:nvSpPr>
-          <p:cNvPr id="5" name="Slide Number Placeholder 4">
-            <a:extLst>
-              <a:ext uri="{FF2B5EF4-FFF2-40B4-BE49-F238E27FC236}">
-                <a16:creationId xmlns:a16="http://schemas.microsoft.com/office/drawing/2014/main" id="{026D8AA9-EF31-4FDC-8FD8-F04AED5C6ADE}"/>
-              </a:ext>
-            </a:extLst>
-          </p:cNvPr>
+          <p:cNvPr id="7" name="Freeform 11"/>
+          <p:cNvSpPr/>
+          <p:nvPr/>
+        </p:nvSpPr>
+        <p:spPr bwMode="auto">
+          <a:xfrm flipV="1">
+            <a:off x="-4189" y="714375"/>
+            <a:ext cx="1588527" cy="507297"/>
+          </a:xfrm>
+          <a:custGeom>
+            <a:avLst/>
+            <a:gdLst/>
+            <a:ahLst/>
+            <a:cxnLst/>
+            <a:rect l="l" t="t" r="r" b="b"/>
+            <a:pathLst>
+              <a:path w="9248" h="10000">
+                <a:moveTo>
+                  <a:pt x="9248" y="4701"/>
+                </a:moveTo>
+                <a:lnTo>
+                  <a:pt x="7915" y="188"/>
+                </a:lnTo>
+                <a:cubicBezTo>
+                  <a:pt x="7906" y="156"/>
+                  <a:pt x="7895" y="126"/>
+                  <a:pt x="7886" y="94"/>
+                </a:cubicBezTo>
+                <a:cubicBezTo>
+                  <a:pt x="7859" y="0"/>
+                  <a:pt x="7831" y="0"/>
+                  <a:pt x="7803" y="0"/>
+                </a:cubicBezTo>
+                <a:lnTo>
+                  <a:pt x="7275" y="0"/>
+                </a:lnTo>
+                <a:lnTo>
+                  <a:pt x="0" y="70"/>
+                </a:lnTo>
+                <a:cubicBezTo>
+                  <a:pt x="8" y="3380"/>
+                  <a:pt x="17" y="6690"/>
+                  <a:pt x="25" y="10000"/>
+                </a:cubicBezTo>
+                <a:lnTo>
+                  <a:pt x="7275" y="9966"/>
+                </a:lnTo>
+                <a:lnTo>
+                  <a:pt x="7803" y="9966"/>
+                </a:lnTo>
+                <a:cubicBezTo>
+                  <a:pt x="7831" y="9966"/>
+                  <a:pt x="7859" y="9872"/>
+                  <a:pt x="7886" y="9872"/>
+                </a:cubicBezTo>
+                <a:cubicBezTo>
+                  <a:pt x="7886" y="9778"/>
+                  <a:pt x="7915" y="9778"/>
+                  <a:pt x="7915" y="9778"/>
+                </a:cubicBezTo>
+                <a:lnTo>
+                  <a:pt x="9248" y="5265"/>
+                </a:lnTo>
+                <a:cubicBezTo>
+                  <a:pt x="9303" y="5077"/>
+                  <a:pt x="9303" y="4889"/>
+                  <a:pt x="9248" y="4701"/>
+                </a:cubicBezTo>
+                <a:close/>
+              </a:path>
+            </a:pathLst>
+          </a:custGeom>
+          <a:solidFill>
+            <a:schemeClr val="accent1"/>
+          </a:solidFill>
+          <a:ln>
+            <a:noFill/>
+          </a:ln>
+        </p:spPr>
+      </p:sp>
+      <p:sp>
+        <p:nvSpPr>
+          <p:cNvPr id="5" name="Slide Number Placeholder 4"/>
           <p:cNvSpPr>
             <a:spLocks noGrp="1"/>
           </p:cNvSpPr>
@@ -2208,7 +4972,7 @@
     </p:spTree>
     <p:extLst>
       <p:ext uri="{BB962C8B-B14F-4D97-AF65-F5344CB8AC3E}">
-        <p14:creationId xmlns:p14="http://schemas.microsoft.com/office/powerpoint/2010/main" val="1594679112"/>
+        <p14:creationId xmlns:p14="http://schemas.microsoft.com/office/powerpoint/2010/main" val="3158776716"/>
       </p:ext>
     </p:extLst>
   </p:cSld>
@@ -2237,13 +5001,7 @@
       </p:grpSpPr>
       <p:sp>
         <p:nvSpPr>
-          <p:cNvPr id="2" name="Date Placeholder 1">
-            <a:extLst>
-              <a:ext uri="{FF2B5EF4-FFF2-40B4-BE49-F238E27FC236}">
-                <a16:creationId xmlns:a16="http://schemas.microsoft.com/office/drawing/2014/main" id="{0A03CF2F-64FD-4B6F-BDC6-3FDEF6C18953}"/>
-              </a:ext>
-            </a:extLst>
-          </p:cNvPr>
+          <p:cNvPr id="2" name="Date Placeholder 1"/>
           <p:cNvSpPr>
             <a:spLocks noGrp="1"/>
           </p:cNvSpPr>
@@ -2266,13 +5024,7 @@
       </p:sp>
       <p:sp>
         <p:nvSpPr>
-          <p:cNvPr id="3" name="Footer Placeholder 2">
-            <a:extLst>
-              <a:ext uri="{FF2B5EF4-FFF2-40B4-BE49-F238E27FC236}">
-                <a16:creationId xmlns:a16="http://schemas.microsoft.com/office/drawing/2014/main" id="{A2CEB651-50AA-43A8-9A79-DAAC54663795}"/>
-              </a:ext>
-            </a:extLst>
-          </p:cNvPr>
+          <p:cNvPr id="3" name="Footer Placeholder 2"/>
           <p:cNvSpPr>
             <a:spLocks noGrp="1"/>
           </p:cNvSpPr>
@@ -2291,13 +5043,89 @@
       </p:sp>
       <p:sp>
         <p:nvSpPr>
-          <p:cNvPr id="4" name="Slide Number Placeholder 3">
-            <a:extLst>
-              <a:ext uri="{FF2B5EF4-FFF2-40B4-BE49-F238E27FC236}">
-                <a16:creationId xmlns:a16="http://schemas.microsoft.com/office/drawing/2014/main" id="{5A893833-288B-4E56-B1E4-92413C9403AB}"/>
-              </a:ext>
-            </a:extLst>
-          </p:cNvPr>
+          <p:cNvPr id="6" name="Freeform 11"/>
+          <p:cNvSpPr/>
+          <p:nvPr/>
+        </p:nvSpPr>
+        <p:spPr bwMode="auto">
+          <a:xfrm flipV="1">
+            <a:off x="-4189" y="714375"/>
+            <a:ext cx="1588527" cy="507297"/>
+          </a:xfrm>
+          <a:custGeom>
+            <a:avLst/>
+            <a:gdLst/>
+            <a:ahLst/>
+            <a:cxnLst/>
+            <a:rect l="l" t="t" r="r" b="b"/>
+            <a:pathLst>
+              <a:path w="9248" h="10000">
+                <a:moveTo>
+                  <a:pt x="9248" y="4701"/>
+                </a:moveTo>
+                <a:lnTo>
+                  <a:pt x="7915" y="188"/>
+                </a:lnTo>
+                <a:cubicBezTo>
+                  <a:pt x="7906" y="156"/>
+                  <a:pt x="7895" y="126"/>
+                  <a:pt x="7886" y="94"/>
+                </a:cubicBezTo>
+                <a:cubicBezTo>
+                  <a:pt x="7859" y="0"/>
+                  <a:pt x="7831" y="0"/>
+                  <a:pt x="7803" y="0"/>
+                </a:cubicBezTo>
+                <a:lnTo>
+                  <a:pt x="7275" y="0"/>
+                </a:lnTo>
+                <a:lnTo>
+                  <a:pt x="0" y="70"/>
+                </a:lnTo>
+                <a:cubicBezTo>
+                  <a:pt x="8" y="3380"/>
+                  <a:pt x="17" y="6690"/>
+                  <a:pt x="25" y="10000"/>
+                </a:cubicBezTo>
+                <a:lnTo>
+                  <a:pt x="7275" y="9966"/>
+                </a:lnTo>
+                <a:lnTo>
+                  <a:pt x="7803" y="9966"/>
+                </a:lnTo>
+                <a:cubicBezTo>
+                  <a:pt x="7831" y="9966"/>
+                  <a:pt x="7859" y="9872"/>
+                  <a:pt x="7886" y="9872"/>
+                </a:cubicBezTo>
+                <a:cubicBezTo>
+                  <a:pt x="7886" y="9778"/>
+                  <a:pt x="7915" y="9778"/>
+                  <a:pt x="7915" y="9778"/>
+                </a:cubicBezTo>
+                <a:lnTo>
+                  <a:pt x="9248" y="5265"/>
+                </a:lnTo>
+                <a:cubicBezTo>
+                  <a:pt x="9303" y="5077"/>
+                  <a:pt x="9303" y="4889"/>
+                  <a:pt x="9248" y="4701"/>
+                </a:cubicBezTo>
+                <a:close/>
+              </a:path>
+            </a:pathLst>
+          </a:custGeom>
+          <a:solidFill>
+            <a:schemeClr val="accent1"/>
+          </a:solidFill>
+          <a:ln>
+            <a:noFill/>
+          </a:ln>
+        </p:spPr>
+      </p:sp>
+      <p:sp>
+        <p:nvSpPr>
+          <p:cNvPr id="4" name="Slide Number Placeholder 3"/>
           <p:cNvSpPr>
             <a:spLocks noGrp="1"/>
           </p:cNvSpPr>
@@ -2321,7 +5149,7 @@
     </p:spTree>
     <p:extLst>
       <p:ext uri="{BB962C8B-B14F-4D97-AF65-F5344CB8AC3E}">
-        <p14:creationId xmlns:p14="http://schemas.microsoft.com/office/powerpoint/2010/main" val="833068650"/>
+        <p14:creationId xmlns:p14="http://schemas.microsoft.com/office/powerpoint/2010/main" val="1010530348"/>
       </p:ext>
     </p:extLst>
   </p:cSld>
@@ -2350,13 +5178,7 @@
       </p:grpSpPr>
       <p:sp>
         <p:nvSpPr>
-          <p:cNvPr id="2" name="Title 1">
-            <a:extLst>
-              <a:ext uri="{FF2B5EF4-FFF2-40B4-BE49-F238E27FC236}">
-                <a16:creationId xmlns:a16="http://schemas.microsoft.com/office/drawing/2014/main" id="{58837A45-C12E-47A5-8082-34CC08A266D9}"/>
-              </a:ext>
-            </a:extLst>
-          </p:cNvPr>
+          <p:cNvPr id="2" name="Title 1"/>
           <p:cNvSpPr>
             <a:spLocks noGrp="1"/>
           </p:cNvSpPr>
@@ -2366,15 +5188,15 @@
         </p:nvSpPr>
         <p:spPr>
           <a:xfrm>
-            <a:off x="839788" y="457200"/>
-            <a:ext cx="3932237" cy="1600200"/>
+            <a:off x="2589212" y="446088"/>
+            <a:ext cx="3505199" cy="976312"/>
           </a:xfrm>
         </p:spPr>
         <p:txBody>
           <a:bodyPr anchor="b"/>
           <a:lstStyle>
-            <a:lvl1pPr>
-              <a:defRPr sz="3200"/>
+            <a:lvl1pPr algn="l">
+              <a:defRPr sz="2000" b="0"/>
             </a:lvl1pPr>
           </a:lstStyle>
           <a:p>
@@ -2382,19 +5204,13 @@
               <a:rPr lang="en-US"/>
               <a:t>Click to edit Master title style</a:t>
             </a:r>
-            <a:endParaRPr lang="en-AU"/>
-          </a:p>
-        </p:txBody>
-      </p:sp>
-      <p:sp>
-        <p:nvSpPr>
-          <p:cNvPr id="3" name="Content Placeholder 2">
-            <a:extLst>
-              <a:ext uri="{FF2B5EF4-FFF2-40B4-BE49-F238E27FC236}">
-                <a16:creationId xmlns:a16="http://schemas.microsoft.com/office/drawing/2014/main" id="{7A9F6270-689E-48CC-A64F-68BFE118C3AE}"/>
-              </a:ext>
-            </a:extLst>
-          </p:cNvPr>
+            <a:endParaRPr lang="en-US" dirty="0"/>
+          </a:p>
+        </p:txBody>
+      </p:sp>
+      <p:sp>
+        <p:nvSpPr>
+          <p:cNvPr id="3" name="Content Placeholder 2"/>
           <p:cNvSpPr>
             <a:spLocks noGrp="1"/>
           </p:cNvSpPr>
@@ -2404,41 +5220,15 @@
         </p:nvSpPr>
         <p:spPr>
           <a:xfrm>
-            <a:off x="5183188" y="987425"/>
-            <a:ext cx="6172200" cy="4873625"/>
+            <a:off x="6323012" y="446088"/>
+            <a:ext cx="5181600" cy="5414963"/>
           </a:xfrm>
         </p:spPr>
         <p:txBody>
-          <a:bodyPr/>
-          <a:lstStyle>
-            <a:lvl1pPr>
-              <a:defRPr sz="3200"/>
-            </a:lvl1pPr>
-            <a:lvl2pPr>
-              <a:defRPr sz="2800"/>
-            </a:lvl2pPr>
-            <a:lvl3pPr>
-              <a:defRPr sz="2400"/>
-            </a:lvl3pPr>
-            <a:lvl4pPr>
-              <a:defRPr sz="2000"/>
-            </a:lvl4pPr>
-            <a:lvl5pPr>
-              <a:defRPr sz="2000"/>
-            </a:lvl5pPr>
-            <a:lvl6pPr>
-              <a:defRPr sz="2000"/>
-            </a:lvl6pPr>
-            <a:lvl7pPr>
-              <a:defRPr sz="2000"/>
-            </a:lvl7pPr>
-            <a:lvl8pPr>
-              <a:defRPr sz="2000"/>
-            </a:lvl8pPr>
-            <a:lvl9pPr>
-              <a:defRPr sz="2000"/>
-            </a:lvl9pPr>
-          </a:lstStyle>
+          <a:bodyPr anchor="ctr">
+            <a:normAutofit/>
+          </a:bodyPr>
+          <a:lstStyle/>
           <a:p>
             <a:pPr lvl="0"/>
             <a:r>
@@ -2473,19 +5263,13 @@
               <a:rPr lang="en-US"/>
               <a:t>Fifth level</a:t>
             </a:r>
-            <a:endParaRPr lang="en-AU"/>
-          </a:p>
-        </p:txBody>
-      </p:sp>
-      <p:sp>
-        <p:nvSpPr>
-          <p:cNvPr id="4" name="Text Placeholder 3">
-            <a:extLst>
-              <a:ext uri="{FF2B5EF4-FFF2-40B4-BE49-F238E27FC236}">
-                <a16:creationId xmlns:a16="http://schemas.microsoft.com/office/drawing/2014/main" id="{A178D3DC-0FE0-4909-B9DA-2C1D3A707C2E}"/>
-              </a:ext>
-            </a:extLst>
-          </p:cNvPr>
+            <a:endParaRPr lang="en-US" dirty="0"/>
+          </a:p>
+        </p:txBody>
+      </p:sp>
+      <p:sp>
+        <p:nvSpPr>
+          <p:cNvPr id="4" name="Text Placeholder 3"/>
           <p:cNvSpPr>
             <a:spLocks noGrp="1"/>
           </p:cNvSpPr>
@@ -2495,8 +5279,8 @@
         </p:nvSpPr>
         <p:spPr>
           <a:xfrm>
-            <a:off x="839788" y="2057400"/>
-            <a:ext cx="3932237" cy="3811588"/>
+            <a:off x="2589212" y="1598613"/>
+            <a:ext cx="3505199" cy="4262436"/>
           </a:xfrm>
         </p:spPr>
         <p:txBody>
@@ -2504,39 +5288,39 @@
           <a:lstStyle>
             <a:lvl1pPr marL="0" indent="0">
               <a:buNone/>
-              <a:defRPr sz="1600"/>
+              <a:defRPr sz="1400"/>
             </a:lvl1pPr>
             <a:lvl2pPr marL="457200" indent="0">
               <a:buNone/>
-              <a:defRPr sz="1400"/>
+              <a:defRPr sz="1200"/>
             </a:lvl2pPr>
             <a:lvl3pPr marL="914400" indent="0">
               <a:buNone/>
-              <a:defRPr sz="1200"/>
+              <a:defRPr sz="1000"/>
             </a:lvl3pPr>
             <a:lvl4pPr marL="1371600" indent="0">
               <a:buNone/>
-              <a:defRPr sz="1000"/>
+              <a:defRPr sz="900"/>
             </a:lvl4pPr>
             <a:lvl5pPr marL="1828800" indent="0">
               <a:buNone/>
-              <a:defRPr sz="1000"/>
+              <a:defRPr sz="900"/>
             </a:lvl5pPr>
             <a:lvl6pPr marL="2286000" indent="0">
               <a:buNone/>
-              <a:defRPr sz="1000"/>
+              <a:defRPr sz="900"/>
             </a:lvl6pPr>
             <a:lvl7pPr marL="2743200" indent="0">
               <a:buNone/>
-              <a:defRPr sz="1000"/>
+              <a:defRPr sz="900"/>
             </a:lvl7pPr>
             <a:lvl8pPr marL="3200400" indent="0">
               <a:buNone/>
-              <a:defRPr sz="1000"/>
+              <a:defRPr sz="900"/>
             </a:lvl8pPr>
             <a:lvl9pPr marL="3657600" indent="0">
               <a:buNone/>
-              <a:defRPr sz="1000"/>
+              <a:defRPr sz="900"/>
             </a:lvl9pPr>
           </a:lstStyle>
           <a:p>
@@ -2550,13 +5334,7 @@
       </p:sp>
       <p:sp>
         <p:nvSpPr>
-          <p:cNvPr id="5" name="Date Placeholder 4">
-            <a:extLst>
-              <a:ext uri="{FF2B5EF4-FFF2-40B4-BE49-F238E27FC236}">
-                <a16:creationId xmlns:a16="http://schemas.microsoft.com/office/drawing/2014/main" id="{F6D9A684-1ECE-4F74-BCBA-49257179E994}"/>
-              </a:ext>
-            </a:extLst>
-          </p:cNvPr>
+          <p:cNvPr id="5" name="Date Placeholder 4"/>
           <p:cNvSpPr>
             <a:spLocks noGrp="1"/>
           </p:cNvSpPr>
@@ -2579,13 +5357,7 @@
       </p:sp>
       <p:sp>
         <p:nvSpPr>
-          <p:cNvPr id="6" name="Footer Placeholder 5">
-            <a:extLst>
-              <a:ext uri="{FF2B5EF4-FFF2-40B4-BE49-F238E27FC236}">
-                <a16:creationId xmlns:a16="http://schemas.microsoft.com/office/drawing/2014/main" id="{E3E00FB5-E88C-410A-809F-48BB493521BB}"/>
-              </a:ext>
-            </a:extLst>
-          </p:cNvPr>
+          <p:cNvPr id="6" name="Footer Placeholder 5"/>
           <p:cNvSpPr>
             <a:spLocks noGrp="1"/>
           </p:cNvSpPr>
@@ -2604,13 +5376,89 @@
       </p:sp>
       <p:sp>
         <p:nvSpPr>
-          <p:cNvPr id="7" name="Slide Number Placeholder 6">
-            <a:extLst>
-              <a:ext uri="{FF2B5EF4-FFF2-40B4-BE49-F238E27FC236}">
-                <a16:creationId xmlns:a16="http://schemas.microsoft.com/office/drawing/2014/main" id="{B8E1A351-68FC-4C3D-8E9A-6DE2C6DB2410}"/>
-              </a:ext>
-            </a:extLst>
-          </p:cNvPr>
+          <p:cNvPr id="9" name="Freeform 11"/>
+          <p:cNvSpPr/>
+          <p:nvPr/>
+        </p:nvSpPr>
+        <p:spPr bwMode="auto">
+          <a:xfrm flipV="1">
+            <a:off x="-4189" y="714375"/>
+            <a:ext cx="1588527" cy="507297"/>
+          </a:xfrm>
+          <a:custGeom>
+            <a:avLst/>
+            <a:gdLst/>
+            <a:ahLst/>
+            <a:cxnLst/>
+            <a:rect l="l" t="t" r="r" b="b"/>
+            <a:pathLst>
+              <a:path w="9248" h="10000">
+                <a:moveTo>
+                  <a:pt x="9248" y="4701"/>
+                </a:moveTo>
+                <a:lnTo>
+                  <a:pt x="7915" y="188"/>
+                </a:lnTo>
+                <a:cubicBezTo>
+                  <a:pt x="7906" y="156"/>
+                  <a:pt x="7895" y="126"/>
+                  <a:pt x="7886" y="94"/>
+                </a:cubicBezTo>
+                <a:cubicBezTo>
+                  <a:pt x="7859" y="0"/>
+                  <a:pt x="7831" y="0"/>
+                  <a:pt x="7803" y="0"/>
+                </a:cubicBezTo>
+                <a:lnTo>
+                  <a:pt x="7275" y="0"/>
+                </a:lnTo>
+                <a:lnTo>
+                  <a:pt x="0" y="70"/>
+                </a:lnTo>
+                <a:cubicBezTo>
+                  <a:pt x="8" y="3380"/>
+                  <a:pt x="17" y="6690"/>
+                  <a:pt x="25" y="10000"/>
+                </a:cubicBezTo>
+                <a:lnTo>
+                  <a:pt x="7275" y="9966"/>
+                </a:lnTo>
+                <a:lnTo>
+                  <a:pt x="7803" y="9966"/>
+                </a:lnTo>
+                <a:cubicBezTo>
+                  <a:pt x="7831" y="9966"/>
+                  <a:pt x="7859" y="9872"/>
+                  <a:pt x="7886" y="9872"/>
+                </a:cubicBezTo>
+                <a:cubicBezTo>
+                  <a:pt x="7886" y="9778"/>
+                  <a:pt x="7915" y="9778"/>
+                  <a:pt x="7915" y="9778"/>
+                </a:cubicBezTo>
+                <a:lnTo>
+                  <a:pt x="9248" y="5265"/>
+                </a:lnTo>
+                <a:cubicBezTo>
+                  <a:pt x="9303" y="5077"/>
+                  <a:pt x="9303" y="4889"/>
+                  <a:pt x="9248" y="4701"/>
+                </a:cubicBezTo>
+                <a:close/>
+              </a:path>
+            </a:pathLst>
+          </a:custGeom>
+          <a:solidFill>
+            <a:schemeClr val="accent1"/>
+          </a:solidFill>
+          <a:ln>
+            <a:noFill/>
+          </a:ln>
+        </p:spPr>
+      </p:sp>
+      <p:sp>
+        <p:nvSpPr>
+          <p:cNvPr id="7" name="Slide Number Placeholder 6"/>
           <p:cNvSpPr>
             <a:spLocks noGrp="1"/>
           </p:cNvSpPr>
@@ -2634,7 +5482,7 @@
     </p:spTree>
     <p:extLst>
       <p:ext uri="{BB962C8B-B14F-4D97-AF65-F5344CB8AC3E}">
-        <p14:creationId xmlns:p14="http://schemas.microsoft.com/office/powerpoint/2010/main" val="2980647549"/>
+        <p14:creationId xmlns:p14="http://schemas.microsoft.com/office/powerpoint/2010/main" val="595952328"/>
       </p:ext>
     </p:extLst>
   </p:cSld>
@@ -2663,13 +5511,7 @@
       </p:grpSpPr>
       <p:sp>
         <p:nvSpPr>
-          <p:cNvPr id="2" name="Title 1">
-            <a:extLst>
-              <a:ext uri="{FF2B5EF4-FFF2-40B4-BE49-F238E27FC236}">
-                <a16:creationId xmlns:a16="http://schemas.microsoft.com/office/drawing/2014/main" id="{4696F0EC-278A-4801-B620-C8A1B245F8F3}"/>
-              </a:ext>
-            </a:extLst>
-          </p:cNvPr>
+          <p:cNvPr id="2" name="Title 1"/>
           <p:cNvSpPr>
             <a:spLocks noGrp="1"/>
           </p:cNvSpPr>
@@ -2679,15 +5521,17 @@
         </p:nvSpPr>
         <p:spPr>
           <a:xfrm>
-            <a:off x="839788" y="457200"/>
-            <a:ext cx="3932237" cy="1600200"/>
+            <a:off x="2589213" y="4800600"/>
+            <a:ext cx="8915400" cy="566738"/>
           </a:xfrm>
         </p:spPr>
         <p:txBody>
-          <a:bodyPr anchor="b"/>
+          <a:bodyPr anchor="b">
+            <a:normAutofit/>
+          </a:bodyPr>
           <a:lstStyle>
-            <a:lvl1pPr>
-              <a:defRPr sz="3200"/>
+            <a:lvl1pPr algn="l">
+              <a:defRPr sz="2400" b="0"/>
             </a:lvl1pPr>
           </a:lstStyle>
           <a:p>
@@ -2695,21 +5539,15 @@
               <a:rPr lang="en-US"/>
               <a:t>Click to edit Master title style</a:t>
             </a:r>
-            <a:endParaRPr lang="en-AU"/>
-          </a:p>
-        </p:txBody>
-      </p:sp>
-      <p:sp>
-        <p:nvSpPr>
-          <p:cNvPr id="3" name="Picture Placeholder 2">
-            <a:extLst>
-              <a:ext uri="{FF2B5EF4-FFF2-40B4-BE49-F238E27FC236}">
-                <a16:creationId xmlns:a16="http://schemas.microsoft.com/office/drawing/2014/main" id="{F4B6C6C2-8F25-4DDF-82C3-DC8821DFE8AB}"/>
-              </a:ext>
-            </a:extLst>
-          </p:cNvPr>
-          <p:cNvSpPr>
-            <a:spLocks noGrp="1"/>
+            <a:endParaRPr lang="en-US" dirty="0"/>
+          </a:p>
+        </p:txBody>
+      </p:sp>
+      <p:sp>
+        <p:nvSpPr>
+          <p:cNvPr id="3" name="Picture Placeholder 2"/>
+          <p:cNvSpPr>
+            <a:spLocks noGrp="1" noChangeAspect="1"/>
           </p:cNvSpPr>
           <p:nvPr>
             <p:ph type="pic" idx="1"/>
@@ -2717,118 +5555,120 @@
         </p:nvSpPr>
         <p:spPr>
           <a:xfrm>
-            <a:off x="5183188" y="987425"/>
-            <a:ext cx="6172200" cy="4873625"/>
+            <a:off x="2589212" y="634965"/>
+            <a:ext cx="8915400" cy="3854970"/>
           </a:xfrm>
         </p:spPr>
         <p:txBody>
-          <a:bodyPr/>
+          <a:bodyPr anchor="t">
+            <a:normAutofit/>
+          </a:bodyPr>
           <a:lstStyle>
-            <a:lvl1pPr marL="0" indent="0">
-              <a:buNone/>
-              <a:defRPr sz="3200"/>
-            </a:lvl1pPr>
-            <a:lvl2pPr marL="457200" indent="0">
-              <a:buNone/>
-              <a:defRPr sz="2800"/>
-            </a:lvl2pPr>
-            <a:lvl3pPr marL="914400" indent="0">
-              <a:buNone/>
-              <a:defRPr sz="2400"/>
-            </a:lvl3pPr>
-            <a:lvl4pPr marL="1371600" indent="0">
-              <a:buNone/>
-              <a:defRPr sz="2000"/>
-            </a:lvl4pPr>
-            <a:lvl5pPr marL="1828800" indent="0">
-              <a:buNone/>
-              <a:defRPr sz="2000"/>
-            </a:lvl5pPr>
-            <a:lvl6pPr marL="2286000" indent="0">
-              <a:buNone/>
-              <a:defRPr sz="2000"/>
-            </a:lvl6pPr>
-            <a:lvl7pPr marL="2743200" indent="0">
-              <a:buNone/>
-              <a:defRPr sz="2000"/>
-            </a:lvl7pPr>
-            <a:lvl8pPr marL="3200400" indent="0">
-              <a:buNone/>
-              <a:defRPr sz="2000"/>
-            </a:lvl8pPr>
-            <a:lvl9pPr marL="3657600" indent="0">
-              <a:buNone/>
-              <a:defRPr sz="2000"/>
-            </a:lvl9pPr>
-          </a:lstStyle>
-          <a:p>
-            <a:endParaRPr lang="en-AU"/>
-          </a:p>
-        </p:txBody>
-      </p:sp>
-      <p:sp>
-        <p:nvSpPr>
-          <p:cNvPr id="4" name="Text Placeholder 3">
-            <a:extLst>
-              <a:ext uri="{FF2B5EF4-FFF2-40B4-BE49-F238E27FC236}">
-                <a16:creationId xmlns:a16="http://schemas.microsoft.com/office/drawing/2014/main" id="{69A2CEAF-1279-42C0-80C1-7BEB2289D7BF}"/>
-              </a:ext>
-            </a:extLst>
-          </p:cNvPr>
-          <p:cNvSpPr>
-            <a:spLocks noGrp="1"/>
-          </p:cNvSpPr>
-          <p:nvPr>
-            <p:ph type="body" sz="half" idx="2"/>
-          </p:nvPr>
-        </p:nvSpPr>
-        <p:spPr>
-          <a:xfrm>
-            <a:off x="839788" y="2057400"/>
-            <a:ext cx="3932237" cy="3811588"/>
-          </a:xfrm>
-        </p:spPr>
-        <p:txBody>
-          <a:bodyPr/>
-          <a:lstStyle>
-            <a:lvl1pPr marL="0" indent="0">
+            <a:lvl1pPr marL="0" indent="0" algn="ctr">
               <a:buNone/>
               <a:defRPr sz="1600"/>
             </a:lvl1pPr>
             <a:lvl2pPr marL="457200" indent="0">
               <a:buNone/>
-              <a:defRPr sz="1400"/>
+              <a:defRPr sz="1600"/>
             </a:lvl2pPr>
             <a:lvl3pPr marL="914400" indent="0">
               <a:buNone/>
-              <a:defRPr sz="1200"/>
+              <a:defRPr sz="1600"/>
             </a:lvl3pPr>
             <a:lvl4pPr marL="1371600" indent="0">
               <a:buNone/>
-              <a:defRPr sz="1000"/>
+              <a:defRPr sz="1600"/>
             </a:lvl4pPr>
             <a:lvl5pPr marL="1828800" indent="0">
               <a:buNone/>
-              <a:defRPr sz="1000"/>
+              <a:defRPr sz="1600"/>
             </a:lvl5pPr>
             <a:lvl6pPr marL="2286000" indent="0">
               <a:buNone/>
-              <a:defRPr sz="1000"/>
+              <a:defRPr sz="1600"/>
             </a:lvl6pPr>
             <a:lvl7pPr marL="2743200" indent="0">
               <a:buNone/>
-              <a:defRPr sz="1000"/>
+              <a:defRPr sz="1600"/>
             </a:lvl7pPr>
             <a:lvl8pPr marL="3200400" indent="0">
               <a:buNone/>
-              <a:defRPr sz="1000"/>
+              <a:defRPr sz="1600"/>
             </a:lvl8pPr>
             <a:lvl9pPr marL="3657600" indent="0">
               <a:buNone/>
-              <a:defRPr sz="1000"/>
+              <a:defRPr sz="1600"/>
             </a:lvl9pPr>
           </a:lstStyle>
           <a:p>
+            <a:r>
+              <a:rPr lang="en-US"/>
+              <a:t>Click icon to add picture</a:t>
+            </a:r>
+            <a:endParaRPr lang="en-US" dirty="0"/>
+          </a:p>
+        </p:txBody>
+      </p:sp>
+      <p:sp>
+        <p:nvSpPr>
+          <p:cNvPr id="4" name="Text Placeholder 3"/>
+          <p:cNvSpPr>
+            <a:spLocks noGrp="1"/>
+          </p:cNvSpPr>
+          <p:nvPr>
+            <p:ph type="body" sz="half" idx="2"/>
+          </p:nvPr>
+        </p:nvSpPr>
+        <p:spPr>
+          <a:xfrm>
+            <a:off x="2589213" y="5367338"/>
+            <a:ext cx="8915400" cy="493712"/>
+          </a:xfrm>
+        </p:spPr>
+        <p:txBody>
+          <a:bodyPr>
+            <a:normAutofit/>
+          </a:bodyPr>
+          <a:lstStyle>
+            <a:lvl1pPr marL="0" indent="0">
+              <a:buNone/>
+              <a:defRPr sz="1200"/>
+            </a:lvl1pPr>
+            <a:lvl2pPr marL="457200" indent="0">
+              <a:buNone/>
+              <a:defRPr sz="1200"/>
+            </a:lvl2pPr>
+            <a:lvl3pPr marL="914400" indent="0">
+              <a:buNone/>
+              <a:defRPr sz="1000"/>
+            </a:lvl3pPr>
+            <a:lvl4pPr marL="1371600" indent="0">
+              <a:buNone/>
+              <a:defRPr sz="900"/>
+            </a:lvl4pPr>
+            <a:lvl5pPr marL="1828800" indent="0">
+              <a:buNone/>
+              <a:defRPr sz="900"/>
+            </a:lvl5pPr>
+            <a:lvl6pPr marL="2286000" indent="0">
+              <a:buNone/>
+              <a:defRPr sz="900"/>
+            </a:lvl6pPr>
+            <a:lvl7pPr marL="2743200" indent="0">
+              <a:buNone/>
+              <a:defRPr sz="900"/>
+            </a:lvl7pPr>
+            <a:lvl8pPr marL="3200400" indent="0">
+              <a:buNone/>
+              <a:defRPr sz="900"/>
+            </a:lvl8pPr>
+            <a:lvl9pPr marL="3657600" indent="0">
+              <a:buNone/>
+              <a:defRPr sz="900"/>
+            </a:lvl9pPr>
+          </a:lstStyle>
+          <a:p>
             <a:pPr lvl="0"/>
             <a:r>
               <a:rPr lang="en-US"/>
@@ -2839,13 +5679,7 @@
       </p:sp>
       <p:sp>
         <p:nvSpPr>
-          <p:cNvPr id="5" name="Date Placeholder 4">
-            <a:extLst>
-              <a:ext uri="{FF2B5EF4-FFF2-40B4-BE49-F238E27FC236}">
-                <a16:creationId xmlns:a16="http://schemas.microsoft.com/office/drawing/2014/main" id="{7D02CF57-FC7B-4B4E-B209-FD6E62F2903C}"/>
-              </a:ext>
-            </a:extLst>
-          </p:cNvPr>
+          <p:cNvPr id="5" name="Date Placeholder 4"/>
           <p:cNvSpPr>
             <a:spLocks noGrp="1"/>
           </p:cNvSpPr>
@@ -2868,13 +5702,7 @@
       </p:sp>
       <p:sp>
         <p:nvSpPr>
-          <p:cNvPr id="6" name="Footer Placeholder 5">
-            <a:extLst>
-              <a:ext uri="{FF2B5EF4-FFF2-40B4-BE49-F238E27FC236}">
-                <a16:creationId xmlns:a16="http://schemas.microsoft.com/office/drawing/2014/main" id="{26BF48C3-8B35-4637-A42B-5F72981AEC62}"/>
-              </a:ext>
-            </a:extLst>
-          </p:cNvPr>
+          <p:cNvPr id="6" name="Footer Placeholder 5"/>
           <p:cNvSpPr>
             <a:spLocks noGrp="1"/>
           </p:cNvSpPr>
@@ -2893,13 +5721,89 @@
       </p:sp>
       <p:sp>
         <p:nvSpPr>
-          <p:cNvPr id="7" name="Slide Number Placeholder 6">
-            <a:extLst>
-              <a:ext uri="{FF2B5EF4-FFF2-40B4-BE49-F238E27FC236}">
-                <a16:creationId xmlns:a16="http://schemas.microsoft.com/office/drawing/2014/main" id="{B55345ED-EE88-4989-AF93-0734BD7CEA33}"/>
-              </a:ext>
-            </a:extLst>
-          </p:cNvPr>
+          <p:cNvPr id="9" name="Freeform 11"/>
+          <p:cNvSpPr/>
+          <p:nvPr/>
+        </p:nvSpPr>
+        <p:spPr bwMode="auto">
+          <a:xfrm flipV="1">
+            <a:off x="-4189" y="4911725"/>
+            <a:ext cx="1588527" cy="507297"/>
+          </a:xfrm>
+          <a:custGeom>
+            <a:avLst/>
+            <a:gdLst/>
+            <a:ahLst/>
+            <a:cxnLst/>
+            <a:rect l="l" t="t" r="r" b="b"/>
+            <a:pathLst>
+              <a:path w="9248" h="10000">
+                <a:moveTo>
+                  <a:pt x="9248" y="4701"/>
+                </a:moveTo>
+                <a:lnTo>
+                  <a:pt x="7915" y="188"/>
+                </a:lnTo>
+                <a:cubicBezTo>
+                  <a:pt x="7906" y="156"/>
+                  <a:pt x="7895" y="126"/>
+                  <a:pt x="7886" y="94"/>
+                </a:cubicBezTo>
+                <a:cubicBezTo>
+                  <a:pt x="7859" y="0"/>
+                  <a:pt x="7831" y="0"/>
+                  <a:pt x="7803" y="0"/>
+                </a:cubicBezTo>
+                <a:lnTo>
+                  <a:pt x="7275" y="0"/>
+                </a:lnTo>
+                <a:lnTo>
+                  <a:pt x="0" y="70"/>
+                </a:lnTo>
+                <a:cubicBezTo>
+                  <a:pt x="8" y="3380"/>
+                  <a:pt x="17" y="6690"/>
+                  <a:pt x="25" y="10000"/>
+                </a:cubicBezTo>
+                <a:lnTo>
+                  <a:pt x="7275" y="9966"/>
+                </a:lnTo>
+                <a:lnTo>
+                  <a:pt x="7803" y="9966"/>
+                </a:lnTo>
+                <a:cubicBezTo>
+                  <a:pt x="7831" y="9966"/>
+                  <a:pt x="7859" y="9872"/>
+                  <a:pt x="7886" y="9872"/>
+                </a:cubicBezTo>
+                <a:cubicBezTo>
+                  <a:pt x="7886" y="9778"/>
+                  <a:pt x="7915" y="9778"/>
+                  <a:pt x="7915" y="9778"/>
+                </a:cubicBezTo>
+                <a:lnTo>
+                  <a:pt x="9248" y="5265"/>
+                </a:lnTo>
+                <a:cubicBezTo>
+                  <a:pt x="9303" y="5077"/>
+                  <a:pt x="9303" y="4889"/>
+                  <a:pt x="9248" y="4701"/>
+                </a:cubicBezTo>
+                <a:close/>
+              </a:path>
+            </a:pathLst>
+          </a:custGeom>
+          <a:solidFill>
+            <a:schemeClr val="accent1"/>
+          </a:solidFill>
+          <a:ln>
+            <a:noFill/>
+          </a:ln>
+        </p:spPr>
+      </p:sp>
+      <p:sp>
+        <p:nvSpPr>
+          <p:cNvPr id="7" name="Slide Number Placeholder 6"/>
           <p:cNvSpPr>
             <a:spLocks noGrp="1"/>
           </p:cNvSpPr>
@@ -2907,7 +5811,12 @@
             <p:ph type="sldNum" sz="quarter" idx="12"/>
           </p:nvPr>
         </p:nvSpPr>
-        <p:spPr/>
+        <p:spPr>
+          <a:xfrm>
+            <a:off x="531812" y="4983087"/>
+            <a:ext cx="779767" cy="365125"/>
+          </a:xfrm>
+        </p:spPr>
         <p:txBody>
           <a:bodyPr/>
           <a:lstStyle/>
@@ -2923,7 +5832,7 @@
     </p:spTree>
     <p:extLst>
       <p:ext uri="{BB962C8B-B14F-4D97-AF65-F5344CB8AC3E}">
-        <p14:creationId xmlns:p14="http://schemas.microsoft.com/office/powerpoint/2010/main" val="2578238854"/>
+        <p14:creationId xmlns:p14="http://schemas.microsoft.com/office/powerpoint/2010/main" val="2415689295"/>
       </p:ext>
     </p:extLst>
   </p:cSld>
@@ -2938,7 +5847,7 @@
   <p:cSld>
     <p:bg>
       <p:bgRef idx="1001">
-        <a:schemeClr val="bg1"/>
+        <a:schemeClr val="bg2"/>
       </p:bgRef>
     </p:bg>
     <p:spTree>
@@ -2955,33 +5864,1781 @@
           <a:chExt cx="0" cy="0"/>
         </a:xfrm>
       </p:grpSpPr>
-      <p:sp>
-        <p:nvSpPr>
-          <p:cNvPr id="2" name="Title Placeholder 1">
-            <a:extLst>
-              <a:ext uri="{FF2B5EF4-FFF2-40B4-BE49-F238E27FC236}">
-                <a16:creationId xmlns:a16="http://schemas.microsoft.com/office/drawing/2014/main" id="{3BCA6BFD-2582-4EE4-9F9C-A42FCC3D9E11}"/>
-              </a:ext>
-            </a:extLst>
-          </p:cNvPr>
-          <p:cNvSpPr>
-            <a:spLocks noGrp="1"/>
-          </p:cNvSpPr>
-          <p:nvPr>
-            <p:ph type="title"/>
-          </p:nvPr>
+      <p:grpSp>
+        <p:nvGrpSpPr>
+          <p:cNvPr id="23" name="Group 22"/>
+          <p:cNvGrpSpPr/>
+          <p:nvPr/>
+        </p:nvGrpSpPr>
+        <p:grpSpPr>
+          <a:xfrm>
+            <a:off x="1" y="228600"/>
+            <a:ext cx="2851516" cy="6638628"/>
+            <a:chOff x="2487613" y="285750"/>
+            <a:chExt cx="2428875" cy="5654676"/>
+          </a:xfrm>
+          <a:solidFill>
+            <a:schemeClr val="accent1">
+              <a:lumMod val="75000"/>
+              <a:alpha val="40000"/>
+            </a:schemeClr>
+          </a:solidFill>
+        </p:grpSpPr>
+        <p:sp>
+          <p:nvSpPr>
+            <p:cNvPr id="24" name="Freeform 11"/>
+            <p:cNvSpPr/>
+            <p:nvPr/>
+          </p:nvSpPr>
+          <p:spPr bwMode="auto">
+            <a:xfrm>
+              <a:off x="2487613" y="2284413"/>
+              <a:ext cx="85725" cy="533400"/>
+            </a:xfrm>
+            <a:custGeom>
+              <a:avLst/>
+              <a:gdLst/>
+              <a:ahLst/>
+              <a:cxnLst/>
+              <a:rect l="0" t="0" r="r" b="b"/>
+              <a:pathLst>
+                <a:path w="22" h="136">
+                  <a:moveTo>
+                    <a:pt x="22" y="136"/>
+                  </a:moveTo>
+                  <a:cubicBezTo>
+                    <a:pt x="20" y="117"/>
+                    <a:pt x="19" y="99"/>
+                    <a:pt x="17" y="80"/>
+                  </a:cubicBezTo>
+                  <a:cubicBezTo>
+                    <a:pt x="11" y="54"/>
+                    <a:pt x="6" y="27"/>
+                    <a:pt x="0" y="0"/>
+                  </a:cubicBezTo>
+                  <a:cubicBezTo>
+                    <a:pt x="0" y="35"/>
+                    <a:pt x="0" y="35"/>
+                    <a:pt x="0" y="35"/>
+                  </a:cubicBezTo>
+                  <a:cubicBezTo>
+                    <a:pt x="6" y="64"/>
+                    <a:pt x="13" y="94"/>
+                    <a:pt x="20" y="124"/>
+                  </a:cubicBezTo>
+                  <a:cubicBezTo>
+                    <a:pt x="20" y="128"/>
+                    <a:pt x="21" y="132"/>
+                    <a:pt x="22" y="136"/>
+                  </a:cubicBezTo>
+                  <a:close/>
+                </a:path>
+              </a:pathLst>
+            </a:custGeom>
+            <a:grpFill/>
+            <a:ln>
+              <a:noFill/>
+            </a:ln>
+          </p:spPr>
+        </p:sp>
+        <p:sp>
+          <p:nvSpPr>
+            <p:cNvPr id="25" name="Freeform 12"/>
+            <p:cNvSpPr/>
+            <p:nvPr/>
+          </p:nvSpPr>
+          <p:spPr bwMode="auto">
+            <a:xfrm>
+              <a:off x="2597151" y="2779713"/>
+              <a:ext cx="550863" cy="1978025"/>
+            </a:xfrm>
+            <a:custGeom>
+              <a:avLst/>
+              <a:gdLst/>
+              <a:ahLst/>
+              <a:cxnLst/>
+              <a:rect l="0" t="0" r="r" b="b"/>
+              <a:pathLst>
+                <a:path w="140" h="504">
+                  <a:moveTo>
+                    <a:pt x="86" y="350"/>
+                  </a:moveTo>
+                  <a:cubicBezTo>
+                    <a:pt x="103" y="402"/>
+                    <a:pt x="120" y="453"/>
+                    <a:pt x="139" y="504"/>
+                  </a:cubicBezTo>
+                  <a:cubicBezTo>
+                    <a:pt x="139" y="495"/>
+                    <a:pt x="139" y="487"/>
+                    <a:pt x="140" y="478"/>
+                  </a:cubicBezTo>
+                  <a:cubicBezTo>
+                    <a:pt x="124" y="435"/>
+                    <a:pt x="109" y="391"/>
+                    <a:pt x="95" y="347"/>
+                  </a:cubicBezTo>
+                  <a:cubicBezTo>
+                    <a:pt x="58" y="233"/>
+                    <a:pt x="27" y="117"/>
+                    <a:pt x="0" y="0"/>
+                  </a:cubicBezTo>
+                  <a:cubicBezTo>
+                    <a:pt x="2" y="20"/>
+                    <a:pt x="4" y="41"/>
+                    <a:pt x="6" y="61"/>
+                  </a:cubicBezTo>
+                  <a:cubicBezTo>
+                    <a:pt x="30" y="158"/>
+                    <a:pt x="56" y="255"/>
+                    <a:pt x="86" y="350"/>
+                  </a:cubicBezTo>
+                  <a:close/>
+                </a:path>
+              </a:pathLst>
+            </a:custGeom>
+            <a:grpFill/>
+            <a:ln>
+              <a:noFill/>
+            </a:ln>
+          </p:spPr>
+        </p:sp>
+        <p:sp>
+          <p:nvSpPr>
+            <p:cNvPr id="26" name="Freeform 13"/>
+            <p:cNvSpPr/>
+            <p:nvPr/>
+          </p:nvSpPr>
+          <p:spPr bwMode="auto">
+            <a:xfrm>
+              <a:off x="3175001" y="4730750"/>
+              <a:ext cx="519113" cy="1209675"/>
+            </a:xfrm>
+            <a:custGeom>
+              <a:avLst/>
+              <a:gdLst/>
+              <a:ahLst/>
+              <a:cxnLst/>
+              <a:rect l="0" t="0" r="r" b="b"/>
+              <a:pathLst>
+                <a:path w="132" h="308">
+                  <a:moveTo>
+                    <a:pt x="8" y="22"/>
+                  </a:moveTo>
+                  <a:cubicBezTo>
+                    <a:pt x="5" y="15"/>
+                    <a:pt x="2" y="8"/>
+                    <a:pt x="0" y="0"/>
+                  </a:cubicBezTo>
+                  <a:cubicBezTo>
+                    <a:pt x="0" y="10"/>
+                    <a:pt x="0" y="19"/>
+                    <a:pt x="0" y="29"/>
+                  </a:cubicBezTo>
+                  <a:cubicBezTo>
+                    <a:pt x="21" y="85"/>
+                    <a:pt x="44" y="140"/>
+                    <a:pt x="68" y="194"/>
+                  </a:cubicBezTo>
+                  <a:cubicBezTo>
+                    <a:pt x="85" y="232"/>
+                    <a:pt x="104" y="270"/>
+                    <a:pt x="123" y="308"/>
+                  </a:cubicBezTo>
+                  <a:cubicBezTo>
+                    <a:pt x="132" y="308"/>
+                    <a:pt x="132" y="308"/>
+                    <a:pt x="132" y="308"/>
+                  </a:cubicBezTo>
+                  <a:cubicBezTo>
+                    <a:pt x="113" y="269"/>
+                    <a:pt x="94" y="230"/>
+                    <a:pt x="77" y="190"/>
+                  </a:cubicBezTo>
+                  <a:cubicBezTo>
+                    <a:pt x="52" y="135"/>
+                    <a:pt x="29" y="79"/>
+                    <a:pt x="8" y="22"/>
+                  </a:cubicBezTo>
+                  <a:close/>
+                </a:path>
+              </a:pathLst>
+            </a:custGeom>
+            <a:grpFill/>
+            <a:ln>
+              <a:noFill/>
+            </a:ln>
+          </p:spPr>
+        </p:sp>
+        <p:sp>
+          <p:nvSpPr>
+            <p:cNvPr id="27" name="Freeform 14"/>
+            <p:cNvSpPr/>
+            <p:nvPr/>
+          </p:nvSpPr>
+          <p:spPr bwMode="auto">
+            <a:xfrm>
+              <a:off x="3305176" y="5630863"/>
+              <a:ext cx="146050" cy="309563"/>
+            </a:xfrm>
+            <a:custGeom>
+              <a:avLst/>
+              <a:gdLst/>
+              <a:ahLst/>
+              <a:cxnLst/>
+              <a:rect l="0" t="0" r="r" b="b"/>
+              <a:pathLst>
+                <a:path w="37" h="79">
+                  <a:moveTo>
+                    <a:pt x="28" y="79"/>
+                  </a:moveTo>
+                  <a:cubicBezTo>
+                    <a:pt x="37" y="79"/>
+                    <a:pt x="37" y="79"/>
+                    <a:pt x="37" y="79"/>
+                  </a:cubicBezTo>
+                  <a:cubicBezTo>
+                    <a:pt x="24" y="53"/>
+                    <a:pt x="12" y="27"/>
+                    <a:pt x="0" y="0"/>
+                  </a:cubicBezTo>
+                  <a:cubicBezTo>
+                    <a:pt x="8" y="27"/>
+                    <a:pt x="17" y="53"/>
+                    <a:pt x="28" y="79"/>
+                  </a:cubicBezTo>
+                  <a:close/>
+                </a:path>
+              </a:pathLst>
+            </a:custGeom>
+            <a:grpFill/>
+            <a:ln>
+              <a:noFill/>
+            </a:ln>
+          </p:spPr>
+        </p:sp>
+        <p:sp>
+          <p:nvSpPr>
+            <p:cNvPr id="28" name="Freeform 15"/>
+            <p:cNvSpPr/>
+            <p:nvPr/>
+          </p:nvSpPr>
+          <p:spPr bwMode="auto">
+            <a:xfrm>
+              <a:off x="2573338" y="2817813"/>
+              <a:ext cx="700088" cy="2835275"/>
+            </a:xfrm>
+            <a:custGeom>
+              <a:avLst/>
+              <a:gdLst/>
+              <a:ahLst/>
+              <a:cxnLst/>
+              <a:rect l="0" t="0" r="r" b="b"/>
+              <a:pathLst>
+                <a:path w="178" h="722">
+                  <a:moveTo>
+                    <a:pt x="162" y="660"/>
+                  </a:moveTo>
+                  <a:cubicBezTo>
+                    <a:pt x="145" y="618"/>
+                    <a:pt x="130" y="576"/>
+                    <a:pt x="116" y="534"/>
+                  </a:cubicBezTo>
+                  <a:cubicBezTo>
+                    <a:pt x="84" y="437"/>
+                    <a:pt x="59" y="337"/>
+                    <a:pt x="40" y="236"/>
+                  </a:cubicBezTo>
+                  <a:cubicBezTo>
+                    <a:pt x="29" y="175"/>
+                    <a:pt x="20" y="113"/>
+                    <a:pt x="12" y="51"/>
+                  </a:cubicBezTo>
+                  <a:cubicBezTo>
+                    <a:pt x="8" y="34"/>
+                    <a:pt x="4" y="17"/>
+                    <a:pt x="0" y="0"/>
+                  </a:cubicBezTo>
+                  <a:cubicBezTo>
+                    <a:pt x="8" y="79"/>
+                    <a:pt x="19" y="159"/>
+                    <a:pt x="33" y="237"/>
+                  </a:cubicBezTo>
+                  <a:cubicBezTo>
+                    <a:pt x="51" y="339"/>
+                    <a:pt x="76" y="439"/>
+                    <a:pt x="107" y="537"/>
+                  </a:cubicBezTo>
+                  <a:cubicBezTo>
+                    <a:pt x="123" y="586"/>
+                    <a:pt x="141" y="634"/>
+                    <a:pt x="160" y="681"/>
+                  </a:cubicBezTo>
+                  <a:cubicBezTo>
+                    <a:pt x="166" y="695"/>
+                    <a:pt x="172" y="708"/>
+                    <a:pt x="178" y="722"/>
+                  </a:cubicBezTo>
+                  <a:cubicBezTo>
+                    <a:pt x="176" y="717"/>
+                    <a:pt x="175" y="713"/>
+                    <a:pt x="174" y="708"/>
+                  </a:cubicBezTo>
+                  <a:cubicBezTo>
+                    <a:pt x="169" y="692"/>
+                    <a:pt x="165" y="676"/>
+                    <a:pt x="162" y="660"/>
+                  </a:cubicBezTo>
+                  <a:close/>
+                </a:path>
+              </a:pathLst>
+            </a:custGeom>
+            <a:grpFill/>
+            <a:ln>
+              <a:noFill/>
+            </a:ln>
+          </p:spPr>
+        </p:sp>
+        <p:sp>
+          <p:nvSpPr>
+            <p:cNvPr id="29" name="Freeform 16"/>
+            <p:cNvSpPr/>
+            <p:nvPr/>
+          </p:nvSpPr>
+          <p:spPr bwMode="auto">
+            <a:xfrm>
+              <a:off x="2506663" y="285750"/>
+              <a:ext cx="90488" cy="2493963"/>
+            </a:xfrm>
+            <a:custGeom>
+              <a:avLst/>
+              <a:gdLst/>
+              <a:ahLst/>
+              <a:cxnLst/>
+              <a:rect l="0" t="0" r="r" b="b"/>
+              <a:pathLst>
+                <a:path w="23" h="635">
+                  <a:moveTo>
+                    <a:pt x="11" y="577"/>
+                  </a:moveTo>
+                  <a:cubicBezTo>
+                    <a:pt x="12" y="581"/>
+                    <a:pt x="12" y="585"/>
+                    <a:pt x="12" y="589"/>
+                  </a:cubicBezTo>
+                  <a:cubicBezTo>
+                    <a:pt x="15" y="603"/>
+                    <a:pt x="19" y="617"/>
+                    <a:pt x="22" y="632"/>
+                  </a:cubicBezTo>
+                  <a:cubicBezTo>
+                    <a:pt x="22" y="633"/>
+                    <a:pt x="22" y="634"/>
+                    <a:pt x="23" y="635"/>
+                  </a:cubicBezTo>
+                  <a:cubicBezTo>
+                    <a:pt x="21" y="615"/>
+                    <a:pt x="19" y="596"/>
+                    <a:pt x="17" y="576"/>
+                  </a:cubicBezTo>
+                  <a:cubicBezTo>
+                    <a:pt x="9" y="474"/>
+                    <a:pt x="5" y="372"/>
+                    <a:pt x="5" y="269"/>
+                  </a:cubicBezTo>
+                  <a:cubicBezTo>
+                    <a:pt x="6" y="179"/>
+                    <a:pt x="9" y="90"/>
+                    <a:pt x="15" y="0"/>
+                  </a:cubicBezTo>
+                  <a:cubicBezTo>
+                    <a:pt x="12" y="0"/>
+                    <a:pt x="12" y="0"/>
+                    <a:pt x="12" y="0"/>
+                  </a:cubicBezTo>
+                  <a:cubicBezTo>
+                    <a:pt x="5" y="89"/>
+                    <a:pt x="2" y="179"/>
+                    <a:pt x="1" y="269"/>
+                  </a:cubicBezTo>
+                  <a:cubicBezTo>
+                    <a:pt x="0" y="372"/>
+                    <a:pt x="3" y="474"/>
+                    <a:pt x="11" y="577"/>
+                  </a:cubicBezTo>
+                  <a:close/>
+                </a:path>
+              </a:pathLst>
+            </a:custGeom>
+            <a:grpFill/>
+            <a:ln>
+              <a:noFill/>
+            </a:ln>
+          </p:spPr>
+        </p:sp>
+        <p:sp>
+          <p:nvSpPr>
+            <p:cNvPr id="30" name="Freeform 17"/>
+            <p:cNvSpPr/>
+            <p:nvPr/>
+          </p:nvSpPr>
+          <p:spPr bwMode="auto">
+            <a:xfrm>
+              <a:off x="2554288" y="2598738"/>
+              <a:ext cx="66675" cy="420688"/>
+            </a:xfrm>
+            <a:custGeom>
+              <a:avLst/>
+              <a:gdLst/>
+              <a:ahLst/>
+              <a:cxnLst/>
+              <a:rect l="0" t="0" r="r" b="b"/>
+              <a:pathLst>
+                <a:path w="17" h="107">
+                  <a:moveTo>
+                    <a:pt x="0" y="0"/>
+                  </a:moveTo>
+                  <a:cubicBezTo>
+                    <a:pt x="2" y="19"/>
+                    <a:pt x="3" y="37"/>
+                    <a:pt x="5" y="56"/>
+                  </a:cubicBezTo>
+                  <a:cubicBezTo>
+                    <a:pt x="9" y="73"/>
+                    <a:pt x="13" y="90"/>
+                    <a:pt x="17" y="107"/>
+                  </a:cubicBezTo>
+                  <a:cubicBezTo>
+                    <a:pt x="15" y="87"/>
+                    <a:pt x="13" y="66"/>
+                    <a:pt x="11" y="46"/>
+                  </a:cubicBezTo>
+                  <a:cubicBezTo>
+                    <a:pt x="10" y="45"/>
+                    <a:pt x="10" y="44"/>
+                    <a:pt x="10" y="43"/>
+                  </a:cubicBezTo>
+                  <a:cubicBezTo>
+                    <a:pt x="7" y="28"/>
+                    <a:pt x="3" y="14"/>
+                    <a:pt x="0" y="0"/>
+                  </a:cubicBezTo>
+                  <a:close/>
+                </a:path>
+              </a:pathLst>
+            </a:custGeom>
+            <a:grpFill/>
+            <a:ln>
+              <a:noFill/>
+            </a:ln>
+          </p:spPr>
+        </p:sp>
+        <p:sp>
+          <p:nvSpPr>
+            <p:cNvPr id="31" name="Freeform 18"/>
+            <p:cNvSpPr/>
+            <p:nvPr/>
+          </p:nvSpPr>
+          <p:spPr bwMode="auto">
+            <a:xfrm>
+              <a:off x="3143251" y="4757738"/>
+              <a:ext cx="161925" cy="873125"/>
+            </a:xfrm>
+            <a:custGeom>
+              <a:avLst/>
+              <a:gdLst/>
+              <a:ahLst/>
+              <a:cxnLst/>
+              <a:rect l="0" t="0" r="r" b="b"/>
+              <a:pathLst>
+                <a:path w="41" h="222">
+                  <a:moveTo>
+                    <a:pt x="0" y="0"/>
+                  </a:moveTo>
+                  <a:cubicBezTo>
+                    <a:pt x="0" y="31"/>
+                    <a:pt x="2" y="62"/>
+                    <a:pt x="5" y="93"/>
+                  </a:cubicBezTo>
+                  <a:cubicBezTo>
+                    <a:pt x="8" y="117"/>
+                    <a:pt x="12" y="142"/>
+                    <a:pt x="17" y="166"/>
+                  </a:cubicBezTo>
+                  <a:cubicBezTo>
+                    <a:pt x="19" y="172"/>
+                    <a:pt x="22" y="178"/>
+                    <a:pt x="24" y="184"/>
+                  </a:cubicBezTo>
+                  <a:cubicBezTo>
+                    <a:pt x="30" y="197"/>
+                    <a:pt x="35" y="209"/>
+                    <a:pt x="41" y="222"/>
+                  </a:cubicBezTo>
+                  <a:cubicBezTo>
+                    <a:pt x="40" y="219"/>
+                    <a:pt x="39" y="215"/>
+                    <a:pt x="38" y="212"/>
+                  </a:cubicBezTo>
+                  <a:cubicBezTo>
+                    <a:pt x="26" y="172"/>
+                    <a:pt x="18" y="132"/>
+                    <a:pt x="13" y="92"/>
+                  </a:cubicBezTo>
+                  <a:cubicBezTo>
+                    <a:pt x="11" y="68"/>
+                    <a:pt x="9" y="45"/>
+                    <a:pt x="8" y="22"/>
+                  </a:cubicBezTo>
+                  <a:cubicBezTo>
+                    <a:pt x="8" y="21"/>
+                    <a:pt x="7" y="20"/>
+                    <a:pt x="7" y="18"/>
+                  </a:cubicBezTo>
+                  <a:cubicBezTo>
+                    <a:pt x="5" y="12"/>
+                    <a:pt x="2" y="6"/>
+                    <a:pt x="0" y="0"/>
+                  </a:cubicBezTo>
+                  <a:close/>
+                </a:path>
+              </a:pathLst>
+            </a:custGeom>
+            <a:grpFill/>
+            <a:ln>
+              <a:noFill/>
+            </a:ln>
+          </p:spPr>
+        </p:sp>
+        <p:sp>
+          <p:nvSpPr>
+            <p:cNvPr id="32" name="Freeform 19"/>
+            <p:cNvSpPr/>
+            <p:nvPr/>
+          </p:nvSpPr>
+          <p:spPr bwMode="auto">
+            <a:xfrm>
+              <a:off x="3148013" y="1282700"/>
+              <a:ext cx="1768475" cy="3448050"/>
+            </a:xfrm>
+            <a:custGeom>
+              <a:avLst/>
+              <a:gdLst/>
+              <a:ahLst/>
+              <a:cxnLst/>
+              <a:rect l="0" t="0" r="r" b="b"/>
+              <a:pathLst>
+                <a:path w="450" h="878">
+                  <a:moveTo>
+                    <a:pt x="7" y="854"/>
+                  </a:moveTo>
+                  <a:cubicBezTo>
+                    <a:pt x="10" y="772"/>
+                    <a:pt x="26" y="691"/>
+                    <a:pt x="50" y="613"/>
+                  </a:cubicBezTo>
+                  <a:cubicBezTo>
+                    <a:pt x="75" y="535"/>
+                    <a:pt x="109" y="460"/>
+                    <a:pt x="149" y="388"/>
+                  </a:cubicBezTo>
+                  <a:cubicBezTo>
+                    <a:pt x="189" y="316"/>
+                    <a:pt x="235" y="248"/>
+                    <a:pt x="285" y="183"/>
+                  </a:cubicBezTo>
+                  <a:cubicBezTo>
+                    <a:pt x="310" y="151"/>
+                    <a:pt x="337" y="119"/>
+                    <a:pt x="364" y="89"/>
+                  </a:cubicBezTo>
+                  <a:cubicBezTo>
+                    <a:pt x="378" y="74"/>
+                    <a:pt x="392" y="58"/>
+                    <a:pt x="406" y="44"/>
+                  </a:cubicBezTo>
+                  <a:cubicBezTo>
+                    <a:pt x="421" y="29"/>
+                    <a:pt x="435" y="15"/>
+                    <a:pt x="450" y="1"/>
+                  </a:cubicBezTo>
+                  <a:cubicBezTo>
+                    <a:pt x="450" y="0"/>
+                    <a:pt x="450" y="0"/>
+                    <a:pt x="450" y="0"/>
+                  </a:cubicBezTo>
+                  <a:cubicBezTo>
+                    <a:pt x="434" y="14"/>
+                    <a:pt x="420" y="28"/>
+                    <a:pt x="405" y="43"/>
+                  </a:cubicBezTo>
+                  <a:cubicBezTo>
+                    <a:pt x="391" y="57"/>
+                    <a:pt x="377" y="72"/>
+                    <a:pt x="363" y="88"/>
+                  </a:cubicBezTo>
+                  <a:cubicBezTo>
+                    <a:pt x="335" y="118"/>
+                    <a:pt x="308" y="149"/>
+                    <a:pt x="283" y="181"/>
+                  </a:cubicBezTo>
+                  <a:cubicBezTo>
+                    <a:pt x="232" y="246"/>
+                    <a:pt x="185" y="314"/>
+                    <a:pt x="145" y="386"/>
+                  </a:cubicBezTo>
+                  <a:cubicBezTo>
+                    <a:pt x="104" y="457"/>
+                    <a:pt x="70" y="533"/>
+                    <a:pt x="45" y="611"/>
+                  </a:cubicBezTo>
+                  <a:cubicBezTo>
+                    <a:pt x="19" y="690"/>
+                    <a:pt x="3" y="771"/>
+                    <a:pt x="0" y="854"/>
+                  </a:cubicBezTo>
+                  <a:cubicBezTo>
+                    <a:pt x="0" y="856"/>
+                    <a:pt x="0" y="857"/>
+                    <a:pt x="0" y="859"/>
+                  </a:cubicBezTo>
+                  <a:cubicBezTo>
+                    <a:pt x="2" y="865"/>
+                    <a:pt x="4" y="872"/>
+                    <a:pt x="7" y="878"/>
+                  </a:cubicBezTo>
+                  <a:cubicBezTo>
+                    <a:pt x="7" y="870"/>
+                    <a:pt x="7" y="862"/>
+                    <a:pt x="7" y="854"/>
+                  </a:cubicBezTo>
+                  <a:close/>
+                </a:path>
+              </a:pathLst>
+            </a:custGeom>
+            <a:grpFill/>
+            <a:ln>
+              <a:noFill/>
+            </a:ln>
+          </p:spPr>
+        </p:sp>
+        <p:sp>
+          <p:nvSpPr>
+            <p:cNvPr id="33" name="Freeform 20"/>
+            <p:cNvSpPr/>
+            <p:nvPr/>
+          </p:nvSpPr>
+          <p:spPr bwMode="auto">
+            <a:xfrm>
+              <a:off x="3273426" y="5653088"/>
+              <a:ext cx="138113" cy="287338"/>
+            </a:xfrm>
+            <a:custGeom>
+              <a:avLst/>
+              <a:gdLst/>
+              <a:ahLst/>
+              <a:cxnLst/>
+              <a:rect l="0" t="0" r="r" b="b"/>
+              <a:pathLst>
+                <a:path w="35" h="73">
+                  <a:moveTo>
+                    <a:pt x="0" y="0"/>
+                  </a:moveTo>
+                  <a:cubicBezTo>
+                    <a:pt x="7" y="24"/>
+                    <a:pt x="16" y="49"/>
+                    <a:pt x="26" y="73"/>
+                  </a:cubicBezTo>
+                  <a:cubicBezTo>
+                    <a:pt x="35" y="73"/>
+                    <a:pt x="35" y="73"/>
+                    <a:pt x="35" y="73"/>
+                  </a:cubicBezTo>
+                  <a:cubicBezTo>
+                    <a:pt x="23" y="49"/>
+                    <a:pt x="11" y="24"/>
+                    <a:pt x="0" y="0"/>
+                  </a:cubicBezTo>
+                  <a:close/>
+                </a:path>
+              </a:pathLst>
+            </a:custGeom>
+            <a:grpFill/>
+            <a:ln>
+              <a:noFill/>
+            </a:ln>
+          </p:spPr>
+        </p:sp>
+        <p:sp>
+          <p:nvSpPr>
+            <p:cNvPr id="34" name="Freeform 21"/>
+            <p:cNvSpPr/>
+            <p:nvPr/>
+          </p:nvSpPr>
+          <p:spPr bwMode="auto">
+            <a:xfrm>
+              <a:off x="3143251" y="4656138"/>
+              <a:ext cx="31750" cy="188913"/>
+            </a:xfrm>
+            <a:custGeom>
+              <a:avLst/>
+              <a:gdLst/>
+              <a:ahLst/>
+              <a:cxnLst/>
+              <a:rect l="0" t="0" r="r" b="b"/>
+              <a:pathLst>
+                <a:path w="8" h="48">
+                  <a:moveTo>
+                    <a:pt x="7" y="44"/>
+                  </a:moveTo>
+                  <a:cubicBezTo>
+                    <a:pt x="7" y="46"/>
+                    <a:pt x="8" y="47"/>
+                    <a:pt x="8" y="48"/>
+                  </a:cubicBezTo>
+                  <a:cubicBezTo>
+                    <a:pt x="8" y="38"/>
+                    <a:pt x="8" y="29"/>
+                    <a:pt x="8" y="19"/>
+                  </a:cubicBezTo>
+                  <a:cubicBezTo>
+                    <a:pt x="5" y="13"/>
+                    <a:pt x="3" y="6"/>
+                    <a:pt x="1" y="0"/>
+                  </a:cubicBezTo>
+                  <a:cubicBezTo>
+                    <a:pt x="0" y="9"/>
+                    <a:pt x="0" y="17"/>
+                    <a:pt x="0" y="26"/>
+                  </a:cubicBezTo>
+                  <a:cubicBezTo>
+                    <a:pt x="2" y="32"/>
+                    <a:pt x="5" y="38"/>
+                    <a:pt x="7" y="44"/>
+                  </a:cubicBezTo>
+                  <a:close/>
+                </a:path>
+              </a:pathLst>
+            </a:custGeom>
+            <a:grpFill/>
+            <a:ln>
+              <a:noFill/>
+            </a:ln>
+          </p:spPr>
+        </p:sp>
+        <p:sp>
+          <p:nvSpPr>
+            <p:cNvPr id="35" name="Freeform 22"/>
+            <p:cNvSpPr/>
+            <p:nvPr/>
+          </p:nvSpPr>
+          <p:spPr bwMode="auto">
+            <a:xfrm>
+              <a:off x="3211513" y="5410200"/>
+              <a:ext cx="203200" cy="530225"/>
+            </a:xfrm>
+            <a:custGeom>
+              <a:avLst/>
+              <a:gdLst/>
+              <a:ahLst/>
+              <a:cxnLst/>
+              <a:rect l="0" t="0" r="r" b="b"/>
+              <a:pathLst>
+                <a:path w="52" h="135">
+                  <a:moveTo>
+                    <a:pt x="7" y="18"/>
+                  </a:moveTo>
+                  <a:cubicBezTo>
+                    <a:pt x="5" y="12"/>
+                    <a:pt x="2" y="6"/>
+                    <a:pt x="0" y="0"/>
+                  </a:cubicBezTo>
+                  <a:cubicBezTo>
+                    <a:pt x="3" y="16"/>
+                    <a:pt x="7" y="32"/>
+                    <a:pt x="12" y="48"/>
+                  </a:cubicBezTo>
+                  <a:cubicBezTo>
+                    <a:pt x="13" y="53"/>
+                    <a:pt x="14" y="57"/>
+                    <a:pt x="16" y="62"/>
+                  </a:cubicBezTo>
+                  <a:cubicBezTo>
+                    <a:pt x="27" y="86"/>
+                    <a:pt x="39" y="111"/>
+                    <a:pt x="51" y="135"/>
+                  </a:cubicBezTo>
+                  <a:cubicBezTo>
+                    <a:pt x="52" y="135"/>
+                    <a:pt x="52" y="135"/>
+                    <a:pt x="52" y="135"/>
+                  </a:cubicBezTo>
+                  <a:cubicBezTo>
+                    <a:pt x="41" y="109"/>
+                    <a:pt x="32" y="83"/>
+                    <a:pt x="24" y="56"/>
+                  </a:cubicBezTo>
+                  <a:cubicBezTo>
+                    <a:pt x="18" y="43"/>
+                    <a:pt x="13" y="31"/>
+                    <a:pt x="7" y="18"/>
+                  </a:cubicBezTo>
+                  <a:close/>
+                </a:path>
+              </a:pathLst>
+            </a:custGeom>
+            <a:grpFill/>
+            <a:ln>
+              <a:noFill/>
+            </a:ln>
+          </p:spPr>
+        </p:sp>
+      </p:grpSp>
+      <p:grpSp>
+        <p:nvGrpSpPr>
+          <p:cNvPr id="10" name="Group 9"/>
+          <p:cNvGrpSpPr/>
+          <p:nvPr/>
+        </p:nvGrpSpPr>
+        <p:grpSpPr>
+          <a:xfrm>
+            <a:off x="27221" y="-30"/>
+            <a:ext cx="2356674" cy="6853283"/>
+            <a:chOff x="6627813" y="195452"/>
+            <a:chExt cx="1952625" cy="5678299"/>
+          </a:xfrm>
+          <a:solidFill>
+            <a:schemeClr val="accent1"/>
+          </a:solidFill>
+        </p:grpSpPr>
+        <p:sp>
+          <p:nvSpPr>
+            <p:cNvPr id="11" name="Freeform 27"/>
+            <p:cNvSpPr/>
+            <p:nvPr/>
+          </p:nvSpPr>
+          <p:spPr bwMode="auto">
+            <a:xfrm>
+              <a:off x="6627813" y="195452"/>
+              <a:ext cx="409575" cy="3646488"/>
+            </a:xfrm>
+            <a:custGeom>
+              <a:avLst/>
+              <a:gdLst/>
+              <a:ahLst/>
+              <a:cxnLst/>
+              <a:rect l="0" t="0" r="r" b="b"/>
+              <a:pathLst>
+                <a:path w="103" h="920">
+                  <a:moveTo>
+                    <a:pt x="7" y="210"/>
+                  </a:moveTo>
+                  <a:cubicBezTo>
+                    <a:pt x="11" y="288"/>
+                    <a:pt x="17" y="367"/>
+                    <a:pt x="26" y="445"/>
+                  </a:cubicBezTo>
+                  <a:cubicBezTo>
+                    <a:pt x="34" y="523"/>
+                    <a:pt x="44" y="601"/>
+                    <a:pt x="57" y="679"/>
+                  </a:cubicBezTo>
+                  <a:cubicBezTo>
+                    <a:pt x="69" y="757"/>
+                    <a:pt x="84" y="834"/>
+                    <a:pt x="101" y="911"/>
+                  </a:cubicBezTo>
+                  <a:cubicBezTo>
+                    <a:pt x="102" y="914"/>
+                    <a:pt x="103" y="917"/>
+                    <a:pt x="103" y="920"/>
+                  </a:cubicBezTo>
+                  <a:cubicBezTo>
+                    <a:pt x="102" y="905"/>
+                    <a:pt x="100" y="889"/>
+                    <a:pt x="99" y="874"/>
+                  </a:cubicBezTo>
+                  <a:cubicBezTo>
+                    <a:pt x="99" y="871"/>
+                    <a:pt x="99" y="868"/>
+                    <a:pt x="99" y="866"/>
+                  </a:cubicBezTo>
+                  <a:cubicBezTo>
+                    <a:pt x="85" y="803"/>
+                    <a:pt x="73" y="741"/>
+                    <a:pt x="63" y="678"/>
+                  </a:cubicBezTo>
+                  <a:cubicBezTo>
+                    <a:pt x="50" y="600"/>
+                    <a:pt x="39" y="523"/>
+                    <a:pt x="30" y="444"/>
+                  </a:cubicBezTo>
+                  <a:cubicBezTo>
+                    <a:pt x="21" y="366"/>
+                    <a:pt x="14" y="288"/>
+                    <a:pt x="9" y="209"/>
+                  </a:cubicBezTo>
+                  <a:cubicBezTo>
+                    <a:pt x="7" y="170"/>
+                    <a:pt x="5" y="131"/>
+                    <a:pt x="3" y="92"/>
+                  </a:cubicBezTo>
+                  <a:cubicBezTo>
+                    <a:pt x="2" y="61"/>
+                    <a:pt x="1" y="31"/>
+                    <a:pt x="1" y="0"/>
+                  </a:cubicBezTo>
+                  <a:cubicBezTo>
+                    <a:pt x="0" y="0"/>
+                    <a:pt x="0" y="0"/>
+                    <a:pt x="0" y="0"/>
+                  </a:cubicBezTo>
+                  <a:cubicBezTo>
+                    <a:pt x="0" y="31"/>
+                    <a:pt x="1" y="61"/>
+                    <a:pt x="1" y="92"/>
+                  </a:cubicBezTo>
+                  <a:cubicBezTo>
+                    <a:pt x="3" y="131"/>
+                    <a:pt x="4" y="170"/>
+                    <a:pt x="7" y="210"/>
+                  </a:cubicBezTo>
+                  <a:close/>
+                </a:path>
+              </a:pathLst>
+            </a:custGeom>
+            <a:grpFill/>
+            <a:ln>
+              <a:noFill/>
+            </a:ln>
+          </p:spPr>
+        </p:sp>
+        <p:sp>
+          <p:nvSpPr>
+            <p:cNvPr id="12" name="Freeform 28"/>
+            <p:cNvSpPr/>
+            <p:nvPr/>
+          </p:nvSpPr>
+          <p:spPr bwMode="auto">
+            <a:xfrm>
+              <a:off x="7061201" y="3771900"/>
+              <a:ext cx="350838" cy="1309688"/>
+            </a:xfrm>
+            <a:custGeom>
+              <a:avLst/>
+              <a:gdLst/>
+              <a:ahLst/>
+              <a:cxnLst/>
+              <a:rect l="0" t="0" r="r" b="b"/>
+              <a:pathLst>
+                <a:path w="88" h="330">
+                  <a:moveTo>
+                    <a:pt x="53" y="229"/>
+                  </a:moveTo>
+                  <a:cubicBezTo>
+                    <a:pt x="64" y="263"/>
+                    <a:pt x="75" y="297"/>
+                    <a:pt x="88" y="330"/>
+                  </a:cubicBezTo>
+                  <a:cubicBezTo>
+                    <a:pt x="88" y="323"/>
+                    <a:pt x="88" y="315"/>
+                    <a:pt x="88" y="308"/>
+                  </a:cubicBezTo>
+                  <a:cubicBezTo>
+                    <a:pt x="88" y="307"/>
+                    <a:pt x="88" y="305"/>
+                    <a:pt x="88" y="304"/>
+                  </a:cubicBezTo>
+                  <a:cubicBezTo>
+                    <a:pt x="79" y="278"/>
+                    <a:pt x="70" y="252"/>
+                    <a:pt x="62" y="226"/>
+                  </a:cubicBezTo>
+                  <a:cubicBezTo>
+                    <a:pt x="38" y="152"/>
+                    <a:pt x="17" y="76"/>
+                    <a:pt x="0" y="0"/>
+                  </a:cubicBezTo>
+                  <a:cubicBezTo>
+                    <a:pt x="2" y="21"/>
+                    <a:pt x="4" y="42"/>
+                    <a:pt x="7" y="63"/>
+                  </a:cubicBezTo>
+                  <a:cubicBezTo>
+                    <a:pt x="21" y="119"/>
+                    <a:pt x="36" y="174"/>
+                    <a:pt x="53" y="229"/>
+                  </a:cubicBezTo>
+                  <a:close/>
+                </a:path>
+              </a:pathLst>
+            </a:custGeom>
+            <a:grpFill/>
+            <a:ln>
+              <a:noFill/>
+            </a:ln>
+          </p:spPr>
+        </p:sp>
+        <p:sp>
+          <p:nvSpPr>
+            <p:cNvPr id="13" name="Freeform 29"/>
+            <p:cNvSpPr/>
+            <p:nvPr/>
+          </p:nvSpPr>
+          <p:spPr bwMode="auto">
+            <a:xfrm>
+              <a:off x="7439026" y="5053013"/>
+              <a:ext cx="357188" cy="820738"/>
+            </a:xfrm>
+            <a:custGeom>
+              <a:avLst/>
+              <a:gdLst/>
+              <a:ahLst/>
+              <a:cxnLst/>
+              <a:rect l="0" t="0" r="r" b="b"/>
+              <a:pathLst>
+                <a:path w="90" h="207">
+                  <a:moveTo>
+                    <a:pt x="6" y="15"/>
+                  </a:moveTo>
+                  <a:cubicBezTo>
+                    <a:pt x="4" y="10"/>
+                    <a:pt x="2" y="5"/>
+                    <a:pt x="0" y="0"/>
+                  </a:cubicBezTo>
+                  <a:cubicBezTo>
+                    <a:pt x="0" y="9"/>
+                    <a:pt x="0" y="19"/>
+                    <a:pt x="1" y="29"/>
+                  </a:cubicBezTo>
+                  <a:cubicBezTo>
+                    <a:pt x="14" y="62"/>
+                    <a:pt x="27" y="95"/>
+                    <a:pt x="42" y="127"/>
+                  </a:cubicBezTo>
+                  <a:cubicBezTo>
+                    <a:pt x="54" y="154"/>
+                    <a:pt x="67" y="181"/>
+                    <a:pt x="80" y="207"/>
+                  </a:cubicBezTo>
+                  <a:cubicBezTo>
+                    <a:pt x="90" y="207"/>
+                    <a:pt x="90" y="207"/>
+                    <a:pt x="90" y="207"/>
+                  </a:cubicBezTo>
+                  <a:cubicBezTo>
+                    <a:pt x="76" y="180"/>
+                    <a:pt x="63" y="152"/>
+                    <a:pt x="50" y="123"/>
+                  </a:cubicBezTo>
+                  <a:cubicBezTo>
+                    <a:pt x="34" y="88"/>
+                    <a:pt x="20" y="51"/>
+                    <a:pt x="6" y="15"/>
+                  </a:cubicBezTo>
+                  <a:close/>
+                </a:path>
+              </a:pathLst>
+            </a:custGeom>
+            <a:grpFill/>
+            <a:ln>
+              <a:noFill/>
+            </a:ln>
+          </p:spPr>
+        </p:sp>
+        <p:sp>
+          <p:nvSpPr>
+            <p:cNvPr id="14" name="Freeform 30"/>
+            <p:cNvSpPr/>
+            <p:nvPr/>
+          </p:nvSpPr>
+          <p:spPr bwMode="auto">
+            <a:xfrm>
+              <a:off x="7037388" y="3811588"/>
+              <a:ext cx="457200" cy="1852613"/>
+            </a:xfrm>
+            <a:custGeom>
+              <a:avLst/>
+              <a:gdLst/>
+              <a:ahLst/>
+              <a:cxnLst/>
+              <a:rect l="0" t="0" r="r" b="b"/>
+              <a:pathLst>
+                <a:path w="115" h="467">
+                  <a:moveTo>
+                    <a:pt x="101" y="409"/>
+                  </a:moveTo>
+                  <a:cubicBezTo>
+                    <a:pt x="93" y="388"/>
+                    <a:pt x="85" y="366"/>
+                    <a:pt x="78" y="344"/>
+                  </a:cubicBezTo>
+                  <a:cubicBezTo>
+                    <a:pt x="57" y="281"/>
+                    <a:pt x="41" y="216"/>
+                    <a:pt x="29" y="151"/>
+                  </a:cubicBezTo>
+                  <a:cubicBezTo>
+                    <a:pt x="22" y="119"/>
+                    <a:pt x="17" y="86"/>
+                    <a:pt x="13" y="53"/>
+                  </a:cubicBezTo>
+                  <a:cubicBezTo>
+                    <a:pt x="9" y="35"/>
+                    <a:pt x="4" y="18"/>
+                    <a:pt x="0" y="0"/>
+                  </a:cubicBezTo>
+                  <a:cubicBezTo>
+                    <a:pt x="5" y="51"/>
+                    <a:pt x="12" y="102"/>
+                    <a:pt x="21" y="152"/>
+                  </a:cubicBezTo>
+                  <a:cubicBezTo>
+                    <a:pt x="33" y="218"/>
+                    <a:pt x="49" y="283"/>
+                    <a:pt x="69" y="347"/>
+                  </a:cubicBezTo>
+                  <a:cubicBezTo>
+                    <a:pt x="79" y="378"/>
+                    <a:pt x="90" y="410"/>
+                    <a:pt x="103" y="441"/>
+                  </a:cubicBezTo>
+                  <a:cubicBezTo>
+                    <a:pt x="107" y="449"/>
+                    <a:pt x="111" y="458"/>
+                    <a:pt x="115" y="467"/>
+                  </a:cubicBezTo>
+                  <a:cubicBezTo>
+                    <a:pt x="114" y="464"/>
+                    <a:pt x="113" y="461"/>
+                    <a:pt x="112" y="458"/>
+                  </a:cubicBezTo>
+                  <a:cubicBezTo>
+                    <a:pt x="108" y="442"/>
+                    <a:pt x="104" y="425"/>
+                    <a:pt x="101" y="409"/>
+                  </a:cubicBezTo>
+                  <a:close/>
+                </a:path>
+              </a:pathLst>
+            </a:custGeom>
+            <a:grpFill/>
+            <a:ln>
+              <a:noFill/>
+            </a:ln>
+          </p:spPr>
+        </p:sp>
+        <p:sp>
+          <p:nvSpPr>
+            <p:cNvPr id="15" name="Freeform 31"/>
+            <p:cNvSpPr/>
+            <p:nvPr/>
+          </p:nvSpPr>
+          <p:spPr bwMode="auto">
+            <a:xfrm>
+              <a:off x="6992938" y="1263650"/>
+              <a:ext cx="144463" cy="2508250"/>
+            </a:xfrm>
+            <a:custGeom>
+              <a:avLst/>
+              <a:gdLst/>
+              <a:ahLst/>
+              <a:cxnLst/>
+              <a:rect l="0" t="0" r="r" b="b"/>
+              <a:pathLst>
+                <a:path w="36" h="633">
+                  <a:moveTo>
+                    <a:pt x="17" y="633"/>
+                  </a:moveTo>
+                  <a:cubicBezTo>
+                    <a:pt x="15" y="621"/>
+                    <a:pt x="14" y="609"/>
+                    <a:pt x="13" y="597"/>
+                  </a:cubicBezTo>
+                  <a:cubicBezTo>
+                    <a:pt x="8" y="530"/>
+                    <a:pt x="5" y="464"/>
+                    <a:pt x="5" y="398"/>
+                  </a:cubicBezTo>
+                  <a:cubicBezTo>
+                    <a:pt x="5" y="331"/>
+                    <a:pt x="8" y="265"/>
+                    <a:pt x="13" y="198"/>
+                  </a:cubicBezTo>
+                  <a:cubicBezTo>
+                    <a:pt x="15" y="165"/>
+                    <a:pt x="18" y="132"/>
+                    <a:pt x="22" y="99"/>
+                  </a:cubicBezTo>
+                  <a:cubicBezTo>
+                    <a:pt x="26" y="66"/>
+                    <a:pt x="30" y="33"/>
+                    <a:pt x="36" y="0"/>
+                  </a:cubicBezTo>
+                  <a:cubicBezTo>
+                    <a:pt x="35" y="0"/>
+                    <a:pt x="35" y="0"/>
+                    <a:pt x="35" y="0"/>
+                  </a:cubicBezTo>
+                  <a:cubicBezTo>
+                    <a:pt x="29" y="33"/>
+                    <a:pt x="24" y="66"/>
+                    <a:pt x="20" y="99"/>
+                  </a:cubicBezTo>
+                  <a:cubicBezTo>
+                    <a:pt x="16" y="132"/>
+                    <a:pt x="13" y="165"/>
+                    <a:pt x="10" y="198"/>
+                  </a:cubicBezTo>
+                  <a:cubicBezTo>
+                    <a:pt x="4" y="264"/>
+                    <a:pt x="1" y="331"/>
+                    <a:pt x="1" y="398"/>
+                  </a:cubicBezTo>
+                  <a:cubicBezTo>
+                    <a:pt x="0" y="461"/>
+                    <a:pt x="2" y="525"/>
+                    <a:pt x="7" y="589"/>
+                  </a:cubicBezTo>
+                  <a:cubicBezTo>
+                    <a:pt x="10" y="603"/>
+                    <a:pt x="13" y="618"/>
+                    <a:pt x="16" y="632"/>
+                  </a:cubicBezTo>
+                  <a:cubicBezTo>
+                    <a:pt x="16" y="632"/>
+                    <a:pt x="17" y="633"/>
+                    <a:pt x="17" y="633"/>
+                  </a:cubicBezTo>
+                  <a:close/>
+                </a:path>
+              </a:pathLst>
+            </a:custGeom>
+            <a:grpFill/>
+            <a:ln>
+              <a:noFill/>
+            </a:ln>
+          </p:spPr>
+        </p:sp>
+        <p:sp>
+          <p:nvSpPr>
+            <p:cNvPr id="16" name="Freeform 32"/>
+            <p:cNvSpPr/>
+            <p:nvPr/>
+          </p:nvSpPr>
+          <p:spPr bwMode="auto">
+            <a:xfrm>
+              <a:off x="7526338" y="5640388"/>
+              <a:ext cx="111125" cy="233363"/>
+            </a:xfrm>
+            <a:custGeom>
+              <a:avLst/>
+              <a:gdLst/>
+              <a:ahLst/>
+              <a:cxnLst/>
+              <a:rect l="0" t="0" r="r" b="b"/>
+              <a:pathLst>
+                <a:path w="28" h="59">
+                  <a:moveTo>
+                    <a:pt x="22" y="59"/>
+                  </a:moveTo>
+                  <a:cubicBezTo>
+                    <a:pt x="28" y="59"/>
+                    <a:pt x="28" y="59"/>
+                    <a:pt x="28" y="59"/>
+                  </a:cubicBezTo>
+                  <a:cubicBezTo>
+                    <a:pt x="18" y="40"/>
+                    <a:pt x="9" y="20"/>
+                    <a:pt x="0" y="0"/>
+                  </a:cubicBezTo>
+                  <a:cubicBezTo>
+                    <a:pt x="6" y="20"/>
+                    <a:pt x="13" y="40"/>
+                    <a:pt x="22" y="59"/>
+                  </a:cubicBezTo>
+                  <a:close/>
+                </a:path>
+              </a:pathLst>
+            </a:custGeom>
+            <a:grpFill/>
+            <a:ln>
+              <a:noFill/>
+            </a:ln>
+          </p:spPr>
+        </p:sp>
+        <p:sp>
+          <p:nvSpPr>
+            <p:cNvPr id="17" name="Freeform 33"/>
+            <p:cNvSpPr/>
+            <p:nvPr/>
+          </p:nvSpPr>
+          <p:spPr bwMode="auto">
+            <a:xfrm>
+              <a:off x="7021513" y="3598863"/>
+              <a:ext cx="68263" cy="423863"/>
+            </a:xfrm>
+            <a:custGeom>
+              <a:avLst/>
+              <a:gdLst/>
+              <a:ahLst/>
+              <a:cxnLst/>
+              <a:rect l="0" t="0" r="r" b="b"/>
+              <a:pathLst>
+                <a:path w="17" h="107">
+                  <a:moveTo>
+                    <a:pt x="4" y="54"/>
+                  </a:moveTo>
+                  <a:cubicBezTo>
+                    <a:pt x="8" y="72"/>
+                    <a:pt x="13" y="89"/>
+                    <a:pt x="17" y="107"/>
+                  </a:cubicBezTo>
+                  <a:cubicBezTo>
+                    <a:pt x="14" y="86"/>
+                    <a:pt x="12" y="65"/>
+                    <a:pt x="10" y="44"/>
+                  </a:cubicBezTo>
+                  <a:cubicBezTo>
+                    <a:pt x="10" y="44"/>
+                    <a:pt x="9" y="43"/>
+                    <a:pt x="9" y="43"/>
+                  </a:cubicBezTo>
+                  <a:cubicBezTo>
+                    <a:pt x="6" y="29"/>
+                    <a:pt x="3" y="14"/>
+                    <a:pt x="0" y="0"/>
+                  </a:cubicBezTo>
+                  <a:cubicBezTo>
+                    <a:pt x="0" y="2"/>
+                    <a:pt x="0" y="5"/>
+                    <a:pt x="0" y="8"/>
+                  </a:cubicBezTo>
+                  <a:cubicBezTo>
+                    <a:pt x="1" y="23"/>
+                    <a:pt x="3" y="39"/>
+                    <a:pt x="4" y="54"/>
+                  </a:cubicBezTo>
+                  <a:close/>
+                </a:path>
+              </a:pathLst>
+            </a:custGeom>
+            <a:grpFill/>
+            <a:ln>
+              <a:noFill/>
+            </a:ln>
+          </p:spPr>
+        </p:sp>
+        <p:sp>
+          <p:nvSpPr>
+            <p:cNvPr id="18" name="Freeform 34"/>
+            <p:cNvSpPr/>
+            <p:nvPr/>
+          </p:nvSpPr>
+          <p:spPr bwMode="auto">
+            <a:xfrm>
+              <a:off x="7412038" y="2801938"/>
+              <a:ext cx="1168400" cy="2251075"/>
+            </a:xfrm>
+            <a:custGeom>
+              <a:avLst/>
+              <a:gdLst/>
+              <a:ahLst/>
+              <a:cxnLst/>
+              <a:rect l="0" t="0" r="r" b="b"/>
+              <a:pathLst>
+                <a:path w="294" h="568">
+                  <a:moveTo>
+                    <a:pt x="8" y="553"/>
+                  </a:moveTo>
+                  <a:cubicBezTo>
+                    <a:pt x="9" y="501"/>
+                    <a:pt x="19" y="448"/>
+                    <a:pt x="35" y="397"/>
+                  </a:cubicBezTo>
+                  <a:cubicBezTo>
+                    <a:pt x="51" y="347"/>
+                    <a:pt x="73" y="298"/>
+                    <a:pt x="99" y="252"/>
+                  </a:cubicBezTo>
+                  <a:cubicBezTo>
+                    <a:pt x="124" y="205"/>
+                    <a:pt x="154" y="161"/>
+                    <a:pt x="187" y="119"/>
+                  </a:cubicBezTo>
+                  <a:cubicBezTo>
+                    <a:pt x="203" y="98"/>
+                    <a:pt x="220" y="77"/>
+                    <a:pt x="238" y="58"/>
+                  </a:cubicBezTo>
+                  <a:cubicBezTo>
+                    <a:pt x="247" y="48"/>
+                    <a:pt x="256" y="38"/>
+                    <a:pt x="265" y="28"/>
+                  </a:cubicBezTo>
+                  <a:cubicBezTo>
+                    <a:pt x="274" y="19"/>
+                    <a:pt x="284" y="9"/>
+                    <a:pt x="294" y="0"/>
+                  </a:cubicBezTo>
+                  <a:cubicBezTo>
+                    <a:pt x="293" y="0"/>
+                    <a:pt x="293" y="0"/>
+                    <a:pt x="293" y="0"/>
+                  </a:cubicBezTo>
+                  <a:cubicBezTo>
+                    <a:pt x="283" y="9"/>
+                    <a:pt x="273" y="18"/>
+                    <a:pt x="264" y="27"/>
+                  </a:cubicBezTo>
+                  <a:cubicBezTo>
+                    <a:pt x="255" y="37"/>
+                    <a:pt x="246" y="47"/>
+                    <a:pt x="237" y="56"/>
+                  </a:cubicBezTo>
+                  <a:cubicBezTo>
+                    <a:pt x="218" y="76"/>
+                    <a:pt x="201" y="96"/>
+                    <a:pt x="185" y="117"/>
+                  </a:cubicBezTo>
+                  <a:cubicBezTo>
+                    <a:pt x="151" y="159"/>
+                    <a:pt x="121" y="203"/>
+                    <a:pt x="95" y="249"/>
+                  </a:cubicBezTo>
+                  <a:cubicBezTo>
+                    <a:pt x="68" y="296"/>
+                    <a:pt x="46" y="345"/>
+                    <a:pt x="30" y="396"/>
+                  </a:cubicBezTo>
+                  <a:cubicBezTo>
+                    <a:pt x="13" y="445"/>
+                    <a:pt x="3" y="497"/>
+                    <a:pt x="0" y="549"/>
+                  </a:cubicBezTo>
+                  <a:cubicBezTo>
+                    <a:pt x="3" y="555"/>
+                    <a:pt x="5" y="561"/>
+                    <a:pt x="7" y="568"/>
+                  </a:cubicBezTo>
+                  <a:cubicBezTo>
+                    <a:pt x="7" y="563"/>
+                    <a:pt x="7" y="558"/>
+                    <a:pt x="8" y="553"/>
+                  </a:cubicBezTo>
+                  <a:close/>
+                </a:path>
+              </a:pathLst>
+            </a:custGeom>
+            <a:grpFill/>
+            <a:ln>
+              <a:noFill/>
+            </a:ln>
+          </p:spPr>
+        </p:sp>
+        <p:sp>
+          <p:nvSpPr>
+            <p:cNvPr id="19" name="Freeform 35"/>
+            <p:cNvSpPr/>
+            <p:nvPr/>
+          </p:nvSpPr>
+          <p:spPr bwMode="auto">
+            <a:xfrm>
+              <a:off x="7494588" y="5664200"/>
+              <a:ext cx="100013" cy="209550"/>
+            </a:xfrm>
+            <a:custGeom>
+              <a:avLst/>
+              <a:gdLst/>
+              <a:ahLst/>
+              <a:cxnLst/>
+              <a:rect l="0" t="0" r="r" b="b"/>
+              <a:pathLst>
+                <a:path w="25" h="53">
+                  <a:moveTo>
+                    <a:pt x="0" y="0"/>
+                  </a:moveTo>
+                  <a:cubicBezTo>
+                    <a:pt x="5" y="18"/>
+                    <a:pt x="12" y="36"/>
+                    <a:pt x="19" y="53"/>
+                  </a:cubicBezTo>
+                  <a:cubicBezTo>
+                    <a:pt x="25" y="53"/>
+                    <a:pt x="25" y="53"/>
+                    <a:pt x="25" y="53"/>
+                  </a:cubicBezTo>
+                  <a:cubicBezTo>
+                    <a:pt x="16" y="36"/>
+                    <a:pt x="8" y="18"/>
+                    <a:pt x="0" y="0"/>
+                  </a:cubicBezTo>
+                  <a:close/>
+                </a:path>
+              </a:pathLst>
+            </a:custGeom>
+            <a:grpFill/>
+            <a:ln>
+              <a:noFill/>
+            </a:ln>
+          </p:spPr>
+        </p:sp>
+        <p:sp>
+          <p:nvSpPr>
+            <p:cNvPr id="20" name="Freeform 36"/>
+            <p:cNvSpPr/>
+            <p:nvPr/>
+          </p:nvSpPr>
+          <p:spPr bwMode="auto">
+            <a:xfrm>
+              <a:off x="7412038" y="5081588"/>
+              <a:ext cx="114300" cy="558800"/>
+            </a:xfrm>
+            <a:custGeom>
+              <a:avLst/>
+              <a:gdLst/>
+              <a:ahLst/>
+              <a:cxnLst/>
+              <a:rect l="0" t="0" r="r" b="b"/>
+              <a:pathLst>
+                <a:path w="29" h="141">
+                  <a:moveTo>
+                    <a:pt x="0" y="0"/>
+                  </a:moveTo>
+                  <a:cubicBezTo>
+                    <a:pt x="0" y="30"/>
+                    <a:pt x="2" y="60"/>
+                    <a:pt x="7" y="89"/>
+                  </a:cubicBezTo>
+                  <a:cubicBezTo>
+                    <a:pt x="11" y="98"/>
+                    <a:pt x="14" y="108"/>
+                    <a:pt x="18" y="117"/>
+                  </a:cubicBezTo>
+                  <a:cubicBezTo>
+                    <a:pt x="22" y="125"/>
+                    <a:pt x="25" y="133"/>
+                    <a:pt x="29" y="141"/>
+                  </a:cubicBezTo>
+                  <a:cubicBezTo>
+                    <a:pt x="28" y="139"/>
+                    <a:pt x="28" y="137"/>
+                    <a:pt x="27" y="135"/>
+                  </a:cubicBezTo>
+                  <a:cubicBezTo>
+                    <a:pt x="16" y="98"/>
+                    <a:pt x="10" y="60"/>
+                    <a:pt x="8" y="22"/>
+                  </a:cubicBezTo>
+                  <a:cubicBezTo>
+                    <a:pt x="7" y="18"/>
+                    <a:pt x="5" y="15"/>
+                    <a:pt x="4" y="11"/>
+                  </a:cubicBezTo>
+                  <a:cubicBezTo>
+                    <a:pt x="2" y="7"/>
+                    <a:pt x="1" y="3"/>
+                    <a:pt x="0" y="0"/>
+                  </a:cubicBezTo>
+                  <a:close/>
+                </a:path>
+              </a:pathLst>
+            </a:custGeom>
+            <a:grpFill/>
+            <a:ln>
+              <a:noFill/>
+            </a:ln>
+          </p:spPr>
+        </p:sp>
+        <p:sp>
+          <p:nvSpPr>
+            <p:cNvPr id="21" name="Freeform 37"/>
+            <p:cNvSpPr/>
+            <p:nvPr/>
+          </p:nvSpPr>
+          <p:spPr bwMode="auto">
+            <a:xfrm>
+              <a:off x="7412038" y="4978400"/>
+              <a:ext cx="31750" cy="188913"/>
+            </a:xfrm>
+            <a:custGeom>
+              <a:avLst/>
+              <a:gdLst/>
+              <a:ahLst/>
+              <a:cxnLst/>
+              <a:rect l="0" t="0" r="r" b="b"/>
+              <a:pathLst>
+                <a:path w="8" h="48">
+                  <a:moveTo>
+                    <a:pt x="0" y="26"/>
+                  </a:moveTo>
+                  <a:cubicBezTo>
+                    <a:pt x="1" y="29"/>
+                    <a:pt x="2" y="33"/>
+                    <a:pt x="4" y="37"/>
+                  </a:cubicBezTo>
+                  <a:cubicBezTo>
+                    <a:pt x="5" y="41"/>
+                    <a:pt x="7" y="44"/>
+                    <a:pt x="8" y="48"/>
+                  </a:cubicBezTo>
+                  <a:cubicBezTo>
+                    <a:pt x="7" y="38"/>
+                    <a:pt x="7" y="28"/>
+                    <a:pt x="7" y="19"/>
+                  </a:cubicBezTo>
+                  <a:cubicBezTo>
+                    <a:pt x="5" y="12"/>
+                    <a:pt x="3" y="6"/>
+                    <a:pt x="0" y="0"/>
+                  </a:cubicBezTo>
+                  <a:cubicBezTo>
+                    <a:pt x="0" y="1"/>
+                    <a:pt x="0" y="3"/>
+                    <a:pt x="0" y="4"/>
+                  </a:cubicBezTo>
+                  <a:cubicBezTo>
+                    <a:pt x="0" y="11"/>
+                    <a:pt x="0" y="19"/>
+                    <a:pt x="0" y="26"/>
+                  </a:cubicBezTo>
+                  <a:close/>
+                </a:path>
+              </a:pathLst>
+            </a:custGeom>
+            <a:grpFill/>
+            <a:ln>
+              <a:noFill/>
+            </a:ln>
+          </p:spPr>
+        </p:sp>
+        <p:sp>
+          <p:nvSpPr>
+            <p:cNvPr id="22" name="Freeform 38"/>
+            <p:cNvSpPr/>
+            <p:nvPr/>
+          </p:nvSpPr>
+          <p:spPr bwMode="auto">
+            <a:xfrm>
+              <a:off x="7439026" y="5434013"/>
+              <a:ext cx="174625" cy="439738"/>
+            </a:xfrm>
+            <a:custGeom>
+              <a:avLst/>
+              <a:gdLst/>
+              <a:ahLst/>
+              <a:cxnLst/>
+              <a:rect l="0" t="0" r="r" b="b"/>
+              <a:pathLst>
+                <a:path w="44" h="111">
+                  <a:moveTo>
+                    <a:pt x="11" y="28"/>
+                  </a:moveTo>
+                  <a:cubicBezTo>
+                    <a:pt x="7" y="19"/>
+                    <a:pt x="4" y="9"/>
+                    <a:pt x="0" y="0"/>
+                  </a:cubicBezTo>
+                  <a:cubicBezTo>
+                    <a:pt x="3" y="16"/>
+                    <a:pt x="7" y="33"/>
+                    <a:pt x="11" y="49"/>
+                  </a:cubicBezTo>
+                  <a:cubicBezTo>
+                    <a:pt x="12" y="52"/>
+                    <a:pt x="13" y="55"/>
+                    <a:pt x="14" y="58"/>
+                  </a:cubicBezTo>
+                  <a:cubicBezTo>
+                    <a:pt x="22" y="76"/>
+                    <a:pt x="30" y="94"/>
+                    <a:pt x="39" y="111"/>
+                  </a:cubicBezTo>
+                  <a:cubicBezTo>
+                    <a:pt x="44" y="111"/>
+                    <a:pt x="44" y="111"/>
+                    <a:pt x="44" y="111"/>
+                  </a:cubicBezTo>
+                  <a:cubicBezTo>
+                    <a:pt x="35" y="92"/>
+                    <a:pt x="28" y="72"/>
+                    <a:pt x="22" y="52"/>
+                  </a:cubicBezTo>
+                  <a:cubicBezTo>
+                    <a:pt x="18" y="44"/>
+                    <a:pt x="15" y="36"/>
+                    <a:pt x="11" y="28"/>
+                  </a:cubicBezTo>
+                  <a:close/>
+                </a:path>
+              </a:pathLst>
+            </a:custGeom>
+            <a:grpFill/>
+            <a:ln>
+              <a:noFill/>
+            </a:ln>
+          </p:spPr>
+        </p:sp>
+      </p:grpSp>
+      <p:sp>
+        <p:nvSpPr>
+          <p:cNvPr id="7" name="Rectangle 6"/>
+          <p:cNvSpPr/>
+          <p:nvPr/>
         </p:nvSpPr>
         <p:spPr>
           <a:xfrm>
-            <a:off x="838200" y="365125"/>
-            <a:ext cx="10515600" cy="1325563"/>
+            <a:off x="0" y="0"/>
+            <a:ext cx="182880" cy="6858000"/>
+          </a:xfrm>
+          <a:prstGeom prst="rect">
+            <a:avLst/>
+          </a:prstGeom>
+          <a:solidFill>
+            <a:schemeClr val="accent1"/>
+          </a:solidFill>
+          <a:ln>
+            <a:noFill/>
+          </a:ln>
+          <a:effectLst/>
+        </p:spPr>
+        <p:style>
+          <a:lnRef idx="1">
+            <a:schemeClr val="accent1"/>
+          </a:lnRef>
+          <a:fillRef idx="3">
+            <a:schemeClr val="accent1"/>
+          </a:fillRef>
+          <a:effectRef idx="2">
+            <a:schemeClr val="accent1"/>
+          </a:effectRef>
+          <a:fontRef idx="minor">
+            <a:schemeClr val="lt1"/>
+          </a:fontRef>
+        </p:style>
+      </p:sp>
+      <p:sp>
+        <p:nvSpPr>
+          <p:cNvPr id="2" name="Title Placeholder 1"/>
+          <p:cNvSpPr>
+            <a:spLocks noGrp="1"/>
+          </p:cNvSpPr>
+          <p:nvPr>
+            <p:ph type="title"/>
+          </p:nvPr>
+        </p:nvSpPr>
+        <p:spPr>
+          <a:xfrm>
+            <a:off x="2592924" y="624110"/>
+            <a:ext cx="8911687" cy="1280890"/>
           </a:xfrm>
           <a:prstGeom prst="rect">
             <a:avLst/>
           </a:prstGeom>
         </p:spPr>
         <p:txBody>
-          <a:bodyPr vert="horz" lIns="91440" tIns="45720" rIns="91440" bIns="45720" rtlCol="0" anchor="ctr">
+          <a:bodyPr vert="horz" lIns="91440" tIns="45720" rIns="91440" bIns="45720" rtlCol="0" anchor="t">
             <a:normAutofit/>
           </a:bodyPr>
           <a:lstStyle/>
@@ -2990,19 +7647,13 @@
               <a:rPr lang="en-US"/>
               <a:t>Click to edit Master title style</a:t>
             </a:r>
-            <a:endParaRPr lang="en-AU"/>
-          </a:p>
-        </p:txBody>
-      </p:sp>
-      <p:sp>
-        <p:nvSpPr>
-          <p:cNvPr id="3" name="Text Placeholder 2">
-            <a:extLst>
-              <a:ext uri="{FF2B5EF4-FFF2-40B4-BE49-F238E27FC236}">
-                <a16:creationId xmlns:a16="http://schemas.microsoft.com/office/drawing/2014/main" id="{9FABE7C8-D648-4CDE-97AA-194202D9ED73}"/>
-              </a:ext>
-            </a:extLst>
-          </p:cNvPr>
+            <a:endParaRPr lang="en-US" dirty="0"/>
+          </a:p>
+        </p:txBody>
+      </p:sp>
+      <p:sp>
+        <p:nvSpPr>
+          <p:cNvPr id="3" name="Text Placeholder 2"/>
           <p:cNvSpPr>
             <a:spLocks noGrp="1"/>
           </p:cNvSpPr>
@@ -3012,8 +7663,8 @@
         </p:nvSpPr>
         <p:spPr>
           <a:xfrm>
-            <a:off x="838200" y="1825625"/>
-            <a:ext cx="10515600" cy="4351338"/>
+            <a:off x="2589212" y="2133600"/>
+            <a:ext cx="8915400" cy="3886200"/>
           </a:xfrm>
           <a:prstGeom prst="rect">
             <a:avLst/>
@@ -3058,19 +7709,13 @@
               <a:rPr lang="en-US"/>
               <a:t>Fifth level</a:t>
             </a:r>
-            <a:endParaRPr lang="en-AU"/>
-          </a:p>
-        </p:txBody>
-      </p:sp>
-      <p:sp>
-        <p:nvSpPr>
-          <p:cNvPr id="4" name="Date Placeholder 3">
-            <a:extLst>
-              <a:ext uri="{FF2B5EF4-FFF2-40B4-BE49-F238E27FC236}">
-                <a16:creationId xmlns:a16="http://schemas.microsoft.com/office/drawing/2014/main" id="{B2D7C3A7-0C02-4AC4-8436-33E9A3B38BD9}"/>
-              </a:ext>
-            </a:extLst>
-          </p:cNvPr>
+            <a:endParaRPr lang="en-US" dirty="0"/>
+          </a:p>
+        </p:txBody>
+      </p:sp>
+      <p:sp>
+        <p:nvSpPr>
+          <p:cNvPr id="4" name="Date Placeholder 3"/>
           <p:cNvSpPr>
             <a:spLocks noGrp="1"/>
           </p:cNvSpPr>
@@ -3080,8 +7725,8 @@
         </p:nvSpPr>
         <p:spPr>
           <a:xfrm>
-            <a:off x="838200" y="6356350"/>
-            <a:ext cx="2743200" cy="365125"/>
+            <a:off x="10361612" y="6130437"/>
+            <a:ext cx="1146283" cy="370396"/>
           </a:xfrm>
           <a:prstGeom prst="rect">
             <a:avLst/>
@@ -3090,8 +7735,8 @@
         <p:txBody>
           <a:bodyPr vert="horz" lIns="91440" tIns="45720" rIns="91440" bIns="45720" rtlCol="0" anchor="ctr"/>
           <a:lstStyle>
-            <a:lvl1pPr algn="l">
-              <a:defRPr sz="1200">
+            <a:lvl1pPr algn="r">
+              <a:defRPr sz="900">
                 <a:solidFill>
                   <a:schemeClr val="tx1">
                     <a:tint val="75000"/>
@@ -3111,13 +7756,7 @@
       </p:sp>
       <p:sp>
         <p:nvSpPr>
-          <p:cNvPr id="5" name="Footer Placeholder 4">
-            <a:extLst>
-              <a:ext uri="{FF2B5EF4-FFF2-40B4-BE49-F238E27FC236}">
-                <a16:creationId xmlns:a16="http://schemas.microsoft.com/office/drawing/2014/main" id="{D57A7E04-D4CD-4364-B31A-A85EC39D8DB8}"/>
-              </a:ext>
-            </a:extLst>
-          </p:cNvPr>
+          <p:cNvPr id="5" name="Footer Placeholder 4"/>
           <p:cNvSpPr>
             <a:spLocks noGrp="1"/>
           </p:cNvSpPr>
@@ -3127,8 +7766,8 @@
         </p:nvSpPr>
         <p:spPr>
           <a:xfrm>
-            <a:off x="4038600" y="6356350"/>
-            <a:ext cx="4114800" cy="365125"/>
+            <a:off x="2589212" y="6135808"/>
+            <a:ext cx="7619999" cy="365125"/>
           </a:xfrm>
           <a:prstGeom prst="rect">
             <a:avLst/>
@@ -3137,8 +7776,8 @@
         <p:txBody>
           <a:bodyPr vert="horz" lIns="91440" tIns="45720" rIns="91440" bIns="45720" rtlCol="0" anchor="ctr"/>
           <a:lstStyle>
-            <a:lvl1pPr algn="ctr">
-              <a:defRPr sz="1200">
+            <a:lvl1pPr algn="l">
+              <a:defRPr sz="900">
                 <a:solidFill>
                   <a:schemeClr val="tx1">
                     <a:tint val="75000"/>
@@ -3154,13 +7793,7 @@
       </p:sp>
       <p:sp>
         <p:nvSpPr>
-          <p:cNvPr id="6" name="Slide Number Placeholder 5">
-            <a:extLst>
-              <a:ext uri="{FF2B5EF4-FFF2-40B4-BE49-F238E27FC236}">
-                <a16:creationId xmlns:a16="http://schemas.microsoft.com/office/drawing/2014/main" id="{602C2A1D-AF1D-4E4A-8F1A-962ED7E3885E}"/>
-              </a:ext>
-            </a:extLst>
-          </p:cNvPr>
+          <p:cNvPr id="6" name="Slide Number Placeholder 5"/>
           <p:cNvSpPr>
             <a:spLocks noGrp="1"/>
           </p:cNvSpPr>
@@ -3168,10 +7801,10 @@
             <p:ph type="sldNum" sz="quarter" idx="4"/>
           </p:nvPr>
         </p:nvSpPr>
-        <p:spPr>
+        <p:spPr bwMode="gray">
           <a:xfrm>
-            <a:off x="8610600" y="6356350"/>
-            <a:ext cx="2743200" cy="365125"/>
+            <a:off x="531812" y="787782"/>
+            <a:ext cx="779767" cy="365125"/>
           </a:xfrm>
           <a:prstGeom prst="rect">
             <a:avLst/>
@@ -3181,11 +7814,9 @@
           <a:bodyPr vert="horz" lIns="91440" tIns="45720" rIns="91440" bIns="45720" rtlCol="0" anchor="ctr"/>
           <a:lstStyle>
             <a:lvl1pPr algn="r">
-              <a:defRPr sz="1200">
+              <a:defRPr sz="2000">
                 <a:solidFill>
-                  <a:schemeClr val="tx1">
-                    <a:tint val="75000"/>
-                  </a:schemeClr>
+                  <a:srgbClr val="FEFFFF"/>
                 </a:solidFill>
               </a:defRPr>
             </a:lvl1pPr>
@@ -3202,201 +7833,316 @@
     </p:spTree>
     <p:extLst>
       <p:ext uri="{BB962C8B-B14F-4D97-AF65-F5344CB8AC3E}">
-        <p14:creationId xmlns:p14="http://schemas.microsoft.com/office/powerpoint/2010/main" val="2666438778"/>
+        <p14:creationId xmlns:p14="http://schemas.microsoft.com/office/powerpoint/2010/main" val="1487053565"/>
       </p:ext>
     </p:extLst>
   </p:cSld>
-  <p:clrMap bg1="lt1" tx1="dk1" bg2="lt2" tx2="dk2" accent1="accent1" accent2="accent2" accent3="accent3" accent4="accent4" accent5="accent5" accent6="accent6" hlink="hlink" folHlink="folHlink"/>
+  <p:clrMap bg1="dk1" tx1="lt1" bg2="dk2" tx2="lt2" accent1="accent1" accent2="accent2" accent3="accent3" accent4="accent4" accent5="accent5" accent6="accent6" hlink="hlink" folHlink="folHlink"/>
   <p:sldLayoutIdLst>
-    <p:sldLayoutId id="2147483649" r:id="rId1"/>
-    <p:sldLayoutId id="2147483650" r:id="rId2"/>
-    <p:sldLayoutId id="2147483651" r:id="rId3"/>
-    <p:sldLayoutId id="2147483652" r:id="rId4"/>
-    <p:sldLayoutId id="2147483653" r:id="rId5"/>
-    <p:sldLayoutId id="2147483654" r:id="rId6"/>
-    <p:sldLayoutId id="2147483655" r:id="rId7"/>
-    <p:sldLayoutId id="2147483656" r:id="rId8"/>
-    <p:sldLayoutId id="2147483657" r:id="rId9"/>
-    <p:sldLayoutId id="2147483658" r:id="rId10"/>
-    <p:sldLayoutId id="2147483659" r:id="rId11"/>
+    <p:sldLayoutId id="2147483774" r:id="rId1"/>
+    <p:sldLayoutId id="2147483775" r:id="rId2"/>
+    <p:sldLayoutId id="2147483776" r:id="rId3"/>
+    <p:sldLayoutId id="2147483777" r:id="rId4"/>
+    <p:sldLayoutId id="2147483778" r:id="rId5"/>
+    <p:sldLayoutId id="2147483779" r:id="rId6"/>
+    <p:sldLayoutId id="2147483780" r:id="rId7"/>
+    <p:sldLayoutId id="2147483781" r:id="rId8"/>
+    <p:sldLayoutId id="2147483782" r:id="rId9"/>
+    <p:sldLayoutId id="2147483783" r:id="rId10"/>
+    <p:sldLayoutId id="2147483784" r:id="rId11"/>
+    <p:sldLayoutId id="2147483785" r:id="rId12"/>
+    <p:sldLayoutId id="2147483786" r:id="rId13"/>
+    <p:sldLayoutId id="2147483787" r:id="rId14"/>
+    <p:sldLayoutId id="2147483788" r:id="rId15"/>
+    <p:sldLayoutId id="2147483789" r:id="rId16"/>
   </p:sldLayoutIdLst>
   <p:txStyles>
     <p:titleStyle>
-      <a:lvl1pPr algn="l" defTabSz="914400" rtl="0" eaLnBrk="1" latinLnBrk="0" hangingPunct="1">
-        <a:lnSpc>
-          <a:spcPct val="90000"/>
-        </a:lnSpc>
+      <a:lvl1pPr algn="l" defTabSz="457200" rtl="0" eaLnBrk="1" latinLnBrk="0" hangingPunct="1">
         <a:spcBef>
           <a:spcPct val="0"/>
         </a:spcBef>
         <a:buNone/>
-        <a:defRPr sz="4400" kern="1200">
+        <a:defRPr sz="3600" kern="1200">
           <a:solidFill>
-            <a:schemeClr val="tx1"/>
+            <a:schemeClr val="tx1">
+              <a:lumMod val="85000"/>
+              <a:lumOff val="15000"/>
+            </a:schemeClr>
           </a:solidFill>
           <a:latin typeface="+mj-lt"/>
           <a:ea typeface="+mj-ea"/>
           <a:cs typeface="+mj-cs"/>
         </a:defRPr>
       </a:lvl1pPr>
+      <a:lvl2pPr eaLnBrk="1" hangingPunct="1">
+        <a:defRPr>
+          <a:solidFill>
+            <a:schemeClr val="tx2"/>
+          </a:solidFill>
+        </a:defRPr>
+      </a:lvl2pPr>
+      <a:lvl3pPr eaLnBrk="1" hangingPunct="1">
+        <a:defRPr>
+          <a:solidFill>
+            <a:schemeClr val="tx2"/>
+          </a:solidFill>
+        </a:defRPr>
+      </a:lvl3pPr>
+      <a:lvl4pPr eaLnBrk="1" hangingPunct="1">
+        <a:defRPr>
+          <a:solidFill>
+            <a:schemeClr val="tx2"/>
+          </a:solidFill>
+        </a:defRPr>
+      </a:lvl4pPr>
+      <a:lvl5pPr eaLnBrk="1" hangingPunct="1">
+        <a:defRPr>
+          <a:solidFill>
+            <a:schemeClr val="tx2"/>
+          </a:solidFill>
+        </a:defRPr>
+      </a:lvl5pPr>
+      <a:lvl6pPr eaLnBrk="1" hangingPunct="1">
+        <a:defRPr>
+          <a:solidFill>
+            <a:schemeClr val="tx2"/>
+          </a:solidFill>
+        </a:defRPr>
+      </a:lvl6pPr>
+      <a:lvl7pPr eaLnBrk="1" hangingPunct="1">
+        <a:defRPr>
+          <a:solidFill>
+            <a:schemeClr val="tx2"/>
+          </a:solidFill>
+        </a:defRPr>
+      </a:lvl7pPr>
+      <a:lvl8pPr eaLnBrk="1" hangingPunct="1">
+        <a:defRPr>
+          <a:solidFill>
+            <a:schemeClr val="tx2"/>
+          </a:solidFill>
+        </a:defRPr>
+      </a:lvl8pPr>
+      <a:lvl9pPr eaLnBrk="1" hangingPunct="1">
+        <a:defRPr>
+          <a:solidFill>
+            <a:schemeClr val="tx2"/>
+          </a:solidFill>
+        </a:defRPr>
+      </a:lvl9pPr>
     </p:titleStyle>
     <p:bodyStyle>
-      <a:lvl1pPr marL="228600" indent="-228600" algn="l" defTabSz="914400" rtl="0" eaLnBrk="1" latinLnBrk="0" hangingPunct="1">
-        <a:lnSpc>
-          <a:spcPct val="90000"/>
-        </a:lnSpc>
+      <a:lvl1pPr marL="342900" indent="-342900" algn="l" defTabSz="457200" rtl="0" eaLnBrk="1" latinLnBrk="0" hangingPunct="1">
         <a:spcBef>
           <a:spcPts val="1000"/>
         </a:spcBef>
-        <a:buFont typeface="Arial" panose="020B0604020202020204" pitchFamily="34" charset="0"/>
-        <a:buChar char="•"/>
-        <a:defRPr sz="2800" kern="1200">
+        <a:spcAft>
+          <a:spcPts val="0"/>
+        </a:spcAft>
+        <a:buClr>
+          <a:schemeClr val="accent1"/>
+        </a:buClr>
+        <a:buFont typeface="Wingdings 3" charset="2"/>
+        <a:buChar char=""/>
+        <a:defRPr sz="1800" kern="1200">
           <a:solidFill>
-            <a:schemeClr val="tx1"/>
+            <a:schemeClr val="tx1">
+              <a:lumMod val="75000"/>
+              <a:lumOff val="25000"/>
+            </a:schemeClr>
           </a:solidFill>
           <a:latin typeface="+mn-lt"/>
           <a:ea typeface="+mn-ea"/>
           <a:cs typeface="+mn-cs"/>
         </a:defRPr>
       </a:lvl1pPr>
-      <a:lvl2pPr marL="685800" indent="-228600" algn="l" defTabSz="914400" rtl="0" eaLnBrk="1" latinLnBrk="0" hangingPunct="1">
-        <a:lnSpc>
-          <a:spcPct val="90000"/>
-        </a:lnSpc>
+      <a:lvl2pPr marL="742950" indent="-285750" algn="l" defTabSz="457200" rtl="0" eaLnBrk="1" latinLnBrk="0" hangingPunct="1">
         <a:spcBef>
-          <a:spcPts val="500"/>
+          <a:spcPts val="1000"/>
         </a:spcBef>
-        <a:buFont typeface="Arial" panose="020B0604020202020204" pitchFamily="34" charset="0"/>
-        <a:buChar char="•"/>
-        <a:defRPr sz="2400" kern="1200">
+        <a:spcAft>
+          <a:spcPts val="0"/>
+        </a:spcAft>
+        <a:buClr>
+          <a:schemeClr val="accent1"/>
+        </a:buClr>
+        <a:buFont typeface="Wingdings 3" charset="2"/>
+        <a:buChar char=""/>
+        <a:defRPr sz="1600" kern="1200">
           <a:solidFill>
-            <a:schemeClr val="tx1"/>
+            <a:schemeClr val="tx1">
+              <a:lumMod val="75000"/>
+              <a:lumOff val="25000"/>
+            </a:schemeClr>
           </a:solidFill>
           <a:latin typeface="+mn-lt"/>
           <a:ea typeface="+mn-ea"/>
           <a:cs typeface="+mn-cs"/>
         </a:defRPr>
       </a:lvl2pPr>
-      <a:lvl3pPr marL="1143000" indent="-228600" algn="l" defTabSz="914400" rtl="0" eaLnBrk="1" latinLnBrk="0" hangingPunct="1">
-        <a:lnSpc>
-          <a:spcPct val="90000"/>
-        </a:lnSpc>
+      <a:lvl3pPr marL="1143000" indent="-228600" algn="l" defTabSz="457200" rtl="0" eaLnBrk="1" latinLnBrk="0" hangingPunct="1">
         <a:spcBef>
-          <a:spcPts val="500"/>
+          <a:spcPts val="1000"/>
         </a:spcBef>
-        <a:buFont typeface="Arial" panose="020B0604020202020204" pitchFamily="34" charset="0"/>
-        <a:buChar char="•"/>
-        <a:defRPr sz="2000" kern="1200">
+        <a:spcAft>
+          <a:spcPts val="0"/>
+        </a:spcAft>
+        <a:buClr>
+          <a:schemeClr val="accent1"/>
+        </a:buClr>
+        <a:buFont typeface="Wingdings 3" charset="2"/>
+        <a:buChar char=""/>
+        <a:defRPr sz="1400" kern="1200">
           <a:solidFill>
-            <a:schemeClr val="tx1"/>
+            <a:schemeClr val="tx1">
+              <a:lumMod val="75000"/>
+              <a:lumOff val="25000"/>
+            </a:schemeClr>
           </a:solidFill>
           <a:latin typeface="+mn-lt"/>
           <a:ea typeface="+mn-ea"/>
           <a:cs typeface="+mn-cs"/>
         </a:defRPr>
       </a:lvl3pPr>
-      <a:lvl4pPr marL="1600200" indent="-228600" algn="l" defTabSz="914400" rtl="0" eaLnBrk="1" latinLnBrk="0" hangingPunct="1">
-        <a:lnSpc>
-          <a:spcPct val="90000"/>
-        </a:lnSpc>
+      <a:lvl4pPr marL="1600200" indent="-228600" algn="l" defTabSz="457200" rtl="0" eaLnBrk="1" latinLnBrk="0" hangingPunct="1">
         <a:spcBef>
-          <a:spcPts val="500"/>
+          <a:spcPts val="1000"/>
         </a:spcBef>
-        <a:buFont typeface="Arial" panose="020B0604020202020204" pitchFamily="34" charset="0"/>
-        <a:buChar char="•"/>
-        <a:defRPr sz="1800" kern="1200">
+        <a:spcAft>
+          <a:spcPts val="0"/>
+        </a:spcAft>
+        <a:buClr>
+          <a:schemeClr val="accent1"/>
+        </a:buClr>
+        <a:buFont typeface="Wingdings 3" charset="2"/>
+        <a:buChar char=""/>
+        <a:defRPr sz="1200" kern="1200">
           <a:solidFill>
-            <a:schemeClr val="tx1"/>
+            <a:schemeClr val="tx1">
+              <a:lumMod val="75000"/>
+              <a:lumOff val="25000"/>
+            </a:schemeClr>
           </a:solidFill>
           <a:latin typeface="+mn-lt"/>
           <a:ea typeface="+mn-ea"/>
           <a:cs typeface="+mn-cs"/>
         </a:defRPr>
       </a:lvl4pPr>
-      <a:lvl5pPr marL="2057400" indent="-228600" algn="l" defTabSz="914400" rtl="0" eaLnBrk="1" latinLnBrk="0" hangingPunct="1">
-        <a:lnSpc>
-          <a:spcPct val="90000"/>
-        </a:lnSpc>
+      <a:lvl5pPr marL="2057400" indent="-228600" algn="l" defTabSz="457200" rtl="0" eaLnBrk="1" latinLnBrk="0" hangingPunct="1">
         <a:spcBef>
-          <a:spcPts val="500"/>
+          <a:spcPts val="1000"/>
         </a:spcBef>
-        <a:buFont typeface="Arial" panose="020B0604020202020204" pitchFamily="34" charset="0"/>
-        <a:buChar char="•"/>
-        <a:defRPr sz="1800" kern="1200">
+        <a:spcAft>
+          <a:spcPts val="0"/>
+        </a:spcAft>
+        <a:buClr>
+          <a:schemeClr val="accent1"/>
+        </a:buClr>
+        <a:buFont typeface="Wingdings 3" charset="2"/>
+        <a:buChar char=""/>
+        <a:defRPr sz="1200" kern="1200">
           <a:solidFill>
-            <a:schemeClr val="tx1"/>
+            <a:schemeClr val="tx1">
+              <a:lumMod val="75000"/>
+              <a:lumOff val="25000"/>
+            </a:schemeClr>
           </a:solidFill>
           <a:latin typeface="+mn-lt"/>
           <a:ea typeface="+mn-ea"/>
           <a:cs typeface="+mn-cs"/>
         </a:defRPr>
       </a:lvl5pPr>
-      <a:lvl6pPr marL="2514600" indent="-228600" algn="l" defTabSz="914400" rtl="0" eaLnBrk="1" latinLnBrk="0" hangingPunct="1">
-        <a:lnSpc>
-          <a:spcPct val="90000"/>
-        </a:lnSpc>
+      <a:lvl6pPr marL="2514600" indent="-228600" algn="l" defTabSz="457200" rtl="0" eaLnBrk="1" latinLnBrk="0" hangingPunct="1">
         <a:spcBef>
-          <a:spcPts val="500"/>
+          <a:spcPts val="1000"/>
         </a:spcBef>
-        <a:buFont typeface="Arial" panose="020B0604020202020204" pitchFamily="34" charset="0"/>
-        <a:buChar char="•"/>
-        <a:defRPr sz="1800" kern="1200">
+        <a:spcAft>
+          <a:spcPts val="0"/>
+        </a:spcAft>
+        <a:buClr>
+          <a:schemeClr val="accent1"/>
+        </a:buClr>
+        <a:buFont typeface="Wingdings 3" charset="2"/>
+        <a:buChar char=""/>
+        <a:defRPr sz="1200" kern="1200">
           <a:solidFill>
-            <a:schemeClr val="tx1"/>
+            <a:schemeClr val="tx1">
+              <a:lumMod val="75000"/>
+              <a:lumOff val="25000"/>
+            </a:schemeClr>
           </a:solidFill>
           <a:latin typeface="+mn-lt"/>
           <a:ea typeface="+mn-ea"/>
           <a:cs typeface="+mn-cs"/>
         </a:defRPr>
       </a:lvl6pPr>
-      <a:lvl7pPr marL="2971800" indent="-228600" algn="l" defTabSz="914400" rtl="0" eaLnBrk="1" latinLnBrk="0" hangingPunct="1">
-        <a:lnSpc>
-          <a:spcPct val="90000"/>
-        </a:lnSpc>
+      <a:lvl7pPr marL="2971800" indent="-228600" algn="l" defTabSz="457200" rtl="0" eaLnBrk="1" latinLnBrk="0" hangingPunct="1">
         <a:spcBef>
-          <a:spcPts val="500"/>
+          <a:spcPts val="1000"/>
         </a:spcBef>
-        <a:buFont typeface="Arial" panose="020B0604020202020204" pitchFamily="34" charset="0"/>
-        <a:buChar char="•"/>
-        <a:defRPr sz="1800" kern="1200">
+        <a:spcAft>
+          <a:spcPts val="0"/>
+        </a:spcAft>
+        <a:buClr>
+          <a:schemeClr val="accent1"/>
+        </a:buClr>
+        <a:buFont typeface="Wingdings 3" charset="2"/>
+        <a:buChar char=""/>
+        <a:defRPr sz="1200" kern="1200">
           <a:solidFill>
-            <a:schemeClr val="tx1"/>
+            <a:schemeClr val="tx1">
+              <a:lumMod val="75000"/>
+              <a:lumOff val="25000"/>
+            </a:schemeClr>
           </a:solidFill>
           <a:latin typeface="+mn-lt"/>
           <a:ea typeface="+mn-ea"/>
           <a:cs typeface="+mn-cs"/>
         </a:defRPr>
       </a:lvl7pPr>
-      <a:lvl8pPr marL="3429000" indent="-228600" algn="l" defTabSz="914400" rtl="0" eaLnBrk="1" latinLnBrk="0" hangingPunct="1">
-        <a:lnSpc>
-          <a:spcPct val="90000"/>
-        </a:lnSpc>
+      <a:lvl8pPr marL="3429000" indent="-228600" algn="l" defTabSz="457200" rtl="0" eaLnBrk="1" latinLnBrk="0" hangingPunct="1">
         <a:spcBef>
-          <a:spcPts val="500"/>
+          <a:spcPts val="1000"/>
         </a:spcBef>
-        <a:buFont typeface="Arial" panose="020B0604020202020204" pitchFamily="34" charset="0"/>
-        <a:buChar char="•"/>
-        <a:defRPr sz="1800" kern="1200">
+        <a:spcAft>
+          <a:spcPts val="0"/>
+        </a:spcAft>
+        <a:buClr>
+          <a:schemeClr val="accent1"/>
+        </a:buClr>
+        <a:buFont typeface="Wingdings 3" charset="2"/>
+        <a:buChar char=""/>
+        <a:defRPr sz="1200" kern="1200">
           <a:solidFill>
-            <a:schemeClr val="tx1"/>
+            <a:schemeClr val="tx1">
+              <a:lumMod val="75000"/>
+              <a:lumOff val="25000"/>
+            </a:schemeClr>
           </a:solidFill>
           <a:latin typeface="+mn-lt"/>
           <a:ea typeface="+mn-ea"/>
           <a:cs typeface="+mn-cs"/>
         </a:defRPr>
       </a:lvl8pPr>
-      <a:lvl9pPr marL="3886200" indent="-228600" algn="l" defTabSz="914400" rtl="0" eaLnBrk="1" latinLnBrk="0" hangingPunct="1">
-        <a:lnSpc>
-          <a:spcPct val="90000"/>
-        </a:lnSpc>
+      <a:lvl9pPr marL="3886200" indent="-228600" algn="l" defTabSz="457200" rtl="0" eaLnBrk="1" latinLnBrk="0" hangingPunct="1">
         <a:spcBef>
-          <a:spcPts val="500"/>
+          <a:spcPts val="1000"/>
         </a:spcBef>
-        <a:buFont typeface="Arial" panose="020B0604020202020204" pitchFamily="34" charset="0"/>
-        <a:buChar char="•"/>
-        <a:defRPr sz="1800" kern="1200">
+        <a:spcAft>
+          <a:spcPts val="0"/>
+        </a:spcAft>
+        <a:buClr>
+          <a:schemeClr val="accent1"/>
+        </a:buClr>
+        <a:buFont typeface="Wingdings 3" charset="2"/>
+        <a:buChar char=""/>
+        <a:defRPr sz="1200" kern="1200">
           <a:solidFill>
-            <a:schemeClr val="tx1"/>
+            <a:schemeClr val="tx1">
+              <a:lumMod val="75000"/>
+              <a:lumOff val="25000"/>
+            </a:schemeClr>
           </a:solidFill>
           <a:latin typeface="+mn-lt"/>
           <a:ea typeface="+mn-ea"/>
@@ -3408,7 +8154,7 @@
       <a:defPPr>
         <a:defRPr lang="en-US"/>
       </a:defPPr>
-      <a:lvl1pPr marL="0" algn="l" defTabSz="914400" rtl="0" eaLnBrk="1" latinLnBrk="0" hangingPunct="1">
+      <a:lvl1pPr marL="0" algn="l" defTabSz="457200" rtl="0" eaLnBrk="1" latinLnBrk="0" hangingPunct="1">
         <a:defRPr sz="1800" kern="1200">
           <a:solidFill>
             <a:schemeClr val="tx1"/>
@@ -3418,7 +8164,7 @@
           <a:cs typeface="+mn-cs"/>
         </a:defRPr>
       </a:lvl1pPr>
-      <a:lvl2pPr marL="457200" algn="l" defTabSz="914400" rtl="0" eaLnBrk="1" latinLnBrk="0" hangingPunct="1">
+      <a:lvl2pPr marL="457200" algn="l" defTabSz="457200" rtl="0" eaLnBrk="1" latinLnBrk="0" hangingPunct="1">
         <a:defRPr sz="1800" kern="1200">
           <a:solidFill>
             <a:schemeClr val="tx1"/>
@@ -3428,7 +8174,7 @@
           <a:cs typeface="+mn-cs"/>
         </a:defRPr>
       </a:lvl2pPr>
-      <a:lvl3pPr marL="914400" algn="l" defTabSz="914400" rtl="0" eaLnBrk="1" latinLnBrk="0" hangingPunct="1">
+      <a:lvl3pPr marL="914400" algn="l" defTabSz="457200" rtl="0" eaLnBrk="1" latinLnBrk="0" hangingPunct="1">
         <a:defRPr sz="1800" kern="1200">
           <a:solidFill>
             <a:schemeClr val="tx1"/>
@@ -3438,7 +8184,7 @@
           <a:cs typeface="+mn-cs"/>
         </a:defRPr>
       </a:lvl3pPr>
-      <a:lvl4pPr marL="1371600" algn="l" defTabSz="914400" rtl="0" eaLnBrk="1" latinLnBrk="0" hangingPunct="1">
+      <a:lvl4pPr marL="1371600" algn="l" defTabSz="457200" rtl="0" eaLnBrk="1" latinLnBrk="0" hangingPunct="1">
         <a:defRPr sz="1800" kern="1200">
           <a:solidFill>
             <a:schemeClr val="tx1"/>
@@ -3448,7 +8194,7 @@
           <a:cs typeface="+mn-cs"/>
         </a:defRPr>
       </a:lvl4pPr>
-      <a:lvl5pPr marL="1828800" algn="l" defTabSz="914400" rtl="0" eaLnBrk="1" latinLnBrk="0" hangingPunct="1">
+      <a:lvl5pPr marL="1828800" algn="l" defTabSz="457200" rtl="0" eaLnBrk="1" latinLnBrk="0" hangingPunct="1">
         <a:defRPr sz="1800" kern="1200">
           <a:solidFill>
             <a:schemeClr val="tx1"/>
@@ -3458,7 +8204,7 @@
           <a:cs typeface="+mn-cs"/>
         </a:defRPr>
       </a:lvl5pPr>
-      <a:lvl6pPr marL="2286000" algn="l" defTabSz="914400" rtl="0" eaLnBrk="1" latinLnBrk="0" hangingPunct="1">
+      <a:lvl6pPr marL="2286000" algn="l" defTabSz="457200" rtl="0" eaLnBrk="1" latinLnBrk="0" hangingPunct="1">
         <a:defRPr sz="1800" kern="1200">
           <a:solidFill>
             <a:schemeClr val="tx1"/>
@@ -3468,7 +8214,7 @@
           <a:cs typeface="+mn-cs"/>
         </a:defRPr>
       </a:lvl6pPr>
-      <a:lvl7pPr marL="2743200" algn="l" defTabSz="914400" rtl="0" eaLnBrk="1" latinLnBrk="0" hangingPunct="1">
+      <a:lvl7pPr marL="2743200" algn="l" defTabSz="457200" rtl="0" eaLnBrk="1" latinLnBrk="0" hangingPunct="1">
         <a:defRPr sz="1800" kern="1200">
           <a:solidFill>
             <a:schemeClr val="tx1"/>
@@ -3478,7 +8224,7 @@
           <a:cs typeface="+mn-cs"/>
         </a:defRPr>
       </a:lvl7pPr>
-      <a:lvl8pPr marL="3200400" algn="l" defTabSz="914400" rtl="0" eaLnBrk="1" latinLnBrk="0" hangingPunct="1">
+      <a:lvl8pPr marL="3200400" algn="l" defTabSz="457200" rtl="0" eaLnBrk="1" latinLnBrk="0" hangingPunct="1">
         <a:defRPr sz="1800" kern="1200">
           <a:solidFill>
             <a:schemeClr val="tx1"/>
@@ -3488,7 +8234,7 @@
           <a:cs typeface="+mn-cs"/>
         </a:defRPr>
       </a:lvl8pPr>
-      <a:lvl9pPr marL="3657600" algn="l" defTabSz="914400" rtl="0" eaLnBrk="1" latinLnBrk="0" hangingPunct="1">
+      <a:lvl9pPr marL="3657600" algn="l" defTabSz="457200" rtl="0" eaLnBrk="1" latinLnBrk="0" hangingPunct="1">
         <a:defRPr sz="1800" kern="1200">
           <a:solidFill>
             <a:schemeClr val="tx1"/>
@@ -3506,6 +8252,32 @@
 <file path=ppt/slides/slide1.xml><?xml version="1.0" encoding="utf-8"?>
 <p:sld xmlns:a="http://schemas.openxmlformats.org/drawingml/2006/main" xmlns:r="http://schemas.openxmlformats.org/officeDocument/2006/relationships" xmlns:p="http://schemas.openxmlformats.org/presentationml/2006/main">
   <p:cSld>
+    <p:bg>
+      <p:bgPr>
+        <a:gradFill rotWithShape="1">
+          <a:gsLst>
+            <a:gs pos="0">
+              <a:schemeClr val="bg2">
+                <a:tint val="90000"/>
+                <a:satMod val="92000"/>
+                <a:lumMod val="120000"/>
+              </a:schemeClr>
+            </a:gs>
+            <a:gs pos="100000">
+              <a:schemeClr val="bg2">
+                <a:shade val="98000"/>
+                <a:satMod val="120000"/>
+                <a:lumMod val="98000"/>
+              </a:schemeClr>
+            </a:gs>
+          </a:gsLst>
+          <a:path path="circle">
+            <a:fillToRect l="50000" t="50000" r="100000" b="100000"/>
+          </a:path>
+        </a:gradFill>
+        <a:effectLst/>
+      </p:bgPr>
+    </p:bg>
     <p:spTree>
       <p:nvGrpSpPr>
         <p:cNvPr id="1" name=""/>
@@ -3520,6 +8292,66 @@
           <a:chExt cx="0" cy="0"/>
         </a:xfrm>
       </p:grpSpPr>
+      <p:sp useBgFill="1">
+        <p:nvSpPr>
+          <p:cNvPr id="67" name="Rectangle 7">
+            <a:extLst>
+              <a:ext uri="{FF2B5EF4-FFF2-40B4-BE49-F238E27FC236}">
+                <a16:creationId xmlns:a16="http://schemas.microsoft.com/office/drawing/2014/main" id="{57ABABA7-0420-4200-9B65-1C1967CE9373}"/>
+              </a:ext>
+              <a:ext uri="{C183D7F6-B498-43B3-948B-1728B52AA6E4}">
+                <adec:decorative xmlns:adec="http://schemas.microsoft.com/office/drawing/2017/decorative" val="1"/>
+              </a:ext>
+            </a:extLst>
+          </p:cNvPr>
+          <p:cNvSpPr>
+            <a:spLocks noGrp="1" noRot="1" noChangeAspect="1" noMove="1" noResize="1" noEditPoints="1" noAdjustHandles="1" noChangeArrowheads="1" noChangeShapeType="1" noTextEdit="1"/>
+          </p:cNvSpPr>
+          <p:nvPr>
+            <p:extLst>
+              <p:ext uri="{386F3935-93C4-4BCD-93E2-E3B085C9AB24}">
+                <p16:designElem xmlns:p16="http://schemas.microsoft.com/office/powerpoint/2015/main" val="1"/>
+              </p:ext>
+            </p:extLst>
+          </p:nvPr>
+        </p:nvSpPr>
+        <p:spPr>
+          <a:xfrm>
+            <a:off x="2" y="0"/>
+            <a:ext cx="12191998" cy="6858000"/>
+          </a:xfrm>
+          <a:prstGeom prst="rect">
+            <a:avLst/>
+          </a:prstGeom>
+          <a:ln>
+            <a:noFill/>
+          </a:ln>
+        </p:spPr>
+        <p:style>
+          <a:lnRef idx="2">
+            <a:schemeClr val="accent1">
+              <a:shade val="50000"/>
+            </a:schemeClr>
+          </a:lnRef>
+          <a:fillRef idx="1">
+            <a:schemeClr val="accent1"/>
+          </a:fillRef>
+          <a:effectRef idx="0">
+            <a:schemeClr val="accent1"/>
+          </a:effectRef>
+          <a:fontRef idx="minor">
+            <a:schemeClr val="lt1"/>
+          </a:fontRef>
+        </p:style>
+        <p:txBody>
+          <a:bodyPr rtlCol="0" anchor="ctr"/>
+          <a:lstStyle/>
+          <a:p>
+            <a:pPr algn="ctr"/>
+            <a:endParaRPr lang="en-US"/>
+          </a:p>
+        </p:txBody>
+      </p:sp>
       <p:sp>
         <p:nvSpPr>
           <p:cNvPr id="2" name="Title 1">
@@ -3536,13 +8368,31 @@
             <p:ph type="ctrTitle"/>
           </p:nvPr>
         </p:nvSpPr>
-        <p:spPr/>
-        <p:txBody>
-          <a:bodyPr/>
+        <p:spPr>
+          <a:xfrm>
+            <a:off x="1304103" y="1318591"/>
+            <a:ext cx="5800929" cy="4220820"/>
+          </a:xfrm>
+        </p:spPr>
+        <p:txBody>
+          <a:bodyPr anchor="ctr">
+            <a:normAutofit/>
+          </a:bodyPr>
           <a:lstStyle/>
           <a:p>
-            <a:r>
-              <a:rPr lang="en-AU" dirty="0"/>
+            <a:pPr algn="r">
+              <a:lnSpc>
+                <a:spcPct val="90000"/>
+              </a:lnSpc>
+            </a:pPr>
+            <a:r>
+              <a:rPr lang="en-AU" sz="5600" dirty="0">
+                <a:solidFill>
+                  <a:schemeClr val="tx2">
+                    <a:lumMod val="75000"/>
+                  </a:schemeClr>
+                </a:solidFill>
+              </a:rPr>
               <a:t>Sentiment Analysis of Google Play App customer reviews</a:t>
             </a:r>
           </a:p>
@@ -3564,31 +8414,1021 @@
             <p:ph type="subTitle" idx="1"/>
           </p:nvPr>
         </p:nvSpPr>
-        <p:spPr/>
-        <p:txBody>
-          <a:bodyPr/>
+        <p:spPr>
+          <a:xfrm>
+            <a:off x="7855048" y="1871831"/>
+            <a:ext cx="3084569" cy="3199806"/>
+          </a:xfrm>
+        </p:spPr>
+        <p:txBody>
+          <a:bodyPr anchor="ctr">
+            <a:normAutofit/>
+          </a:bodyPr>
           <a:lstStyle/>
           <a:p>
             <a:r>
-              <a:rPr lang="en-AU" dirty="0"/>
+              <a:rPr lang="en-AU">
+                <a:solidFill>
+                  <a:schemeClr val="tx2">
+                    <a:lumMod val="75000"/>
+                  </a:schemeClr>
+                </a:solidFill>
+              </a:rPr>
               <a:t>Capstone Project</a:t>
             </a:r>
           </a:p>
           <a:p>
-            <a:endParaRPr lang="en-AU" dirty="0"/>
-          </a:p>
-          <a:p>
-            <a:r>
-              <a:rPr lang="en-AU" dirty="0"/>
+            <a:endParaRPr lang="en-AU">
+              <a:solidFill>
+                <a:schemeClr val="tx2">
+                  <a:lumMod val="75000"/>
+                </a:schemeClr>
+              </a:solidFill>
+            </a:endParaRPr>
+          </a:p>
+          <a:p>
+            <a:r>
+              <a:rPr lang="en-AU">
+                <a:solidFill>
+                  <a:schemeClr val="tx2">
+                    <a:lumMod val="75000"/>
+                  </a:schemeClr>
+                </a:solidFill>
+              </a:rPr>
               <a:t>Isaac Kar Wai Low, Data Scientist</a:t>
             </a:r>
           </a:p>
         </p:txBody>
       </p:sp>
+      <p:sp>
+        <p:nvSpPr>
+          <p:cNvPr id="68" name="Rectangle 9">
+            <a:extLst>
+              <a:ext uri="{FF2B5EF4-FFF2-40B4-BE49-F238E27FC236}">
+                <a16:creationId xmlns:a16="http://schemas.microsoft.com/office/drawing/2014/main" id="{A317EBE3-FF86-4DA1-BC9A-331F7F2144E9}"/>
+              </a:ext>
+              <a:ext uri="{C183D7F6-B498-43B3-948B-1728B52AA6E4}">
+                <adec:decorative xmlns:adec="http://schemas.microsoft.com/office/drawing/2017/decorative" val="1"/>
+              </a:ext>
+            </a:extLst>
+          </p:cNvPr>
+          <p:cNvSpPr>
+            <a:spLocks noGrp="1" noRot="1" noChangeAspect="1" noMove="1" noResize="1" noEditPoints="1" noAdjustHandles="1" noChangeArrowheads="1" noChangeShapeType="1" noTextEdit="1"/>
+          </p:cNvSpPr>
+          <p:nvPr>
+            <p:extLst>
+              <p:ext uri="{386F3935-93C4-4BCD-93E2-E3B085C9AB24}">
+                <p16:designElem xmlns:p16="http://schemas.microsoft.com/office/powerpoint/2015/main" val="1"/>
+              </p:ext>
+            </p:extLst>
+          </p:nvPr>
+        </p:nvSpPr>
+        <p:spPr>
+          <a:xfrm>
+            <a:off x="0" y="0"/>
+            <a:ext cx="182880" cy="6858000"/>
+          </a:xfrm>
+          <a:prstGeom prst="rect">
+            <a:avLst/>
+          </a:prstGeom>
+          <a:solidFill>
+            <a:schemeClr val="tx2"/>
+          </a:solidFill>
+          <a:ln>
+            <a:noFill/>
+          </a:ln>
+          <a:effectLst/>
+        </p:spPr>
+        <p:style>
+          <a:lnRef idx="1">
+            <a:schemeClr val="accent1"/>
+          </a:lnRef>
+          <a:fillRef idx="3">
+            <a:schemeClr val="accent1"/>
+          </a:fillRef>
+          <a:effectRef idx="2">
+            <a:schemeClr val="accent1"/>
+          </a:effectRef>
+          <a:fontRef idx="minor">
+            <a:schemeClr val="lt1"/>
+          </a:fontRef>
+        </p:style>
+      </p:sp>
+      <p:cxnSp>
+        <p:nvCxnSpPr>
+          <p:cNvPr id="69" name="Straight Connector 11">
+            <a:extLst>
+              <a:ext uri="{FF2B5EF4-FFF2-40B4-BE49-F238E27FC236}">
+                <a16:creationId xmlns:a16="http://schemas.microsoft.com/office/drawing/2014/main" id="{34D43EC1-35FA-4FC3-8526-F655CEB09D9C}"/>
+              </a:ext>
+              <a:ext uri="{C183D7F6-B498-43B3-948B-1728B52AA6E4}">
+                <adec:decorative xmlns:adec="http://schemas.microsoft.com/office/drawing/2017/decorative" val="1"/>
+              </a:ext>
+            </a:extLst>
+          </p:cNvPr>
+          <p:cNvCxnSpPr>
+            <a:cxnSpLocks noGrp="1" noRot="1" noChangeAspect="1" noMove="1" noResize="1" noEditPoints="1" noAdjustHandles="1" noChangeArrowheads="1" noChangeShapeType="1"/>
+          </p:cNvCxnSpPr>
+          <p:nvPr>
+            <p:extLst>
+              <p:ext uri="{386F3935-93C4-4BCD-93E2-E3B085C9AB24}">
+                <p16:designElem xmlns:p16="http://schemas.microsoft.com/office/powerpoint/2015/main" val="1"/>
+              </p:ext>
+            </p:extLst>
+          </p:nvPr>
+        </p:nvCxnSpPr>
+        <p:spPr>
+          <a:xfrm>
+            <a:off x="7537196" y="1871831"/>
+            <a:ext cx="0" cy="3200400"/>
+          </a:xfrm>
+          <a:prstGeom prst="line">
+            <a:avLst/>
+          </a:prstGeom>
+          <a:ln w="15875">
+            <a:solidFill>
+              <a:schemeClr val="accent1"/>
+            </a:solidFill>
+          </a:ln>
+        </p:spPr>
+        <p:style>
+          <a:lnRef idx="1">
+            <a:schemeClr val="accent1"/>
+          </a:lnRef>
+          <a:fillRef idx="0">
+            <a:schemeClr val="accent1"/>
+          </a:fillRef>
+          <a:effectRef idx="0">
+            <a:schemeClr val="accent1"/>
+          </a:effectRef>
+          <a:fontRef idx="minor">
+            <a:schemeClr val="tx1"/>
+          </a:fontRef>
+        </p:style>
+      </p:cxnSp>
     </p:spTree>
     <p:extLst>
       <p:ext uri="{BB962C8B-B14F-4D97-AF65-F5344CB8AC3E}">
         <p14:creationId xmlns:p14="http://schemas.microsoft.com/office/powerpoint/2010/main" val="1346450560"/>
+      </p:ext>
+    </p:extLst>
+  </p:cSld>
+  <p:clrMapOvr>
+    <a:overrideClrMapping bg1="lt1" tx1="dk1" bg2="lt2" tx2="dk2" accent1="accent1" accent2="accent2" accent3="accent3" accent4="accent4" accent5="accent5" accent6="accent6" hlink="hlink" folHlink="folHlink"/>
+  </p:clrMapOvr>
+  <p:timing>
+    <p:tnLst>
+      <p:par>
+        <p:cTn id="1" dur="indefinite" restart="never" nodeType="tmRoot">
+          <p:childTnLst>
+            <p:seq concurrent="1" nextAc="seek">
+              <p:cTn id="2" dur="indefinite" nodeType="mainSeq">
+                <p:childTnLst>
+                  <p:par>
+                    <p:cTn id="3" fill="hold">
+                      <p:stCondLst>
+                        <p:cond delay="indefinite"/>
+                        <p:cond evt="onBegin" delay="0">
+                          <p:tn val="2"/>
+                        </p:cond>
+                      </p:stCondLst>
+                      <p:childTnLst>
+                        <p:par>
+                          <p:cTn id="4" fill="hold">
+                            <p:stCondLst>
+                              <p:cond delay="0"/>
+                            </p:stCondLst>
+                            <p:childTnLst>
+                              <p:par>
+                                <p:cTn id="5" presetID="10" presetClass="entr" presetSubtype="0" fill="hold" grpId="0" nodeType="withEffect">
+                                  <p:stCondLst>
+                                    <p:cond delay="500"/>
+                                  </p:stCondLst>
+                                  <p:iterate>
+                                    <p:tmPct val="10000"/>
+                                  </p:iterate>
+                                  <p:childTnLst>
+                                    <p:set>
+                                      <p:cBhvr>
+                                        <p:cTn id="6" dur="1" fill="hold">
+                                          <p:stCondLst>
+                                            <p:cond delay="0"/>
+                                          </p:stCondLst>
+                                        </p:cTn>
+                                        <p:tgtEl>
+                                          <p:spTgt spid="2"/>
+                                        </p:tgtEl>
+                                        <p:attrNameLst>
+                                          <p:attrName>style.visibility</p:attrName>
+                                        </p:attrNameLst>
+                                      </p:cBhvr>
+                                      <p:to>
+                                        <p:strVal val="visible"/>
+                                      </p:to>
+                                    </p:set>
+                                    <p:animEffect transition="in" filter="fade">
+                                      <p:cBhvr>
+                                        <p:cTn id="7" dur="700"/>
+                                        <p:tgtEl>
+                                          <p:spTgt spid="2"/>
+                                        </p:tgtEl>
+                                      </p:cBhvr>
+                                    </p:animEffect>
+                                  </p:childTnLst>
+                                </p:cTn>
+                              </p:par>
+                              <p:par>
+                                <p:cTn id="8" presetID="10" presetClass="entr" presetSubtype="0" fill="hold" grpId="0" nodeType="withEffect">
+                                  <p:stCondLst>
+                                    <p:cond delay="1000"/>
+                                  </p:stCondLst>
+                                  <p:iterate>
+                                    <p:tmPct val="10000"/>
+                                  </p:iterate>
+                                  <p:childTnLst>
+                                    <p:set>
+                                      <p:cBhvr>
+                                        <p:cTn id="9" dur="1" fill="hold">
+                                          <p:stCondLst>
+                                            <p:cond delay="0"/>
+                                          </p:stCondLst>
+                                        </p:cTn>
+                                        <p:tgtEl>
+                                          <p:spTgt spid="3">
+                                            <p:txEl>
+                                              <p:pRg st="0" end="0"/>
+                                            </p:txEl>
+                                          </p:spTgt>
+                                        </p:tgtEl>
+                                        <p:attrNameLst>
+                                          <p:attrName>style.visibility</p:attrName>
+                                        </p:attrNameLst>
+                                      </p:cBhvr>
+                                      <p:to>
+                                        <p:strVal val="visible"/>
+                                      </p:to>
+                                    </p:set>
+                                    <p:animEffect transition="in" filter="fade">
+                                      <p:cBhvr>
+                                        <p:cTn id="10" dur="700"/>
+                                        <p:tgtEl>
+                                          <p:spTgt spid="3">
+                                            <p:txEl>
+                                              <p:pRg st="0" end="0"/>
+                                            </p:txEl>
+                                          </p:spTgt>
+                                        </p:tgtEl>
+                                      </p:cBhvr>
+                                    </p:animEffect>
+                                  </p:childTnLst>
+                                </p:cTn>
+                              </p:par>
+                            </p:childTnLst>
+                          </p:cTn>
+                        </p:par>
+                      </p:childTnLst>
+                    </p:cTn>
+                  </p:par>
+                  <p:par>
+                    <p:cTn id="11" fill="hold">
+                      <p:stCondLst>
+                        <p:cond delay="indefinite"/>
+                      </p:stCondLst>
+                      <p:childTnLst>
+                        <p:par>
+                          <p:cTn id="12" fill="hold">
+                            <p:stCondLst>
+                              <p:cond delay="0"/>
+                            </p:stCondLst>
+                            <p:childTnLst>
+                              <p:par>
+                                <p:cTn id="13" presetID="10" presetClass="entr" presetSubtype="0" fill="hold" grpId="0" nodeType="clickEffect">
+                                  <p:stCondLst>
+                                    <p:cond delay="1000"/>
+                                  </p:stCondLst>
+                                  <p:iterate>
+                                    <p:tmPct val="10000"/>
+                                  </p:iterate>
+                                  <p:childTnLst>
+                                    <p:set>
+                                      <p:cBhvr>
+                                        <p:cTn id="14" dur="1" fill="hold">
+                                          <p:stCondLst>
+                                            <p:cond delay="0"/>
+                                          </p:stCondLst>
+                                        </p:cTn>
+                                        <p:tgtEl>
+                                          <p:spTgt spid="3">
+                                            <p:txEl>
+                                              <p:pRg st="2" end="2"/>
+                                            </p:txEl>
+                                          </p:spTgt>
+                                        </p:tgtEl>
+                                        <p:attrNameLst>
+                                          <p:attrName>style.visibility</p:attrName>
+                                        </p:attrNameLst>
+                                      </p:cBhvr>
+                                      <p:to>
+                                        <p:strVal val="visible"/>
+                                      </p:to>
+                                    </p:set>
+                                    <p:animEffect transition="in" filter="fade">
+                                      <p:cBhvr>
+                                        <p:cTn id="15" dur="700"/>
+                                        <p:tgtEl>
+                                          <p:spTgt spid="3">
+                                            <p:txEl>
+                                              <p:pRg st="2" end="2"/>
+                                            </p:txEl>
+                                          </p:spTgt>
+                                        </p:tgtEl>
+                                      </p:cBhvr>
+                                    </p:animEffect>
+                                  </p:childTnLst>
+                                </p:cTn>
+                              </p:par>
+                            </p:childTnLst>
+                          </p:cTn>
+                        </p:par>
+                      </p:childTnLst>
+                    </p:cTn>
+                  </p:par>
+                </p:childTnLst>
+              </p:cTn>
+              <p:prevCondLst>
+                <p:cond evt="onPrev" delay="0">
+                  <p:tgtEl>
+                    <p:sldTgt/>
+                  </p:tgtEl>
+                </p:cond>
+              </p:prevCondLst>
+              <p:nextCondLst>
+                <p:cond evt="onNext" delay="0">
+                  <p:tgtEl>
+                    <p:sldTgt/>
+                  </p:tgtEl>
+                </p:cond>
+              </p:nextCondLst>
+            </p:seq>
+          </p:childTnLst>
+        </p:cTn>
+      </p:par>
+    </p:tnLst>
+    <p:bldLst>
+      <p:bldP spid="2" grpId="0"/>
+      <p:bldP spid="3" grpId="0" build="p"/>
+    </p:bldLst>
+  </p:timing>
+</p:sld>
+</file>
+
+<file path=ppt/slides/slide10.xml><?xml version="1.0" encoding="utf-8"?>
+<p:sld xmlns:a="http://schemas.openxmlformats.org/drawingml/2006/main" xmlns:r="http://schemas.openxmlformats.org/officeDocument/2006/relationships" xmlns:p="http://schemas.openxmlformats.org/presentationml/2006/main">
+  <p:cSld>
+    <p:spTree>
+      <p:nvGrpSpPr>
+        <p:cNvPr id="1" name=""/>
+        <p:cNvGrpSpPr/>
+        <p:nvPr/>
+      </p:nvGrpSpPr>
+      <p:grpSpPr>
+        <a:xfrm>
+          <a:off x="0" y="0"/>
+          <a:ext cx="0" cy="0"/>
+          <a:chOff x="0" y="0"/>
+          <a:chExt cx="0" cy="0"/>
+        </a:xfrm>
+      </p:grpSpPr>
+      <p:sp>
+        <p:nvSpPr>
+          <p:cNvPr id="2" name="Title 1">
+            <a:extLst>
+              <a:ext uri="{FF2B5EF4-FFF2-40B4-BE49-F238E27FC236}">
+                <a16:creationId xmlns:a16="http://schemas.microsoft.com/office/drawing/2014/main" id="{E690C563-19FD-42C3-AA57-A828CEC0A4FD}"/>
+              </a:ext>
+            </a:extLst>
+          </p:cNvPr>
+          <p:cNvSpPr>
+            <a:spLocks noGrp="1"/>
+          </p:cNvSpPr>
+          <p:nvPr>
+            <p:ph type="title"/>
+          </p:nvPr>
+        </p:nvSpPr>
+        <p:spPr/>
+        <p:txBody>
+          <a:bodyPr/>
+          <a:lstStyle/>
+          <a:p>
+            <a:r>
+              <a:rPr lang="en-US" dirty="0"/>
+              <a:t>Deliver</a:t>
+            </a:r>
+            <a:endParaRPr lang="en-AU" dirty="0"/>
+          </a:p>
+        </p:txBody>
+      </p:sp>
+      <p:sp>
+        <p:nvSpPr>
+          <p:cNvPr id="3" name="Content Placeholder 2">
+            <a:extLst>
+              <a:ext uri="{FF2B5EF4-FFF2-40B4-BE49-F238E27FC236}">
+                <a16:creationId xmlns:a16="http://schemas.microsoft.com/office/drawing/2014/main" id="{10963AB8-FE2D-48AC-A4CB-A964D25CACF4}"/>
+              </a:ext>
+            </a:extLst>
+          </p:cNvPr>
+          <p:cNvSpPr>
+            <a:spLocks noGrp="1"/>
+          </p:cNvSpPr>
+          <p:nvPr>
+            <p:ph idx="1"/>
+          </p:nvPr>
+        </p:nvSpPr>
+        <p:spPr/>
+        <p:txBody>
+          <a:bodyPr/>
+          <a:lstStyle/>
+          <a:p>
+            <a:r>
+              <a:rPr lang="en-US" dirty="0"/>
+              <a:t>Feature Engineering</a:t>
+            </a:r>
+          </a:p>
+          <a:p>
+            <a:pPr lvl="1"/>
+            <a:r>
+              <a:rPr lang="en-US" dirty="0"/>
+              <a:t>Count Vectorizers (bag-of-words), Word Level TFIDF, n-gram level TFIDF, Char level TFIDF</a:t>
+            </a:r>
+          </a:p>
+          <a:p>
+            <a:pPr lvl="1"/>
+            <a:r>
+              <a:rPr lang="en-US" dirty="0"/>
+              <a:t>For the purposes of sentiment analysis, Count Vectorizers will suffice since we are not interested in information retrieval. </a:t>
+            </a:r>
+          </a:p>
+          <a:p>
+            <a:r>
+              <a:rPr lang="en-US" dirty="0"/>
+              <a:t>Machine models used and evaluation metrics</a:t>
+            </a:r>
+          </a:p>
+          <a:p>
+            <a:pPr lvl="1"/>
+            <a:r>
+              <a:rPr lang="en-AU" dirty="0"/>
+              <a:t>Logistic Regression, SVM, SGD, Naïve Bayes, KNN, Decision Tree, Random Forest</a:t>
+            </a:r>
+          </a:p>
+          <a:p>
+            <a:pPr lvl="1"/>
+            <a:r>
+              <a:rPr lang="en-AU" dirty="0"/>
+              <a:t>Accuracy, ROC score</a:t>
+            </a:r>
+          </a:p>
+          <a:p>
+            <a:pPr lvl="1"/>
+            <a:endParaRPr lang="en-AU" dirty="0"/>
+          </a:p>
+        </p:txBody>
+      </p:sp>
+    </p:spTree>
+    <p:extLst>
+      <p:ext uri="{BB962C8B-B14F-4D97-AF65-F5344CB8AC3E}">
+        <p14:creationId xmlns:p14="http://schemas.microsoft.com/office/powerpoint/2010/main" val="2126947556"/>
+      </p:ext>
+    </p:extLst>
+  </p:cSld>
+  <p:clrMapOvr>
+    <a:masterClrMapping/>
+  </p:clrMapOvr>
+</p:sld>
+</file>
+
+<file path=ppt/slides/slide11.xml><?xml version="1.0" encoding="utf-8"?>
+<p:sld xmlns:a="http://schemas.openxmlformats.org/drawingml/2006/main" xmlns:r="http://schemas.openxmlformats.org/officeDocument/2006/relationships" xmlns:p="http://schemas.openxmlformats.org/presentationml/2006/main">
+  <p:cSld>
+    <p:spTree>
+      <p:nvGrpSpPr>
+        <p:cNvPr id="1" name=""/>
+        <p:cNvGrpSpPr/>
+        <p:nvPr/>
+      </p:nvGrpSpPr>
+      <p:grpSpPr>
+        <a:xfrm>
+          <a:off x="0" y="0"/>
+          <a:ext cx="0" cy="0"/>
+          <a:chOff x="0" y="0"/>
+          <a:chExt cx="0" cy="0"/>
+        </a:xfrm>
+      </p:grpSpPr>
+      <p:sp>
+        <p:nvSpPr>
+          <p:cNvPr id="2" name="Title 1">
+            <a:extLst>
+              <a:ext uri="{FF2B5EF4-FFF2-40B4-BE49-F238E27FC236}">
+                <a16:creationId xmlns:a16="http://schemas.microsoft.com/office/drawing/2014/main" id="{6C818964-9215-41DD-A1F3-9C6EA8B40A29}"/>
+              </a:ext>
+            </a:extLst>
+          </p:cNvPr>
+          <p:cNvSpPr>
+            <a:spLocks noGrp="1"/>
+          </p:cNvSpPr>
+          <p:nvPr>
+            <p:ph type="title"/>
+          </p:nvPr>
+        </p:nvSpPr>
+        <p:spPr/>
+        <p:txBody>
+          <a:bodyPr/>
+          <a:lstStyle/>
+          <a:p>
+            <a:r>
+              <a:rPr lang="en-US" dirty="0"/>
+              <a:t>Deliver</a:t>
+            </a:r>
+            <a:endParaRPr lang="en-AU" dirty="0"/>
+          </a:p>
+        </p:txBody>
+      </p:sp>
+      <p:sp>
+        <p:nvSpPr>
+          <p:cNvPr id="3" name="Content Placeholder 2">
+            <a:extLst>
+              <a:ext uri="{FF2B5EF4-FFF2-40B4-BE49-F238E27FC236}">
+                <a16:creationId xmlns:a16="http://schemas.microsoft.com/office/drawing/2014/main" id="{5A9420FC-569D-4FF0-9AD5-1F26D58A6002}"/>
+              </a:ext>
+            </a:extLst>
+          </p:cNvPr>
+          <p:cNvSpPr>
+            <a:spLocks noGrp="1"/>
+          </p:cNvSpPr>
+          <p:nvPr>
+            <p:ph idx="1"/>
+          </p:nvPr>
+        </p:nvSpPr>
+        <p:spPr/>
+        <p:txBody>
+          <a:bodyPr/>
+          <a:lstStyle/>
+          <a:p>
+            <a:r>
+              <a:rPr lang="en-US" dirty="0"/>
+              <a:t>How does the model fir the overall solution?</a:t>
+            </a:r>
+          </a:p>
+          <a:p>
+            <a:pPr lvl="1"/>
+            <a:r>
+              <a:rPr lang="en-US" dirty="0"/>
+              <a:t>This will be used by the IT team at the start of a meeting or at the Planning phase of the SDLC.</a:t>
+            </a:r>
+          </a:p>
+          <a:p>
+            <a:pPr lvl="1"/>
+            <a:r>
+              <a:rPr lang="en-US" dirty="0"/>
+              <a:t>In terms of products, the business will understand how it is to prioritize its attention to products that are not doing well commercially</a:t>
+            </a:r>
+          </a:p>
+          <a:p>
+            <a:pPr lvl="1"/>
+            <a:r>
+              <a:rPr lang="en-US" dirty="0"/>
+              <a:t>In terms of features, the business can perform A/B feature testing faster as there is a faster mean time to recovery of errors (MTE)</a:t>
+            </a:r>
+          </a:p>
+          <a:p>
+            <a:pPr lvl="1"/>
+            <a:endParaRPr lang="en-AU" dirty="0"/>
+          </a:p>
+        </p:txBody>
+      </p:sp>
+    </p:spTree>
+    <p:extLst>
+      <p:ext uri="{BB962C8B-B14F-4D97-AF65-F5344CB8AC3E}">
+        <p14:creationId xmlns:p14="http://schemas.microsoft.com/office/powerpoint/2010/main" val="1656088696"/>
+      </p:ext>
+    </p:extLst>
+  </p:cSld>
+  <p:clrMapOvr>
+    <a:masterClrMapping/>
+  </p:clrMapOvr>
+</p:sld>
+</file>
+
+<file path=ppt/slides/slide12.xml><?xml version="1.0" encoding="utf-8"?>
+<p:sld xmlns:a="http://schemas.openxmlformats.org/drawingml/2006/main" xmlns:r="http://schemas.openxmlformats.org/officeDocument/2006/relationships" xmlns:p="http://schemas.openxmlformats.org/presentationml/2006/main">
+  <p:cSld>
+    <p:spTree>
+      <p:nvGrpSpPr>
+        <p:cNvPr id="1" name=""/>
+        <p:cNvGrpSpPr/>
+        <p:nvPr/>
+      </p:nvGrpSpPr>
+      <p:grpSpPr>
+        <a:xfrm>
+          <a:off x="0" y="0"/>
+          <a:ext cx="0" cy="0"/>
+          <a:chOff x="0" y="0"/>
+          <a:chExt cx="0" cy="0"/>
+        </a:xfrm>
+      </p:grpSpPr>
+      <p:sp>
+        <p:nvSpPr>
+          <p:cNvPr id="2" name="Title 1">
+            <a:extLst>
+              <a:ext uri="{FF2B5EF4-FFF2-40B4-BE49-F238E27FC236}">
+                <a16:creationId xmlns:a16="http://schemas.microsoft.com/office/drawing/2014/main" id="{DC24AD11-DE99-43A7-B16F-C6E82565A320}"/>
+              </a:ext>
+            </a:extLst>
+          </p:cNvPr>
+          <p:cNvSpPr>
+            <a:spLocks noGrp="1"/>
+          </p:cNvSpPr>
+          <p:nvPr>
+            <p:ph type="title"/>
+          </p:nvPr>
+        </p:nvSpPr>
+        <p:spPr/>
+        <p:txBody>
+          <a:bodyPr/>
+          <a:lstStyle/>
+          <a:p>
+            <a:r>
+              <a:rPr lang="en-US" dirty="0"/>
+              <a:t>Summary, conclusions and next steps</a:t>
+            </a:r>
+            <a:endParaRPr lang="en-AU" dirty="0"/>
+          </a:p>
+        </p:txBody>
+      </p:sp>
+      <p:sp>
+        <p:nvSpPr>
+          <p:cNvPr id="3" name="Content Placeholder 2">
+            <a:extLst>
+              <a:ext uri="{FF2B5EF4-FFF2-40B4-BE49-F238E27FC236}">
+                <a16:creationId xmlns:a16="http://schemas.microsoft.com/office/drawing/2014/main" id="{1C695CFC-8F29-463A-825F-D3BECB2AF44F}"/>
+              </a:ext>
+            </a:extLst>
+          </p:cNvPr>
+          <p:cNvSpPr>
+            <a:spLocks noGrp="1"/>
+          </p:cNvSpPr>
+          <p:nvPr>
+            <p:ph idx="1"/>
+          </p:nvPr>
+        </p:nvSpPr>
+        <p:spPr/>
+        <p:txBody>
+          <a:bodyPr>
+            <a:normAutofit fontScale="92500"/>
+          </a:bodyPr>
+          <a:lstStyle/>
+          <a:p>
+            <a:r>
+              <a:rPr lang="en-US" dirty="0"/>
+              <a:t>Summary</a:t>
+            </a:r>
+          </a:p>
+          <a:p>
+            <a:pPr lvl="1"/>
+            <a:r>
+              <a:rPr lang="en-AU" dirty="0"/>
+              <a:t>My data solution is a first step in addressing company wide problems. It starts with addressing salient needs proposed by the IT teams in terms of product and feature prioritization</a:t>
+            </a:r>
+          </a:p>
+          <a:p>
+            <a:r>
+              <a:rPr lang="en-AU" dirty="0"/>
+              <a:t>Conclusions</a:t>
+            </a:r>
+          </a:p>
+          <a:p>
+            <a:pPr lvl="1"/>
+            <a:r>
+              <a:rPr lang="en-AU" dirty="0"/>
+              <a:t>Count Vectorizers and Linear SVC is a very good combination for predicting sentiment for new customer review data in the Google Play Store. However, other mobile platforms may still need addressing</a:t>
+            </a:r>
+          </a:p>
+          <a:p>
+            <a:r>
+              <a:rPr lang="en-AU" dirty="0"/>
+              <a:t>Next steps</a:t>
+            </a:r>
+          </a:p>
+          <a:p>
+            <a:pPr lvl="1"/>
+            <a:r>
+              <a:rPr lang="en-AU" dirty="0"/>
+              <a:t>The data pipeline needs further consolidation in terms of API calls and </a:t>
+            </a:r>
+            <a:r>
+              <a:rPr lang="en-AU" dirty="0" err="1"/>
+              <a:t>app_id</a:t>
+            </a:r>
+            <a:r>
+              <a:rPr lang="en-AU" dirty="0"/>
+              <a:t> inputs</a:t>
+            </a:r>
+          </a:p>
+          <a:p>
+            <a:pPr lvl="1"/>
+            <a:r>
+              <a:rPr lang="en-AU" dirty="0"/>
+              <a:t>A better labelling system for new data should be implemented. Perhaps a webhook to translate ratings into sentiment labels</a:t>
+            </a:r>
+          </a:p>
+        </p:txBody>
+      </p:sp>
+    </p:spTree>
+    <p:extLst>
+      <p:ext uri="{BB962C8B-B14F-4D97-AF65-F5344CB8AC3E}">
+        <p14:creationId xmlns:p14="http://schemas.microsoft.com/office/powerpoint/2010/main" val="443828993"/>
+      </p:ext>
+    </p:extLst>
+  </p:cSld>
+  <p:clrMapOvr>
+    <a:masterClrMapping/>
+  </p:clrMapOvr>
+</p:sld>
+</file>
+
+<file path=ppt/slides/slide13.xml><?xml version="1.0" encoding="utf-8"?>
+<p:sld xmlns:a="http://schemas.openxmlformats.org/drawingml/2006/main" xmlns:r="http://schemas.openxmlformats.org/officeDocument/2006/relationships" xmlns:p="http://schemas.openxmlformats.org/presentationml/2006/main">
+  <p:cSld>
+    <p:spTree>
+      <p:nvGrpSpPr>
+        <p:cNvPr id="1" name=""/>
+        <p:cNvGrpSpPr/>
+        <p:nvPr/>
+      </p:nvGrpSpPr>
+      <p:grpSpPr>
+        <a:xfrm>
+          <a:off x="0" y="0"/>
+          <a:ext cx="0" cy="0"/>
+          <a:chOff x="0" y="0"/>
+          <a:chExt cx="0" cy="0"/>
+        </a:xfrm>
+      </p:grpSpPr>
+      <p:sp>
+        <p:nvSpPr>
+          <p:cNvPr id="2" name="Title 1">
+            <a:extLst>
+              <a:ext uri="{FF2B5EF4-FFF2-40B4-BE49-F238E27FC236}">
+                <a16:creationId xmlns:a16="http://schemas.microsoft.com/office/drawing/2014/main" id="{93912A85-5843-4ED2-920A-3843FDC16C63}"/>
+              </a:ext>
+            </a:extLst>
+          </p:cNvPr>
+          <p:cNvSpPr>
+            <a:spLocks noGrp="1"/>
+          </p:cNvSpPr>
+          <p:nvPr>
+            <p:ph type="title"/>
+          </p:nvPr>
+        </p:nvSpPr>
+        <p:spPr/>
+        <p:txBody>
+          <a:bodyPr/>
+          <a:lstStyle/>
+          <a:p>
+            <a:r>
+              <a:rPr lang="en-US" dirty="0"/>
+              <a:t>Appendix</a:t>
+            </a:r>
+            <a:endParaRPr lang="en-AU" dirty="0"/>
+          </a:p>
+        </p:txBody>
+      </p:sp>
+      <p:sp>
+        <p:nvSpPr>
+          <p:cNvPr id="3" name="Content Placeholder 2">
+            <a:extLst>
+              <a:ext uri="{FF2B5EF4-FFF2-40B4-BE49-F238E27FC236}">
+                <a16:creationId xmlns:a16="http://schemas.microsoft.com/office/drawing/2014/main" id="{37BA1053-BF24-4BCC-8E70-074EE7484BFD}"/>
+              </a:ext>
+            </a:extLst>
+          </p:cNvPr>
+          <p:cNvSpPr>
+            <a:spLocks noGrp="1"/>
+          </p:cNvSpPr>
+          <p:nvPr>
+            <p:ph idx="1"/>
+          </p:nvPr>
+        </p:nvSpPr>
+        <p:spPr/>
+        <p:txBody>
+          <a:bodyPr/>
+          <a:lstStyle/>
+          <a:p>
+            <a:r>
+              <a:rPr lang="en-US" dirty="0"/>
+              <a:t>References</a:t>
+            </a:r>
+          </a:p>
+          <a:p>
+            <a:pPr marL="342900" marR="0" lvl="0" indent="-342900">
+              <a:lnSpc>
+                <a:spcPct val="115000"/>
+              </a:lnSpc>
+              <a:spcBef>
+                <a:spcPts val="0"/>
+              </a:spcBef>
+              <a:spcAft>
+                <a:spcPts val="0"/>
+              </a:spcAft>
+              <a:buFont typeface="Arial" panose="020B0604020202020204" pitchFamily="34" charset="0"/>
+              <a:buChar char="-"/>
+            </a:pPr>
+            <a:r>
+              <a:rPr lang="en-GB" sz="1800" u="sng" dirty="0">
+                <a:solidFill>
+                  <a:srgbClr val="0000FF"/>
+                </a:solidFill>
+                <a:effectLst/>
+                <a:latin typeface="Arial" panose="020B0604020202020204" pitchFamily="34" charset="0"/>
+                <a:ea typeface="Arial" panose="020B0604020202020204" pitchFamily="34" charset="0"/>
+                <a:hlinkClick r:id="rId2"/>
+              </a:rPr>
+              <a:t>https://www.grandviewresearch.com/industry-analysis/mobile-application-market</a:t>
+            </a:r>
+            <a:endParaRPr lang="en-AU" sz="1800" dirty="0">
+              <a:effectLst/>
+              <a:latin typeface="Arial" panose="020B0604020202020204" pitchFamily="34" charset="0"/>
+              <a:ea typeface="Arial" panose="020B0604020202020204" pitchFamily="34" charset="0"/>
+            </a:endParaRPr>
+          </a:p>
+          <a:p>
+            <a:pPr marL="342900" marR="0" lvl="0" indent="-342900">
+              <a:lnSpc>
+                <a:spcPct val="115000"/>
+              </a:lnSpc>
+              <a:spcBef>
+                <a:spcPts val="0"/>
+              </a:spcBef>
+              <a:spcAft>
+                <a:spcPts val="0"/>
+              </a:spcAft>
+              <a:buFont typeface="Arial" panose="020B0604020202020204" pitchFamily="34" charset="0"/>
+              <a:buChar char="-"/>
+            </a:pPr>
+            <a:r>
+              <a:rPr lang="en-GB" sz="1800" u="sng" dirty="0">
+                <a:solidFill>
+                  <a:srgbClr val="0000FF"/>
+                </a:solidFill>
+                <a:effectLst/>
+                <a:latin typeface="Arial" panose="020B0604020202020204" pitchFamily="34" charset="0"/>
+                <a:ea typeface="Arial" panose="020B0604020202020204" pitchFamily="34" charset="0"/>
+                <a:hlinkClick r:id="rId3"/>
+              </a:rPr>
+              <a:t>https://agilemanifesto.org/</a:t>
+            </a:r>
+            <a:endParaRPr lang="en-AU" sz="1800" dirty="0">
+              <a:effectLst/>
+              <a:latin typeface="Arial" panose="020B0604020202020204" pitchFamily="34" charset="0"/>
+              <a:ea typeface="Arial" panose="020B0604020202020204" pitchFamily="34" charset="0"/>
+            </a:endParaRPr>
+          </a:p>
+          <a:p>
+            <a:pPr marL="342900" marR="0" lvl="0" indent="-342900">
+              <a:lnSpc>
+                <a:spcPct val="115000"/>
+              </a:lnSpc>
+              <a:spcBef>
+                <a:spcPts val="0"/>
+              </a:spcBef>
+              <a:spcAft>
+                <a:spcPts val="0"/>
+              </a:spcAft>
+              <a:buFont typeface="Arial" panose="020B0604020202020204" pitchFamily="34" charset="0"/>
+              <a:buChar char="-"/>
+            </a:pPr>
+            <a:r>
+              <a:rPr lang="en-GB" sz="1800" u="sng" dirty="0">
+                <a:solidFill>
+                  <a:srgbClr val="0000FF"/>
+                </a:solidFill>
+                <a:effectLst/>
+                <a:latin typeface="Arial" panose="020B0604020202020204" pitchFamily="34" charset="0"/>
+                <a:ea typeface="Arial" panose="020B0604020202020204" pitchFamily="34" charset="0"/>
+                <a:hlinkClick r:id="rId4"/>
+              </a:rPr>
+              <a:t>https://www.investopedia.com/terms/v/valuechain.asp</a:t>
+            </a:r>
+            <a:endParaRPr lang="en-AU" sz="1800" dirty="0">
+              <a:effectLst/>
+              <a:latin typeface="Arial" panose="020B0604020202020204" pitchFamily="34" charset="0"/>
+              <a:ea typeface="Arial" panose="020B0604020202020204" pitchFamily="34" charset="0"/>
+            </a:endParaRPr>
+          </a:p>
+          <a:p>
+            <a:pPr marL="342900" marR="0" lvl="0" indent="-342900">
+              <a:lnSpc>
+                <a:spcPct val="115000"/>
+              </a:lnSpc>
+              <a:spcBef>
+                <a:spcPts val="0"/>
+              </a:spcBef>
+              <a:spcAft>
+                <a:spcPts val="0"/>
+              </a:spcAft>
+              <a:buFont typeface="Arial" panose="020B0604020202020204" pitchFamily="34" charset="0"/>
+              <a:buChar char="-"/>
+            </a:pPr>
+            <a:r>
+              <a:rPr lang="en-GB" sz="1800" u="sng" dirty="0">
+                <a:solidFill>
+                  <a:srgbClr val="0000FF"/>
+                </a:solidFill>
+                <a:effectLst/>
+                <a:latin typeface="Arial" panose="020B0604020202020204" pitchFamily="34" charset="0"/>
+                <a:ea typeface="Arial" panose="020B0604020202020204" pitchFamily="34" charset="0"/>
+                <a:hlinkClick r:id="rId5"/>
+              </a:rPr>
+              <a:t>https://techgeek365.com/5-software-development-concepts-to-improve-your-programming/</a:t>
+            </a:r>
+            <a:endParaRPr lang="en-AU" sz="1800" dirty="0">
+              <a:effectLst/>
+              <a:latin typeface="Arial" panose="020B0604020202020204" pitchFamily="34" charset="0"/>
+              <a:ea typeface="Arial" panose="020B0604020202020204" pitchFamily="34" charset="0"/>
+            </a:endParaRPr>
+          </a:p>
+          <a:p>
+            <a:pPr marL="342900" marR="0" lvl="0" indent="-342900">
+              <a:lnSpc>
+                <a:spcPct val="115000"/>
+              </a:lnSpc>
+              <a:spcBef>
+                <a:spcPts val="0"/>
+              </a:spcBef>
+              <a:spcAft>
+                <a:spcPts val="0"/>
+              </a:spcAft>
+              <a:buFont typeface="Arial" panose="020B0604020202020204" pitchFamily="34" charset="0"/>
+              <a:buChar char="-"/>
+            </a:pPr>
+            <a:r>
+              <a:rPr lang="en-GB" sz="1800" u="sng" dirty="0">
+                <a:solidFill>
+                  <a:srgbClr val="0000FF"/>
+                </a:solidFill>
+                <a:effectLst/>
+                <a:latin typeface="Arial" panose="020B0604020202020204" pitchFamily="34" charset="0"/>
+                <a:ea typeface="Arial" panose="020B0604020202020204" pitchFamily="34" charset="0"/>
+                <a:hlinkClick r:id="rId6"/>
+              </a:rPr>
+              <a:t>https://www.lexalytics.com/lexablog/sentiment-accuracy-baseline-testing</a:t>
+            </a:r>
+            <a:endParaRPr lang="en-AU" sz="1800" dirty="0">
+              <a:effectLst/>
+              <a:latin typeface="Arial" panose="020B0604020202020204" pitchFamily="34" charset="0"/>
+              <a:ea typeface="Arial" panose="020B0604020202020204" pitchFamily="34" charset="0"/>
+            </a:endParaRPr>
+          </a:p>
+          <a:p>
+            <a:pPr marL="342900" marR="0" lvl="0" indent="-342900">
+              <a:lnSpc>
+                <a:spcPct val="115000"/>
+              </a:lnSpc>
+              <a:spcBef>
+                <a:spcPts val="0"/>
+              </a:spcBef>
+              <a:spcAft>
+                <a:spcPts val="0"/>
+              </a:spcAft>
+              <a:buFont typeface="Arial" panose="020B0604020202020204" pitchFamily="34" charset="0"/>
+              <a:buChar char="-"/>
+            </a:pPr>
+            <a:r>
+              <a:rPr lang="en-GB" sz="1800" u="sng" dirty="0">
+                <a:solidFill>
+                  <a:srgbClr val="0000FF"/>
+                </a:solidFill>
+                <a:effectLst/>
+                <a:latin typeface="Arial" panose="020B0604020202020204" pitchFamily="34" charset="0"/>
+                <a:ea typeface="Arial" panose="020B0604020202020204" pitchFamily="34" charset="0"/>
+                <a:hlinkClick r:id="rId7"/>
+              </a:rPr>
+              <a:t>https://www.stitchdata.com/resources/what-is-data-pipeline/</a:t>
+            </a:r>
+            <a:endParaRPr lang="en-AU" sz="1800" dirty="0">
+              <a:effectLst/>
+              <a:latin typeface="Arial" panose="020B0604020202020204" pitchFamily="34" charset="0"/>
+              <a:ea typeface="Arial" panose="020B0604020202020204" pitchFamily="34" charset="0"/>
+            </a:endParaRPr>
+          </a:p>
+          <a:p>
+            <a:endParaRPr lang="en-AU" dirty="0"/>
+          </a:p>
+        </p:txBody>
+      </p:sp>
+    </p:spTree>
+    <p:extLst>
+      <p:ext uri="{BB962C8B-B14F-4D97-AF65-F5344CB8AC3E}">
+        <p14:creationId xmlns:p14="http://schemas.microsoft.com/office/powerpoint/2010/main" val="3367198734"/>
       </p:ext>
     </p:extLst>
   </p:cSld>
@@ -3920,7 +9760,7 @@
         <p:spPr/>
         <p:txBody>
           <a:bodyPr>
-            <a:normAutofit/>
+            <a:normAutofit lnSpcReduction="10000"/>
           </a:bodyPr>
           <a:lstStyle/>
           <a:p>
@@ -4036,7 +9876,7 @@
         <p:spPr/>
         <p:txBody>
           <a:bodyPr>
-            <a:normAutofit lnSpcReduction="10000"/>
+            <a:normAutofit fontScale="92500" lnSpcReduction="10000"/>
           </a:bodyPr>
           <a:lstStyle/>
           <a:p>
@@ -4195,7 +10035,9 @@
         </p:nvSpPr>
         <p:spPr/>
         <p:txBody>
-          <a:bodyPr/>
+          <a:bodyPr>
+            <a:normAutofit fontScale="92500" lnSpcReduction="20000"/>
+          </a:bodyPr>
           <a:lstStyle/>
           <a:p>
             <a:r>
@@ -4262,7 +10104,7 @@
             <a:pPr lvl="1"/>
             <a:r>
               <a:rPr lang="en-AU" dirty="0"/>
-              <a:t>Data Source</a:t>
+              <a:t>Data Sourced</a:t>
             </a:r>
           </a:p>
           <a:p>
@@ -4368,7 +10210,11 @@
           <a:bodyPr/>
           <a:lstStyle/>
           <a:p>
-            <a:endParaRPr lang="en-AU"/>
+            <a:r>
+              <a:rPr lang="en-US" dirty="0"/>
+              <a:t>Define</a:t>
+            </a:r>
+            <a:endParaRPr lang="en-AU" dirty="0"/>
           </a:p>
         </p:txBody>
       </p:sp>
@@ -4390,10 +10236,72 @@
         </p:nvSpPr>
         <p:spPr/>
         <p:txBody>
-          <a:bodyPr/>
+          <a:bodyPr>
+            <a:normAutofit/>
+          </a:bodyPr>
           <a:lstStyle/>
           <a:p>
-            <a:endParaRPr lang="en-AU"/>
+            <a:r>
+              <a:rPr lang="en-US" dirty="0"/>
+              <a:t>Data Sourced (cont.)</a:t>
+            </a:r>
+          </a:p>
+          <a:p>
+            <a:pPr lvl="1"/>
+            <a:r>
+              <a:rPr lang="en-GB" dirty="0"/>
+              <a:t>Volume</a:t>
+            </a:r>
+          </a:p>
+          <a:p>
+            <a:pPr lvl="2"/>
+            <a:r>
+              <a:rPr lang="en-GB" dirty="0"/>
+              <a:t>The data is very dense but not sparse. It only has 5 features, 2 of which are completely useless for this exercise.</a:t>
+            </a:r>
+            <a:endParaRPr lang="en-AU" sz="2800" dirty="0"/>
+          </a:p>
+          <a:p>
+            <a:pPr lvl="1"/>
+            <a:r>
+              <a:rPr lang="en-GB" dirty="0"/>
+              <a:t>Variety</a:t>
+            </a:r>
+          </a:p>
+          <a:p>
+            <a:pPr lvl="2"/>
+            <a:r>
+              <a:rPr lang="en-GB" dirty="0"/>
+              <a:t>The dataset contains 1074 Google Play Mobile Apps with Reviews ranging from 30 -320 per app. There is relative diversity in the groupings of Apps as they are arranged alphabetically without bias toward a particular market or genre</a:t>
+            </a:r>
+            <a:r>
+              <a:rPr lang="en-GB" sz="2400" dirty="0"/>
+              <a:t>.</a:t>
+            </a:r>
+          </a:p>
+          <a:p>
+            <a:pPr lvl="2"/>
+            <a:r>
+              <a:rPr lang="en-GB" sz="1800" dirty="0">
+                <a:effectLst/>
+                <a:latin typeface="Arial" panose="020B0604020202020204" pitchFamily="34" charset="0"/>
+                <a:ea typeface="Arial" panose="020B0604020202020204" pitchFamily="34" charset="0"/>
+              </a:rPr>
+              <a:t>The sentiment labels have 3 categories, negative, neutral, and positive labelled in a set {-1, 0, 1}.</a:t>
+            </a:r>
+            <a:endParaRPr lang="en-AU" sz="2400" dirty="0"/>
+          </a:p>
+          <a:p>
+            <a:pPr lvl="1"/>
+            <a:endParaRPr lang="en-US" dirty="0"/>
+          </a:p>
+          <a:p>
+            <a:pPr lvl="1"/>
+            <a:endParaRPr lang="en-US" dirty="0"/>
+          </a:p>
+          <a:p>
+            <a:pPr lvl="1"/>
+            <a:endParaRPr lang="en-AU" dirty="0"/>
           </a:p>
         </p:txBody>
       </p:sp>
@@ -4410,10 +10318,242 @@
 </p:sld>
 </file>
 
+<file path=ppt/slides/slide8.xml><?xml version="1.0" encoding="utf-8"?>
+<p:sld xmlns:a="http://schemas.openxmlformats.org/drawingml/2006/main" xmlns:r="http://schemas.openxmlformats.org/officeDocument/2006/relationships" xmlns:p="http://schemas.openxmlformats.org/presentationml/2006/main">
+  <p:cSld>
+    <p:spTree>
+      <p:nvGrpSpPr>
+        <p:cNvPr id="1" name=""/>
+        <p:cNvGrpSpPr/>
+        <p:nvPr/>
+      </p:nvGrpSpPr>
+      <p:grpSpPr>
+        <a:xfrm>
+          <a:off x="0" y="0"/>
+          <a:ext cx="0" cy="0"/>
+          <a:chOff x="0" y="0"/>
+          <a:chExt cx="0" cy="0"/>
+        </a:xfrm>
+      </p:grpSpPr>
+      <p:sp>
+        <p:nvSpPr>
+          <p:cNvPr id="2" name="Title 1">
+            <a:extLst>
+              <a:ext uri="{FF2B5EF4-FFF2-40B4-BE49-F238E27FC236}">
+                <a16:creationId xmlns:a16="http://schemas.microsoft.com/office/drawing/2014/main" id="{E0C6F855-EBD0-4973-963B-C70AFAE00121}"/>
+              </a:ext>
+            </a:extLst>
+          </p:cNvPr>
+          <p:cNvSpPr>
+            <a:spLocks noGrp="1"/>
+          </p:cNvSpPr>
+          <p:nvPr>
+            <p:ph type="title"/>
+          </p:nvPr>
+        </p:nvSpPr>
+        <p:spPr/>
+        <p:txBody>
+          <a:bodyPr/>
+          <a:lstStyle/>
+          <a:p>
+            <a:r>
+              <a:rPr lang="en-US" dirty="0"/>
+              <a:t>Design</a:t>
+            </a:r>
+            <a:endParaRPr lang="en-AU" dirty="0"/>
+          </a:p>
+        </p:txBody>
+      </p:sp>
+      <p:sp>
+        <p:nvSpPr>
+          <p:cNvPr id="3" name="Content Placeholder 2">
+            <a:extLst>
+              <a:ext uri="{FF2B5EF4-FFF2-40B4-BE49-F238E27FC236}">
+                <a16:creationId xmlns:a16="http://schemas.microsoft.com/office/drawing/2014/main" id="{5225F5B7-D60D-425B-8064-029E6BEE6355}"/>
+              </a:ext>
+            </a:extLst>
+          </p:cNvPr>
+          <p:cNvSpPr>
+            <a:spLocks noGrp="1"/>
+          </p:cNvSpPr>
+          <p:nvPr>
+            <p:ph idx="1"/>
+          </p:nvPr>
+        </p:nvSpPr>
+        <p:spPr>
+          <a:xfrm>
+            <a:off x="838200" y="1315453"/>
+            <a:ext cx="10515600" cy="4861510"/>
+          </a:xfrm>
+        </p:spPr>
+        <p:txBody>
+          <a:bodyPr/>
+          <a:lstStyle/>
+          <a:p>
+            <a:r>
+              <a:rPr lang="en-US" dirty="0"/>
+              <a:t>Data exploration, analysis and </a:t>
+            </a:r>
+            <a:r>
+              <a:rPr lang="en-US" dirty="0" err="1"/>
+              <a:t>visualisation</a:t>
+            </a:r>
+            <a:endParaRPr lang="en-AU" dirty="0"/>
+          </a:p>
+        </p:txBody>
+      </p:sp>
+      <p:pic>
+        <p:nvPicPr>
+          <p:cNvPr id="1026" name="Picture 2">
+            <a:extLst>
+              <a:ext uri="{FF2B5EF4-FFF2-40B4-BE49-F238E27FC236}">
+                <a16:creationId xmlns:a16="http://schemas.microsoft.com/office/drawing/2014/main" id="{0D593FD9-FD2F-4833-A056-458A93BA181D}"/>
+              </a:ext>
+            </a:extLst>
+          </p:cNvPr>
+          <p:cNvPicPr>
+            <a:picLocks noChangeAspect="1" noChangeArrowheads="1"/>
+          </p:cNvPicPr>
+          <p:nvPr/>
+        </p:nvPicPr>
+        <p:blipFill>
+          <a:blip r:embed="rId2">
+            <a:extLst>
+              <a:ext uri="{28A0092B-C50C-407E-A947-70E740481C1C}">
+                <a14:useLocalDpi xmlns:a14="http://schemas.microsoft.com/office/drawing/2010/main" val="0"/>
+              </a:ext>
+            </a:extLst>
+          </a:blip>
+          <a:srcRect/>
+          <a:stretch>
+            <a:fillRect/>
+          </a:stretch>
+        </p:blipFill>
+        <p:spPr bwMode="auto">
+          <a:xfrm>
+            <a:off x="1148013" y="1900238"/>
+            <a:ext cx="8717882" cy="4427974"/>
+          </a:xfrm>
+          <a:prstGeom prst="rect">
+            <a:avLst/>
+          </a:prstGeom>
+          <a:noFill/>
+          <a:extLst>
+            <a:ext uri="{909E8E84-426E-40DD-AFC4-6F175D3DCCD1}">
+              <a14:hiddenFill xmlns:a14="http://schemas.microsoft.com/office/drawing/2010/main">
+                <a:solidFill>
+                  <a:srgbClr val="FFFFFF"/>
+                </a:solidFill>
+              </a14:hiddenFill>
+            </a:ext>
+          </a:extLst>
+        </p:spPr>
+      </p:pic>
+    </p:spTree>
+    <p:extLst>
+      <p:ext uri="{BB962C8B-B14F-4D97-AF65-F5344CB8AC3E}">
+        <p14:creationId xmlns:p14="http://schemas.microsoft.com/office/powerpoint/2010/main" val="463234992"/>
+      </p:ext>
+    </p:extLst>
+  </p:cSld>
+  <p:clrMapOvr>
+    <a:masterClrMapping/>
+  </p:clrMapOvr>
+</p:sld>
+</file>
+
+<file path=ppt/slides/slide9.xml><?xml version="1.0" encoding="utf-8"?>
+<p:sld xmlns:a="http://schemas.openxmlformats.org/drawingml/2006/main" xmlns:r="http://schemas.openxmlformats.org/officeDocument/2006/relationships" xmlns:p="http://schemas.openxmlformats.org/presentationml/2006/main">
+  <p:cSld>
+    <p:spTree>
+      <p:nvGrpSpPr>
+        <p:cNvPr id="1" name=""/>
+        <p:cNvGrpSpPr/>
+        <p:nvPr/>
+      </p:nvGrpSpPr>
+      <p:grpSpPr>
+        <a:xfrm>
+          <a:off x="0" y="0"/>
+          <a:ext cx="0" cy="0"/>
+          <a:chOff x="0" y="0"/>
+          <a:chExt cx="0" cy="0"/>
+        </a:xfrm>
+      </p:grpSpPr>
+      <p:sp>
+        <p:nvSpPr>
+          <p:cNvPr id="2" name="Title 1">
+            <a:extLst>
+              <a:ext uri="{FF2B5EF4-FFF2-40B4-BE49-F238E27FC236}">
+                <a16:creationId xmlns:a16="http://schemas.microsoft.com/office/drawing/2014/main" id="{5BB3B005-A5BB-4219-8223-8738E71E2F5B}"/>
+              </a:ext>
+            </a:extLst>
+          </p:cNvPr>
+          <p:cNvSpPr>
+            <a:spLocks noGrp="1"/>
+          </p:cNvSpPr>
+          <p:nvPr>
+            <p:ph type="title"/>
+          </p:nvPr>
+        </p:nvSpPr>
+        <p:spPr/>
+        <p:txBody>
+          <a:bodyPr/>
+          <a:lstStyle/>
+          <a:p>
+            <a:r>
+              <a:rPr lang="en-US"/>
+              <a:t>Overall process flow used</a:t>
+            </a:r>
+            <a:endParaRPr lang="en-AU" dirty="0"/>
+          </a:p>
+        </p:txBody>
+      </p:sp>
+      <p:pic>
+        <p:nvPicPr>
+          <p:cNvPr id="5" name="Content Placeholder 4">
+            <a:extLst>
+              <a:ext uri="{FF2B5EF4-FFF2-40B4-BE49-F238E27FC236}">
+                <a16:creationId xmlns:a16="http://schemas.microsoft.com/office/drawing/2014/main" id="{9A3E4B6E-2617-466B-B0C6-2A2A1017E261}"/>
+              </a:ext>
+            </a:extLst>
+          </p:cNvPr>
+          <p:cNvPicPr>
+            <a:picLocks noGrp="1" noChangeAspect="1"/>
+          </p:cNvPicPr>
+          <p:nvPr>
+            <p:ph idx="1"/>
+          </p:nvPr>
+        </p:nvPicPr>
+        <p:blipFill>
+          <a:blip r:embed="rId2"/>
+          <a:stretch>
+            <a:fillRect/>
+          </a:stretch>
+        </p:blipFill>
+        <p:spPr>
+          <a:xfrm>
+            <a:off x="3668920" y="2133600"/>
+            <a:ext cx="6755985" cy="3778250"/>
+          </a:xfrm>
+        </p:spPr>
+      </p:pic>
+    </p:spTree>
+    <p:extLst>
+      <p:ext uri="{BB962C8B-B14F-4D97-AF65-F5344CB8AC3E}">
+        <p14:creationId xmlns:p14="http://schemas.microsoft.com/office/powerpoint/2010/main" val="559979042"/>
+      </p:ext>
+    </p:extLst>
+  </p:cSld>
+  <p:clrMapOvr>
+    <a:masterClrMapping/>
+  </p:clrMapOvr>
+</p:sld>
+</file>
+
 <file path=ppt/theme/theme1.xml><?xml version="1.0" encoding="utf-8"?>
-<a:theme xmlns:a="http://schemas.openxmlformats.org/drawingml/2006/main" name="Office Theme">
+<a:theme xmlns:a="http://schemas.openxmlformats.org/drawingml/2006/main" name="Wisp">
   <a:themeElements>
-    <a:clrScheme name="Office">
+    <a:clrScheme name="Wisp">
       <a:dk1>
         <a:sysClr val="windowText" lastClr="000000"/>
       </a:dk1>
@@ -4421,100 +10561,48 @@
         <a:sysClr val="window" lastClr="FFFFFF"/>
       </a:lt1>
       <a:dk2>
-        <a:srgbClr val="44546A"/>
+        <a:srgbClr val="2C333A"/>
       </a:dk2>
       <a:lt2>
-        <a:srgbClr val="E7E6E6"/>
+        <a:srgbClr val="D6ECED"/>
       </a:lt2>
       <a:accent1>
-        <a:srgbClr val="4472C4"/>
+        <a:srgbClr val="DE32DE"/>
       </a:accent1>
       <a:accent2>
-        <a:srgbClr val="ED7D31"/>
+        <a:srgbClr val="F42B8A"/>
       </a:accent2>
       <a:accent3>
-        <a:srgbClr val="A5A5A5"/>
+        <a:srgbClr val="349FE7"/>
       </a:accent3>
       <a:accent4>
-        <a:srgbClr val="FFC000"/>
+        <a:srgbClr val="565FF8"/>
       </a:accent4>
       <a:accent5>
-        <a:srgbClr val="5B9BD5"/>
+        <a:srgbClr val="876BE7"/>
       </a:accent5>
       <a:accent6>
-        <a:srgbClr val="70AD47"/>
+        <a:srgbClr val="F268C2"/>
       </a:accent6>
       <a:hlink>
-        <a:srgbClr val="0563C1"/>
+        <a:srgbClr val="F55CF9"/>
       </a:hlink>
       <a:folHlink>
-        <a:srgbClr val="954F72"/>
+        <a:srgbClr val="E8A0EE"/>
       </a:folHlink>
     </a:clrScheme>
-    <a:fontScheme name="Office">
+    <a:fontScheme name="Wisp">
       <a:majorFont>
-        <a:latin typeface="Calibri Light" panose="020F0302020204030204"/>
+        <a:latin typeface="Century Gothic" panose="020B0502020202020204"/>
         <a:ea typeface=""/>
         <a:cs typeface=""/>
-        <a:font script="Jpan" typeface="游ゴシック Light"/>
-        <a:font script="Hang" typeface="맑은 고딕"/>
-        <a:font script="Hans" typeface="等线 Light"/>
-        <a:font script="Hant" typeface="新細明體"/>
-        <a:font script="Arab" typeface="Times New Roman"/>
-        <a:font script="Hebr" typeface="Times New Roman"/>
-        <a:font script="Thai" typeface="Angsana New"/>
-        <a:font script="Ethi" typeface="Nyala"/>
-        <a:font script="Beng" typeface="Vrinda"/>
-        <a:font script="Gujr" typeface="Shruti"/>
-        <a:font script="Khmr" typeface="MoolBoran"/>
-        <a:font script="Knda" typeface="Tunga"/>
-        <a:font script="Guru" typeface="Raavi"/>
-        <a:font script="Cans" typeface="Euphemia"/>
-        <a:font script="Cher" typeface="Plantagenet Cherokee"/>
-        <a:font script="Yiii" typeface="Microsoft Yi Baiti"/>
-        <a:font script="Tibt" typeface="Microsoft Himalaya"/>
-        <a:font script="Thaa" typeface="MV Boli"/>
-        <a:font script="Deva" typeface="Mangal"/>
-        <a:font script="Telu" typeface="Gautami"/>
-        <a:font script="Taml" typeface="Latha"/>
-        <a:font script="Syrc" typeface="Estrangelo Edessa"/>
-        <a:font script="Orya" typeface="Kalinga"/>
-        <a:font script="Mlym" typeface="Kartika"/>
-        <a:font script="Laoo" typeface="DokChampa"/>
-        <a:font script="Sinh" typeface="Iskoola Pota"/>
-        <a:font script="Mong" typeface="Mongolian Baiti"/>
-        <a:font script="Viet" typeface="Times New Roman"/>
-        <a:font script="Uigh" typeface="Microsoft Uighur"/>
-        <a:font script="Geor" typeface="Sylfaen"/>
-        <a:font script="Armn" typeface="Arial"/>
-        <a:font script="Bugi" typeface="Leelawadee UI"/>
-        <a:font script="Bopo" typeface="Microsoft JhengHei"/>
-        <a:font script="Java" typeface="Javanese Text"/>
-        <a:font script="Lisu" typeface="Segoe UI"/>
-        <a:font script="Mymr" typeface="Myanmar Text"/>
-        <a:font script="Nkoo" typeface="Ebrima"/>
-        <a:font script="Olck" typeface="Nirmala UI"/>
-        <a:font script="Osma" typeface="Ebrima"/>
-        <a:font script="Phag" typeface="Phagspa"/>
-        <a:font script="Syrn" typeface="Estrangelo Edessa"/>
-        <a:font script="Syrj" typeface="Estrangelo Edessa"/>
-        <a:font script="Syre" typeface="Estrangelo Edessa"/>
-        <a:font script="Sora" typeface="Nirmala UI"/>
-        <a:font script="Tale" typeface="Microsoft Tai Le"/>
-        <a:font script="Talu" typeface="Microsoft New Tai Lue"/>
-        <a:font script="Tfng" typeface="Ebrima"/>
-      </a:majorFont>
-      <a:minorFont>
-        <a:latin typeface="Calibri" panose="020F0502020204030204"/>
-        <a:ea typeface=""/>
-        <a:cs typeface=""/>
-        <a:font script="Jpan" typeface="游ゴシック"/>
-        <a:font script="Hang" typeface="맑은 고딕"/>
-        <a:font script="Hans" typeface="等线"/>
-        <a:font script="Hant" typeface="新細明體"/>
-        <a:font script="Arab" typeface="Arial"/>
-        <a:font script="Hebr" typeface="Arial"/>
-        <a:font script="Thai" typeface="Cordia New"/>
+        <a:font script="Jpan" typeface="メイリオ"/>
+        <a:font script="Hang" typeface="HY중고딕"/>
+        <a:font script="Hans" typeface="幼圆"/>
+        <a:font script="Hant" typeface="微軟正黑體"/>
+        <a:font script="Arab" typeface="Tahoma"/>
+        <a:font script="Hebr" typeface="Gisha"/>
+        <a:font script="Thai" typeface="DilleniaUPC"/>
         <a:font script="Ethi" typeface="Nyala"/>
         <a:font script="Beng" typeface="Vrinda"/>
         <a:font script="Gujr" typeface="Shruti"/>
@@ -4535,30 +10623,121 @@
         <a:font script="Laoo" typeface="DokChampa"/>
         <a:font script="Sinh" typeface="Iskoola Pota"/>
         <a:font script="Mong" typeface="Mongolian Baiti"/>
-        <a:font script="Viet" typeface="Arial"/>
+        <a:font script="Viet" typeface="Tahoma"/>
         <a:font script="Uigh" typeface="Microsoft Uighur"/>
         <a:font script="Geor" typeface="Sylfaen"/>
-        <a:font script="Armn" typeface="Arial"/>
-        <a:font script="Bugi" typeface="Leelawadee UI"/>
-        <a:font script="Bopo" typeface="Microsoft JhengHei"/>
-        <a:font script="Java" typeface="Javanese Text"/>
-        <a:font script="Lisu" typeface="Segoe UI"/>
-        <a:font script="Mymr" typeface="Myanmar Text"/>
-        <a:font script="Nkoo" typeface="Ebrima"/>
-        <a:font script="Olck" typeface="Nirmala UI"/>
-        <a:font script="Osma" typeface="Ebrima"/>
-        <a:font script="Phag" typeface="Phagspa"/>
-        <a:font script="Syrn" typeface="Estrangelo Edessa"/>
-        <a:font script="Syrj" typeface="Estrangelo Edessa"/>
-        <a:font script="Syre" typeface="Estrangelo Edessa"/>
-        <a:font script="Sora" typeface="Nirmala UI"/>
-        <a:font script="Tale" typeface="Microsoft Tai Le"/>
-        <a:font script="Talu" typeface="Microsoft New Tai Lue"/>
-        <a:font script="Tfng" typeface="Ebrima"/>
+      </a:majorFont>
+      <a:minorFont>
+        <a:latin typeface="Century Gothic" panose="020B0502020202020204"/>
+        <a:ea typeface=""/>
+        <a:cs typeface=""/>
+        <a:font script="Jpan" typeface="メイリオ"/>
+        <a:font script="Hang" typeface="HY중고딕"/>
+        <a:font script="Hans" typeface="幼圆"/>
+        <a:font script="Hant" typeface="微軟正黑體"/>
+        <a:font script="Arab" typeface="Tahoma"/>
+        <a:font script="Hebr" typeface="Gisha"/>
+        <a:font script="Thai" typeface="DilleniaUPC"/>
+        <a:font script="Ethi" typeface="Nyala"/>
+        <a:font script="Beng" typeface="Vrinda"/>
+        <a:font script="Gujr" typeface="Shruti"/>
+        <a:font script="Khmr" typeface="DaunPenh"/>
+        <a:font script="Knda" typeface="Tunga"/>
+        <a:font script="Guru" typeface="Raavi"/>
+        <a:font script="Cans" typeface="Euphemia"/>
+        <a:font script="Cher" typeface="Plantagenet Cherokee"/>
+        <a:font script="Yiii" typeface="Microsoft Yi Baiti"/>
+        <a:font script="Tibt" typeface="Microsoft Himalaya"/>
+        <a:font script="Thaa" typeface="MV Boli"/>
+        <a:font script="Deva" typeface="Mangal"/>
+        <a:font script="Telu" typeface="Gautami"/>
+        <a:font script="Taml" typeface="Latha"/>
+        <a:font script="Syrc" typeface="Estrangelo Edessa"/>
+        <a:font script="Orya" typeface="Kalinga"/>
+        <a:font script="Mlym" typeface="Kartika"/>
+        <a:font script="Laoo" typeface="DokChampa"/>
+        <a:font script="Sinh" typeface="Iskoola Pota"/>
+        <a:font script="Mong" typeface="Mongolian Baiti"/>
+        <a:font script="Viet" typeface="Tahoma"/>
+        <a:font script="Uigh" typeface="Microsoft Uighur"/>
+        <a:font script="Geor" typeface="Sylfaen"/>
       </a:minorFont>
     </a:fontScheme>
-    <a:fmtScheme name="Office">
+    <a:fmtScheme name="Wisp">
       <a:fillStyleLst>
+        <a:solidFill>
+          <a:schemeClr val="phClr"/>
+        </a:solidFill>
+        <a:solidFill>
+          <a:schemeClr val="phClr">
+            <a:tint val="70000"/>
+            <a:lumMod val="104000"/>
+          </a:schemeClr>
+        </a:solidFill>
+        <a:gradFill rotWithShape="1">
+          <a:gsLst>
+            <a:gs pos="0">
+              <a:schemeClr val="phClr">
+                <a:tint val="96000"/>
+                <a:lumMod val="104000"/>
+              </a:schemeClr>
+            </a:gs>
+            <a:gs pos="100000">
+              <a:schemeClr val="phClr">
+                <a:shade val="98000"/>
+                <a:lumMod val="94000"/>
+              </a:schemeClr>
+            </a:gs>
+          </a:gsLst>
+          <a:lin ang="5400000" scaled="0"/>
+        </a:gradFill>
+      </a:fillStyleLst>
+      <a:lnStyleLst>
+        <a:ln w="9525" cap="rnd" cmpd="sng" algn="ctr">
+          <a:solidFill>
+            <a:schemeClr val="phClr">
+              <a:shade val="90000"/>
+            </a:schemeClr>
+          </a:solidFill>
+          <a:prstDash val="solid"/>
+        </a:ln>
+        <a:ln w="15875" cap="rnd" cmpd="sng" algn="ctr">
+          <a:solidFill>
+            <a:schemeClr val="phClr"/>
+          </a:solidFill>
+          <a:prstDash val="solid"/>
+        </a:ln>
+        <a:ln w="22225" cap="rnd" cmpd="sng" algn="ctr">
+          <a:solidFill>
+            <a:schemeClr val="phClr"/>
+          </a:solidFill>
+          <a:prstDash val="solid"/>
+        </a:ln>
+      </a:lnStyleLst>
+      <a:effectStyleLst>
+        <a:effectStyle>
+          <a:effectLst/>
+        </a:effectStyle>
+        <a:effectStyle>
+          <a:effectLst>
+            <a:outerShdw blurRad="38100" dist="25400" dir="5400000" rotWithShape="0">
+              <a:srgbClr val="000000">
+                <a:alpha val="25000"/>
+              </a:srgbClr>
+            </a:outerShdw>
+          </a:effectLst>
+        </a:effectStyle>
+        <a:effectStyle>
+          <a:effectLst>
+            <a:outerShdw blurRad="50800" dist="38100" dir="5400000" rotWithShape="0">
+              <a:srgbClr val="000000">
+                <a:alpha val="60000"/>
+              </a:srgbClr>
+            </a:outerShdw>
+          </a:effectLst>
+        </a:effectStyle>
+      </a:effectStyleLst>
+      <a:bgFillStyleLst>
         <a:solidFill>
           <a:schemeClr val="phClr"/>
         </a:solidFill>
@@ -4566,23 +10745,15 @@
           <a:gsLst>
             <a:gs pos="0">
               <a:schemeClr val="phClr">
-                <a:lumMod val="110000"/>
-                <a:satMod val="105000"/>
-                <a:tint val="67000"/>
-              </a:schemeClr>
-            </a:gs>
-            <a:gs pos="50000">
-              <a:schemeClr val="phClr">
-                <a:lumMod val="105000"/>
-                <a:satMod val="103000"/>
-                <a:tint val="73000"/>
+                <a:tint val="90000"/>
+                <a:lumMod val="120000"/>
               </a:schemeClr>
             </a:gs>
             <a:gs pos="100000">
               <a:schemeClr val="phClr">
-                <a:lumMod val="105000"/>
-                <a:satMod val="109000"/>
-                <a:tint val="81000"/>
+                <a:shade val="98000"/>
+                <a:satMod val="120000"/>
+                <a:lumMod val="98000"/>
               </a:schemeClr>
             </a:gs>
           </a:gsLst>
@@ -4592,105 +10763,22 @@
           <a:gsLst>
             <a:gs pos="0">
               <a:schemeClr val="phClr">
-                <a:satMod val="103000"/>
-                <a:lumMod val="102000"/>
-                <a:tint val="94000"/>
-              </a:schemeClr>
-            </a:gs>
-            <a:gs pos="50000">
-              <a:schemeClr val="phClr">
-                <a:satMod val="110000"/>
-                <a:lumMod val="100000"/>
-                <a:shade val="100000"/>
+                <a:tint val="90000"/>
+                <a:satMod val="92000"/>
+                <a:lumMod val="120000"/>
               </a:schemeClr>
             </a:gs>
             <a:gs pos="100000">
               <a:schemeClr val="phClr">
-                <a:lumMod val="99000"/>
+                <a:shade val="98000"/>
                 <a:satMod val="120000"/>
-                <a:shade val="78000"/>
+                <a:lumMod val="98000"/>
               </a:schemeClr>
             </a:gs>
           </a:gsLst>
-          <a:lin ang="5400000" scaled="0"/>
-        </a:gradFill>
-      </a:fillStyleLst>
-      <a:lnStyleLst>
-        <a:ln w="6350" cap="flat" cmpd="sng" algn="ctr">
-          <a:solidFill>
-            <a:schemeClr val="phClr"/>
-          </a:solidFill>
-          <a:prstDash val="solid"/>
-          <a:miter lim="800000"/>
-        </a:ln>
-        <a:ln w="12700" cap="flat" cmpd="sng" algn="ctr">
-          <a:solidFill>
-            <a:schemeClr val="phClr"/>
-          </a:solidFill>
-          <a:prstDash val="solid"/>
-          <a:miter lim="800000"/>
-        </a:ln>
-        <a:ln w="19050" cap="flat" cmpd="sng" algn="ctr">
-          <a:solidFill>
-            <a:schemeClr val="phClr"/>
-          </a:solidFill>
-          <a:prstDash val="solid"/>
-          <a:miter lim="800000"/>
-        </a:ln>
-      </a:lnStyleLst>
-      <a:effectStyleLst>
-        <a:effectStyle>
-          <a:effectLst/>
-        </a:effectStyle>
-        <a:effectStyle>
-          <a:effectLst/>
-        </a:effectStyle>
-        <a:effectStyle>
-          <a:effectLst>
-            <a:outerShdw blurRad="57150" dist="19050" dir="5400000" algn="ctr" rotWithShape="0">
-              <a:srgbClr val="000000">
-                <a:alpha val="63000"/>
-              </a:srgbClr>
-            </a:outerShdw>
-          </a:effectLst>
-        </a:effectStyle>
-      </a:effectStyleLst>
-      <a:bgFillStyleLst>
-        <a:solidFill>
-          <a:schemeClr val="phClr"/>
-        </a:solidFill>
-        <a:solidFill>
-          <a:schemeClr val="phClr">
-            <a:tint val="95000"/>
-            <a:satMod val="170000"/>
-          </a:schemeClr>
-        </a:solidFill>
-        <a:gradFill rotWithShape="1">
-          <a:gsLst>
-            <a:gs pos="0">
-              <a:schemeClr val="phClr">
-                <a:tint val="93000"/>
-                <a:satMod val="150000"/>
-                <a:shade val="98000"/>
-                <a:lumMod val="102000"/>
-              </a:schemeClr>
-            </a:gs>
-            <a:gs pos="50000">
-              <a:schemeClr val="phClr">
-                <a:tint val="98000"/>
-                <a:satMod val="130000"/>
-                <a:shade val="90000"/>
-                <a:lumMod val="103000"/>
-              </a:schemeClr>
-            </a:gs>
-            <a:gs pos="100000">
-              <a:schemeClr val="phClr">
-                <a:shade val="63000"/>
-                <a:satMod val="120000"/>
-              </a:schemeClr>
-            </a:gs>
-          </a:gsLst>
-          <a:lin ang="5400000" scaled="0"/>
+          <a:path path="circle">
+            <a:fillToRect l="50000" t="50000" r="100000" b="100000"/>
+          </a:path>
         </a:gradFill>
       </a:bgFillStyleLst>
     </a:fmtScheme>
@@ -4699,7 +10787,7 @@
   <a:extraClrSchemeLst/>
   <a:extLst>
     <a:ext uri="{05A4C25C-085E-4340-85A3-A5531E510DB2}">
-      <thm15:themeFamily xmlns:thm15="http://schemas.microsoft.com/office/thememl/2012/main" name="Office Theme" id="{62F939B6-93AF-4DB8-9C6B-D6C7DFDC589F}" vid="{4A3C46E8-61CC-4603-A589-7422A47A8E4A}"/>
+      <thm15:themeFamily xmlns:thm15="http://schemas.microsoft.com/office/thememl/2012/main" name="Wisp" id="{7CB32D59-10C0-40DD-B7BD-2E94284A981C}" vid="{F20B7C8E-B819-43F3-AAF9-EE50B1A83630}"/>
     </a:ext>
   </a:extLst>
 </a:theme>

--- a/Capstone Project 2021.pptx
+++ b/Capstone Project 2021.pptx
@@ -2,7 +2,7 @@
 <file path=ppt/presentation.xml><?xml version="1.0" encoding="utf-8"?>
 <p:presentation xmlns:a="http://schemas.openxmlformats.org/drawingml/2006/main" xmlns:r="http://schemas.openxmlformats.org/officeDocument/2006/relationships" xmlns:p="http://schemas.openxmlformats.org/presentationml/2006/main" saveSubsetFonts="1">
   <p:sldMasterIdLst>
-    <p:sldMasterId id="2147483773" r:id="rId1"/>
+    <p:sldMasterId id="2147483807" r:id="rId1"/>
   </p:sldMasterIdLst>
   <p:sldIdLst>
     <p:sldId id="256" r:id="rId2"/>
@@ -11,13 +11,16 @@
     <p:sldId id="259" r:id="rId5"/>
     <p:sldId id="260" r:id="rId6"/>
     <p:sldId id="261" r:id="rId7"/>
-    <p:sldId id="262" r:id="rId8"/>
-    <p:sldId id="263" r:id="rId9"/>
-    <p:sldId id="264" r:id="rId10"/>
-    <p:sldId id="265" r:id="rId11"/>
-    <p:sldId id="266" r:id="rId12"/>
-    <p:sldId id="267" r:id="rId13"/>
-    <p:sldId id="268" r:id="rId14"/>
+    <p:sldId id="271" r:id="rId8"/>
+    <p:sldId id="262" r:id="rId9"/>
+    <p:sldId id="263" r:id="rId10"/>
+    <p:sldId id="272" r:id="rId11"/>
+    <p:sldId id="273" r:id="rId12"/>
+    <p:sldId id="265" r:id="rId13"/>
+    <p:sldId id="269" r:id="rId14"/>
+    <p:sldId id="270" r:id="rId15"/>
+    <p:sldId id="267" r:id="rId16"/>
+    <p:sldId id="268" r:id="rId17"/>
   </p:sldIdLst>
   <p:sldSz cx="12192000" cy="6858000"/>
   <p:notesSz cx="6858000" cy="9144000"/>
@@ -127,7 +130,7 @@
 <file path=ppt/revisionInfo.xml><?xml version="1.0" encoding="utf-8"?>
 <p1510:revInfo xmlns:a="http://schemas.openxmlformats.org/drawingml/2006/main" xmlns:r="http://schemas.openxmlformats.org/officeDocument/2006/relationships" xmlns:p1510="http://schemas.microsoft.com/office/powerpoint/2015/10/main">
   <p1510:revLst>
-    <p1510:client id="{D426A5C3-16BC-459B-8B24-6227DC7E5B5C}" v="13" dt="2021-06-03T04:13:16.717"/>
+    <p1510:client id="{D426A5C3-16BC-459B-8B24-6227DC7E5B5C}" v="75" dt="2021-06-03T07:24:02.299"/>
   </p1510:revLst>
 </p1510:revInfo>
 </file>
@@ -136,19 +139,19 @@
 <pc:chgInfo xmlns:a="http://schemas.openxmlformats.org/drawingml/2006/main" xmlns:r="http://schemas.openxmlformats.org/officeDocument/2006/relationships" xmlns:ac="http://schemas.microsoft.com/office/drawing/2013/main/command" xmlns:pc="http://schemas.microsoft.com/office/powerpoint/2013/main/command">
   <pc:docChgLst>
     <pc:chgData name="Isaac Low" userId="7480a74fbf43f6b1" providerId="LiveId" clId="{D426A5C3-16BC-459B-8B24-6227DC7E5B5C}"/>
-    <pc:docChg chg="undo custSel addSld modSld">
-      <pc:chgData name="Isaac Low" userId="7480a74fbf43f6b1" providerId="LiveId" clId="{D426A5C3-16BC-459B-8B24-6227DC7E5B5C}" dt="2021-06-03T04:22:15.788" v="5442"/>
+    <pc:docChg chg="undo redo custSel addSld delSld modSld sldOrd">
+      <pc:chgData name="Isaac Low" userId="7480a74fbf43f6b1" providerId="LiveId" clId="{D426A5C3-16BC-459B-8B24-6227DC7E5B5C}" dt="2021-06-03T07:36:06.815" v="8274" actId="20577"/>
       <pc:docMkLst>
         <pc:docMk/>
       </pc:docMkLst>
       <pc:sldChg chg="addSp delSp modSp new mod setBg addAnim setClrOvrMap delDesignElem">
-        <pc:chgData name="Isaac Low" userId="7480a74fbf43f6b1" providerId="LiveId" clId="{D426A5C3-16BC-459B-8B24-6227DC7E5B5C}" dt="2021-06-03T04:13:39.558" v="5421" actId="26606"/>
+        <pc:chgData name="Isaac Low" userId="7480a74fbf43f6b1" providerId="LiveId" clId="{D426A5C3-16BC-459B-8B24-6227DC7E5B5C}" dt="2021-06-03T05:58:21.238" v="6819" actId="20577"/>
         <pc:sldMkLst>
           <pc:docMk/>
           <pc:sldMk cId="1346450560" sldId="256"/>
         </pc:sldMkLst>
         <pc:spChg chg="mod ord">
-          <ac:chgData name="Isaac Low" userId="7480a74fbf43f6b1" providerId="LiveId" clId="{D426A5C3-16BC-459B-8B24-6227DC7E5B5C}" dt="2021-06-03T04:13:39.558" v="5421" actId="26606"/>
+          <ac:chgData name="Isaac Low" userId="7480a74fbf43f6b1" providerId="LiveId" clId="{D426A5C3-16BC-459B-8B24-6227DC7E5B5C}" dt="2021-06-03T05:58:21.238" v="6819" actId="20577"/>
           <ac:spMkLst>
             <pc:docMk/>
             <pc:sldMk cId="1346450560" sldId="256"/>
@@ -379,16 +382,16 @@
             <ac:spMk id="65" creationId="{1310EFE2-B91D-47E7-B117-C2A802800A7C}"/>
           </ac:spMkLst>
         </pc:spChg>
-        <pc:spChg chg="add">
-          <ac:chgData name="Isaac Low" userId="7480a74fbf43f6b1" providerId="LiveId" clId="{D426A5C3-16BC-459B-8B24-6227DC7E5B5C}" dt="2021-06-03T04:13:39.558" v="5421" actId="26606"/>
+        <pc:spChg chg="add del">
+          <ac:chgData name="Isaac Low" userId="7480a74fbf43f6b1" providerId="LiveId" clId="{D426A5C3-16BC-459B-8B24-6227DC7E5B5C}" dt="2021-06-03T04:44:06.433" v="5857"/>
           <ac:spMkLst>
             <pc:docMk/>
             <pc:sldMk cId="1346450560" sldId="256"/>
             <ac:spMk id="67" creationId="{57ABABA7-0420-4200-9B65-1C1967CE9373}"/>
           </ac:spMkLst>
         </pc:spChg>
-        <pc:spChg chg="add">
-          <ac:chgData name="Isaac Low" userId="7480a74fbf43f6b1" providerId="LiveId" clId="{D426A5C3-16BC-459B-8B24-6227DC7E5B5C}" dt="2021-06-03T04:13:39.558" v="5421" actId="26606"/>
+        <pc:spChg chg="add del">
+          <ac:chgData name="Isaac Low" userId="7480a74fbf43f6b1" providerId="LiveId" clId="{D426A5C3-16BC-459B-8B24-6227DC7E5B5C}" dt="2021-06-03T04:44:06.433" v="5857"/>
           <ac:spMkLst>
             <pc:docMk/>
             <pc:sldMk cId="1346450560" sldId="256"/>
@@ -435,8 +438,8 @@
             <ac:cxnSpMk id="54" creationId="{34D43EC1-35FA-4FC3-8526-F655CEB09D9C}"/>
           </ac:cxnSpMkLst>
         </pc:cxnChg>
-        <pc:cxnChg chg="add">
-          <ac:chgData name="Isaac Low" userId="7480a74fbf43f6b1" providerId="LiveId" clId="{D426A5C3-16BC-459B-8B24-6227DC7E5B5C}" dt="2021-06-03T04:13:39.558" v="5421" actId="26606"/>
+        <pc:cxnChg chg="add del">
+          <ac:chgData name="Isaac Low" userId="7480a74fbf43f6b1" providerId="LiveId" clId="{D426A5C3-16BC-459B-8B24-6227DC7E5B5C}" dt="2021-06-03T04:44:06.433" v="5857"/>
           <ac:cxnSpMkLst>
             <pc:docMk/>
             <pc:sldMk cId="1346450560" sldId="256"/>
@@ -445,13 +448,13 @@
         </pc:cxnChg>
       </pc:sldChg>
       <pc:sldChg chg="modSp new mod">
-        <pc:chgData name="Isaac Low" userId="7480a74fbf43f6b1" providerId="LiveId" clId="{D426A5C3-16BC-459B-8B24-6227DC7E5B5C}" dt="2021-06-03T04:13:16.717" v="5408"/>
+        <pc:chgData name="Isaac Low" userId="7480a74fbf43f6b1" providerId="LiveId" clId="{D426A5C3-16BC-459B-8B24-6227DC7E5B5C}" dt="2021-06-03T04:44:10.801" v="5858"/>
         <pc:sldMkLst>
           <pc:docMk/>
           <pc:sldMk cId="1413400137" sldId="257"/>
         </pc:sldMkLst>
         <pc:spChg chg="mod">
-          <ac:chgData name="Isaac Low" userId="7480a74fbf43f6b1" providerId="LiveId" clId="{D426A5C3-16BC-459B-8B24-6227DC7E5B5C}" dt="2021-06-03T04:13:16.717" v="5408"/>
+          <ac:chgData name="Isaac Low" userId="7480a74fbf43f6b1" providerId="LiveId" clId="{D426A5C3-16BC-459B-8B24-6227DC7E5B5C}" dt="2021-06-03T04:44:10.801" v="5858"/>
           <ac:spMkLst>
             <pc:docMk/>
             <pc:sldMk cId="1413400137" sldId="257"/>
@@ -459,7 +462,7 @@
           </ac:spMkLst>
         </pc:spChg>
         <pc:spChg chg="mod">
-          <ac:chgData name="Isaac Low" userId="7480a74fbf43f6b1" providerId="LiveId" clId="{D426A5C3-16BC-459B-8B24-6227DC7E5B5C}" dt="2021-06-03T04:13:16.717" v="5408"/>
+          <ac:chgData name="Isaac Low" userId="7480a74fbf43f6b1" providerId="LiveId" clId="{D426A5C3-16BC-459B-8B24-6227DC7E5B5C}" dt="2021-06-03T04:44:10.801" v="5858"/>
           <ac:spMkLst>
             <pc:docMk/>
             <pc:sldMk cId="1413400137" sldId="257"/>
@@ -467,14 +470,14 @@
           </ac:spMkLst>
         </pc:spChg>
       </pc:sldChg>
-      <pc:sldChg chg="modSp new mod">
-        <pc:chgData name="Isaac Low" userId="7480a74fbf43f6b1" providerId="LiveId" clId="{D426A5C3-16BC-459B-8B24-6227DC7E5B5C}" dt="2021-06-03T04:13:16.717" v="5408"/>
+      <pc:sldChg chg="modSp new mod ord">
+        <pc:chgData name="Isaac Low" userId="7480a74fbf43f6b1" providerId="LiveId" clId="{D426A5C3-16BC-459B-8B24-6227DC7E5B5C}" dt="2021-06-03T07:24:42.720" v="7507" actId="20577"/>
         <pc:sldMkLst>
           <pc:docMk/>
           <pc:sldMk cId="1287661203" sldId="258"/>
         </pc:sldMkLst>
         <pc:spChg chg="mod">
-          <ac:chgData name="Isaac Low" userId="7480a74fbf43f6b1" providerId="LiveId" clId="{D426A5C3-16BC-459B-8B24-6227DC7E5B5C}" dt="2021-06-03T04:13:16.717" v="5408"/>
+          <ac:chgData name="Isaac Low" userId="7480a74fbf43f6b1" providerId="LiveId" clId="{D426A5C3-16BC-459B-8B24-6227DC7E5B5C}" dt="2021-06-03T04:44:10.801" v="5858"/>
           <ac:spMkLst>
             <pc:docMk/>
             <pc:sldMk cId="1287661203" sldId="258"/>
@@ -482,7 +485,7 @@
           </ac:spMkLst>
         </pc:spChg>
         <pc:spChg chg="mod">
-          <ac:chgData name="Isaac Low" userId="7480a74fbf43f6b1" providerId="LiveId" clId="{D426A5C3-16BC-459B-8B24-6227DC7E5B5C}" dt="2021-06-03T04:13:16.717" v="5408"/>
+          <ac:chgData name="Isaac Low" userId="7480a74fbf43f6b1" providerId="LiveId" clId="{D426A5C3-16BC-459B-8B24-6227DC7E5B5C}" dt="2021-06-03T07:24:42.720" v="7507" actId="20577"/>
           <ac:spMkLst>
             <pc:docMk/>
             <pc:sldMk cId="1287661203" sldId="258"/>
@@ -491,13 +494,13 @@
         </pc:spChg>
       </pc:sldChg>
       <pc:sldChg chg="modSp new mod">
-        <pc:chgData name="Isaac Low" userId="7480a74fbf43f6b1" providerId="LiveId" clId="{D426A5C3-16BC-459B-8B24-6227DC7E5B5C}" dt="2021-06-03T04:13:16.717" v="5408"/>
+        <pc:chgData name="Isaac Low" userId="7480a74fbf43f6b1" providerId="LiveId" clId="{D426A5C3-16BC-459B-8B24-6227DC7E5B5C}" dt="2021-06-03T06:08:50.055" v="7199" actId="27636"/>
         <pc:sldMkLst>
           <pc:docMk/>
           <pc:sldMk cId="1597611348" sldId="259"/>
         </pc:sldMkLst>
         <pc:spChg chg="mod">
-          <ac:chgData name="Isaac Low" userId="7480a74fbf43f6b1" providerId="LiveId" clId="{D426A5C3-16BC-459B-8B24-6227DC7E5B5C}" dt="2021-06-03T04:13:16.717" v="5408"/>
+          <ac:chgData name="Isaac Low" userId="7480a74fbf43f6b1" providerId="LiveId" clId="{D426A5C3-16BC-459B-8B24-6227DC7E5B5C}" dt="2021-06-03T04:44:10.801" v="5858"/>
           <ac:spMkLst>
             <pc:docMk/>
             <pc:sldMk cId="1597611348" sldId="259"/>
@@ -505,7 +508,7 @@
           </ac:spMkLst>
         </pc:spChg>
         <pc:spChg chg="mod">
-          <ac:chgData name="Isaac Low" userId="7480a74fbf43f6b1" providerId="LiveId" clId="{D426A5C3-16BC-459B-8B24-6227DC7E5B5C}" dt="2021-06-03T04:13:16.717" v="5408"/>
+          <ac:chgData name="Isaac Low" userId="7480a74fbf43f6b1" providerId="LiveId" clId="{D426A5C3-16BC-459B-8B24-6227DC7E5B5C}" dt="2021-06-03T06:08:50.055" v="7199" actId="27636"/>
           <ac:spMkLst>
             <pc:docMk/>
             <pc:sldMk cId="1597611348" sldId="259"/>
@@ -513,37 +516,53 @@
           </ac:spMkLst>
         </pc:spChg>
       </pc:sldChg>
-      <pc:sldChg chg="modSp new mod">
-        <pc:chgData name="Isaac Low" userId="7480a74fbf43f6b1" providerId="LiveId" clId="{D426A5C3-16BC-459B-8B24-6227DC7E5B5C}" dt="2021-06-03T04:13:16.717" v="5408"/>
+      <pc:sldChg chg="addSp delSp modSp new mod chgLayout">
+        <pc:chgData name="Isaac Low" userId="7480a74fbf43f6b1" providerId="LiveId" clId="{D426A5C3-16BC-459B-8B24-6227DC7E5B5C}" dt="2021-06-03T05:54:25.368" v="6720" actId="20577"/>
         <pc:sldMkLst>
           <pc:docMk/>
           <pc:sldMk cId="2854986470" sldId="260"/>
         </pc:sldMkLst>
-        <pc:spChg chg="mod">
-          <ac:chgData name="Isaac Low" userId="7480a74fbf43f6b1" providerId="LiveId" clId="{D426A5C3-16BC-459B-8B24-6227DC7E5B5C}" dt="2021-06-03T04:13:16.717" v="5408"/>
+        <pc:spChg chg="mod ord">
+          <ac:chgData name="Isaac Low" userId="7480a74fbf43f6b1" providerId="LiveId" clId="{D426A5C3-16BC-459B-8B24-6227DC7E5B5C}" dt="2021-06-03T05:54:22.366" v="6718" actId="6264"/>
           <ac:spMkLst>
             <pc:docMk/>
             <pc:sldMk cId="2854986470" sldId="260"/>
             <ac:spMk id="2" creationId="{06844C44-3675-43DC-8592-4202DE50ACCC}"/>
           </ac:spMkLst>
         </pc:spChg>
-        <pc:spChg chg="mod">
-          <ac:chgData name="Isaac Low" userId="7480a74fbf43f6b1" providerId="LiveId" clId="{D426A5C3-16BC-459B-8B24-6227DC7E5B5C}" dt="2021-06-03T04:13:16.717" v="5408"/>
+        <pc:spChg chg="mod ord">
+          <ac:chgData name="Isaac Low" userId="7480a74fbf43f6b1" providerId="LiveId" clId="{D426A5C3-16BC-459B-8B24-6227DC7E5B5C}" dt="2021-06-03T05:54:25.368" v="6720" actId="20577"/>
           <ac:spMkLst>
             <pc:docMk/>
             <pc:sldMk cId="2854986470" sldId="260"/>
             <ac:spMk id="3" creationId="{F1142356-254B-4420-98BC-2D8AACCFA737}"/>
           </ac:spMkLst>
         </pc:spChg>
+        <pc:spChg chg="add del mod">
+          <ac:chgData name="Isaac Low" userId="7480a74fbf43f6b1" providerId="LiveId" clId="{D426A5C3-16BC-459B-8B24-6227DC7E5B5C}" dt="2021-06-03T05:54:22.366" v="6718" actId="6264"/>
+          <ac:spMkLst>
+            <pc:docMk/>
+            <pc:sldMk cId="2854986470" sldId="260"/>
+            <ac:spMk id="4" creationId="{5726733B-032A-4BCC-B044-9F74922C2988}"/>
+          </ac:spMkLst>
+        </pc:spChg>
+        <pc:spChg chg="add del mod">
+          <ac:chgData name="Isaac Low" userId="7480a74fbf43f6b1" providerId="LiveId" clId="{D426A5C3-16BC-459B-8B24-6227DC7E5B5C}" dt="2021-06-03T05:54:22.366" v="6718" actId="6264"/>
+          <ac:spMkLst>
+            <pc:docMk/>
+            <pc:sldMk cId="2854986470" sldId="260"/>
+            <ac:spMk id="5" creationId="{B2C0EF6F-43D3-4CDB-866C-78D95567FD76}"/>
+          </ac:spMkLst>
+        </pc:spChg>
       </pc:sldChg>
       <pc:sldChg chg="modSp new mod">
-        <pc:chgData name="Isaac Low" userId="7480a74fbf43f6b1" providerId="LiveId" clId="{D426A5C3-16BC-459B-8B24-6227DC7E5B5C}" dt="2021-06-03T04:13:16.717" v="5408"/>
+        <pc:chgData name="Isaac Low" userId="7480a74fbf43f6b1" providerId="LiveId" clId="{D426A5C3-16BC-459B-8B24-6227DC7E5B5C}" dt="2021-06-03T06:08:02.824" v="7132" actId="20577"/>
         <pc:sldMkLst>
           <pc:docMk/>
           <pc:sldMk cId="4219432369" sldId="261"/>
         </pc:sldMkLst>
         <pc:spChg chg="mod">
-          <ac:chgData name="Isaac Low" userId="7480a74fbf43f6b1" providerId="LiveId" clId="{D426A5C3-16BC-459B-8B24-6227DC7E5B5C}" dt="2021-06-03T04:13:16.717" v="5408"/>
+          <ac:chgData name="Isaac Low" userId="7480a74fbf43f6b1" providerId="LiveId" clId="{D426A5C3-16BC-459B-8B24-6227DC7E5B5C}" dt="2021-06-03T04:44:10.801" v="5858"/>
           <ac:spMkLst>
             <pc:docMk/>
             <pc:sldMk cId="4219432369" sldId="261"/>
@@ -551,7 +570,7 @@
           </ac:spMkLst>
         </pc:spChg>
         <pc:spChg chg="mod">
-          <ac:chgData name="Isaac Low" userId="7480a74fbf43f6b1" providerId="LiveId" clId="{D426A5C3-16BC-459B-8B24-6227DC7E5B5C}" dt="2021-06-03T04:13:16.717" v="5408"/>
+          <ac:chgData name="Isaac Low" userId="7480a74fbf43f6b1" providerId="LiveId" clId="{D426A5C3-16BC-459B-8B24-6227DC7E5B5C}" dt="2021-06-03T06:08:02.824" v="7132" actId="20577"/>
           <ac:spMkLst>
             <pc:docMk/>
             <pc:sldMk cId="4219432369" sldId="261"/>
@@ -559,14 +578,14 @@
           </ac:spMkLst>
         </pc:spChg>
       </pc:sldChg>
-      <pc:sldChg chg="modSp new mod">
-        <pc:chgData name="Isaac Low" userId="7480a74fbf43f6b1" providerId="LiveId" clId="{D426A5C3-16BC-459B-8B24-6227DC7E5B5C}" dt="2021-06-03T04:13:16.717" v="5408"/>
+      <pc:sldChg chg="addSp delSp modSp new mod">
+        <pc:chgData name="Isaac Low" userId="7480a74fbf43f6b1" providerId="LiveId" clId="{D426A5C3-16BC-459B-8B24-6227DC7E5B5C}" dt="2021-06-03T06:19:57.567" v="7386" actId="20577"/>
         <pc:sldMkLst>
           <pc:docMk/>
           <pc:sldMk cId="2505818061" sldId="262"/>
         </pc:sldMkLst>
         <pc:spChg chg="mod">
-          <ac:chgData name="Isaac Low" userId="7480a74fbf43f6b1" providerId="LiveId" clId="{D426A5C3-16BC-459B-8B24-6227DC7E5B5C}" dt="2021-06-03T04:13:16.717" v="5408"/>
+          <ac:chgData name="Isaac Low" userId="7480a74fbf43f6b1" providerId="LiveId" clId="{D426A5C3-16BC-459B-8B24-6227DC7E5B5C}" dt="2021-06-03T04:44:10.801" v="5858"/>
           <ac:spMkLst>
             <pc:docMk/>
             <pc:sldMk cId="2505818061" sldId="262"/>
@@ -574,22 +593,46 @@
           </ac:spMkLst>
         </pc:spChg>
         <pc:spChg chg="mod">
-          <ac:chgData name="Isaac Low" userId="7480a74fbf43f6b1" providerId="LiveId" clId="{D426A5C3-16BC-459B-8B24-6227DC7E5B5C}" dt="2021-06-03T04:13:16.717" v="5408"/>
+          <ac:chgData name="Isaac Low" userId="7480a74fbf43f6b1" providerId="LiveId" clId="{D426A5C3-16BC-459B-8B24-6227DC7E5B5C}" dt="2021-06-03T06:19:57.567" v="7386" actId="20577"/>
           <ac:spMkLst>
             <pc:docMk/>
             <pc:sldMk cId="2505818061" sldId="262"/>
             <ac:spMk id="3" creationId="{E51F004A-2C7F-4E04-BA2C-6B46B2598D5A}"/>
           </ac:spMkLst>
         </pc:spChg>
+        <pc:spChg chg="add del">
+          <ac:chgData name="Isaac Low" userId="7480a74fbf43f6b1" providerId="LiveId" clId="{D426A5C3-16BC-459B-8B24-6227DC7E5B5C}" dt="2021-06-03T06:04:55.714" v="6890"/>
+          <ac:spMkLst>
+            <pc:docMk/>
+            <pc:sldMk cId="2505818061" sldId="262"/>
+            <ac:spMk id="4" creationId="{A18A58AC-F169-4668-98BD-E32ABF772551}"/>
+          </ac:spMkLst>
+        </pc:spChg>
+        <pc:spChg chg="add del">
+          <ac:chgData name="Isaac Low" userId="7480a74fbf43f6b1" providerId="LiveId" clId="{D426A5C3-16BC-459B-8B24-6227DC7E5B5C}" dt="2021-06-03T06:04:57.951" v="6892"/>
+          <ac:spMkLst>
+            <pc:docMk/>
+            <pc:sldMk cId="2505818061" sldId="262"/>
+            <ac:spMk id="5" creationId="{16DE173F-C482-4DB0-8452-479508BE1D8B}"/>
+          </ac:spMkLst>
+        </pc:spChg>
+        <pc:spChg chg="add del">
+          <ac:chgData name="Isaac Low" userId="7480a74fbf43f6b1" providerId="LiveId" clId="{D426A5C3-16BC-459B-8B24-6227DC7E5B5C}" dt="2021-06-03T06:05:03.748" v="6894"/>
+          <ac:spMkLst>
+            <pc:docMk/>
+            <pc:sldMk cId="2505818061" sldId="262"/>
+            <ac:spMk id="6" creationId="{20F62B61-C569-4B65-B0CA-5A6861ABD487}"/>
+          </ac:spMkLst>
+        </pc:spChg>
       </pc:sldChg>
       <pc:sldChg chg="addSp modSp new mod">
-        <pc:chgData name="Isaac Low" userId="7480a74fbf43f6b1" providerId="LiveId" clId="{D426A5C3-16BC-459B-8B24-6227DC7E5B5C}" dt="2021-06-03T04:13:16.717" v="5408"/>
+        <pc:chgData name="Isaac Low" userId="7480a74fbf43f6b1" providerId="LiveId" clId="{D426A5C3-16BC-459B-8B24-6227DC7E5B5C}" dt="2021-06-03T07:24:19.650" v="7504" actId="20577"/>
         <pc:sldMkLst>
           <pc:docMk/>
           <pc:sldMk cId="463234992" sldId="263"/>
         </pc:sldMkLst>
         <pc:spChg chg="mod">
-          <ac:chgData name="Isaac Low" userId="7480a74fbf43f6b1" providerId="LiveId" clId="{D426A5C3-16BC-459B-8B24-6227DC7E5B5C}" dt="2021-06-03T04:13:16.717" v="5408"/>
+          <ac:chgData name="Isaac Low" userId="7480a74fbf43f6b1" providerId="LiveId" clId="{D426A5C3-16BC-459B-8B24-6227DC7E5B5C}" dt="2021-06-03T04:44:10.801" v="5858"/>
           <ac:spMkLst>
             <pc:docMk/>
             <pc:sldMk cId="463234992" sldId="263"/>
@@ -597,7 +640,7 @@
           </ac:spMkLst>
         </pc:spChg>
         <pc:spChg chg="mod">
-          <ac:chgData name="Isaac Low" userId="7480a74fbf43f6b1" providerId="LiveId" clId="{D426A5C3-16BC-459B-8B24-6227DC7E5B5C}" dt="2021-06-03T03:50:15.142" v="2950" actId="14100"/>
+          <ac:chgData name="Isaac Low" userId="7480a74fbf43f6b1" providerId="LiveId" clId="{D426A5C3-16BC-459B-8B24-6227DC7E5B5C}" dt="2021-06-03T07:24:19.650" v="7504" actId="20577"/>
           <ac:spMkLst>
             <pc:docMk/>
             <pc:sldMk cId="463234992" sldId="263"/>
@@ -605,7 +648,7 @@
           </ac:spMkLst>
         </pc:spChg>
         <pc:picChg chg="add mod">
-          <ac:chgData name="Isaac Low" userId="7480a74fbf43f6b1" providerId="LiveId" clId="{D426A5C3-16BC-459B-8B24-6227DC7E5B5C}" dt="2021-06-03T03:51:05.067" v="2953" actId="14100"/>
+          <ac:chgData name="Isaac Low" userId="7480a74fbf43f6b1" providerId="LiveId" clId="{D426A5C3-16BC-459B-8B24-6227DC7E5B5C}" dt="2021-06-03T06:20:24.589" v="7422" actId="1076"/>
           <ac:picMkLst>
             <pc:docMk/>
             <pc:sldMk cId="463234992" sldId="263"/>
@@ -613,14 +656,14 @@
           </ac:picMkLst>
         </pc:picChg>
       </pc:sldChg>
-      <pc:sldChg chg="addSp delSp modSp new mod setBg">
-        <pc:chgData name="Isaac Low" userId="7480a74fbf43f6b1" providerId="LiveId" clId="{D426A5C3-16BC-459B-8B24-6227DC7E5B5C}" dt="2021-06-03T04:13:16.717" v="5408"/>
+      <pc:sldChg chg="addSp delSp modSp new del mod setBg">
+        <pc:chgData name="Isaac Low" userId="7480a74fbf43f6b1" providerId="LiveId" clId="{D426A5C3-16BC-459B-8B24-6227DC7E5B5C}" dt="2021-06-03T07:25:13.361" v="7508" actId="2696"/>
         <pc:sldMkLst>
           <pc:docMk/>
           <pc:sldMk cId="559979042" sldId="264"/>
         </pc:sldMkLst>
         <pc:spChg chg="mod">
-          <ac:chgData name="Isaac Low" userId="7480a74fbf43f6b1" providerId="LiveId" clId="{D426A5C3-16BC-459B-8B24-6227DC7E5B5C}" dt="2021-06-03T04:13:16.717" v="5408"/>
+          <ac:chgData name="Isaac Low" userId="7480a74fbf43f6b1" providerId="LiveId" clId="{D426A5C3-16BC-459B-8B24-6227DC7E5B5C}" dt="2021-06-03T04:44:10.801" v="5858"/>
           <ac:spMkLst>
             <pc:docMk/>
             <pc:sldMk cId="559979042" sldId="264"/>
@@ -660,7 +703,7 @@
           </ac:spMkLst>
         </pc:spChg>
         <pc:picChg chg="add mod ord">
-          <ac:chgData name="Isaac Low" userId="7480a74fbf43f6b1" providerId="LiveId" clId="{D426A5C3-16BC-459B-8B24-6227DC7E5B5C}" dt="2021-06-03T04:13:16.717" v="5408"/>
+          <ac:chgData name="Isaac Low" userId="7480a74fbf43f6b1" providerId="LiveId" clId="{D426A5C3-16BC-459B-8B24-6227DC7E5B5C}" dt="2021-06-03T04:26:13.808" v="5456" actId="14100"/>
           <ac:picMkLst>
             <pc:docMk/>
             <pc:sldMk cId="559979042" sldId="264"/>
@@ -669,13 +712,13 @@
         </pc:picChg>
       </pc:sldChg>
       <pc:sldChg chg="modSp new mod">
-        <pc:chgData name="Isaac Low" userId="7480a74fbf43f6b1" providerId="LiveId" clId="{D426A5C3-16BC-459B-8B24-6227DC7E5B5C}" dt="2021-06-03T04:13:16.717" v="5408"/>
+        <pc:chgData name="Isaac Low" userId="7480a74fbf43f6b1" providerId="LiveId" clId="{D426A5C3-16BC-459B-8B24-6227DC7E5B5C}" dt="2021-06-03T07:28:32.837" v="8036" actId="20577"/>
         <pc:sldMkLst>
           <pc:docMk/>
           <pc:sldMk cId="2126947556" sldId="265"/>
         </pc:sldMkLst>
         <pc:spChg chg="mod">
-          <ac:chgData name="Isaac Low" userId="7480a74fbf43f6b1" providerId="LiveId" clId="{D426A5C3-16BC-459B-8B24-6227DC7E5B5C}" dt="2021-06-03T04:13:16.717" v="5408"/>
+          <ac:chgData name="Isaac Low" userId="7480a74fbf43f6b1" providerId="LiveId" clId="{D426A5C3-16BC-459B-8B24-6227DC7E5B5C}" dt="2021-06-03T04:44:10.801" v="5858"/>
           <ac:spMkLst>
             <pc:docMk/>
             <pc:sldMk cId="2126947556" sldId="265"/>
@@ -683,7 +726,7 @@
           </ac:spMkLst>
         </pc:spChg>
         <pc:spChg chg="mod">
-          <ac:chgData name="Isaac Low" userId="7480a74fbf43f6b1" providerId="LiveId" clId="{D426A5C3-16BC-459B-8B24-6227DC7E5B5C}" dt="2021-06-03T04:13:16.717" v="5408"/>
+          <ac:chgData name="Isaac Low" userId="7480a74fbf43f6b1" providerId="LiveId" clId="{D426A5C3-16BC-459B-8B24-6227DC7E5B5C}" dt="2021-06-03T07:28:32.837" v="8036" actId="20577"/>
           <ac:spMkLst>
             <pc:docMk/>
             <pc:sldMk cId="2126947556" sldId="265"/>
@@ -691,14 +734,14 @@
           </ac:spMkLst>
         </pc:spChg>
       </pc:sldChg>
-      <pc:sldChg chg="modSp new mod">
-        <pc:chgData name="Isaac Low" userId="7480a74fbf43f6b1" providerId="LiveId" clId="{D426A5C3-16BC-459B-8B24-6227DC7E5B5C}" dt="2021-06-03T04:13:16.717" v="5408"/>
+      <pc:sldChg chg="modSp new del mod">
+        <pc:chgData name="Isaac Low" userId="7480a74fbf43f6b1" providerId="LiveId" clId="{D426A5C3-16BC-459B-8B24-6227DC7E5B5C}" dt="2021-06-03T07:25:41.368" v="7514" actId="2696"/>
         <pc:sldMkLst>
           <pc:docMk/>
           <pc:sldMk cId="1656088696" sldId="266"/>
         </pc:sldMkLst>
         <pc:spChg chg="mod">
-          <ac:chgData name="Isaac Low" userId="7480a74fbf43f6b1" providerId="LiveId" clId="{D426A5C3-16BC-459B-8B24-6227DC7E5B5C}" dt="2021-06-03T04:13:16.717" v="5408"/>
+          <ac:chgData name="Isaac Low" userId="7480a74fbf43f6b1" providerId="LiveId" clId="{D426A5C3-16BC-459B-8B24-6227DC7E5B5C}" dt="2021-06-03T04:44:10.801" v="5858"/>
           <ac:spMkLst>
             <pc:docMk/>
             <pc:sldMk cId="1656088696" sldId="266"/>
@@ -706,7 +749,7 @@
           </ac:spMkLst>
         </pc:spChg>
         <pc:spChg chg="mod">
-          <ac:chgData name="Isaac Low" userId="7480a74fbf43f6b1" providerId="LiveId" clId="{D426A5C3-16BC-459B-8B24-6227DC7E5B5C}" dt="2021-06-03T04:13:16.717" v="5408"/>
+          <ac:chgData name="Isaac Low" userId="7480a74fbf43f6b1" providerId="LiveId" clId="{D426A5C3-16BC-459B-8B24-6227DC7E5B5C}" dt="2021-06-03T04:44:10.801" v="5858"/>
           <ac:spMkLst>
             <pc:docMk/>
             <pc:sldMk cId="1656088696" sldId="266"/>
@@ -715,13 +758,13 @@
         </pc:spChg>
       </pc:sldChg>
       <pc:sldChg chg="modSp new mod">
-        <pc:chgData name="Isaac Low" userId="7480a74fbf43f6b1" providerId="LiveId" clId="{D426A5C3-16BC-459B-8B24-6227DC7E5B5C}" dt="2021-06-03T04:13:16.717" v="5408"/>
+        <pc:chgData name="Isaac Low" userId="7480a74fbf43f6b1" providerId="LiveId" clId="{D426A5C3-16BC-459B-8B24-6227DC7E5B5C}" dt="2021-06-03T04:44:10.801" v="5858"/>
         <pc:sldMkLst>
           <pc:docMk/>
           <pc:sldMk cId="443828993" sldId="267"/>
         </pc:sldMkLst>
         <pc:spChg chg="mod">
-          <ac:chgData name="Isaac Low" userId="7480a74fbf43f6b1" providerId="LiveId" clId="{D426A5C3-16BC-459B-8B24-6227DC7E5B5C}" dt="2021-06-03T04:13:16.717" v="5408"/>
+          <ac:chgData name="Isaac Low" userId="7480a74fbf43f6b1" providerId="LiveId" clId="{D426A5C3-16BC-459B-8B24-6227DC7E5B5C}" dt="2021-06-03T04:44:10.801" v="5858"/>
           <ac:spMkLst>
             <pc:docMk/>
             <pc:sldMk cId="443828993" sldId="267"/>
@@ -729,7 +772,7 @@
           </ac:spMkLst>
         </pc:spChg>
         <pc:spChg chg="mod">
-          <ac:chgData name="Isaac Low" userId="7480a74fbf43f6b1" providerId="LiveId" clId="{D426A5C3-16BC-459B-8B24-6227DC7E5B5C}" dt="2021-06-03T04:13:16.717" v="5408"/>
+          <ac:chgData name="Isaac Low" userId="7480a74fbf43f6b1" providerId="LiveId" clId="{D426A5C3-16BC-459B-8B24-6227DC7E5B5C}" dt="2021-06-03T04:44:10.801" v="5858"/>
           <ac:spMkLst>
             <pc:docMk/>
             <pc:sldMk cId="443828993" sldId="267"/>
@@ -738,13 +781,13 @@
         </pc:spChg>
       </pc:sldChg>
       <pc:sldChg chg="modSp new mod">
-        <pc:chgData name="Isaac Low" userId="7480a74fbf43f6b1" providerId="LiveId" clId="{D426A5C3-16BC-459B-8B24-6227DC7E5B5C}" dt="2021-06-03T04:22:15.788" v="5442"/>
+        <pc:chgData name="Isaac Low" userId="7480a74fbf43f6b1" providerId="LiveId" clId="{D426A5C3-16BC-459B-8B24-6227DC7E5B5C}" dt="2021-06-03T04:44:10.801" v="5858"/>
         <pc:sldMkLst>
           <pc:docMk/>
           <pc:sldMk cId="3367198734" sldId="268"/>
         </pc:sldMkLst>
         <pc:spChg chg="mod">
-          <ac:chgData name="Isaac Low" userId="7480a74fbf43f6b1" providerId="LiveId" clId="{D426A5C3-16BC-459B-8B24-6227DC7E5B5C}" dt="2021-06-03T04:21:36.683" v="5430" actId="20577"/>
+          <ac:chgData name="Isaac Low" userId="7480a74fbf43f6b1" providerId="LiveId" clId="{D426A5C3-16BC-459B-8B24-6227DC7E5B5C}" dt="2021-06-03T04:44:10.801" v="5858"/>
           <ac:spMkLst>
             <pc:docMk/>
             <pc:sldMk cId="3367198734" sldId="268"/>
@@ -752,13 +795,198 @@
           </ac:spMkLst>
         </pc:spChg>
         <pc:spChg chg="mod">
-          <ac:chgData name="Isaac Low" userId="7480a74fbf43f6b1" providerId="LiveId" clId="{D426A5C3-16BC-459B-8B24-6227DC7E5B5C}" dt="2021-06-03T04:22:15.788" v="5442"/>
+          <ac:chgData name="Isaac Low" userId="7480a74fbf43f6b1" providerId="LiveId" clId="{D426A5C3-16BC-459B-8B24-6227DC7E5B5C}" dt="2021-06-03T04:44:10.801" v="5858"/>
           <ac:spMkLst>
             <pc:docMk/>
             <pc:sldMk cId="3367198734" sldId="268"/>
             <ac:spMk id="3" creationId="{37BA1053-BF24-4BCC-8E70-074EE7484BFD}"/>
           </ac:spMkLst>
         </pc:spChg>
+      </pc:sldChg>
+      <pc:sldChg chg="addSp modSp new mod">
+        <pc:chgData name="Isaac Low" userId="7480a74fbf43f6b1" providerId="LiveId" clId="{D426A5C3-16BC-459B-8B24-6227DC7E5B5C}" dt="2021-06-03T04:44:10.801" v="5858"/>
+        <pc:sldMkLst>
+          <pc:docMk/>
+          <pc:sldMk cId="177021519" sldId="269"/>
+        </pc:sldMkLst>
+        <pc:spChg chg="mod">
+          <ac:chgData name="Isaac Low" userId="7480a74fbf43f6b1" providerId="LiveId" clId="{D426A5C3-16BC-459B-8B24-6227DC7E5B5C}" dt="2021-06-03T04:44:10.801" v="5858"/>
+          <ac:spMkLst>
+            <pc:docMk/>
+            <pc:sldMk cId="177021519" sldId="269"/>
+            <ac:spMk id="2" creationId="{B47218B5-57A8-4C56-8840-68F4437A109D}"/>
+          </ac:spMkLst>
+        </pc:spChg>
+        <pc:spChg chg="mod">
+          <ac:chgData name="Isaac Low" userId="7480a74fbf43f6b1" providerId="LiveId" clId="{D426A5C3-16BC-459B-8B24-6227DC7E5B5C}" dt="2021-06-03T04:44:10.801" v="5858"/>
+          <ac:spMkLst>
+            <pc:docMk/>
+            <pc:sldMk cId="177021519" sldId="269"/>
+            <ac:spMk id="3" creationId="{E9A32212-27C7-4BE4-AB19-84DE9DDE852C}"/>
+          </ac:spMkLst>
+        </pc:spChg>
+        <pc:picChg chg="add mod">
+          <ac:chgData name="Isaac Low" userId="7480a74fbf43f6b1" providerId="LiveId" clId="{D426A5C3-16BC-459B-8B24-6227DC7E5B5C}" dt="2021-06-03T04:43:11.368" v="5847" actId="1076"/>
+          <ac:picMkLst>
+            <pc:docMk/>
+            <pc:sldMk cId="177021519" sldId="269"/>
+            <ac:picMk id="4" creationId="{7D003A06-7944-4568-92C9-289704006293}"/>
+          </ac:picMkLst>
+        </pc:picChg>
+      </pc:sldChg>
+      <pc:sldChg chg="addSp delSp modSp new mod setBg">
+        <pc:chgData name="Isaac Low" userId="7480a74fbf43f6b1" providerId="LiveId" clId="{D426A5C3-16BC-459B-8B24-6227DC7E5B5C}" dt="2021-06-03T07:36:06.815" v="8274" actId="20577"/>
+        <pc:sldMkLst>
+          <pc:docMk/>
+          <pc:sldMk cId="1926305711" sldId="270"/>
+        </pc:sldMkLst>
+        <pc:spChg chg="mod">
+          <ac:chgData name="Isaac Low" userId="7480a74fbf43f6b1" providerId="LiveId" clId="{D426A5C3-16BC-459B-8B24-6227DC7E5B5C}" dt="2021-06-03T04:43:46.782" v="5855" actId="26606"/>
+          <ac:spMkLst>
+            <pc:docMk/>
+            <pc:sldMk cId="1926305711" sldId="270"/>
+            <ac:spMk id="2" creationId="{077AE6DA-578F-4A3D-86B2-61F570813E01}"/>
+          </ac:spMkLst>
+        </pc:spChg>
+        <pc:spChg chg="mod">
+          <ac:chgData name="Isaac Low" userId="7480a74fbf43f6b1" providerId="LiveId" clId="{D426A5C3-16BC-459B-8B24-6227DC7E5B5C}" dt="2021-06-03T07:36:06.815" v="8274" actId="20577"/>
+          <ac:spMkLst>
+            <pc:docMk/>
+            <pc:sldMk cId="1926305711" sldId="270"/>
+            <ac:spMk id="3" creationId="{4F1570F0-CBC9-42BE-9B93-6888DBBF7EB9}"/>
+          </ac:spMkLst>
+        </pc:spChg>
+        <pc:picChg chg="add del mod">
+          <ac:chgData name="Isaac Low" userId="7480a74fbf43f6b1" providerId="LiveId" clId="{D426A5C3-16BC-459B-8B24-6227DC7E5B5C}" dt="2021-06-03T04:43:07.399" v="5845" actId="21"/>
+          <ac:picMkLst>
+            <pc:docMk/>
+            <pc:sldMk cId="1926305711" sldId="270"/>
+            <ac:picMk id="5" creationId="{BE6BD961-95AF-436B-ACCD-1D5BF47FC1DD}"/>
+          </ac:picMkLst>
+        </pc:picChg>
+        <pc:picChg chg="add mod">
+          <ac:chgData name="Isaac Low" userId="7480a74fbf43f6b1" providerId="LiveId" clId="{D426A5C3-16BC-459B-8B24-6227DC7E5B5C}" dt="2021-06-03T04:44:32.631" v="5859" actId="207"/>
+          <ac:picMkLst>
+            <pc:docMk/>
+            <pc:sldMk cId="1926305711" sldId="270"/>
+            <ac:picMk id="1026" creationId="{9358CADE-E6A4-48FD-B70D-B6371D188580}"/>
+          </ac:picMkLst>
+        </pc:picChg>
+      </pc:sldChg>
+      <pc:sldChg chg="addSp modSp new mod">
+        <pc:chgData name="Isaac Low" userId="7480a74fbf43f6b1" providerId="LiveId" clId="{D426A5C3-16BC-459B-8B24-6227DC7E5B5C}" dt="2021-06-03T06:01:01.575" v="6839" actId="1076"/>
+        <pc:sldMkLst>
+          <pc:docMk/>
+          <pc:sldMk cId="811470364" sldId="271"/>
+        </pc:sldMkLst>
+        <pc:spChg chg="mod">
+          <ac:chgData name="Isaac Low" userId="7480a74fbf43f6b1" providerId="LiveId" clId="{D426A5C3-16BC-459B-8B24-6227DC7E5B5C}" dt="2021-06-03T05:59:31.318" v="6837" actId="20577"/>
+          <ac:spMkLst>
+            <pc:docMk/>
+            <pc:sldMk cId="811470364" sldId="271"/>
+            <ac:spMk id="2" creationId="{CA7AC13D-638F-43E0-A0AC-1B2BC52956AB}"/>
+          </ac:spMkLst>
+        </pc:spChg>
+        <pc:picChg chg="add mod">
+          <ac:chgData name="Isaac Low" userId="7480a74fbf43f6b1" providerId="LiveId" clId="{D426A5C3-16BC-459B-8B24-6227DC7E5B5C}" dt="2021-06-03T06:01:01.575" v="6839" actId="1076"/>
+          <ac:picMkLst>
+            <pc:docMk/>
+            <pc:sldMk cId="811470364" sldId="271"/>
+            <ac:picMk id="5" creationId="{F879CB6C-6CFD-4AAE-8390-ACD70E77F386}"/>
+          </ac:picMkLst>
+        </pc:picChg>
+      </pc:sldChg>
+      <pc:sldChg chg="new del">
+        <pc:chgData name="Isaac Low" userId="7480a74fbf43f6b1" providerId="LiveId" clId="{D426A5C3-16BC-459B-8B24-6227DC7E5B5C}" dt="2021-06-03T04:43:19.510" v="5848" actId="2696"/>
+        <pc:sldMkLst>
+          <pc:docMk/>
+          <pc:sldMk cId="2112550141" sldId="271"/>
+        </pc:sldMkLst>
+      </pc:sldChg>
+      <pc:sldChg chg="new del">
+        <pc:chgData name="Isaac Low" userId="7480a74fbf43f6b1" providerId="LiveId" clId="{D426A5C3-16BC-459B-8B24-6227DC7E5B5C}" dt="2021-06-03T04:58:19.144" v="6108" actId="2696"/>
+        <pc:sldMkLst>
+          <pc:docMk/>
+          <pc:sldMk cId="3022972845" sldId="271"/>
+        </pc:sldMkLst>
+      </pc:sldChg>
+      <pc:sldChg chg="addSp modSp new mod">
+        <pc:chgData name="Isaac Low" userId="7480a74fbf43f6b1" providerId="LiveId" clId="{D426A5C3-16BC-459B-8B24-6227DC7E5B5C}" dt="2021-06-03T07:22:46.360" v="7463" actId="20577"/>
+        <pc:sldMkLst>
+          <pc:docMk/>
+          <pc:sldMk cId="2134914763" sldId="272"/>
+        </pc:sldMkLst>
+        <pc:spChg chg="mod">
+          <ac:chgData name="Isaac Low" userId="7480a74fbf43f6b1" providerId="LiveId" clId="{D426A5C3-16BC-459B-8B24-6227DC7E5B5C}" dt="2021-06-03T06:20:34.651" v="7429" actId="20577"/>
+          <ac:spMkLst>
+            <pc:docMk/>
+            <pc:sldMk cId="2134914763" sldId="272"/>
+            <ac:spMk id="2" creationId="{982DB59D-ADAF-4F3B-AE89-1A56F86A9BC3}"/>
+          </ac:spMkLst>
+        </pc:spChg>
+        <pc:spChg chg="mod">
+          <ac:chgData name="Isaac Low" userId="7480a74fbf43f6b1" providerId="LiveId" clId="{D426A5C3-16BC-459B-8B24-6227DC7E5B5C}" dt="2021-06-03T07:22:46.360" v="7463" actId="20577"/>
+          <ac:spMkLst>
+            <pc:docMk/>
+            <pc:sldMk cId="2134914763" sldId="272"/>
+            <ac:spMk id="3" creationId="{19A2E474-769C-439C-90B3-4DA7770006E2}"/>
+          </ac:spMkLst>
+        </pc:spChg>
+        <pc:picChg chg="add mod">
+          <ac:chgData name="Isaac Low" userId="7480a74fbf43f6b1" providerId="LiveId" clId="{D426A5C3-16BC-459B-8B24-6227DC7E5B5C}" dt="2021-06-03T07:22:14.791" v="7448" actId="1076"/>
+          <ac:picMkLst>
+            <pc:docMk/>
+            <pc:sldMk cId="2134914763" sldId="272"/>
+            <ac:picMk id="3074" creationId="{5EAEB53C-D0D3-4F33-AE31-A8C90E4AEDA1}"/>
+          </ac:picMkLst>
+        </pc:picChg>
+      </pc:sldChg>
+      <pc:sldChg chg="addSp delSp modSp new mod">
+        <pc:chgData name="Isaac Low" userId="7480a74fbf43f6b1" providerId="LiveId" clId="{D426A5C3-16BC-459B-8B24-6227DC7E5B5C}" dt="2021-06-03T07:24:02.299" v="7502" actId="1076"/>
+        <pc:sldMkLst>
+          <pc:docMk/>
+          <pc:sldMk cId="3948413117" sldId="273"/>
+        </pc:sldMkLst>
+        <pc:spChg chg="add del mod">
+          <ac:chgData name="Isaac Low" userId="7480a74fbf43f6b1" providerId="LiveId" clId="{D426A5C3-16BC-459B-8B24-6227DC7E5B5C}" dt="2021-06-03T07:23:14.176" v="7474" actId="20577"/>
+          <ac:spMkLst>
+            <pc:docMk/>
+            <pc:sldMk cId="3948413117" sldId="273"/>
+            <ac:spMk id="2" creationId="{BB77A1FA-0807-41B6-9968-8EF7C685A633}"/>
+          </ac:spMkLst>
+        </pc:spChg>
+        <pc:spChg chg="mod">
+          <ac:chgData name="Isaac Low" userId="7480a74fbf43f6b1" providerId="LiveId" clId="{D426A5C3-16BC-459B-8B24-6227DC7E5B5C}" dt="2021-06-03T07:24:00.272" v="7501" actId="1076"/>
+          <ac:spMkLst>
+            <pc:docMk/>
+            <pc:sldMk cId="3948413117" sldId="273"/>
+            <ac:spMk id="3" creationId="{DCDA97B5-D74C-4DFB-9B5B-2C6D8C466AB9}"/>
+          </ac:spMkLst>
+        </pc:spChg>
+        <pc:spChg chg="add del">
+          <ac:chgData name="Isaac Low" userId="7480a74fbf43f6b1" providerId="LiveId" clId="{D426A5C3-16BC-459B-8B24-6227DC7E5B5C}" dt="2021-06-03T07:23:31.887" v="7492"/>
+          <ac:spMkLst>
+            <pc:docMk/>
+            <pc:sldMk cId="3948413117" sldId="273"/>
+            <ac:spMk id="4" creationId="{FFD8AF2A-6031-490F-B7A3-8F76D141F743}"/>
+          </ac:spMkLst>
+        </pc:spChg>
+        <pc:picChg chg="add del mod">
+          <ac:chgData name="Isaac Low" userId="7480a74fbf43f6b1" providerId="LiveId" clId="{D426A5C3-16BC-459B-8B24-6227DC7E5B5C}" dt="2021-06-03T07:23:52.902" v="7498"/>
+          <ac:picMkLst>
+            <pc:docMk/>
+            <pc:sldMk cId="3948413117" sldId="273"/>
+            <ac:picMk id="4099" creationId="{3686818A-123C-49E3-A952-B15B73E0EAA9}"/>
+          </ac:picMkLst>
+        </pc:picChg>
+        <pc:picChg chg="add mod">
+          <ac:chgData name="Isaac Low" userId="7480a74fbf43f6b1" providerId="LiveId" clId="{D426A5C3-16BC-459B-8B24-6227DC7E5B5C}" dt="2021-06-03T07:24:02.299" v="7502" actId="1076"/>
+          <ac:picMkLst>
+            <pc:docMk/>
+            <pc:sldMk cId="3948413117" sldId="273"/>
+            <ac:picMk id="4101" creationId="{D2268CD9-6DBE-4631-A171-EEB856966812}"/>
+          </ac:picMkLst>
+        </pc:picChg>
       </pc:sldChg>
     </pc:docChg>
   </pc:docChgLst>
@@ -1091,7 +1319,7 @@
     </p:spTree>
     <p:extLst>
       <p:ext uri="{BB962C8B-B14F-4D97-AF65-F5344CB8AC3E}">
-        <p14:creationId xmlns:p14="http://schemas.microsoft.com/office/powerpoint/2010/main" val="751131119"/>
+        <p14:creationId xmlns:p14="http://schemas.microsoft.com/office/powerpoint/2010/main" val="2476715717"/>
       </p:ext>
     </p:extLst>
   </p:cSld>
@@ -1429,7 +1657,7 @@
     </p:spTree>
     <p:extLst>
       <p:ext uri="{BB962C8B-B14F-4D97-AF65-F5344CB8AC3E}">
-        <p14:creationId xmlns:p14="http://schemas.microsoft.com/office/powerpoint/2010/main" val="1075909914"/>
+        <p14:creationId xmlns:p14="http://schemas.microsoft.com/office/powerpoint/2010/main" val="300220258"/>
       </p:ext>
     </p:extLst>
   </p:cSld>
@@ -1906,7 +2134,7 @@
     </p:spTree>
     <p:extLst>
       <p:ext uri="{BB962C8B-B14F-4D97-AF65-F5344CB8AC3E}">
-        <p14:creationId xmlns:p14="http://schemas.microsoft.com/office/powerpoint/2010/main" val="1318771491"/>
+        <p14:creationId xmlns:p14="http://schemas.microsoft.com/office/powerpoint/2010/main" val="100204969"/>
       </p:ext>
     </p:extLst>
   </p:cSld>
@@ -2166,7 +2394,7 @@
     </p:spTree>
     <p:extLst>
       <p:ext uri="{BB962C8B-B14F-4D97-AF65-F5344CB8AC3E}">
-        <p14:creationId xmlns:p14="http://schemas.microsoft.com/office/powerpoint/2010/main" val="461754442"/>
+        <p14:creationId xmlns:p14="http://schemas.microsoft.com/office/powerpoint/2010/main" val="3864359669"/>
       </p:ext>
     </p:extLst>
   </p:cSld>
@@ -2562,7 +2790,7 @@
     </p:spTree>
     <p:extLst>
       <p:ext uri="{BB962C8B-B14F-4D97-AF65-F5344CB8AC3E}">
-        <p14:creationId xmlns:p14="http://schemas.microsoft.com/office/powerpoint/2010/main" val="3463966392"/>
+        <p14:creationId xmlns:p14="http://schemas.microsoft.com/office/powerpoint/2010/main" val="3027571128"/>
       </p:ext>
     </p:extLst>
   </p:cSld>
@@ -2882,7 +3110,7 @@
     </p:spTree>
     <p:extLst>
       <p:ext uri="{BB962C8B-B14F-4D97-AF65-F5344CB8AC3E}">
-        <p14:creationId xmlns:p14="http://schemas.microsoft.com/office/powerpoint/2010/main" val="236386341"/>
+        <p14:creationId xmlns:p14="http://schemas.microsoft.com/office/powerpoint/2010/main" val="1526583074"/>
       </p:ext>
     </p:extLst>
   </p:cSld>
@@ -3134,7 +3362,7 @@
     </p:spTree>
     <p:extLst>
       <p:ext uri="{BB962C8B-B14F-4D97-AF65-F5344CB8AC3E}">
-        <p14:creationId xmlns:p14="http://schemas.microsoft.com/office/powerpoint/2010/main" val="2975401349"/>
+        <p14:creationId xmlns:p14="http://schemas.microsoft.com/office/powerpoint/2010/main" val="3037912213"/>
       </p:ext>
     </p:extLst>
   </p:cSld>
@@ -3396,7 +3624,7 @@
     </p:spTree>
     <p:extLst>
       <p:ext uri="{BB962C8B-B14F-4D97-AF65-F5344CB8AC3E}">
-        <p14:creationId xmlns:p14="http://schemas.microsoft.com/office/powerpoint/2010/main" val="1286125217"/>
+        <p14:creationId xmlns:p14="http://schemas.microsoft.com/office/powerpoint/2010/main" val="3873766399"/>
       </p:ext>
     </p:extLst>
   </p:cSld>
@@ -3658,7 +3886,7 @@
     </p:spTree>
     <p:extLst>
       <p:ext uri="{BB962C8B-B14F-4D97-AF65-F5344CB8AC3E}">
-        <p14:creationId xmlns:p14="http://schemas.microsoft.com/office/powerpoint/2010/main" val="1126213657"/>
+        <p14:creationId xmlns:p14="http://schemas.microsoft.com/office/powerpoint/2010/main" val="2866058679"/>
       </p:ext>
     </p:extLst>
   </p:cSld>
@@ -3992,7 +4220,7 @@
     </p:spTree>
     <p:extLst>
       <p:ext uri="{BB962C8B-B14F-4D97-AF65-F5344CB8AC3E}">
-        <p14:creationId xmlns:p14="http://schemas.microsoft.com/office/powerpoint/2010/main" val="1902363004"/>
+        <p14:creationId xmlns:p14="http://schemas.microsoft.com/office/powerpoint/2010/main" val="3934529828"/>
       </p:ext>
     </p:extLst>
   </p:cSld>
@@ -4315,7 +4543,7 @@
     </p:spTree>
     <p:extLst>
       <p:ext uri="{BB962C8B-B14F-4D97-AF65-F5344CB8AC3E}">
-        <p14:creationId xmlns:p14="http://schemas.microsoft.com/office/powerpoint/2010/main" val="298141452"/>
+        <p14:creationId xmlns:p14="http://schemas.microsoft.com/office/powerpoint/2010/main" val="3962421156"/>
       </p:ext>
     </p:extLst>
   </p:cSld>
@@ -4772,7 +5000,7 @@
     </p:spTree>
     <p:extLst>
       <p:ext uri="{BB962C8B-B14F-4D97-AF65-F5344CB8AC3E}">
-        <p14:creationId xmlns:p14="http://schemas.microsoft.com/office/powerpoint/2010/main" val="3940671529"/>
+        <p14:creationId xmlns:p14="http://schemas.microsoft.com/office/powerpoint/2010/main" val="1324901321"/>
       </p:ext>
     </p:extLst>
   </p:cSld>
@@ -4972,7 +5200,7 @@
     </p:spTree>
     <p:extLst>
       <p:ext uri="{BB962C8B-B14F-4D97-AF65-F5344CB8AC3E}">
-        <p14:creationId xmlns:p14="http://schemas.microsoft.com/office/powerpoint/2010/main" val="3158776716"/>
+        <p14:creationId xmlns:p14="http://schemas.microsoft.com/office/powerpoint/2010/main" val="4270509661"/>
       </p:ext>
     </p:extLst>
   </p:cSld>
@@ -5149,7 +5377,7 @@
     </p:spTree>
     <p:extLst>
       <p:ext uri="{BB962C8B-B14F-4D97-AF65-F5344CB8AC3E}">
-        <p14:creationId xmlns:p14="http://schemas.microsoft.com/office/powerpoint/2010/main" val="1010530348"/>
+        <p14:creationId xmlns:p14="http://schemas.microsoft.com/office/powerpoint/2010/main" val="1225388716"/>
       </p:ext>
     </p:extLst>
   </p:cSld>
@@ -5482,7 +5710,7 @@
     </p:spTree>
     <p:extLst>
       <p:ext uri="{BB962C8B-B14F-4D97-AF65-F5344CB8AC3E}">
-        <p14:creationId xmlns:p14="http://schemas.microsoft.com/office/powerpoint/2010/main" val="595952328"/>
+        <p14:creationId xmlns:p14="http://schemas.microsoft.com/office/powerpoint/2010/main" val="3248318765"/>
       </p:ext>
     </p:extLst>
   </p:cSld>
@@ -5832,7 +6060,7 @@
     </p:spTree>
     <p:extLst>
       <p:ext uri="{BB962C8B-B14F-4D97-AF65-F5344CB8AC3E}">
-        <p14:creationId xmlns:p14="http://schemas.microsoft.com/office/powerpoint/2010/main" val="2415689295"/>
+        <p14:creationId xmlns:p14="http://schemas.microsoft.com/office/powerpoint/2010/main" val="627777412"/>
       </p:ext>
     </p:extLst>
   </p:cSld>
@@ -7833,28 +8061,28 @@
     </p:spTree>
     <p:extLst>
       <p:ext uri="{BB962C8B-B14F-4D97-AF65-F5344CB8AC3E}">
-        <p14:creationId xmlns:p14="http://schemas.microsoft.com/office/powerpoint/2010/main" val="1487053565"/>
+        <p14:creationId xmlns:p14="http://schemas.microsoft.com/office/powerpoint/2010/main" val="1553290650"/>
       </p:ext>
     </p:extLst>
   </p:cSld>
   <p:clrMap bg1="dk1" tx1="lt1" bg2="dk2" tx2="lt2" accent1="accent1" accent2="accent2" accent3="accent3" accent4="accent4" accent5="accent5" accent6="accent6" hlink="hlink" folHlink="folHlink"/>
   <p:sldLayoutIdLst>
-    <p:sldLayoutId id="2147483774" r:id="rId1"/>
-    <p:sldLayoutId id="2147483775" r:id="rId2"/>
-    <p:sldLayoutId id="2147483776" r:id="rId3"/>
-    <p:sldLayoutId id="2147483777" r:id="rId4"/>
-    <p:sldLayoutId id="2147483778" r:id="rId5"/>
-    <p:sldLayoutId id="2147483779" r:id="rId6"/>
-    <p:sldLayoutId id="2147483780" r:id="rId7"/>
-    <p:sldLayoutId id="2147483781" r:id="rId8"/>
-    <p:sldLayoutId id="2147483782" r:id="rId9"/>
-    <p:sldLayoutId id="2147483783" r:id="rId10"/>
-    <p:sldLayoutId id="2147483784" r:id="rId11"/>
-    <p:sldLayoutId id="2147483785" r:id="rId12"/>
-    <p:sldLayoutId id="2147483786" r:id="rId13"/>
-    <p:sldLayoutId id="2147483787" r:id="rId14"/>
-    <p:sldLayoutId id="2147483788" r:id="rId15"/>
-    <p:sldLayoutId id="2147483789" r:id="rId16"/>
+    <p:sldLayoutId id="2147483808" r:id="rId1"/>
+    <p:sldLayoutId id="2147483809" r:id="rId2"/>
+    <p:sldLayoutId id="2147483810" r:id="rId3"/>
+    <p:sldLayoutId id="2147483811" r:id="rId4"/>
+    <p:sldLayoutId id="2147483812" r:id="rId5"/>
+    <p:sldLayoutId id="2147483813" r:id="rId6"/>
+    <p:sldLayoutId id="2147483814" r:id="rId7"/>
+    <p:sldLayoutId id="2147483815" r:id="rId8"/>
+    <p:sldLayoutId id="2147483816" r:id="rId9"/>
+    <p:sldLayoutId id="2147483817" r:id="rId10"/>
+    <p:sldLayoutId id="2147483818" r:id="rId11"/>
+    <p:sldLayoutId id="2147483819" r:id="rId12"/>
+    <p:sldLayoutId id="2147483820" r:id="rId13"/>
+    <p:sldLayoutId id="2147483821" r:id="rId14"/>
+    <p:sldLayoutId id="2147483822" r:id="rId15"/>
+    <p:sldLayoutId id="2147483823" r:id="rId16"/>
   </p:sldLayoutIdLst>
   <p:txStyles>
     <p:titleStyle>
@@ -8292,66 +8520,6 @@
           <a:chExt cx="0" cy="0"/>
         </a:xfrm>
       </p:grpSpPr>
-      <p:sp useBgFill="1">
-        <p:nvSpPr>
-          <p:cNvPr id="67" name="Rectangle 7">
-            <a:extLst>
-              <a:ext uri="{FF2B5EF4-FFF2-40B4-BE49-F238E27FC236}">
-                <a16:creationId xmlns:a16="http://schemas.microsoft.com/office/drawing/2014/main" id="{57ABABA7-0420-4200-9B65-1C1967CE9373}"/>
-              </a:ext>
-              <a:ext uri="{C183D7F6-B498-43B3-948B-1728B52AA6E4}">
-                <adec:decorative xmlns:adec="http://schemas.microsoft.com/office/drawing/2017/decorative" val="1"/>
-              </a:ext>
-            </a:extLst>
-          </p:cNvPr>
-          <p:cNvSpPr>
-            <a:spLocks noGrp="1" noRot="1" noChangeAspect="1" noMove="1" noResize="1" noEditPoints="1" noAdjustHandles="1" noChangeArrowheads="1" noChangeShapeType="1" noTextEdit="1"/>
-          </p:cNvSpPr>
-          <p:nvPr>
-            <p:extLst>
-              <p:ext uri="{386F3935-93C4-4BCD-93E2-E3B085C9AB24}">
-                <p16:designElem xmlns:p16="http://schemas.microsoft.com/office/powerpoint/2015/main" val="1"/>
-              </p:ext>
-            </p:extLst>
-          </p:nvPr>
-        </p:nvSpPr>
-        <p:spPr>
-          <a:xfrm>
-            <a:off x="2" y="0"/>
-            <a:ext cx="12191998" cy="6858000"/>
-          </a:xfrm>
-          <a:prstGeom prst="rect">
-            <a:avLst/>
-          </a:prstGeom>
-          <a:ln>
-            <a:noFill/>
-          </a:ln>
-        </p:spPr>
-        <p:style>
-          <a:lnRef idx="2">
-            <a:schemeClr val="accent1">
-              <a:shade val="50000"/>
-            </a:schemeClr>
-          </a:lnRef>
-          <a:fillRef idx="1">
-            <a:schemeClr val="accent1"/>
-          </a:fillRef>
-          <a:effectRef idx="0">
-            <a:schemeClr val="accent1"/>
-          </a:effectRef>
-          <a:fontRef idx="minor">
-            <a:schemeClr val="lt1"/>
-          </a:fontRef>
-        </p:style>
-        <p:txBody>
-          <a:bodyPr rtlCol="0" anchor="ctr"/>
-          <a:lstStyle/>
-          <a:p>
-            <a:pPr algn="ctr"/>
-            <a:endParaRPr lang="en-US"/>
-          </a:p>
-        </p:txBody>
-      </p:sp>
       <p:sp>
         <p:nvSpPr>
           <p:cNvPr id="2" name="Title 1">
@@ -8393,7 +8561,7 @@
                   </a:schemeClr>
                 </a:solidFill>
               </a:rPr>
-              <a:t>Sentiment Analysis of Google Play App customer reviews</a:t>
+              <a:t>Sentiment Analysis of App reviews from Google Play Store</a:t>
             </a:r>
           </a:p>
         </p:txBody>
@@ -8460,112 +8628,6 @@
           </a:p>
         </p:txBody>
       </p:sp>
-      <p:sp>
-        <p:nvSpPr>
-          <p:cNvPr id="68" name="Rectangle 9">
-            <a:extLst>
-              <a:ext uri="{FF2B5EF4-FFF2-40B4-BE49-F238E27FC236}">
-                <a16:creationId xmlns:a16="http://schemas.microsoft.com/office/drawing/2014/main" id="{A317EBE3-FF86-4DA1-BC9A-331F7F2144E9}"/>
-              </a:ext>
-              <a:ext uri="{C183D7F6-B498-43B3-948B-1728B52AA6E4}">
-                <adec:decorative xmlns:adec="http://schemas.microsoft.com/office/drawing/2017/decorative" val="1"/>
-              </a:ext>
-            </a:extLst>
-          </p:cNvPr>
-          <p:cNvSpPr>
-            <a:spLocks noGrp="1" noRot="1" noChangeAspect="1" noMove="1" noResize="1" noEditPoints="1" noAdjustHandles="1" noChangeArrowheads="1" noChangeShapeType="1" noTextEdit="1"/>
-          </p:cNvSpPr>
-          <p:nvPr>
-            <p:extLst>
-              <p:ext uri="{386F3935-93C4-4BCD-93E2-E3B085C9AB24}">
-                <p16:designElem xmlns:p16="http://schemas.microsoft.com/office/powerpoint/2015/main" val="1"/>
-              </p:ext>
-            </p:extLst>
-          </p:nvPr>
-        </p:nvSpPr>
-        <p:spPr>
-          <a:xfrm>
-            <a:off x="0" y="0"/>
-            <a:ext cx="182880" cy="6858000"/>
-          </a:xfrm>
-          <a:prstGeom prst="rect">
-            <a:avLst/>
-          </a:prstGeom>
-          <a:solidFill>
-            <a:schemeClr val="tx2"/>
-          </a:solidFill>
-          <a:ln>
-            <a:noFill/>
-          </a:ln>
-          <a:effectLst/>
-        </p:spPr>
-        <p:style>
-          <a:lnRef idx="1">
-            <a:schemeClr val="accent1"/>
-          </a:lnRef>
-          <a:fillRef idx="3">
-            <a:schemeClr val="accent1"/>
-          </a:fillRef>
-          <a:effectRef idx="2">
-            <a:schemeClr val="accent1"/>
-          </a:effectRef>
-          <a:fontRef idx="minor">
-            <a:schemeClr val="lt1"/>
-          </a:fontRef>
-        </p:style>
-      </p:sp>
-      <p:cxnSp>
-        <p:nvCxnSpPr>
-          <p:cNvPr id="69" name="Straight Connector 11">
-            <a:extLst>
-              <a:ext uri="{FF2B5EF4-FFF2-40B4-BE49-F238E27FC236}">
-                <a16:creationId xmlns:a16="http://schemas.microsoft.com/office/drawing/2014/main" id="{34D43EC1-35FA-4FC3-8526-F655CEB09D9C}"/>
-              </a:ext>
-              <a:ext uri="{C183D7F6-B498-43B3-948B-1728B52AA6E4}">
-                <adec:decorative xmlns:adec="http://schemas.microsoft.com/office/drawing/2017/decorative" val="1"/>
-              </a:ext>
-            </a:extLst>
-          </p:cNvPr>
-          <p:cNvCxnSpPr>
-            <a:cxnSpLocks noGrp="1" noRot="1" noChangeAspect="1" noMove="1" noResize="1" noEditPoints="1" noAdjustHandles="1" noChangeArrowheads="1" noChangeShapeType="1"/>
-          </p:cNvCxnSpPr>
-          <p:nvPr>
-            <p:extLst>
-              <p:ext uri="{386F3935-93C4-4BCD-93E2-E3B085C9AB24}">
-                <p16:designElem xmlns:p16="http://schemas.microsoft.com/office/powerpoint/2015/main" val="1"/>
-              </p:ext>
-            </p:extLst>
-          </p:nvPr>
-        </p:nvCxnSpPr>
-        <p:spPr>
-          <a:xfrm>
-            <a:off x="7537196" y="1871831"/>
-            <a:ext cx="0" cy="3200400"/>
-          </a:xfrm>
-          <a:prstGeom prst="line">
-            <a:avLst/>
-          </a:prstGeom>
-          <a:ln w="15875">
-            <a:solidFill>
-              <a:schemeClr val="accent1"/>
-            </a:solidFill>
-          </a:ln>
-        </p:spPr>
-        <p:style>
-          <a:lnRef idx="1">
-            <a:schemeClr val="accent1"/>
-          </a:lnRef>
-          <a:fillRef idx="0">
-            <a:schemeClr val="accent1"/>
-          </a:fillRef>
-          <a:effectRef idx="0">
-            <a:schemeClr val="accent1"/>
-          </a:effectRef>
-          <a:fontRef idx="minor">
-            <a:schemeClr val="tx1"/>
-          </a:fontRef>
-        </p:style>
-      </p:cxnSp>
     </p:spTree>
     <p:extLst>
       <p:ext uri="{BB962C8B-B14F-4D97-AF65-F5344CB8AC3E}">
@@ -8804,7 +8866,7 @@
           <p:cNvPr id="2" name="Title 1">
             <a:extLst>
               <a:ext uri="{FF2B5EF4-FFF2-40B4-BE49-F238E27FC236}">
-                <a16:creationId xmlns:a16="http://schemas.microsoft.com/office/drawing/2014/main" id="{E690C563-19FD-42C3-AA57-A828CEC0A4FD}"/>
+                <a16:creationId xmlns:a16="http://schemas.microsoft.com/office/drawing/2014/main" id="{982DB59D-ADAF-4F3B-AE89-1A56F86A9BC3}"/>
               </a:ext>
             </a:extLst>
           </p:cNvPr>
@@ -8822,7 +8884,7 @@
           <a:p>
             <a:r>
               <a:rPr lang="en-US" dirty="0"/>
-              <a:t>Deliver</a:t>
+              <a:t>Design</a:t>
             </a:r>
             <a:endParaRPr lang="en-AU" dirty="0"/>
           </a:p>
@@ -8833,7 +8895,7 @@
           <p:cNvPr id="3" name="Content Placeholder 2">
             <a:extLst>
               <a:ext uri="{FF2B5EF4-FFF2-40B4-BE49-F238E27FC236}">
-                <a16:creationId xmlns:a16="http://schemas.microsoft.com/office/drawing/2014/main" id="{10963AB8-FE2D-48AC-A4CB-A964D25CACF4}"/>
+                <a16:creationId xmlns:a16="http://schemas.microsoft.com/office/drawing/2014/main" id="{19A2E474-769C-439C-90B3-4DA7770006E2}"/>
               </a:ext>
             </a:extLst>
           </p:cNvPr>
@@ -8844,60 +8906,80 @@
             <p:ph idx="1"/>
           </p:nvPr>
         </p:nvSpPr>
-        <p:spPr/>
+        <p:spPr>
+          <a:xfrm>
+            <a:off x="2589212" y="1535837"/>
+            <a:ext cx="8915400" cy="4375385"/>
+          </a:xfrm>
+        </p:spPr>
         <p:txBody>
           <a:bodyPr/>
           <a:lstStyle/>
           <a:p>
             <a:r>
               <a:rPr lang="en-US" dirty="0"/>
-              <a:t>Feature Engineering</a:t>
-            </a:r>
-          </a:p>
-          <a:p>
-            <a:pPr lvl="1"/>
-            <a:r>
-              <a:rPr lang="en-US" dirty="0"/>
-              <a:t>Count Vectorizers (bag-of-words), Word Level TFIDF, n-gram level TFIDF, Char level TFIDF</a:t>
-            </a:r>
-          </a:p>
-          <a:p>
-            <a:pPr lvl="1"/>
-            <a:r>
-              <a:rPr lang="en-US" dirty="0"/>
-              <a:t>For the purposes of sentiment analysis, Count Vectorizers will suffice since we are not interested in information retrieval. </a:t>
-            </a:r>
-          </a:p>
-          <a:p>
-            <a:r>
-              <a:rPr lang="en-US" dirty="0"/>
-              <a:t>Machine models used and evaluation metrics</a:t>
-            </a:r>
-          </a:p>
-          <a:p>
-            <a:pPr lvl="1"/>
-            <a:r>
-              <a:rPr lang="en-AU" dirty="0"/>
-              <a:t>Logistic Regression, SVM, SGD, Naïve Bayes, KNN, Decision Tree, Random Forest</a:t>
-            </a:r>
-          </a:p>
-          <a:p>
-            <a:pPr lvl="1"/>
-            <a:r>
-              <a:rPr lang="en-AU" dirty="0"/>
-              <a:t>Accuracy, ROC score</a:t>
-            </a:r>
-          </a:p>
-          <a:p>
-            <a:pPr lvl="1"/>
+              <a:t>Neutral Cloud</a:t>
+            </a:r>
+          </a:p>
+          <a:p>
+            <a:pPr marL="0" indent="0">
+              <a:buNone/>
+            </a:pPr>
             <a:endParaRPr lang="en-AU" dirty="0"/>
           </a:p>
         </p:txBody>
       </p:sp>
+      <p:pic>
+        <p:nvPicPr>
+          <p:cNvPr id="3074" name="Picture 2">
+            <a:extLst>
+              <a:ext uri="{FF2B5EF4-FFF2-40B4-BE49-F238E27FC236}">
+                <a16:creationId xmlns:a16="http://schemas.microsoft.com/office/drawing/2014/main" id="{5EAEB53C-D0D3-4F33-AE31-A8C90E4AEDA1}"/>
+              </a:ext>
+            </a:extLst>
+          </p:cNvPr>
+          <p:cNvPicPr>
+            <a:picLocks noChangeAspect="1" noChangeArrowheads="1"/>
+          </p:cNvPicPr>
+          <p:nvPr/>
+        </p:nvPicPr>
+        <p:blipFill>
+          <a:blip r:embed="rId2">
+            <a:extLst>
+              <a:ext uri="{28A0092B-C50C-407E-A947-70E740481C1C}">
+                <a14:useLocalDpi xmlns:a14="http://schemas.microsoft.com/office/drawing/2010/main" val="0"/>
+              </a:ext>
+            </a:extLst>
+          </a:blip>
+          <a:srcRect/>
+          <a:stretch>
+            <a:fillRect/>
+          </a:stretch>
+        </p:blipFill>
+        <p:spPr bwMode="auto">
+          <a:xfrm>
+            <a:off x="2276568" y="1957165"/>
+            <a:ext cx="8420100" cy="4276725"/>
+          </a:xfrm>
+          <a:prstGeom prst="rect">
+            <a:avLst/>
+          </a:prstGeom>
+          <a:noFill/>
+          <a:extLst>
+            <a:ext uri="{909E8E84-426E-40DD-AFC4-6F175D3DCCD1}">
+              <a14:hiddenFill xmlns:a14="http://schemas.microsoft.com/office/drawing/2010/main">
+                <a:solidFill>
+                  <a:srgbClr val="FFFFFF"/>
+                </a:solidFill>
+              </a14:hiddenFill>
+            </a:ext>
+          </a:extLst>
+        </p:spPr>
+      </p:pic>
     </p:spTree>
     <p:extLst>
       <p:ext uri="{BB962C8B-B14F-4D97-AF65-F5344CB8AC3E}">
-        <p14:creationId xmlns:p14="http://schemas.microsoft.com/office/powerpoint/2010/main" val="2126947556"/>
+        <p14:creationId xmlns:p14="http://schemas.microsoft.com/office/powerpoint/2010/main" val="2134914763"/>
       </p:ext>
     </p:extLst>
   </p:cSld>
@@ -8929,7 +9011,7 @@
           <p:cNvPr id="2" name="Title 1">
             <a:extLst>
               <a:ext uri="{FF2B5EF4-FFF2-40B4-BE49-F238E27FC236}">
-                <a16:creationId xmlns:a16="http://schemas.microsoft.com/office/drawing/2014/main" id="{6C818964-9215-41DD-A1F3-9C6EA8B40A29}"/>
+                <a16:creationId xmlns:a16="http://schemas.microsoft.com/office/drawing/2014/main" id="{BB77A1FA-0807-41B6-9968-8EF7C685A633}"/>
               </a:ext>
             </a:extLst>
           </p:cNvPr>
@@ -8947,7 +9029,7 @@
           <a:p>
             <a:r>
               <a:rPr lang="en-US" dirty="0"/>
-              <a:t>Deliver</a:t>
+              <a:t>Design</a:t>
             </a:r>
             <a:endParaRPr lang="en-AU" dirty="0"/>
           </a:p>
@@ -8958,7 +9040,7 @@
           <p:cNvPr id="3" name="Content Placeholder 2">
             <a:extLst>
               <a:ext uri="{FF2B5EF4-FFF2-40B4-BE49-F238E27FC236}">
-                <a16:creationId xmlns:a16="http://schemas.microsoft.com/office/drawing/2014/main" id="{5A9420FC-569D-4FF0-9AD5-1F26D58A6002}"/>
+                <a16:creationId xmlns:a16="http://schemas.microsoft.com/office/drawing/2014/main" id="{DCDA97B5-D74C-4DFB-9B5B-2C6D8C466AB9}"/>
               </a:ext>
             </a:extLst>
           </p:cNvPr>
@@ -8969,47 +9051,77 @@
             <p:ph idx="1"/>
           </p:nvPr>
         </p:nvSpPr>
-        <p:spPr/>
+        <p:spPr>
+          <a:xfrm>
+            <a:off x="2057367" y="1558122"/>
+            <a:ext cx="8915400" cy="4446406"/>
+          </a:xfrm>
+        </p:spPr>
         <p:txBody>
           <a:bodyPr/>
           <a:lstStyle/>
           <a:p>
             <a:r>
               <a:rPr lang="en-US" dirty="0"/>
-              <a:t>How does the model fir the overall solution?</a:t>
-            </a:r>
-          </a:p>
-          <a:p>
-            <a:pPr lvl="1"/>
-            <a:r>
-              <a:rPr lang="en-US" dirty="0"/>
-              <a:t>This will be used by the IT team at the start of a meeting or at the Planning phase of the SDLC.</a:t>
-            </a:r>
-          </a:p>
-          <a:p>
-            <a:pPr lvl="1"/>
-            <a:r>
-              <a:rPr lang="en-US" dirty="0"/>
-              <a:t>In terms of products, the business will understand how it is to prioritize its attention to products that are not doing well commercially</a:t>
-            </a:r>
-          </a:p>
-          <a:p>
-            <a:pPr lvl="1"/>
-            <a:r>
-              <a:rPr lang="en-US" dirty="0"/>
-              <a:t>In terms of features, the business can perform A/B feature testing faster as there is a faster mean time to recovery of errors (MTE)</a:t>
-            </a:r>
-          </a:p>
-          <a:p>
-            <a:pPr lvl="1"/>
+              <a:t>Positive Cloud</a:t>
+            </a:r>
+          </a:p>
+          <a:p>
             <a:endParaRPr lang="en-AU" dirty="0"/>
           </a:p>
         </p:txBody>
       </p:sp>
+      <p:pic>
+        <p:nvPicPr>
+          <p:cNvPr id="4101" name="Picture 5">
+            <a:extLst>
+              <a:ext uri="{FF2B5EF4-FFF2-40B4-BE49-F238E27FC236}">
+                <a16:creationId xmlns:a16="http://schemas.microsoft.com/office/drawing/2014/main" id="{D2268CD9-6DBE-4631-A171-EEB856966812}"/>
+              </a:ext>
+            </a:extLst>
+          </p:cNvPr>
+          <p:cNvPicPr>
+            <a:picLocks noChangeAspect="1" noChangeArrowheads="1"/>
+          </p:cNvPicPr>
+          <p:nvPr/>
+        </p:nvPicPr>
+        <p:blipFill>
+          <a:blip r:embed="rId2">
+            <a:extLst>
+              <a:ext uri="{28A0092B-C50C-407E-A947-70E740481C1C}">
+                <a14:useLocalDpi xmlns:a14="http://schemas.microsoft.com/office/drawing/2010/main" val="0"/>
+              </a:ext>
+            </a:extLst>
+          </a:blip>
+          <a:srcRect/>
+          <a:stretch>
+            <a:fillRect/>
+          </a:stretch>
+        </p:blipFill>
+        <p:spPr bwMode="auto">
+          <a:xfrm>
+            <a:off x="2057367" y="1957165"/>
+            <a:ext cx="8420100" cy="4276725"/>
+          </a:xfrm>
+          <a:prstGeom prst="rect">
+            <a:avLst/>
+          </a:prstGeom>
+          <a:noFill/>
+          <a:extLst>
+            <a:ext uri="{909E8E84-426E-40DD-AFC4-6F175D3DCCD1}">
+              <a14:hiddenFill xmlns:a14="http://schemas.microsoft.com/office/drawing/2010/main">
+                <a:solidFill>
+                  <a:srgbClr val="FFFFFF"/>
+                </a:solidFill>
+              </a14:hiddenFill>
+            </a:ext>
+          </a:extLst>
+        </p:spPr>
+      </p:pic>
     </p:spTree>
     <p:extLst>
       <p:ext uri="{BB962C8B-B14F-4D97-AF65-F5344CB8AC3E}">
-        <p14:creationId xmlns:p14="http://schemas.microsoft.com/office/powerpoint/2010/main" val="1656088696"/>
+        <p14:creationId xmlns:p14="http://schemas.microsoft.com/office/powerpoint/2010/main" val="3948413117"/>
       </p:ext>
     </p:extLst>
   </p:cSld>
@@ -9041,6 +9153,494 @@
           <p:cNvPr id="2" name="Title 1">
             <a:extLst>
               <a:ext uri="{FF2B5EF4-FFF2-40B4-BE49-F238E27FC236}">
+                <a16:creationId xmlns:a16="http://schemas.microsoft.com/office/drawing/2014/main" id="{E690C563-19FD-42C3-AA57-A828CEC0A4FD}"/>
+              </a:ext>
+            </a:extLst>
+          </p:cNvPr>
+          <p:cNvSpPr>
+            <a:spLocks noGrp="1"/>
+          </p:cNvSpPr>
+          <p:nvPr>
+            <p:ph type="title"/>
+          </p:nvPr>
+        </p:nvSpPr>
+        <p:spPr/>
+        <p:txBody>
+          <a:bodyPr/>
+          <a:lstStyle/>
+          <a:p>
+            <a:r>
+              <a:rPr lang="en-US" dirty="0"/>
+              <a:t>Deliver</a:t>
+            </a:r>
+            <a:endParaRPr lang="en-AU" dirty="0"/>
+          </a:p>
+        </p:txBody>
+      </p:sp>
+      <p:sp>
+        <p:nvSpPr>
+          <p:cNvPr id="3" name="Content Placeholder 2">
+            <a:extLst>
+              <a:ext uri="{FF2B5EF4-FFF2-40B4-BE49-F238E27FC236}">
+                <a16:creationId xmlns:a16="http://schemas.microsoft.com/office/drawing/2014/main" id="{10963AB8-FE2D-48AC-A4CB-A964D25CACF4}"/>
+              </a:ext>
+            </a:extLst>
+          </p:cNvPr>
+          <p:cNvSpPr>
+            <a:spLocks noGrp="1"/>
+          </p:cNvSpPr>
+          <p:nvPr>
+            <p:ph idx="1"/>
+          </p:nvPr>
+        </p:nvSpPr>
+        <p:spPr/>
+        <p:txBody>
+          <a:bodyPr/>
+          <a:lstStyle/>
+          <a:p>
+            <a:r>
+              <a:rPr lang="en-US" dirty="0"/>
+              <a:t>Feature Engineering</a:t>
+            </a:r>
+          </a:p>
+          <a:p>
+            <a:pPr lvl="1"/>
+            <a:r>
+              <a:rPr lang="en-US" dirty="0"/>
+              <a:t>Count Vectorizers (bag-of-words), Word Level TFIDF, n-gram level TFIDF, Char level TFIDF</a:t>
+            </a:r>
+          </a:p>
+          <a:p>
+            <a:pPr lvl="1"/>
+            <a:r>
+              <a:rPr lang="en-US" dirty="0"/>
+              <a:t>The comparisons on the table show the accuracies of a multiclass problem</a:t>
+            </a:r>
+          </a:p>
+          <a:p>
+            <a:pPr lvl="1"/>
+            <a:r>
+              <a:rPr lang="en-US" dirty="0"/>
+              <a:t>Accuracies are good to determine importance of features, and it seems that Count Vectorizer performed the </a:t>
+            </a:r>
+            <a:r>
+              <a:rPr lang="en-US"/>
+              <a:t>best overall</a:t>
+            </a:r>
+            <a:endParaRPr lang="en-US" dirty="0"/>
+          </a:p>
+          <a:p>
+            <a:r>
+              <a:rPr lang="en-US" dirty="0"/>
+              <a:t>Machine Learning models used and evaluation metrics</a:t>
+            </a:r>
+          </a:p>
+          <a:p>
+            <a:pPr lvl="1"/>
+            <a:r>
+              <a:rPr lang="en-AU" dirty="0"/>
+              <a:t>Logistic Regression, SVM, SGD, Naïve Bayes, KNN, Decision Tree, Random Forest</a:t>
+            </a:r>
+          </a:p>
+          <a:p>
+            <a:pPr lvl="1"/>
+            <a:r>
+              <a:rPr lang="en-AU" dirty="0"/>
+              <a:t>Accuracy, ROC score</a:t>
+            </a:r>
+          </a:p>
+          <a:p>
+            <a:pPr lvl="1"/>
+            <a:r>
+              <a:rPr lang="en-AU" dirty="0"/>
+              <a:t>The ROC curves show precision instead of accuracy, as focus is now on the performance on the model’s predictive value. </a:t>
+            </a:r>
+          </a:p>
+          <a:p>
+            <a:pPr lvl="1"/>
+            <a:endParaRPr lang="en-AU" dirty="0"/>
+          </a:p>
+        </p:txBody>
+      </p:sp>
+    </p:spTree>
+    <p:extLst>
+      <p:ext uri="{BB962C8B-B14F-4D97-AF65-F5344CB8AC3E}">
+        <p14:creationId xmlns:p14="http://schemas.microsoft.com/office/powerpoint/2010/main" val="2126947556"/>
+      </p:ext>
+    </p:extLst>
+  </p:cSld>
+  <p:clrMapOvr>
+    <a:masterClrMapping/>
+  </p:clrMapOvr>
+</p:sld>
+</file>
+
+<file path=ppt/slides/slide13.xml><?xml version="1.0" encoding="utf-8"?>
+<p:sld xmlns:a="http://schemas.openxmlformats.org/drawingml/2006/main" xmlns:r="http://schemas.openxmlformats.org/officeDocument/2006/relationships" xmlns:p="http://schemas.openxmlformats.org/presentationml/2006/main">
+  <p:cSld>
+    <p:spTree>
+      <p:nvGrpSpPr>
+        <p:cNvPr id="1" name=""/>
+        <p:cNvGrpSpPr/>
+        <p:nvPr/>
+      </p:nvGrpSpPr>
+      <p:grpSpPr>
+        <a:xfrm>
+          <a:off x="0" y="0"/>
+          <a:ext cx="0" cy="0"/>
+          <a:chOff x="0" y="0"/>
+          <a:chExt cx="0" cy="0"/>
+        </a:xfrm>
+      </p:grpSpPr>
+      <p:sp>
+        <p:nvSpPr>
+          <p:cNvPr id="2" name="Title 1">
+            <a:extLst>
+              <a:ext uri="{FF2B5EF4-FFF2-40B4-BE49-F238E27FC236}">
+                <a16:creationId xmlns:a16="http://schemas.microsoft.com/office/drawing/2014/main" id="{B47218B5-57A8-4C56-8840-68F4437A109D}"/>
+              </a:ext>
+            </a:extLst>
+          </p:cNvPr>
+          <p:cNvSpPr>
+            <a:spLocks noGrp="1"/>
+          </p:cNvSpPr>
+          <p:nvPr>
+            <p:ph type="title"/>
+          </p:nvPr>
+        </p:nvSpPr>
+        <p:spPr/>
+        <p:txBody>
+          <a:bodyPr/>
+          <a:lstStyle/>
+          <a:p>
+            <a:r>
+              <a:rPr lang="en-US" dirty="0"/>
+              <a:t>Features vs Models</a:t>
+            </a:r>
+            <a:endParaRPr lang="en-AU" dirty="0"/>
+          </a:p>
+        </p:txBody>
+      </p:sp>
+      <p:sp>
+        <p:nvSpPr>
+          <p:cNvPr id="3" name="Content Placeholder 2">
+            <a:extLst>
+              <a:ext uri="{FF2B5EF4-FFF2-40B4-BE49-F238E27FC236}">
+                <a16:creationId xmlns:a16="http://schemas.microsoft.com/office/drawing/2014/main" id="{E9A32212-27C7-4BE4-AB19-84DE9DDE852C}"/>
+              </a:ext>
+            </a:extLst>
+          </p:cNvPr>
+          <p:cNvSpPr>
+            <a:spLocks noGrp="1"/>
+          </p:cNvSpPr>
+          <p:nvPr>
+            <p:ph idx="1"/>
+          </p:nvPr>
+        </p:nvSpPr>
+        <p:spPr/>
+        <p:txBody>
+          <a:bodyPr/>
+          <a:lstStyle/>
+          <a:p>
+            <a:endParaRPr lang="en-AU"/>
+          </a:p>
+        </p:txBody>
+      </p:sp>
+      <p:pic>
+        <p:nvPicPr>
+          <p:cNvPr id="4" name="Picture 3">
+            <a:extLst>
+              <a:ext uri="{FF2B5EF4-FFF2-40B4-BE49-F238E27FC236}">
+                <a16:creationId xmlns:a16="http://schemas.microsoft.com/office/drawing/2014/main" id="{7D003A06-7944-4568-92C9-289704006293}"/>
+              </a:ext>
+            </a:extLst>
+          </p:cNvPr>
+          <p:cNvPicPr>
+            <a:picLocks noChangeAspect="1"/>
+          </p:cNvPicPr>
+          <p:nvPr/>
+        </p:nvPicPr>
+        <p:blipFill>
+          <a:blip r:embed="rId2"/>
+          <a:stretch>
+            <a:fillRect/>
+          </a:stretch>
+        </p:blipFill>
+        <p:spPr>
+          <a:xfrm>
+            <a:off x="1371935" y="1821341"/>
+            <a:ext cx="10493128" cy="4180189"/>
+          </a:xfrm>
+          <a:prstGeom prst="rect">
+            <a:avLst/>
+          </a:prstGeom>
+        </p:spPr>
+      </p:pic>
+    </p:spTree>
+    <p:extLst>
+      <p:ext uri="{BB962C8B-B14F-4D97-AF65-F5344CB8AC3E}">
+        <p14:creationId xmlns:p14="http://schemas.microsoft.com/office/powerpoint/2010/main" val="177021519"/>
+      </p:ext>
+    </p:extLst>
+  </p:cSld>
+  <p:clrMapOvr>
+    <a:masterClrMapping/>
+  </p:clrMapOvr>
+</p:sld>
+</file>
+
+<file path=ppt/slides/slide14.xml><?xml version="1.0" encoding="utf-8"?>
+<p:sld xmlns:a="http://schemas.openxmlformats.org/drawingml/2006/main" xmlns:r="http://schemas.openxmlformats.org/officeDocument/2006/relationships" xmlns:p="http://schemas.openxmlformats.org/presentationml/2006/main">
+  <p:cSld>
+    <p:bg>
+      <p:bgPr>
+        <a:solidFill>
+          <a:schemeClr val="bg2"/>
+        </a:solidFill>
+        <a:effectLst/>
+      </p:bgPr>
+    </p:bg>
+    <p:spTree>
+      <p:nvGrpSpPr>
+        <p:cNvPr id="1" name=""/>
+        <p:cNvGrpSpPr/>
+        <p:nvPr/>
+      </p:nvGrpSpPr>
+      <p:grpSpPr>
+        <a:xfrm>
+          <a:off x="0" y="0"/>
+          <a:ext cx="0" cy="0"/>
+          <a:chOff x="0" y="0"/>
+          <a:chExt cx="0" cy="0"/>
+        </a:xfrm>
+      </p:grpSpPr>
+      <p:sp>
+        <p:nvSpPr>
+          <p:cNvPr id="2" name="Title 1">
+            <a:extLst>
+              <a:ext uri="{FF2B5EF4-FFF2-40B4-BE49-F238E27FC236}">
+                <a16:creationId xmlns:a16="http://schemas.microsoft.com/office/drawing/2014/main" id="{077AE6DA-578F-4A3D-86B2-61F570813E01}"/>
+              </a:ext>
+            </a:extLst>
+          </p:cNvPr>
+          <p:cNvSpPr>
+            <a:spLocks noGrp="1"/>
+          </p:cNvSpPr>
+          <p:nvPr>
+            <p:ph type="title"/>
+          </p:nvPr>
+        </p:nvSpPr>
+        <p:spPr>
+          <a:xfrm>
+            <a:off x="2071717" y="624110"/>
+            <a:ext cx="3634139" cy="1280890"/>
+          </a:xfrm>
+        </p:spPr>
+        <p:txBody>
+          <a:bodyPr>
+            <a:normAutofit/>
+          </a:bodyPr>
+          <a:lstStyle/>
+          <a:p>
+            <a:r>
+              <a:rPr lang="en-US" dirty="0"/>
+              <a:t>ROC curve comparisons</a:t>
+            </a:r>
+            <a:endParaRPr lang="en-AU" dirty="0"/>
+          </a:p>
+        </p:txBody>
+      </p:sp>
+      <p:sp>
+        <p:nvSpPr>
+          <p:cNvPr id="3" name="Content Placeholder 2">
+            <a:extLst>
+              <a:ext uri="{FF2B5EF4-FFF2-40B4-BE49-F238E27FC236}">
+                <a16:creationId xmlns:a16="http://schemas.microsoft.com/office/drawing/2014/main" id="{4F1570F0-CBC9-42BE-9B93-6888DBBF7EB9}"/>
+              </a:ext>
+            </a:extLst>
+          </p:cNvPr>
+          <p:cNvSpPr>
+            <a:spLocks noGrp="1"/>
+          </p:cNvSpPr>
+          <p:nvPr>
+            <p:ph idx="1"/>
+          </p:nvPr>
+        </p:nvSpPr>
+        <p:spPr>
+          <a:xfrm>
+            <a:off x="2068004" y="2133600"/>
+            <a:ext cx="3637852" cy="3777622"/>
+          </a:xfrm>
+        </p:spPr>
+        <p:txBody>
+          <a:bodyPr>
+            <a:normAutofit fontScale="92500" lnSpcReduction="20000"/>
+          </a:bodyPr>
+          <a:lstStyle/>
+          <a:p>
+            <a:r>
+              <a:rPr lang="en-US" dirty="0"/>
+              <a:t>Logistic Regression, SVM and Random Forest all seem to have the same precision scores</a:t>
+            </a:r>
+          </a:p>
+          <a:p>
+            <a:r>
+              <a:rPr lang="en-US" dirty="0"/>
+              <a:t>Training time (G for </a:t>
+            </a:r>
+            <a:r>
+              <a:rPr lang="en-US" dirty="0" err="1"/>
+              <a:t>GridSearch</a:t>
+            </a:r>
+            <a:r>
+              <a:rPr lang="en-US" dirty="0"/>
+              <a:t> fit):</a:t>
+            </a:r>
+          </a:p>
+          <a:p>
+            <a:pPr lvl="1"/>
+            <a:r>
+              <a:rPr lang="en-US" dirty="0"/>
+              <a:t>Log regression: 49.8s (G)</a:t>
+            </a:r>
+          </a:p>
+          <a:p>
+            <a:pPr lvl="1"/>
+            <a:r>
+              <a:rPr lang="en-US" dirty="0"/>
+              <a:t>SVC: 28.5s (G)</a:t>
+            </a:r>
+          </a:p>
+          <a:p>
+            <a:pPr lvl="1"/>
+            <a:r>
+              <a:rPr lang="en-US" dirty="0"/>
+              <a:t>SGD: 29.5s (G)</a:t>
+            </a:r>
+          </a:p>
+          <a:p>
+            <a:pPr lvl="1"/>
+            <a:r>
+              <a:rPr lang="en-US" dirty="0"/>
+              <a:t>NB: 459 </a:t>
+            </a:r>
+            <a:r>
+              <a:rPr lang="en-US" dirty="0" err="1"/>
+              <a:t>ms</a:t>
+            </a:r>
+            <a:r>
+              <a:rPr lang="en-US" dirty="0"/>
+              <a:t> (G)</a:t>
+            </a:r>
+          </a:p>
+          <a:p>
+            <a:pPr lvl="1"/>
+            <a:r>
+              <a:rPr lang="en-US" dirty="0"/>
+              <a:t>KNN: 8 min 6s (G)</a:t>
+            </a:r>
+          </a:p>
+          <a:p>
+            <a:pPr lvl="1"/>
+            <a:r>
+              <a:rPr lang="en-US" dirty="0"/>
+              <a:t>Decision Tree: 12min 35 s</a:t>
+            </a:r>
+          </a:p>
+          <a:p>
+            <a:pPr lvl="1"/>
+            <a:r>
+              <a:rPr lang="en-US"/>
+              <a:t>Random Forest: 1min 13s</a:t>
+            </a:r>
+            <a:endParaRPr lang="en-US" dirty="0"/>
+          </a:p>
+          <a:p>
+            <a:pPr lvl="1"/>
+            <a:endParaRPr lang="en-US" dirty="0"/>
+          </a:p>
+          <a:p>
+            <a:pPr lvl="1"/>
+            <a:endParaRPr lang="en-US" dirty="0"/>
+          </a:p>
+        </p:txBody>
+      </p:sp>
+      <p:pic>
+        <p:nvPicPr>
+          <p:cNvPr id="1026" name="Picture 2">
+            <a:extLst>
+              <a:ext uri="{FF2B5EF4-FFF2-40B4-BE49-F238E27FC236}">
+                <a16:creationId xmlns:a16="http://schemas.microsoft.com/office/drawing/2014/main" id="{9358CADE-E6A4-48FD-B70D-B6371D188580}"/>
+              </a:ext>
+            </a:extLst>
+          </p:cNvPr>
+          <p:cNvPicPr>
+            <a:picLocks noChangeAspect="1" noChangeArrowheads="1"/>
+          </p:cNvPicPr>
+          <p:nvPr/>
+        </p:nvPicPr>
+        <p:blipFill>
+          <a:blip r:embed="rId2">
+            <a:extLst>
+              <a:ext uri="{28A0092B-C50C-407E-A947-70E740481C1C}">
+                <a14:useLocalDpi xmlns:a14="http://schemas.microsoft.com/office/drawing/2010/main" val="0"/>
+              </a:ext>
+            </a:extLst>
+          </a:blip>
+          <a:stretch>
+            <a:fillRect/>
+          </a:stretch>
+        </p:blipFill>
+        <p:spPr bwMode="auto">
+          <a:xfrm>
+            <a:off x="6272572" y="645106"/>
+            <a:ext cx="5090314" cy="5247747"/>
+          </a:xfrm>
+          <a:prstGeom prst="rect">
+            <a:avLst/>
+          </a:prstGeom>
+          <a:solidFill>
+            <a:schemeClr val="tx1">
+              <a:lumMod val="95000"/>
+            </a:schemeClr>
+          </a:solidFill>
+        </p:spPr>
+      </p:pic>
+    </p:spTree>
+    <p:extLst>
+      <p:ext uri="{BB962C8B-B14F-4D97-AF65-F5344CB8AC3E}">
+        <p14:creationId xmlns:p14="http://schemas.microsoft.com/office/powerpoint/2010/main" val="1926305711"/>
+      </p:ext>
+    </p:extLst>
+  </p:cSld>
+  <p:clrMapOvr>
+    <a:masterClrMapping/>
+  </p:clrMapOvr>
+</p:sld>
+</file>
+
+<file path=ppt/slides/slide15.xml><?xml version="1.0" encoding="utf-8"?>
+<p:sld xmlns:a="http://schemas.openxmlformats.org/drawingml/2006/main" xmlns:r="http://schemas.openxmlformats.org/officeDocument/2006/relationships" xmlns:p="http://schemas.openxmlformats.org/presentationml/2006/main">
+  <p:cSld>
+    <p:spTree>
+      <p:nvGrpSpPr>
+        <p:cNvPr id="1" name=""/>
+        <p:cNvGrpSpPr/>
+        <p:nvPr/>
+      </p:nvGrpSpPr>
+      <p:grpSpPr>
+        <a:xfrm>
+          <a:off x="0" y="0"/>
+          <a:ext cx="0" cy="0"/>
+          <a:chOff x="0" y="0"/>
+          <a:chExt cx="0" cy="0"/>
+        </a:xfrm>
+      </p:grpSpPr>
+      <p:sp>
+        <p:nvSpPr>
+          <p:cNvPr id="2" name="Title 1">
+            <a:extLst>
+              <a:ext uri="{FF2B5EF4-FFF2-40B4-BE49-F238E27FC236}">
                 <a16:creationId xmlns:a16="http://schemas.microsoft.com/office/drawing/2014/main" id="{DC24AD11-DE99-43A7-B16F-C6E82565A320}"/>
               </a:ext>
             </a:extLst>
@@ -9156,7 +9756,7 @@
 </p:sld>
 </file>
 
-<file path=ppt/slides/slide13.xml><?xml version="1.0" encoding="utf-8"?>
+<file path=ppt/slides/slide16.xml><?xml version="1.0" encoding="utf-8"?>
 <p:sld xmlns:a="http://schemas.openxmlformats.org/drawingml/2006/main" xmlns:r="http://schemas.openxmlformats.org/officeDocument/2006/relationships" xmlns:p="http://schemas.openxmlformats.org/presentationml/2006/main">
   <p:cSld>
     <p:spTree>
@@ -9625,9 +10225,16 @@
             <p:ph idx="1"/>
           </p:nvPr>
         </p:nvSpPr>
-        <p:spPr/>
-        <p:txBody>
-          <a:bodyPr/>
+        <p:spPr>
+          <a:xfrm>
+            <a:off x="2148396" y="1518082"/>
+            <a:ext cx="9356216" cy="4715808"/>
+          </a:xfrm>
+        </p:spPr>
+        <p:txBody>
+          <a:bodyPr>
+            <a:normAutofit/>
+          </a:bodyPr>
           <a:lstStyle/>
           <a:p>
             <a:pPr lvl="1"/>
@@ -9640,7 +10247,7 @@
             <a:pPr lvl="2"/>
             <a:r>
               <a:rPr lang="en-AU" dirty="0"/>
-              <a:t>Masters of Information Technology Graduate 2019, Major: Data Analytics</a:t>
+              <a:t>Masters of Information Technology</a:t>
             </a:r>
           </a:p>
           <a:p>
@@ -9654,7 +10261,21 @@
             <a:pPr lvl="2"/>
             <a:r>
               <a:rPr lang="en-AU" dirty="0"/>
-              <a:t>Experience in data engineering at a start-up called Possible doing NLP</a:t>
+              <a:t>Experience in data engineering at a start-up called Possible Me</a:t>
+            </a:r>
+          </a:p>
+          <a:p>
+            <a:pPr lvl="3"/>
+            <a:r>
+              <a:rPr lang="en-AU" dirty="0"/>
+              <a:t>NLP</a:t>
+            </a:r>
+          </a:p>
+          <a:p>
+            <a:pPr lvl="3"/>
+            <a:r>
+              <a:rPr lang="en-AU" dirty="0"/>
+              <a:t>Google Cloud Platform (GCP)</a:t>
             </a:r>
           </a:p>
           <a:p>
@@ -9668,14 +10289,35 @@
             <a:pPr lvl="3"/>
             <a:r>
               <a:rPr lang="en-AU" dirty="0"/>
-              <a:t>25+ features engineered, 5+ models used</a:t>
+              <a:t>25+ features engineered</a:t>
             </a:r>
           </a:p>
           <a:p>
             <a:pPr lvl="2"/>
             <a:r>
               <a:rPr lang="en-AU" dirty="0"/>
-              <a:t>Sentiment Analysis Mini Project catalyst for Capstone Project</a:t>
+              <a:t>IOD</a:t>
+            </a:r>
+          </a:p>
+          <a:p>
+            <a:pPr lvl="3"/>
+            <a:r>
+              <a:rPr lang="en-AU" dirty="0"/>
+              <a:t>Heroku</a:t>
+            </a:r>
+          </a:p>
+          <a:p>
+            <a:pPr lvl="3"/>
+            <a:r>
+              <a:rPr lang="en-AU" dirty="0"/>
+              <a:t>Feature Engineering</a:t>
+            </a:r>
+          </a:p>
+          <a:p>
+            <a:pPr lvl="3"/>
+            <a:r>
+              <a:rPr lang="en-AU" dirty="0"/>
+              <a:t>Mathematics and Statistical Methods</a:t>
             </a:r>
           </a:p>
           <a:p>
@@ -9757,10 +10399,15 @@
             <p:ph idx="1"/>
           </p:nvPr>
         </p:nvSpPr>
-        <p:spPr/>
+        <p:spPr>
+          <a:xfrm>
+            <a:off x="2589212" y="1713390"/>
+            <a:ext cx="8915400" cy="4197832"/>
+          </a:xfrm>
+        </p:spPr>
         <p:txBody>
           <a:bodyPr>
-            <a:normAutofit lnSpcReduction="10000"/>
+            <a:normAutofit/>
           </a:bodyPr>
           <a:lstStyle/>
           <a:p>
@@ -9785,15 +10432,57 @@
           <a:p>
             <a:pPr lvl="1"/>
             <a:r>
-              <a:rPr lang="en-AU" dirty="0"/>
-              <a:t>Young start-up Possible Me operates in a competitive landscape that adopts an Agile, customer-focussed approach. Even so, customer complaints are not being read because of its large volume and variety</a:t>
+              <a:rPr lang="en-US" dirty="0"/>
+              <a:t>Possible  Me has problems with product prioritization and feature prioritization</a:t>
             </a:r>
           </a:p>
           <a:p>
             <a:pPr lvl="1"/>
             <a:r>
-              <a:rPr lang="en-US" sz="2400" dirty="0"/>
-              <a:t>However, their A/B Testing time takes an average of 3 days. Using NLP and sentiment analysis, they want to be able to quickly forecast the current sentiment concerning the product portfolio to speed up iterations</a:t>
+              <a:rPr lang="en-US" dirty="0"/>
+              <a:t>Problems</a:t>
+            </a:r>
+          </a:p>
+          <a:p>
+            <a:pPr lvl="2"/>
+            <a:r>
+              <a:rPr lang="en-US" dirty="0"/>
+              <a:t>Agile problems</a:t>
+            </a:r>
+          </a:p>
+          <a:p>
+            <a:pPr lvl="2"/>
+            <a:r>
+              <a:rPr lang="en-US" dirty="0"/>
+              <a:t>Product Owner ignores scope creep</a:t>
+            </a:r>
+          </a:p>
+          <a:p>
+            <a:pPr lvl="2"/>
+            <a:r>
+              <a:rPr lang="en-US" dirty="0"/>
+              <a:t>Manager is pressured with budget deadlines</a:t>
+            </a:r>
+          </a:p>
+          <a:p>
+            <a:pPr lvl="2"/>
+            <a:r>
+              <a:rPr lang="en-US" dirty="0"/>
+              <a:t>Requirements Analysts and Software developers are constantly awaiting approval</a:t>
+            </a:r>
+          </a:p>
+          <a:p>
+            <a:pPr lvl="1"/>
+            <a:r>
+              <a:rPr lang="en-US" dirty="0"/>
+              <a:t>Value proposition</a:t>
+            </a:r>
+          </a:p>
+          <a:p>
+            <a:pPr lvl="2"/>
+            <a:r>
+              <a:rPr lang="en-US" dirty="0"/>
+              <a:t>Need dashboard/ metric to measure real time customer sentiment to prioritize product and features</a:t>
             </a:r>
             <a:endParaRPr lang="en-AU" dirty="0"/>
           </a:p>
@@ -9851,9 +10540,10 @@
           <a:lstStyle/>
           <a:p>
             <a:r>
-              <a:rPr lang="en-AU" dirty="0"/>
+              <a:rPr lang="en-AU"/>
               <a:t>Define</a:t>
             </a:r>
+            <a:endParaRPr lang="en-AU" dirty="0"/>
           </a:p>
         </p:txBody>
       </p:sp>
@@ -9876,7 +10566,7 @@
         <p:spPr/>
         <p:txBody>
           <a:bodyPr>
-            <a:normAutofit fontScale="92500" lnSpcReduction="10000"/>
+            <a:normAutofit/>
           </a:bodyPr>
           <a:lstStyle/>
           <a:p>
@@ -9903,7 +10593,11 @@
             </a:r>
             <a:r>
               <a:rPr lang="en-GB" dirty="0"/>
-              <a:t>How to increase delivery cycle speeds by prioritizing applications with the lowest perceived value from customers?</a:t>
+              <a:t>How to increase delivery cycle speeds and boost revenue by prioritizing </a:t>
+            </a:r>
+            <a:r>
+              <a:rPr lang="en-US" dirty="0"/>
+              <a:t>product and features?</a:t>
             </a:r>
             <a:endParaRPr lang="en-AU" dirty="0"/>
           </a:p>
@@ -9917,14 +10611,7 @@
           <a:p>
             <a:pPr marL="1485900" lvl="2" indent="-342900"/>
             <a:r>
-              <a:rPr lang="en-US" sz="2000" dirty="0"/>
-              <a:t>Reduce change fail percentage for cycle times</a:t>
-            </a:r>
-          </a:p>
-          <a:p>
-            <a:pPr marL="1485900" lvl="2" indent="-342900"/>
-            <a:r>
-              <a:rPr lang="en-US" sz="2000" dirty="0"/>
+              <a:rPr lang="en-US" dirty="0"/>
               <a:t>Reduce mean time to restoration for cycle times</a:t>
             </a:r>
           </a:p>
@@ -9939,14 +10626,14 @@
             <a:pPr marL="1485900" lvl="2" indent="-342900"/>
             <a:r>
               <a:rPr lang="en-US" dirty="0"/>
-              <a:t>To increase production cycle times</a:t>
+              <a:t>To help the product owner and manager manage scope creep</a:t>
             </a:r>
           </a:p>
           <a:p>
             <a:pPr marL="1485900" lvl="2" indent="-342900"/>
             <a:r>
               <a:rPr lang="en-US" dirty="0"/>
-              <a:t>To increase quarterly operational gross profit</a:t>
+              <a:t>To increase gross profit</a:t>
             </a:r>
           </a:p>
           <a:p>
@@ -10036,7 +10723,7 @@
         <p:spPr/>
         <p:txBody>
           <a:bodyPr>
-            <a:normAutofit fontScale="92500" lnSpcReduction="20000"/>
+            <a:normAutofit/>
           </a:bodyPr>
           <a:lstStyle/>
           <a:p>
@@ -10048,56 +10735,29 @@
           <a:p>
             <a:pPr lvl="1"/>
             <a:r>
+              <a:rPr lang="en-GB" dirty="0"/>
+              <a:t>Accuracy, Precision and ROC Score</a:t>
+            </a:r>
+          </a:p>
+          <a:p>
+            <a:pPr lvl="1"/>
+            <a:r>
+              <a:rPr lang="en-GB" dirty="0"/>
+              <a:t>Classification Problem: Multiclass and Binary</a:t>
+            </a:r>
+          </a:p>
+          <a:p>
+            <a:pPr lvl="2"/>
+            <a:r>
               <a:rPr lang="en-AU" dirty="0"/>
-              <a:t>Data question</a:t>
+              <a:t>Dependent Variable (X), Customer reviews: text string type</a:t>
             </a:r>
           </a:p>
           <a:p>
             <a:pPr lvl="2"/>
             <a:r>
-              <a:rPr lang="en-GB" sz="1800" dirty="0">
-                <a:effectLst/>
-                <a:latin typeface="Arial" panose="020B0604020202020204" pitchFamily="34" charset="0"/>
-                <a:ea typeface="Arial" panose="020B0604020202020204" pitchFamily="34" charset="0"/>
-              </a:rPr>
-              <a:t>Question: What are the models and features give us the best accuracy and ROC scores when predicting sentiment of customer reviews on the Google Play Store?</a:t>
-            </a:r>
-          </a:p>
-          <a:p>
-            <a:pPr lvl="1"/>
-            <a:r>
-              <a:rPr lang="en-GB" dirty="0"/>
-              <a:t>Data required</a:t>
-            </a:r>
-          </a:p>
-          <a:p>
-            <a:pPr lvl="2"/>
-            <a:r>
-              <a:rPr lang="en-GB" sz="1800" dirty="0">
-                <a:effectLst/>
-                <a:latin typeface="Arial" panose="020B0604020202020204" pitchFamily="34" charset="0"/>
-                <a:ea typeface="Arial" panose="020B0604020202020204" pitchFamily="34" charset="0"/>
-              </a:rPr>
-              <a:t>To answer the question, we need to frame the problem as a supervised machine learning problem that requires labelled training and test data.</a:t>
-            </a:r>
-            <a:endParaRPr lang="en-AU" sz="1800" dirty="0">
-              <a:effectLst/>
-              <a:latin typeface="Arial" panose="020B0604020202020204" pitchFamily="34" charset="0"/>
-              <a:ea typeface="Arial" panose="020B0604020202020204" pitchFamily="34" charset="0"/>
-            </a:endParaRPr>
-          </a:p>
-          <a:p>
-            <a:pPr lvl="2"/>
-            <a:r>
               <a:rPr lang="en-AU" dirty="0"/>
-              <a:t>Customer reviews: text string type</a:t>
-            </a:r>
-          </a:p>
-          <a:p>
-            <a:pPr lvl="2"/>
-            <a:r>
-              <a:rPr lang="en-AU" dirty="0"/>
-              <a:t>Sentiment label: binary or polarized integer type</a:t>
+              <a:t>Independent Variable (Y), Sentiment label: binary</a:t>
             </a:r>
           </a:p>
           <a:p>
@@ -10130,26 +10790,29 @@
           <a:p>
             <a:pPr lvl="2"/>
             <a:r>
-              <a:rPr lang="en-GB" sz="1800" dirty="0">
-                <a:effectLst/>
-                <a:latin typeface="Arial" panose="020B0604020202020204" pitchFamily="34" charset="0"/>
-                <a:ea typeface="Arial" panose="020B0604020202020204" pitchFamily="34" charset="0"/>
-              </a:rPr>
-              <a:t>Google Play: </a:t>
-            </a:r>
-            <a:r>
-              <a:rPr lang="en-GB" sz="1800" u="sng" dirty="0">
-                <a:solidFill>
-                  <a:srgbClr val="0000FF"/>
-                </a:solidFill>
-                <a:effectLst/>
-                <a:latin typeface="Arial" panose="020B0604020202020204" pitchFamily="34" charset="0"/>
-                <a:ea typeface="Arial" panose="020B0604020202020204" pitchFamily="34" charset="0"/>
-                <a:hlinkClick r:id="rId3"/>
+              <a:rPr lang="en-GB" dirty="0"/>
+              <a:t>Google Play Scrapping: </a:t>
+            </a:r>
+            <a:r>
+              <a:rPr lang="en-GB" dirty="0">
+                <a:hlinkClick r:id="rId3">
+                  <a:extLst>
+                    <a:ext uri="{A12FA001-AC4F-418D-AE19-62706E023703}">
+                      <ahyp:hlinkClr xmlns:ahyp="http://schemas.microsoft.com/office/drawing/2018/hyperlinkcolor" val="tx"/>
+                    </a:ext>
+                  </a:extLst>
+                </a:hlinkClick>
               </a:rPr>
               <a:t>https://play.google.com/store</a:t>
             </a:r>
-            <a:endParaRPr lang="en-AU" dirty="0"/>
+            <a:endParaRPr lang="en-GB" dirty="0"/>
+          </a:p>
+          <a:p>
+            <a:pPr lvl="2"/>
+            <a:r>
+              <a:rPr lang="en-AU" dirty="0"/>
+              <a:t>Python API: https://pypi.org/project/google-play-scraper/</a:t>
+            </a:r>
           </a:p>
           <a:p>
             <a:pPr marL="457200" lvl="1" indent="0">
@@ -10194,7 +10857,7 @@
           <p:cNvPr id="2" name="Title 1">
             <a:extLst>
               <a:ext uri="{FF2B5EF4-FFF2-40B4-BE49-F238E27FC236}">
-                <a16:creationId xmlns:a16="http://schemas.microsoft.com/office/drawing/2014/main" id="{7164A467-CE29-4753-951E-FA56A5B8866E}"/>
+                <a16:creationId xmlns:a16="http://schemas.microsoft.com/office/drawing/2014/main" id="{CA7AC13D-638F-43E0-A0AC-1B2BC52956AB}"/>
               </a:ext>
             </a:extLst>
           </p:cNvPr>
@@ -10212,7 +10875,7 @@
           <a:p>
             <a:r>
               <a:rPr lang="en-US" dirty="0"/>
-              <a:t>Define</a:t>
+              <a:t>Kaggle dataset</a:t>
             </a:r>
             <a:endParaRPr lang="en-AU" dirty="0"/>
           </a:p>
@@ -10223,7 +10886,7 @@
           <p:cNvPr id="3" name="Content Placeholder 2">
             <a:extLst>
               <a:ext uri="{FF2B5EF4-FFF2-40B4-BE49-F238E27FC236}">
-                <a16:creationId xmlns:a16="http://schemas.microsoft.com/office/drawing/2014/main" id="{E51F004A-2C7F-4E04-BA2C-6B46B2598D5A}"/>
+                <a16:creationId xmlns:a16="http://schemas.microsoft.com/office/drawing/2014/main" id="{B164A26F-B2DE-4329-B4FB-3ECADB0747DD}"/>
               </a:ext>
             </a:extLst>
           </p:cNvPr>
@@ -10236,79 +10899,47 @@
         </p:nvSpPr>
         <p:spPr/>
         <p:txBody>
-          <a:bodyPr>
-            <a:normAutofit/>
-          </a:bodyPr>
+          <a:bodyPr/>
           <a:lstStyle/>
           <a:p>
-            <a:r>
-              <a:rPr lang="en-US" dirty="0"/>
-              <a:t>Data Sourced (cont.)</a:t>
-            </a:r>
-          </a:p>
-          <a:p>
-            <a:pPr lvl="1"/>
-            <a:r>
-              <a:rPr lang="en-GB" dirty="0"/>
-              <a:t>Volume</a:t>
-            </a:r>
-          </a:p>
-          <a:p>
-            <a:pPr lvl="2"/>
-            <a:r>
-              <a:rPr lang="en-GB" dirty="0"/>
-              <a:t>The data is very dense but not sparse. It only has 5 features, 2 of which are completely useless for this exercise.</a:t>
-            </a:r>
-            <a:endParaRPr lang="en-AU" sz="2800" dirty="0"/>
-          </a:p>
-          <a:p>
-            <a:pPr lvl="1"/>
-            <a:r>
-              <a:rPr lang="en-GB" dirty="0"/>
-              <a:t>Variety</a:t>
-            </a:r>
-          </a:p>
-          <a:p>
-            <a:pPr lvl="2"/>
-            <a:r>
-              <a:rPr lang="en-GB" dirty="0"/>
-              <a:t>The dataset contains 1074 Google Play Mobile Apps with Reviews ranging from 30 -320 per app. There is relative diversity in the groupings of Apps as they are arranged alphabetically without bias toward a particular market or genre</a:t>
-            </a:r>
-            <a:r>
-              <a:rPr lang="en-GB" sz="2400" dirty="0"/>
-              <a:t>.</a:t>
-            </a:r>
-          </a:p>
-          <a:p>
-            <a:pPr lvl="2"/>
-            <a:r>
-              <a:rPr lang="en-GB" sz="1800" dirty="0">
-                <a:effectLst/>
-                <a:latin typeface="Arial" panose="020B0604020202020204" pitchFamily="34" charset="0"/>
-                <a:ea typeface="Arial" panose="020B0604020202020204" pitchFamily="34" charset="0"/>
-              </a:rPr>
-              <a:t>The sentiment labels have 3 categories, negative, neutral, and positive labelled in a set {-1, 0, 1}.</a:t>
-            </a:r>
-            <a:endParaRPr lang="en-AU" sz="2400" dirty="0"/>
-          </a:p>
-          <a:p>
-            <a:pPr lvl="1"/>
-            <a:endParaRPr lang="en-US" dirty="0"/>
-          </a:p>
-          <a:p>
-            <a:pPr lvl="1"/>
-            <a:endParaRPr lang="en-US" dirty="0"/>
-          </a:p>
-          <a:p>
-            <a:pPr lvl="1"/>
             <a:endParaRPr lang="en-AU" dirty="0"/>
           </a:p>
         </p:txBody>
       </p:sp>
+      <p:pic>
+        <p:nvPicPr>
+          <p:cNvPr id="5" name="Picture 4">
+            <a:extLst>
+              <a:ext uri="{FF2B5EF4-FFF2-40B4-BE49-F238E27FC236}">
+                <a16:creationId xmlns:a16="http://schemas.microsoft.com/office/drawing/2014/main" id="{F879CB6C-6CFD-4AAE-8390-ACD70E77F386}"/>
+              </a:ext>
+            </a:extLst>
+          </p:cNvPr>
+          <p:cNvPicPr>
+            <a:picLocks noChangeAspect="1"/>
+          </p:cNvPicPr>
+          <p:nvPr/>
+        </p:nvPicPr>
+        <p:blipFill>
+          <a:blip r:embed="rId2"/>
+          <a:stretch>
+            <a:fillRect/>
+          </a:stretch>
+        </p:blipFill>
+        <p:spPr>
+          <a:xfrm>
+            <a:off x="2589212" y="1527790"/>
+            <a:ext cx="8439150" cy="4810125"/>
+          </a:xfrm>
+          <a:prstGeom prst="rect">
+            <a:avLst/>
+          </a:prstGeom>
+        </p:spPr>
+      </p:pic>
     </p:spTree>
     <p:extLst>
       <p:ext uri="{BB962C8B-B14F-4D97-AF65-F5344CB8AC3E}">
-        <p14:creationId xmlns:p14="http://schemas.microsoft.com/office/powerpoint/2010/main" val="2505818061"/>
+        <p14:creationId xmlns:p14="http://schemas.microsoft.com/office/powerpoint/2010/main" val="811470364"/>
       </p:ext>
     </p:extLst>
   </p:cSld>
@@ -10340,6 +10971,151 @@
           <p:cNvPr id="2" name="Title 1">
             <a:extLst>
               <a:ext uri="{FF2B5EF4-FFF2-40B4-BE49-F238E27FC236}">
+                <a16:creationId xmlns:a16="http://schemas.microsoft.com/office/drawing/2014/main" id="{7164A467-CE29-4753-951E-FA56A5B8866E}"/>
+              </a:ext>
+            </a:extLst>
+          </p:cNvPr>
+          <p:cNvSpPr>
+            <a:spLocks noGrp="1"/>
+          </p:cNvSpPr>
+          <p:nvPr>
+            <p:ph type="title"/>
+          </p:nvPr>
+        </p:nvSpPr>
+        <p:spPr/>
+        <p:txBody>
+          <a:bodyPr/>
+          <a:lstStyle/>
+          <a:p>
+            <a:r>
+              <a:rPr lang="en-US" dirty="0"/>
+              <a:t>Define</a:t>
+            </a:r>
+            <a:endParaRPr lang="en-AU" dirty="0"/>
+          </a:p>
+        </p:txBody>
+      </p:sp>
+      <p:sp>
+        <p:nvSpPr>
+          <p:cNvPr id="3" name="Content Placeholder 2">
+            <a:extLst>
+              <a:ext uri="{FF2B5EF4-FFF2-40B4-BE49-F238E27FC236}">
+                <a16:creationId xmlns:a16="http://schemas.microsoft.com/office/drawing/2014/main" id="{E51F004A-2C7F-4E04-BA2C-6B46B2598D5A}"/>
+              </a:ext>
+            </a:extLst>
+          </p:cNvPr>
+          <p:cNvSpPr>
+            <a:spLocks noGrp="1"/>
+          </p:cNvSpPr>
+          <p:nvPr>
+            <p:ph idx="1"/>
+          </p:nvPr>
+        </p:nvSpPr>
+        <p:spPr/>
+        <p:txBody>
+          <a:bodyPr>
+            <a:normAutofit/>
+          </a:bodyPr>
+          <a:lstStyle/>
+          <a:p>
+            <a:r>
+              <a:rPr lang="en-US" dirty="0"/>
+              <a:t>Data Quality</a:t>
+            </a:r>
+          </a:p>
+          <a:p>
+            <a:pPr lvl="2"/>
+            <a:r>
+              <a:rPr lang="en-US" dirty="0"/>
+              <a:t>Rows: 64,295</a:t>
+            </a:r>
+          </a:p>
+          <a:p>
+            <a:pPr lvl="2"/>
+            <a:r>
+              <a:rPr lang="en-US" dirty="0"/>
+              <a:t>Columns: 5</a:t>
+            </a:r>
+            <a:endParaRPr lang="en-AU" dirty="0"/>
+          </a:p>
+          <a:p>
+            <a:pPr lvl="1"/>
+            <a:r>
+              <a:rPr lang="en-GB" dirty="0"/>
+              <a:t>Variety</a:t>
+            </a:r>
+          </a:p>
+          <a:p>
+            <a:pPr lvl="2"/>
+            <a:r>
+              <a:rPr lang="en-GB" dirty="0"/>
+              <a:t>The dataset contains 1074 Google Play Mobile Apps with Reviews ranging from 30 -320 per app. </a:t>
+            </a:r>
+          </a:p>
+          <a:p>
+            <a:pPr lvl="2"/>
+            <a:r>
+              <a:rPr lang="en-GB" dirty="0"/>
+              <a:t>The sentiment labels have 3 categories, negative, neutral, and positive labelled in a set {-1, 0, 1}.</a:t>
+            </a:r>
+          </a:p>
+          <a:p>
+            <a:pPr lvl="2"/>
+            <a:r>
+              <a:rPr lang="en-GB" dirty="0"/>
+              <a:t>Polarity and Subjectivity scores allow more accurate models. But it is ignored in our case study because we are not doing information retrieval</a:t>
+            </a:r>
+            <a:endParaRPr lang="en-AU" dirty="0"/>
+          </a:p>
+          <a:p>
+            <a:pPr lvl="1"/>
+            <a:endParaRPr lang="en-US" dirty="0"/>
+          </a:p>
+          <a:p>
+            <a:pPr lvl="1"/>
+            <a:endParaRPr lang="en-US" dirty="0"/>
+          </a:p>
+          <a:p>
+            <a:pPr lvl="1"/>
+            <a:endParaRPr lang="en-AU" dirty="0"/>
+          </a:p>
+        </p:txBody>
+      </p:sp>
+    </p:spTree>
+    <p:extLst>
+      <p:ext uri="{BB962C8B-B14F-4D97-AF65-F5344CB8AC3E}">
+        <p14:creationId xmlns:p14="http://schemas.microsoft.com/office/powerpoint/2010/main" val="2505818061"/>
+      </p:ext>
+    </p:extLst>
+  </p:cSld>
+  <p:clrMapOvr>
+    <a:masterClrMapping/>
+  </p:clrMapOvr>
+</p:sld>
+</file>
+
+<file path=ppt/slides/slide9.xml><?xml version="1.0" encoding="utf-8"?>
+<p:sld xmlns:a="http://schemas.openxmlformats.org/drawingml/2006/main" xmlns:r="http://schemas.openxmlformats.org/officeDocument/2006/relationships" xmlns:p="http://schemas.openxmlformats.org/presentationml/2006/main">
+  <p:cSld>
+    <p:spTree>
+      <p:nvGrpSpPr>
+        <p:cNvPr id="1" name=""/>
+        <p:cNvGrpSpPr/>
+        <p:nvPr/>
+      </p:nvGrpSpPr>
+      <p:grpSpPr>
+        <a:xfrm>
+          <a:off x="0" y="0"/>
+          <a:ext cx="0" cy="0"/>
+          <a:chOff x="0" y="0"/>
+          <a:chExt cx="0" cy="0"/>
+        </a:xfrm>
+      </p:grpSpPr>
+      <p:sp>
+        <p:nvSpPr>
+          <p:cNvPr id="2" name="Title 1">
+            <a:extLst>
+              <a:ext uri="{FF2B5EF4-FFF2-40B4-BE49-F238E27FC236}">
                 <a16:creationId xmlns:a16="http://schemas.microsoft.com/office/drawing/2014/main" id="{E0C6F855-EBD0-4973-963B-C70AFAE00121}"/>
               </a:ext>
             </a:extLst>
@@ -10392,11 +11168,13 @@
           <a:p>
             <a:r>
               <a:rPr lang="en-US" dirty="0"/>
-              <a:t>Data exploration, analysis and </a:t>
-            </a:r>
-            <a:r>
-              <a:rPr lang="en-US" dirty="0" err="1"/>
-              <a:t>visualisation</a:t>
+              <a:t>Data exploration, analysis and visualization (EDA)</a:t>
+            </a:r>
+          </a:p>
+          <a:p>
+            <a:r>
+              <a:rPr lang="en-US" dirty="0"/>
+              <a:t>Negative Cloud</a:t>
             </a:r>
             <a:endParaRPr lang="en-AU" dirty="0"/>
           </a:p>
@@ -10431,8 +11209,8 @@
         </p:blipFill>
         <p:spPr bwMode="auto">
           <a:xfrm>
-            <a:off x="1148013" y="1900238"/>
-            <a:ext cx="8717882" cy="4427974"/>
+            <a:off x="1651247" y="2077356"/>
+            <a:ext cx="8596388" cy="4366265"/>
           </a:xfrm>
           <a:prstGeom prst="rect">
             <a:avLst/>
@@ -10453,94 +11231,6 @@
     <p:extLst>
       <p:ext uri="{BB962C8B-B14F-4D97-AF65-F5344CB8AC3E}">
         <p14:creationId xmlns:p14="http://schemas.microsoft.com/office/powerpoint/2010/main" val="463234992"/>
-      </p:ext>
-    </p:extLst>
-  </p:cSld>
-  <p:clrMapOvr>
-    <a:masterClrMapping/>
-  </p:clrMapOvr>
-</p:sld>
-</file>
-
-<file path=ppt/slides/slide9.xml><?xml version="1.0" encoding="utf-8"?>
-<p:sld xmlns:a="http://schemas.openxmlformats.org/drawingml/2006/main" xmlns:r="http://schemas.openxmlformats.org/officeDocument/2006/relationships" xmlns:p="http://schemas.openxmlformats.org/presentationml/2006/main">
-  <p:cSld>
-    <p:spTree>
-      <p:nvGrpSpPr>
-        <p:cNvPr id="1" name=""/>
-        <p:cNvGrpSpPr/>
-        <p:nvPr/>
-      </p:nvGrpSpPr>
-      <p:grpSpPr>
-        <a:xfrm>
-          <a:off x="0" y="0"/>
-          <a:ext cx="0" cy="0"/>
-          <a:chOff x="0" y="0"/>
-          <a:chExt cx="0" cy="0"/>
-        </a:xfrm>
-      </p:grpSpPr>
-      <p:sp>
-        <p:nvSpPr>
-          <p:cNvPr id="2" name="Title 1">
-            <a:extLst>
-              <a:ext uri="{FF2B5EF4-FFF2-40B4-BE49-F238E27FC236}">
-                <a16:creationId xmlns:a16="http://schemas.microsoft.com/office/drawing/2014/main" id="{5BB3B005-A5BB-4219-8223-8738E71E2F5B}"/>
-              </a:ext>
-            </a:extLst>
-          </p:cNvPr>
-          <p:cNvSpPr>
-            <a:spLocks noGrp="1"/>
-          </p:cNvSpPr>
-          <p:nvPr>
-            <p:ph type="title"/>
-          </p:nvPr>
-        </p:nvSpPr>
-        <p:spPr/>
-        <p:txBody>
-          <a:bodyPr/>
-          <a:lstStyle/>
-          <a:p>
-            <a:r>
-              <a:rPr lang="en-US"/>
-              <a:t>Overall process flow used</a:t>
-            </a:r>
-            <a:endParaRPr lang="en-AU" dirty="0"/>
-          </a:p>
-        </p:txBody>
-      </p:sp>
-      <p:pic>
-        <p:nvPicPr>
-          <p:cNvPr id="5" name="Content Placeholder 4">
-            <a:extLst>
-              <a:ext uri="{FF2B5EF4-FFF2-40B4-BE49-F238E27FC236}">
-                <a16:creationId xmlns:a16="http://schemas.microsoft.com/office/drawing/2014/main" id="{9A3E4B6E-2617-466B-B0C6-2A2A1017E261}"/>
-              </a:ext>
-            </a:extLst>
-          </p:cNvPr>
-          <p:cNvPicPr>
-            <a:picLocks noGrp="1" noChangeAspect="1"/>
-          </p:cNvPicPr>
-          <p:nvPr>
-            <p:ph idx="1"/>
-          </p:nvPr>
-        </p:nvPicPr>
-        <p:blipFill>
-          <a:blip r:embed="rId2"/>
-          <a:stretch>
-            <a:fillRect/>
-          </a:stretch>
-        </p:blipFill>
-        <p:spPr>
-          <a:xfrm>
-            <a:off x="3668920" y="2133600"/>
-            <a:ext cx="6755985" cy="3778250"/>
-          </a:xfrm>
-        </p:spPr>
-      </p:pic>
-    </p:spTree>
-    <p:extLst>
-      <p:ext uri="{BB962C8B-B14F-4D97-AF65-F5344CB8AC3E}">
-        <p14:creationId xmlns:p14="http://schemas.microsoft.com/office/powerpoint/2010/main" val="559979042"/>
       </p:ext>
     </p:extLst>
   </p:cSld>

--- a/Capstone Project 2021.pptx
+++ b/Capstone Project 2021.pptx
@@ -10,17 +10,18 @@
     <p:sldId id="258" r:id="rId4"/>
     <p:sldId id="259" r:id="rId5"/>
     <p:sldId id="260" r:id="rId6"/>
-    <p:sldId id="261" r:id="rId7"/>
-    <p:sldId id="271" r:id="rId8"/>
+    <p:sldId id="271" r:id="rId7"/>
+    <p:sldId id="261" r:id="rId8"/>
     <p:sldId id="262" r:id="rId9"/>
     <p:sldId id="263" r:id="rId10"/>
     <p:sldId id="272" r:id="rId11"/>
     <p:sldId id="273" r:id="rId12"/>
-    <p:sldId id="265" r:id="rId13"/>
-    <p:sldId id="269" r:id="rId14"/>
+    <p:sldId id="269" r:id="rId13"/>
+    <p:sldId id="265" r:id="rId14"/>
     <p:sldId id="270" r:id="rId15"/>
-    <p:sldId id="267" r:id="rId16"/>
-    <p:sldId id="268" r:id="rId17"/>
+    <p:sldId id="274" r:id="rId16"/>
+    <p:sldId id="267" r:id="rId17"/>
+    <p:sldId id="268" r:id="rId18"/>
   </p:sldIdLst>
   <p:sldSz cx="12192000" cy="6858000"/>
   <p:notesSz cx="6858000" cy="9144000"/>
@@ -140,7 +141,7 @@
   <pc:docChgLst>
     <pc:chgData name="Isaac Low" userId="7480a74fbf43f6b1" providerId="LiveId" clId="{D426A5C3-16BC-459B-8B24-6227DC7E5B5C}"/>
     <pc:docChg chg="undo redo custSel addSld delSld modSld sldOrd">
-      <pc:chgData name="Isaac Low" userId="7480a74fbf43f6b1" providerId="LiveId" clId="{D426A5C3-16BC-459B-8B24-6227DC7E5B5C}" dt="2021-06-03T07:36:06.815" v="8274" actId="20577"/>
+      <pc:chgData name="Isaac Low" userId="7480a74fbf43f6b1" providerId="LiveId" clId="{D426A5C3-16BC-459B-8B24-6227DC7E5B5C}" dt="2021-06-04T04:31:21.825" v="8480" actId="14100"/>
       <pc:docMkLst>
         <pc:docMk/>
       </pc:docMkLst>
@@ -579,7 +580,7 @@
         </pc:spChg>
       </pc:sldChg>
       <pc:sldChg chg="addSp delSp modSp new mod">
-        <pc:chgData name="Isaac Low" userId="7480a74fbf43f6b1" providerId="LiveId" clId="{D426A5C3-16BC-459B-8B24-6227DC7E5B5C}" dt="2021-06-03T06:19:57.567" v="7386" actId="20577"/>
+        <pc:chgData name="Isaac Low" userId="7480a74fbf43f6b1" providerId="LiveId" clId="{D426A5C3-16BC-459B-8B24-6227DC7E5B5C}" dt="2021-06-04T04:28:29.220" v="8318" actId="20577"/>
         <pc:sldMkLst>
           <pc:docMk/>
           <pc:sldMk cId="2505818061" sldId="262"/>
@@ -593,7 +594,7 @@
           </ac:spMkLst>
         </pc:spChg>
         <pc:spChg chg="mod">
-          <ac:chgData name="Isaac Low" userId="7480a74fbf43f6b1" providerId="LiveId" clId="{D426A5C3-16BC-459B-8B24-6227DC7E5B5C}" dt="2021-06-03T06:19:57.567" v="7386" actId="20577"/>
+          <ac:chgData name="Isaac Low" userId="7480a74fbf43f6b1" providerId="LiveId" clId="{D426A5C3-16BC-459B-8B24-6227DC7E5B5C}" dt="2021-06-04T04:28:29.220" v="8318" actId="20577"/>
           <ac:spMkLst>
             <pc:docMk/>
             <pc:sldMk cId="2505818061" sldId="262"/>
@@ -712,7 +713,7 @@
         </pc:picChg>
       </pc:sldChg>
       <pc:sldChg chg="modSp new mod">
-        <pc:chgData name="Isaac Low" userId="7480a74fbf43f6b1" providerId="LiveId" clId="{D426A5C3-16BC-459B-8B24-6227DC7E5B5C}" dt="2021-06-03T07:28:32.837" v="8036" actId="20577"/>
+        <pc:chgData name="Isaac Low" userId="7480a74fbf43f6b1" providerId="LiveId" clId="{D426A5C3-16BC-459B-8B24-6227DC7E5B5C}" dt="2021-06-04T04:30:57.113" v="8443" actId="20577"/>
         <pc:sldMkLst>
           <pc:docMk/>
           <pc:sldMk cId="2126947556" sldId="265"/>
@@ -726,7 +727,7 @@
           </ac:spMkLst>
         </pc:spChg>
         <pc:spChg chg="mod">
-          <ac:chgData name="Isaac Low" userId="7480a74fbf43f6b1" providerId="LiveId" clId="{D426A5C3-16BC-459B-8B24-6227DC7E5B5C}" dt="2021-06-03T07:28:32.837" v="8036" actId="20577"/>
+          <ac:chgData name="Isaac Low" userId="7480a74fbf43f6b1" providerId="LiveId" clId="{D426A5C3-16BC-459B-8B24-6227DC7E5B5C}" dt="2021-06-04T04:30:57.113" v="8443" actId="20577"/>
           <ac:spMkLst>
             <pc:docMk/>
             <pc:sldMk cId="2126947556" sldId="265"/>
@@ -803,8 +804,8 @@
           </ac:spMkLst>
         </pc:spChg>
       </pc:sldChg>
-      <pc:sldChg chg="addSp modSp new mod">
-        <pc:chgData name="Isaac Low" userId="7480a74fbf43f6b1" providerId="LiveId" clId="{D426A5C3-16BC-459B-8B24-6227DC7E5B5C}" dt="2021-06-03T04:44:10.801" v="5858"/>
+      <pc:sldChg chg="addSp modSp new mod ord">
+        <pc:chgData name="Isaac Low" userId="7480a74fbf43f6b1" providerId="LiveId" clId="{D426A5C3-16BC-459B-8B24-6227DC7E5B5C}" dt="2021-06-04T04:29:16.822" v="8320"/>
         <pc:sldMkLst>
           <pc:docMk/>
           <pc:sldMk cId="177021519" sldId="269"/>
@@ -873,8 +874,8 @@
           </ac:picMkLst>
         </pc:picChg>
       </pc:sldChg>
-      <pc:sldChg chg="addSp modSp new mod">
-        <pc:chgData name="Isaac Low" userId="7480a74fbf43f6b1" providerId="LiveId" clId="{D426A5C3-16BC-459B-8B24-6227DC7E5B5C}" dt="2021-06-03T06:01:01.575" v="6839" actId="1076"/>
+      <pc:sldChg chg="addSp modSp new mod ord">
+        <pc:chgData name="Isaac Low" userId="7480a74fbf43f6b1" providerId="LiveId" clId="{D426A5C3-16BC-459B-8B24-6227DC7E5B5C}" dt="2021-06-04T04:27:28.103" v="8276"/>
         <pc:sldMkLst>
           <pc:docMk/>
           <pc:sldMk cId="811470364" sldId="271"/>
@@ -988,6 +989,29 @@
           </ac:picMkLst>
         </pc:picChg>
       </pc:sldChg>
+      <pc:sldChg chg="modSp new mod">
+        <pc:chgData name="Isaac Low" userId="7480a74fbf43f6b1" providerId="LiveId" clId="{D426A5C3-16BC-459B-8B24-6227DC7E5B5C}" dt="2021-06-04T04:31:21.825" v="8480" actId="14100"/>
+        <pc:sldMkLst>
+          <pc:docMk/>
+          <pc:sldMk cId="2740044751" sldId="274"/>
+        </pc:sldMkLst>
+        <pc:spChg chg="mod">
+          <ac:chgData name="Isaac Low" userId="7480a74fbf43f6b1" providerId="LiveId" clId="{D426A5C3-16BC-459B-8B24-6227DC7E5B5C}" dt="2021-06-04T04:31:20.046" v="8479" actId="14100"/>
+          <ac:spMkLst>
+            <pc:docMk/>
+            <pc:sldMk cId="2740044751" sldId="274"/>
+            <ac:spMk id="2" creationId="{6249B7D5-92AF-4D27-A3E3-426057971270}"/>
+          </ac:spMkLst>
+        </pc:spChg>
+        <pc:spChg chg="mod">
+          <ac:chgData name="Isaac Low" userId="7480a74fbf43f6b1" providerId="LiveId" clId="{D426A5C3-16BC-459B-8B24-6227DC7E5B5C}" dt="2021-06-04T04:31:21.825" v="8480" actId="14100"/>
+          <ac:spMkLst>
+            <pc:docMk/>
+            <pc:sldMk cId="2740044751" sldId="274"/>
+            <ac:spMk id="3" creationId="{0DCC86D4-3768-4AD7-BA18-089C0FA6AC49}"/>
+          </ac:spMkLst>
+        </pc:spChg>
+      </pc:sldChg>
     </pc:docChg>
   </pc:docChgLst>
 </pc:chgInfo>
@@ -1181,7 +1205,7 @@
           <a:p>
             <a:fld id="{FB4D491D-4061-42FE-96D3-AE4CC17E143C}" type="datetimeFigureOut">
               <a:rPr lang="en-AU" smtClean="0"/>
-              <a:t>3/06/2021</a:t>
+              <a:t>4/06/2021</a:t>
             </a:fld>
             <a:endParaRPr lang="en-AU"/>
           </a:p>
@@ -1519,7 +1543,7 @@
           <a:p>
             <a:fld id="{FB4D491D-4061-42FE-96D3-AE4CC17E143C}" type="datetimeFigureOut">
               <a:rPr lang="en-AU" smtClean="0"/>
-              <a:t>3/06/2021</a:t>
+              <a:t>4/06/2021</a:t>
             </a:fld>
             <a:endParaRPr lang="en-AU"/>
           </a:p>
@@ -1920,7 +1944,7 @@
           <a:p>
             <a:fld id="{FB4D491D-4061-42FE-96D3-AE4CC17E143C}" type="datetimeFigureOut">
               <a:rPr lang="en-AU" smtClean="0"/>
-              <a:t>3/06/2021</a:t>
+              <a:t>4/06/2021</a:t>
             </a:fld>
             <a:endParaRPr lang="en-AU"/>
           </a:p>
@@ -2256,7 +2280,7 @@
           <a:p>
             <a:fld id="{FB4D491D-4061-42FE-96D3-AE4CC17E143C}" type="datetimeFigureOut">
               <a:rPr lang="en-AU" smtClean="0"/>
-              <a:t>3/06/2021</a:t>
+              <a:t>4/06/2021</a:t>
             </a:fld>
             <a:endParaRPr lang="en-AU"/>
           </a:p>
@@ -2576,7 +2600,7 @@
           <a:p>
             <a:fld id="{FB4D491D-4061-42FE-96D3-AE4CC17E143C}" type="datetimeFigureOut">
               <a:rPr lang="en-AU" smtClean="0"/>
-              <a:t>3/06/2021</a:t>
+              <a:t>4/06/2021</a:t>
             </a:fld>
             <a:endParaRPr lang="en-AU"/>
           </a:p>
@@ -2972,7 +2996,7 @@
           <a:p>
             <a:fld id="{FB4D491D-4061-42FE-96D3-AE4CC17E143C}" type="datetimeFigureOut">
               <a:rPr lang="en-AU" smtClean="0"/>
-              <a:t>3/06/2021</a:t>
+              <a:t>4/06/2021</a:t>
             </a:fld>
             <a:endParaRPr lang="en-AU"/>
           </a:p>
@@ -3229,7 +3253,7 @@
           <a:p>
             <a:fld id="{FB4D491D-4061-42FE-96D3-AE4CC17E143C}" type="datetimeFigureOut">
               <a:rPr lang="en-AU" smtClean="0"/>
-              <a:t>3/06/2021</a:t>
+              <a:t>4/06/2021</a:t>
             </a:fld>
             <a:endParaRPr lang="en-AU"/>
           </a:p>
@@ -3491,7 +3515,7 @@
           <a:p>
             <a:fld id="{FB4D491D-4061-42FE-96D3-AE4CC17E143C}" type="datetimeFigureOut">
               <a:rPr lang="en-AU" smtClean="0"/>
-              <a:t>3/06/2021</a:t>
+              <a:t>4/06/2021</a:t>
             </a:fld>
             <a:endParaRPr lang="en-AU"/>
           </a:p>
@@ -3753,7 +3777,7 @@
           <a:p>
             <a:fld id="{FB4D491D-4061-42FE-96D3-AE4CC17E143C}" type="datetimeFigureOut">
               <a:rPr lang="en-AU" smtClean="0"/>
-              <a:t>3/06/2021</a:t>
+              <a:t>4/06/2021</a:t>
             </a:fld>
             <a:endParaRPr lang="en-AU"/>
           </a:p>
@@ -4082,7 +4106,7 @@
           <a:p>
             <a:fld id="{FB4D491D-4061-42FE-96D3-AE4CC17E143C}" type="datetimeFigureOut">
               <a:rPr lang="en-AU" smtClean="0"/>
-              <a:t>3/06/2021</a:t>
+              <a:t>4/06/2021</a:t>
             </a:fld>
             <a:endParaRPr lang="en-AU"/>
           </a:p>
@@ -4405,7 +4429,7 @@
           <a:p>
             <a:fld id="{FB4D491D-4061-42FE-96D3-AE4CC17E143C}" type="datetimeFigureOut">
               <a:rPr lang="en-AU" smtClean="0"/>
-              <a:t>3/06/2021</a:t>
+              <a:t>4/06/2021</a:t>
             </a:fld>
             <a:endParaRPr lang="en-AU"/>
           </a:p>
@@ -4862,7 +4886,7 @@
           <a:p>
             <a:fld id="{FB4D491D-4061-42FE-96D3-AE4CC17E143C}" type="datetimeFigureOut">
               <a:rPr lang="en-AU" smtClean="0"/>
-              <a:t>3/06/2021</a:t>
+              <a:t>4/06/2021</a:t>
             </a:fld>
             <a:endParaRPr lang="en-AU"/>
           </a:p>
@@ -5067,7 +5091,7 @@
           <a:p>
             <a:fld id="{FB4D491D-4061-42FE-96D3-AE4CC17E143C}" type="datetimeFigureOut">
               <a:rPr lang="en-AU" smtClean="0"/>
-              <a:t>3/06/2021</a:t>
+              <a:t>4/06/2021</a:t>
             </a:fld>
             <a:endParaRPr lang="en-AU"/>
           </a:p>
@@ -5244,7 +5268,7 @@
           <a:p>
             <a:fld id="{FB4D491D-4061-42FE-96D3-AE4CC17E143C}" type="datetimeFigureOut">
               <a:rPr lang="en-AU" smtClean="0"/>
-              <a:t>3/06/2021</a:t>
+              <a:t>4/06/2021</a:t>
             </a:fld>
             <a:endParaRPr lang="en-AU"/>
           </a:p>
@@ -5577,7 +5601,7 @@
           <a:p>
             <a:fld id="{FB4D491D-4061-42FE-96D3-AE4CC17E143C}" type="datetimeFigureOut">
               <a:rPr lang="en-AU" smtClean="0"/>
-              <a:t>3/06/2021</a:t>
+              <a:t>4/06/2021</a:t>
             </a:fld>
             <a:endParaRPr lang="en-AU"/>
           </a:p>
@@ -5922,7 +5946,7 @@
           <a:p>
             <a:fld id="{FB4D491D-4061-42FE-96D3-AE4CC17E143C}" type="datetimeFigureOut">
               <a:rPr lang="en-AU" smtClean="0"/>
-              <a:t>3/06/2021</a:t>
+              <a:t>4/06/2021</a:t>
             </a:fld>
             <a:endParaRPr lang="en-AU"/>
           </a:p>
@@ -7976,7 +8000,7 @@
           <a:p>
             <a:fld id="{FB4D491D-4061-42FE-96D3-AE4CC17E143C}" type="datetimeFigureOut">
               <a:rPr lang="en-AU" smtClean="0"/>
-              <a:t>3/06/2021</a:t>
+              <a:t>4/06/2021</a:t>
             </a:fld>
             <a:endParaRPr lang="en-AU"/>
           </a:p>
@@ -9153,150 +9177,6 @@
           <p:cNvPr id="2" name="Title 1">
             <a:extLst>
               <a:ext uri="{FF2B5EF4-FFF2-40B4-BE49-F238E27FC236}">
-                <a16:creationId xmlns:a16="http://schemas.microsoft.com/office/drawing/2014/main" id="{E690C563-19FD-42C3-AA57-A828CEC0A4FD}"/>
-              </a:ext>
-            </a:extLst>
-          </p:cNvPr>
-          <p:cNvSpPr>
-            <a:spLocks noGrp="1"/>
-          </p:cNvSpPr>
-          <p:nvPr>
-            <p:ph type="title"/>
-          </p:nvPr>
-        </p:nvSpPr>
-        <p:spPr/>
-        <p:txBody>
-          <a:bodyPr/>
-          <a:lstStyle/>
-          <a:p>
-            <a:r>
-              <a:rPr lang="en-US" dirty="0"/>
-              <a:t>Deliver</a:t>
-            </a:r>
-            <a:endParaRPr lang="en-AU" dirty="0"/>
-          </a:p>
-        </p:txBody>
-      </p:sp>
-      <p:sp>
-        <p:nvSpPr>
-          <p:cNvPr id="3" name="Content Placeholder 2">
-            <a:extLst>
-              <a:ext uri="{FF2B5EF4-FFF2-40B4-BE49-F238E27FC236}">
-                <a16:creationId xmlns:a16="http://schemas.microsoft.com/office/drawing/2014/main" id="{10963AB8-FE2D-48AC-A4CB-A964D25CACF4}"/>
-              </a:ext>
-            </a:extLst>
-          </p:cNvPr>
-          <p:cNvSpPr>
-            <a:spLocks noGrp="1"/>
-          </p:cNvSpPr>
-          <p:nvPr>
-            <p:ph idx="1"/>
-          </p:nvPr>
-        </p:nvSpPr>
-        <p:spPr/>
-        <p:txBody>
-          <a:bodyPr/>
-          <a:lstStyle/>
-          <a:p>
-            <a:r>
-              <a:rPr lang="en-US" dirty="0"/>
-              <a:t>Feature Engineering</a:t>
-            </a:r>
-          </a:p>
-          <a:p>
-            <a:pPr lvl="1"/>
-            <a:r>
-              <a:rPr lang="en-US" dirty="0"/>
-              <a:t>Count Vectorizers (bag-of-words), Word Level TFIDF, n-gram level TFIDF, Char level TFIDF</a:t>
-            </a:r>
-          </a:p>
-          <a:p>
-            <a:pPr lvl="1"/>
-            <a:r>
-              <a:rPr lang="en-US" dirty="0"/>
-              <a:t>The comparisons on the table show the accuracies of a multiclass problem</a:t>
-            </a:r>
-          </a:p>
-          <a:p>
-            <a:pPr lvl="1"/>
-            <a:r>
-              <a:rPr lang="en-US" dirty="0"/>
-              <a:t>Accuracies are good to determine importance of features, and it seems that Count Vectorizer performed the </a:t>
-            </a:r>
-            <a:r>
-              <a:rPr lang="en-US"/>
-              <a:t>best overall</a:t>
-            </a:r>
-            <a:endParaRPr lang="en-US" dirty="0"/>
-          </a:p>
-          <a:p>
-            <a:r>
-              <a:rPr lang="en-US" dirty="0"/>
-              <a:t>Machine Learning models used and evaluation metrics</a:t>
-            </a:r>
-          </a:p>
-          <a:p>
-            <a:pPr lvl="1"/>
-            <a:r>
-              <a:rPr lang="en-AU" dirty="0"/>
-              <a:t>Logistic Regression, SVM, SGD, Naïve Bayes, KNN, Decision Tree, Random Forest</a:t>
-            </a:r>
-          </a:p>
-          <a:p>
-            <a:pPr lvl="1"/>
-            <a:r>
-              <a:rPr lang="en-AU" dirty="0"/>
-              <a:t>Accuracy, ROC score</a:t>
-            </a:r>
-          </a:p>
-          <a:p>
-            <a:pPr lvl="1"/>
-            <a:r>
-              <a:rPr lang="en-AU" dirty="0"/>
-              <a:t>The ROC curves show precision instead of accuracy, as focus is now on the performance on the model’s predictive value. </a:t>
-            </a:r>
-          </a:p>
-          <a:p>
-            <a:pPr lvl="1"/>
-            <a:endParaRPr lang="en-AU" dirty="0"/>
-          </a:p>
-        </p:txBody>
-      </p:sp>
-    </p:spTree>
-    <p:extLst>
-      <p:ext uri="{BB962C8B-B14F-4D97-AF65-F5344CB8AC3E}">
-        <p14:creationId xmlns:p14="http://schemas.microsoft.com/office/powerpoint/2010/main" val="2126947556"/>
-      </p:ext>
-    </p:extLst>
-  </p:cSld>
-  <p:clrMapOvr>
-    <a:masterClrMapping/>
-  </p:clrMapOvr>
-</p:sld>
-</file>
-
-<file path=ppt/slides/slide13.xml><?xml version="1.0" encoding="utf-8"?>
-<p:sld xmlns:a="http://schemas.openxmlformats.org/drawingml/2006/main" xmlns:r="http://schemas.openxmlformats.org/officeDocument/2006/relationships" xmlns:p="http://schemas.openxmlformats.org/presentationml/2006/main">
-  <p:cSld>
-    <p:spTree>
-      <p:nvGrpSpPr>
-        <p:cNvPr id="1" name=""/>
-        <p:cNvGrpSpPr/>
-        <p:nvPr/>
-      </p:nvGrpSpPr>
-      <p:grpSpPr>
-        <a:xfrm>
-          <a:off x="0" y="0"/>
-          <a:ext cx="0" cy="0"/>
-          <a:chOff x="0" y="0"/>
-          <a:chExt cx="0" cy="0"/>
-        </a:xfrm>
-      </p:grpSpPr>
-      <p:sp>
-        <p:nvSpPr>
-          <p:cNvPr id="2" name="Title 1">
-            <a:extLst>
-              <a:ext uri="{FF2B5EF4-FFF2-40B4-BE49-F238E27FC236}">
                 <a16:creationId xmlns:a16="http://schemas.microsoft.com/office/drawing/2014/main" id="{B47218B5-57A8-4C56-8840-68F4437A109D}"/>
               </a:ext>
             </a:extLst>
@@ -9380,6 +9260,161 @@
     <p:extLst>
       <p:ext uri="{BB962C8B-B14F-4D97-AF65-F5344CB8AC3E}">
         <p14:creationId xmlns:p14="http://schemas.microsoft.com/office/powerpoint/2010/main" val="177021519"/>
+      </p:ext>
+    </p:extLst>
+  </p:cSld>
+  <p:clrMapOvr>
+    <a:masterClrMapping/>
+  </p:clrMapOvr>
+</p:sld>
+</file>
+
+<file path=ppt/slides/slide13.xml><?xml version="1.0" encoding="utf-8"?>
+<p:sld xmlns:a="http://schemas.openxmlformats.org/drawingml/2006/main" xmlns:r="http://schemas.openxmlformats.org/officeDocument/2006/relationships" xmlns:p="http://schemas.openxmlformats.org/presentationml/2006/main">
+  <p:cSld>
+    <p:spTree>
+      <p:nvGrpSpPr>
+        <p:cNvPr id="1" name=""/>
+        <p:cNvGrpSpPr/>
+        <p:nvPr/>
+      </p:nvGrpSpPr>
+      <p:grpSpPr>
+        <a:xfrm>
+          <a:off x="0" y="0"/>
+          <a:ext cx="0" cy="0"/>
+          <a:chOff x="0" y="0"/>
+          <a:chExt cx="0" cy="0"/>
+        </a:xfrm>
+      </p:grpSpPr>
+      <p:sp>
+        <p:nvSpPr>
+          <p:cNvPr id="2" name="Title 1">
+            <a:extLst>
+              <a:ext uri="{FF2B5EF4-FFF2-40B4-BE49-F238E27FC236}">
+                <a16:creationId xmlns:a16="http://schemas.microsoft.com/office/drawing/2014/main" id="{E690C563-19FD-42C3-AA57-A828CEC0A4FD}"/>
+              </a:ext>
+            </a:extLst>
+          </p:cNvPr>
+          <p:cNvSpPr>
+            <a:spLocks noGrp="1"/>
+          </p:cNvSpPr>
+          <p:nvPr>
+            <p:ph type="title"/>
+          </p:nvPr>
+        </p:nvSpPr>
+        <p:spPr/>
+        <p:txBody>
+          <a:bodyPr/>
+          <a:lstStyle/>
+          <a:p>
+            <a:r>
+              <a:rPr lang="en-US" dirty="0"/>
+              <a:t>Deliver</a:t>
+            </a:r>
+            <a:endParaRPr lang="en-AU" dirty="0"/>
+          </a:p>
+        </p:txBody>
+      </p:sp>
+      <p:sp>
+        <p:nvSpPr>
+          <p:cNvPr id="3" name="Content Placeholder 2">
+            <a:extLst>
+              <a:ext uri="{FF2B5EF4-FFF2-40B4-BE49-F238E27FC236}">
+                <a16:creationId xmlns:a16="http://schemas.microsoft.com/office/drawing/2014/main" id="{10963AB8-FE2D-48AC-A4CB-A964D25CACF4}"/>
+              </a:ext>
+            </a:extLst>
+          </p:cNvPr>
+          <p:cNvSpPr>
+            <a:spLocks noGrp="1"/>
+          </p:cNvSpPr>
+          <p:nvPr>
+            <p:ph idx="1"/>
+          </p:nvPr>
+        </p:nvSpPr>
+        <p:spPr/>
+        <p:txBody>
+          <a:bodyPr>
+            <a:normAutofit fontScale="92500" lnSpcReduction="20000"/>
+          </a:bodyPr>
+          <a:lstStyle/>
+          <a:p>
+            <a:r>
+              <a:rPr lang="en-US" dirty="0"/>
+              <a:t>Feature Engineering</a:t>
+            </a:r>
+          </a:p>
+          <a:p>
+            <a:pPr lvl="1"/>
+            <a:r>
+              <a:rPr lang="en-US" dirty="0"/>
+              <a:t>Count Vectorizers (bag-of-words), Word Level TFIDF, n-gram level TFIDF, Char level TFIDF</a:t>
+            </a:r>
+          </a:p>
+          <a:p>
+            <a:pPr lvl="1"/>
+            <a:r>
+              <a:rPr lang="en-US" dirty="0"/>
+              <a:t>The comparisons on the table show the accuracies of a multiclass problem</a:t>
+            </a:r>
+          </a:p>
+          <a:p>
+            <a:pPr lvl="1"/>
+            <a:r>
+              <a:rPr lang="en-US" dirty="0"/>
+              <a:t>Accuracies are good to determine importance of features, </a:t>
+            </a:r>
+          </a:p>
+          <a:p>
+            <a:pPr lvl="1"/>
+            <a:r>
+              <a:rPr lang="en-US" dirty="0"/>
+              <a:t>Count Vectorizer performed the best overall</a:t>
+            </a:r>
+          </a:p>
+          <a:p>
+            <a:r>
+              <a:rPr lang="en-US" dirty="0"/>
+              <a:t>Machine Learning models used and evaluation metrics</a:t>
+            </a:r>
+          </a:p>
+          <a:p>
+            <a:pPr lvl="1"/>
+            <a:r>
+              <a:rPr lang="en-AU" dirty="0"/>
+              <a:t>Logistic Regression, SVM, SGD, Naïve Bayes, KNN, Decision Tree, Random Forest</a:t>
+            </a:r>
+          </a:p>
+          <a:p>
+            <a:pPr lvl="1"/>
+            <a:r>
+              <a:rPr lang="en-AU" dirty="0"/>
+              <a:t>Accuracy, ROC score</a:t>
+            </a:r>
+          </a:p>
+          <a:p>
+            <a:pPr lvl="1"/>
+            <a:r>
+              <a:rPr lang="en-AU" dirty="0"/>
+              <a:t>The ROC curves show precision instead of accuracy, as focus is now on the performance on the model’s predictive value. </a:t>
+            </a:r>
+          </a:p>
+          <a:p>
+            <a:pPr lvl="1"/>
+            <a:r>
+              <a:rPr lang="en-AU" dirty="0"/>
+              <a:t>Predictive measures are better for sentiment analysis as this is not a case in information retrieval.</a:t>
+            </a:r>
+          </a:p>
+          <a:p>
+            <a:pPr lvl="1"/>
+            <a:endParaRPr lang="en-AU" dirty="0"/>
+          </a:p>
+        </p:txBody>
+      </p:sp>
+    </p:spTree>
+    <p:extLst>
+      <p:ext uri="{BB962C8B-B14F-4D97-AF65-F5344CB8AC3E}">
+        <p14:creationId xmlns:p14="http://schemas.microsoft.com/office/powerpoint/2010/main" val="2126947556"/>
       </p:ext>
     </p:extLst>
   </p:cSld>
@@ -9641,6 +9676,100 @@
           <p:cNvPr id="2" name="Title 1">
             <a:extLst>
               <a:ext uri="{FF2B5EF4-FFF2-40B4-BE49-F238E27FC236}">
+                <a16:creationId xmlns:a16="http://schemas.microsoft.com/office/drawing/2014/main" id="{6249B7D5-92AF-4D27-A3E3-426057971270}"/>
+              </a:ext>
+            </a:extLst>
+          </p:cNvPr>
+          <p:cNvSpPr>
+            <a:spLocks noGrp="1"/>
+          </p:cNvSpPr>
+          <p:nvPr>
+            <p:ph type="title"/>
+          </p:nvPr>
+        </p:nvSpPr>
+        <p:spPr>
+          <a:xfrm>
+            <a:off x="2592925" y="624110"/>
+            <a:ext cx="8911687" cy="885094"/>
+          </a:xfrm>
+        </p:spPr>
+        <p:txBody>
+          <a:bodyPr/>
+          <a:lstStyle/>
+          <a:p>
+            <a:r>
+              <a:rPr lang="en-US" dirty="0"/>
+              <a:t>Ingesting new data with a pipeline</a:t>
+            </a:r>
+            <a:endParaRPr lang="en-AU" dirty="0"/>
+          </a:p>
+        </p:txBody>
+      </p:sp>
+      <p:sp>
+        <p:nvSpPr>
+          <p:cNvPr id="3" name="Content Placeholder 2">
+            <a:extLst>
+              <a:ext uri="{FF2B5EF4-FFF2-40B4-BE49-F238E27FC236}">
+                <a16:creationId xmlns:a16="http://schemas.microsoft.com/office/drawing/2014/main" id="{0DCC86D4-3768-4AD7-BA18-089C0FA6AC49}"/>
+              </a:ext>
+            </a:extLst>
+          </p:cNvPr>
+          <p:cNvSpPr>
+            <a:spLocks noGrp="1"/>
+          </p:cNvSpPr>
+          <p:nvPr>
+            <p:ph idx="1"/>
+          </p:nvPr>
+        </p:nvSpPr>
+        <p:spPr>
+          <a:xfrm>
+            <a:off x="2589212" y="1695635"/>
+            <a:ext cx="8915400" cy="4215587"/>
+          </a:xfrm>
+        </p:spPr>
+        <p:txBody>
+          <a:bodyPr/>
+          <a:lstStyle/>
+          <a:p>
+            <a:endParaRPr lang="en-AU" dirty="0"/>
+          </a:p>
+        </p:txBody>
+      </p:sp>
+    </p:spTree>
+    <p:extLst>
+      <p:ext uri="{BB962C8B-B14F-4D97-AF65-F5344CB8AC3E}">
+        <p14:creationId xmlns:p14="http://schemas.microsoft.com/office/powerpoint/2010/main" val="2740044751"/>
+      </p:ext>
+    </p:extLst>
+  </p:cSld>
+  <p:clrMapOvr>
+    <a:masterClrMapping/>
+  </p:clrMapOvr>
+</p:sld>
+</file>
+
+<file path=ppt/slides/slide16.xml><?xml version="1.0" encoding="utf-8"?>
+<p:sld xmlns:a="http://schemas.openxmlformats.org/drawingml/2006/main" xmlns:r="http://schemas.openxmlformats.org/officeDocument/2006/relationships" xmlns:p="http://schemas.openxmlformats.org/presentationml/2006/main">
+  <p:cSld>
+    <p:spTree>
+      <p:nvGrpSpPr>
+        <p:cNvPr id="1" name=""/>
+        <p:cNvGrpSpPr/>
+        <p:nvPr/>
+      </p:nvGrpSpPr>
+      <p:grpSpPr>
+        <a:xfrm>
+          <a:off x="0" y="0"/>
+          <a:ext cx="0" cy="0"/>
+          <a:chOff x="0" y="0"/>
+          <a:chExt cx="0" cy="0"/>
+        </a:xfrm>
+      </p:grpSpPr>
+      <p:sp>
+        <p:nvSpPr>
+          <p:cNvPr id="2" name="Title 1">
+            <a:extLst>
+              <a:ext uri="{FF2B5EF4-FFF2-40B4-BE49-F238E27FC236}">
                 <a16:creationId xmlns:a16="http://schemas.microsoft.com/office/drawing/2014/main" id="{DC24AD11-DE99-43A7-B16F-C6E82565A320}"/>
               </a:ext>
             </a:extLst>
@@ -9756,7 +9885,7 @@
 </p:sld>
 </file>
 
-<file path=ppt/slides/slide16.xml><?xml version="1.0" encoding="utf-8"?>
+<file path=ppt/slides/slide17.xml><?xml version="1.0" encoding="utf-8"?>
 <p:sld xmlns:a="http://schemas.openxmlformats.org/drawingml/2006/main" xmlns:r="http://schemas.openxmlformats.org/officeDocument/2006/relationships" xmlns:p="http://schemas.openxmlformats.org/presentationml/2006/main">
   <p:cSld>
     <p:spTree>
@@ -10660,182 +10789,6 @@
 </file>
 
 <file path=ppt/slides/slide6.xml><?xml version="1.0" encoding="utf-8"?>
-<p:sld xmlns:a="http://schemas.openxmlformats.org/drawingml/2006/main" xmlns:r="http://schemas.openxmlformats.org/officeDocument/2006/relationships" xmlns:p="http://schemas.openxmlformats.org/presentationml/2006/main">
-  <p:cSld>
-    <p:spTree>
-      <p:nvGrpSpPr>
-        <p:cNvPr id="1" name=""/>
-        <p:cNvGrpSpPr/>
-        <p:nvPr/>
-      </p:nvGrpSpPr>
-      <p:grpSpPr>
-        <a:xfrm>
-          <a:off x="0" y="0"/>
-          <a:ext cx="0" cy="0"/>
-          <a:chOff x="0" y="0"/>
-          <a:chExt cx="0" cy="0"/>
-        </a:xfrm>
-      </p:grpSpPr>
-      <p:sp>
-        <p:nvSpPr>
-          <p:cNvPr id="2" name="Title 1">
-            <a:extLst>
-              <a:ext uri="{FF2B5EF4-FFF2-40B4-BE49-F238E27FC236}">
-                <a16:creationId xmlns:a16="http://schemas.microsoft.com/office/drawing/2014/main" id="{25716C74-8EF5-44F8-85D2-1499DBC94860}"/>
-              </a:ext>
-            </a:extLst>
-          </p:cNvPr>
-          <p:cNvSpPr>
-            <a:spLocks noGrp="1"/>
-          </p:cNvSpPr>
-          <p:nvPr>
-            <p:ph type="title"/>
-          </p:nvPr>
-        </p:nvSpPr>
-        <p:spPr/>
-        <p:txBody>
-          <a:bodyPr/>
-          <a:lstStyle/>
-          <a:p>
-            <a:r>
-              <a:rPr lang="en-AU" dirty="0"/>
-              <a:t>Define</a:t>
-            </a:r>
-          </a:p>
-        </p:txBody>
-      </p:sp>
-      <p:sp>
-        <p:nvSpPr>
-          <p:cNvPr id="3" name="Content Placeholder 2">
-            <a:extLst>
-              <a:ext uri="{FF2B5EF4-FFF2-40B4-BE49-F238E27FC236}">
-                <a16:creationId xmlns:a16="http://schemas.microsoft.com/office/drawing/2014/main" id="{97508E05-7405-413C-B1C8-0D632CBDFBE4}"/>
-              </a:ext>
-            </a:extLst>
-          </p:cNvPr>
-          <p:cNvSpPr>
-            <a:spLocks noGrp="1"/>
-          </p:cNvSpPr>
-          <p:nvPr>
-            <p:ph idx="1"/>
-          </p:nvPr>
-        </p:nvSpPr>
-        <p:spPr/>
-        <p:txBody>
-          <a:bodyPr>
-            <a:normAutofit/>
-          </a:bodyPr>
-          <a:lstStyle/>
-          <a:p>
-            <a:r>
-              <a:rPr lang="en-AU" dirty="0"/>
-              <a:t>Data Science aspects</a:t>
-            </a:r>
-          </a:p>
-          <a:p>
-            <a:pPr lvl="1"/>
-            <a:r>
-              <a:rPr lang="en-GB" dirty="0"/>
-              <a:t>Accuracy, Precision and ROC Score</a:t>
-            </a:r>
-          </a:p>
-          <a:p>
-            <a:pPr lvl="1"/>
-            <a:r>
-              <a:rPr lang="en-GB" dirty="0"/>
-              <a:t>Classification Problem: Multiclass and Binary</a:t>
-            </a:r>
-          </a:p>
-          <a:p>
-            <a:pPr lvl="2"/>
-            <a:r>
-              <a:rPr lang="en-AU" dirty="0"/>
-              <a:t>Dependent Variable (X), Customer reviews: text string type</a:t>
-            </a:r>
-          </a:p>
-          <a:p>
-            <a:pPr lvl="2"/>
-            <a:r>
-              <a:rPr lang="en-AU" dirty="0"/>
-              <a:t>Independent Variable (Y), Sentiment label: binary</a:t>
-            </a:r>
-          </a:p>
-          <a:p>
-            <a:pPr lvl="1"/>
-            <a:r>
-              <a:rPr lang="en-AU" dirty="0"/>
-              <a:t>Data Sourced</a:t>
-            </a:r>
-          </a:p>
-          <a:p>
-            <a:pPr lvl="2"/>
-            <a:r>
-              <a:rPr lang="en-GB" dirty="0"/>
-              <a:t>Kaggle: </a:t>
-            </a:r>
-            <a:r>
-              <a:rPr lang="en-GB" dirty="0">
-                <a:hlinkClick r:id="rId2">
-                  <a:extLst>
-                    <a:ext uri="{A12FA001-AC4F-418D-AE19-62706E023703}">
-                      <ahyp:hlinkClr xmlns:ahyp="http://schemas.microsoft.com/office/drawing/2018/hyperlinkcolor" val="tx"/>
-                    </a:ext>
-                  </a:extLst>
-                </a:hlinkClick>
-              </a:rPr>
-              <a:t>https://www.kaggle.com/ashraf1997/anz-synthesised-transaction-dataset</a:t>
-            </a:r>
-            <a:endParaRPr lang="en-GB" dirty="0"/>
-          </a:p>
-          <a:p>
-            <a:pPr lvl="2"/>
-            <a:r>
-              <a:rPr lang="en-GB" dirty="0"/>
-              <a:t>Google Play Scrapping: </a:t>
-            </a:r>
-            <a:r>
-              <a:rPr lang="en-GB" dirty="0">
-                <a:hlinkClick r:id="rId3">
-                  <a:extLst>
-                    <a:ext uri="{A12FA001-AC4F-418D-AE19-62706E023703}">
-                      <ahyp:hlinkClr xmlns:ahyp="http://schemas.microsoft.com/office/drawing/2018/hyperlinkcolor" val="tx"/>
-                    </a:ext>
-                  </a:extLst>
-                </a:hlinkClick>
-              </a:rPr>
-              <a:t>https://play.google.com/store</a:t>
-            </a:r>
-            <a:endParaRPr lang="en-GB" dirty="0"/>
-          </a:p>
-          <a:p>
-            <a:pPr lvl="2"/>
-            <a:r>
-              <a:rPr lang="en-AU" dirty="0"/>
-              <a:t>Python API: https://pypi.org/project/google-play-scraper/</a:t>
-            </a:r>
-          </a:p>
-          <a:p>
-            <a:pPr marL="457200" lvl="1" indent="0">
-              <a:buNone/>
-            </a:pPr>
-            <a:endParaRPr lang="en-AU" dirty="0"/>
-          </a:p>
-        </p:txBody>
-      </p:sp>
-    </p:spTree>
-    <p:extLst>
-      <p:ext uri="{BB962C8B-B14F-4D97-AF65-F5344CB8AC3E}">
-        <p14:creationId xmlns:p14="http://schemas.microsoft.com/office/powerpoint/2010/main" val="4219432369"/>
-      </p:ext>
-    </p:extLst>
-  </p:cSld>
-  <p:clrMapOvr>
-    <a:masterClrMapping/>
-  </p:clrMapOvr>
-</p:sld>
-</file>
-
-<file path=ppt/slides/slide7.xml><?xml version="1.0" encoding="utf-8"?>
 <p:sld xmlns:a="http://schemas.openxmlformats.org/drawingml/2006/main" xmlns:r="http://schemas.openxmlformats.org/officeDocument/2006/relationships" xmlns:p="http://schemas.openxmlformats.org/presentationml/2006/main">
   <p:cSld>
     <p:spTree>
@@ -10949,6 +10902,182 @@
 </p:sld>
 </file>
 
+<file path=ppt/slides/slide7.xml><?xml version="1.0" encoding="utf-8"?>
+<p:sld xmlns:a="http://schemas.openxmlformats.org/drawingml/2006/main" xmlns:r="http://schemas.openxmlformats.org/officeDocument/2006/relationships" xmlns:p="http://schemas.openxmlformats.org/presentationml/2006/main">
+  <p:cSld>
+    <p:spTree>
+      <p:nvGrpSpPr>
+        <p:cNvPr id="1" name=""/>
+        <p:cNvGrpSpPr/>
+        <p:nvPr/>
+      </p:nvGrpSpPr>
+      <p:grpSpPr>
+        <a:xfrm>
+          <a:off x="0" y="0"/>
+          <a:ext cx="0" cy="0"/>
+          <a:chOff x="0" y="0"/>
+          <a:chExt cx="0" cy="0"/>
+        </a:xfrm>
+      </p:grpSpPr>
+      <p:sp>
+        <p:nvSpPr>
+          <p:cNvPr id="2" name="Title 1">
+            <a:extLst>
+              <a:ext uri="{FF2B5EF4-FFF2-40B4-BE49-F238E27FC236}">
+                <a16:creationId xmlns:a16="http://schemas.microsoft.com/office/drawing/2014/main" id="{25716C74-8EF5-44F8-85D2-1499DBC94860}"/>
+              </a:ext>
+            </a:extLst>
+          </p:cNvPr>
+          <p:cNvSpPr>
+            <a:spLocks noGrp="1"/>
+          </p:cNvSpPr>
+          <p:nvPr>
+            <p:ph type="title"/>
+          </p:nvPr>
+        </p:nvSpPr>
+        <p:spPr/>
+        <p:txBody>
+          <a:bodyPr/>
+          <a:lstStyle/>
+          <a:p>
+            <a:r>
+              <a:rPr lang="en-AU" dirty="0"/>
+              <a:t>Define</a:t>
+            </a:r>
+          </a:p>
+        </p:txBody>
+      </p:sp>
+      <p:sp>
+        <p:nvSpPr>
+          <p:cNvPr id="3" name="Content Placeholder 2">
+            <a:extLst>
+              <a:ext uri="{FF2B5EF4-FFF2-40B4-BE49-F238E27FC236}">
+                <a16:creationId xmlns:a16="http://schemas.microsoft.com/office/drawing/2014/main" id="{97508E05-7405-413C-B1C8-0D632CBDFBE4}"/>
+              </a:ext>
+            </a:extLst>
+          </p:cNvPr>
+          <p:cNvSpPr>
+            <a:spLocks noGrp="1"/>
+          </p:cNvSpPr>
+          <p:nvPr>
+            <p:ph idx="1"/>
+          </p:nvPr>
+        </p:nvSpPr>
+        <p:spPr/>
+        <p:txBody>
+          <a:bodyPr>
+            <a:normAutofit/>
+          </a:bodyPr>
+          <a:lstStyle/>
+          <a:p>
+            <a:r>
+              <a:rPr lang="en-AU" dirty="0"/>
+              <a:t>Data Science aspects</a:t>
+            </a:r>
+          </a:p>
+          <a:p>
+            <a:pPr lvl="1"/>
+            <a:r>
+              <a:rPr lang="en-GB" dirty="0"/>
+              <a:t>Accuracy, Precision and ROC Score</a:t>
+            </a:r>
+          </a:p>
+          <a:p>
+            <a:pPr lvl="1"/>
+            <a:r>
+              <a:rPr lang="en-GB" dirty="0"/>
+              <a:t>Classification Problem: Multiclass and Binary</a:t>
+            </a:r>
+          </a:p>
+          <a:p>
+            <a:pPr lvl="2"/>
+            <a:r>
+              <a:rPr lang="en-AU" dirty="0"/>
+              <a:t>Dependent Variable (X), Customer reviews: text string type</a:t>
+            </a:r>
+          </a:p>
+          <a:p>
+            <a:pPr lvl="2"/>
+            <a:r>
+              <a:rPr lang="en-AU" dirty="0"/>
+              <a:t>Independent Variable (Y), Sentiment label: binary</a:t>
+            </a:r>
+          </a:p>
+          <a:p>
+            <a:pPr lvl="1"/>
+            <a:r>
+              <a:rPr lang="en-AU" dirty="0"/>
+              <a:t>Data Sourced</a:t>
+            </a:r>
+          </a:p>
+          <a:p>
+            <a:pPr lvl="2"/>
+            <a:r>
+              <a:rPr lang="en-GB" dirty="0"/>
+              <a:t>Kaggle: </a:t>
+            </a:r>
+            <a:r>
+              <a:rPr lang="en-GB" dirty="0">
+                <a:hlinkClick r:id="rId2">
+                  <a:extLst>
+                    <a:ext uri="{A12FA001-AC4F-418D-AE19-62706E023703}">
+                      <ahyp:hlinkClr xmlns:ahyp="http://schemas.microsoft.com/office/drawing/2018/hyperlinkcolor" val="tx"/>
+                    </a:ext>
+                  </a:extLst>
+                </a:hlinkClick>
+              </a:rPr>
+              <a:t>https://www.kaggle.com/ashraf1997/anz-synthesised-transaction-dataset</a:t>
+            </a:r>
+            <a:endParaRPr lang="en-GB" dirty="0"/>
+          </a:p>
+          <a:p>
+            <a:pPr lvl="2"/>
+            <a:r>
+              <a:rPr lang="en-GB" dirty="0"/>
+              <a:t>Google Play Scrapping: </a:t>
+            </a:r>
+            <a:r>
+              <a:rPr lang="en-GB" dirty="0">
+                <a:hlinkClick r:id="rId3">
+                  <a:extLst>
+                    <a:ext uri="{A12FA001-AC4F-418D-AE19-62706E023703}">
+                      <ahyp:hlinkClr xmlns:ahyp="http://schemas.microsoft.com/office/drawing/2018/hyperlinkcolor" val="tx"/>
+                    </a:ext>
+                  </a:extLst>
+                </a:hlinkClick>
+              </a:rPr>
+              <a:t>https://play.google.com/store</a:t>
+            </a:r>
+            <a:endParaRPr lang="en-GB" dirty="0"/>
+          </a:p>
+          <a:p>
+            <a:pPr lvl="2"/>
+            <a:r>
+              <a:rPr lang="en-AU" dirty="0"/>
+              <a:t>Python API: https://pypi.org/project/google-play-scraper/</a:t>
+            </a:r>
+          </a:p>
+          <a:p>
+            <a:pPr marL="457200" lvl="1" indent="0">
+              <a:buNone/>
+            </a:pPr>
+            <a:endParaRPr lang="en-AU" dirty="0"/>
+          </a:p>
+        </p:txBody>
+      </p:sp>
+    </p:spTree>
+    <p:extLst>
+      <p:ext uri="{BB962C8B-B14F-4D97-AF65-F5344CB8AC3E}">
+        <p14:creationId xmlns:p14="http://schemas.microsoft.com/office/powerpoint/2010/main" val="4219432369"/>
+      </p:ext>
+    </p:extLst>
+  </p:cSld>
+  <p:clrMapOvr>
+    <a:masterClrMapping/>
+  </p:clrMapOvr>
+</p:sld>
+</file>
+
 <file path=ppt/slides/slide8.xml><?xml version="1.0" encoding="utf-8"?>
 <p:sld xmlns:a="http://schemas.openxmlformats.org/drawingml/2006/main" xmlns:r="http://schemas.openxmlformats.org/officeDocument/2006/relationships" xmlns:p="http://schemas.openxmlformats.org/presentationml/2006/main">
   <p:cSld>
@@ -11014,13 +11143,27 @@
         <p:spPr/>
         <p:txBody>
           <a:bodyPr>
-            <a:normAutofit/>
+            <a:normAutofit lnSpcReduction="10000"/>
           </a:bodyPr>
           <a:lstStyle/>
           <a:p>
             <a:r>
               <a:rPr lang="en-US" dirty="0"/>
               <a:t>Data Quality</a:t>
+            </a:r>
+          </a:p>
+          <a:p>
+            <a:pPr lvl="1"/>
+            <a:r>
+              <a:rPr lang="en-US" dirty="0"/>
+              <a:t>Volume</a:t>
+            </a:r>
+          </a:p>
+          <a:p>
+            <a:pPr lvl="2"/>
+            <a:r>
+              <a:rPr lang="en-US" dirty="0"/>
+              <a:t>Dense instead of sparse</a:t>
             </a:r>
           </a:p>
           <a:p>

--- a/Capstone Project 2021.pptx
+++ b/Capstone Project 2021.pptx
@@ -20,8 +20,9 @@
     <p:sldId id="265" r:id="rId14"/>
     <p:sldId id="270" r:id="rId15"/>
     <p:sldId id="274" r:id="rId16"/>
-    <p:sldId id="267" r:id="rId17"/>
-    <p:sldId id="268" r:id="rId18"/>
+    <p:sldId id="275" r:id="rId17"/>
+    <p:sldId id="267" r:id="rId18"/>
+    <p:sldId id="268" r:id="rId19"/>
   </p:sldIdLst>
   <p:sldSz cx="12192000" cy="6858000"/>
   <p:notesSz cx="6858000" cy="9144000"/>
@@ -131,7 +132,7 @@
 <file path=ppt/revisionInfo.xml><?xml version="1.0" encoding="utf-8"?>
 <p1510:revInfo xmlns:a="http://schemas.openxmlformats.org/drawingml/2006/main" xmlns:r="http://schemas.openxmlformats.org/officeDocument/2006/relationships" xmlns:p1510="http://schemas.microsoft.com/office/powerpoint/2015/10/main">
   <p1510:revLst>
-    <p1510:client id="{D426A5C3-16BC-459B-8B24-6227DC7E5B5C}" v="75" dt="2021-06-03T07:24:02.299"/>
+    <p1510:client id="{D426A5C3-16BC-459B-8B24-6227DC7E5B5C}" v="98" dt="2021-06-04T04:40:47.358"/>
   </p1510:revLst>
 </p1510:revInfo>
 </file>
@@ -141,12 +142,12 @@
   <pc:docChgLst>
     <pc:chgData name="Isaac Low" userId="7480a74fbf43f6b1" providerId="LiveId" clId="{D426A5C3-16BC-459B-8B24-6227DC7E5B5C}"/>
     <pc:docChg chg="undo redo custSel addSld delSld modSld sldOrd">
-      <pc:chgData name="Isaac Low" userId="7480a74fbf43f6b1" providerId="LiveId" clId="{D426A5C3-16BC-459B-8B24-6227DC7E5B5C}" dt="2021-06-04T04:31:21.825" v="8480" actId="14100"/>
+      <pc:chgData name="Isaac Low" userId="7480a74fbf43f6b1" providerId="LiveId" clId="{D426A5C3-16BC-459B-8B24-6227DC7E5B5C}" dt="2021-06-04T04:41:43.100" v="8665" actId="108"/>
       <pc:docMkLst>
         <pc:docMk/>
       </pc:docMkLst>
       <pc:sldChg chg="addSp delSp modSp new mod setBg addAnim setClrOvrMap delDesignElem">
-        <pc:chgData name="Isaac Low" userId="7480a74fbf43f6b1" providerId="LiveId" clId="{D426A5C3-16BC-459B-8B24-6227DC7E5B5C}" dt="2021-06-03T05:58:21.238" v="6819" actId="20577"/>
+        <pc:chgData name="Isaac Low" userId="7480a74fbf43f6b1" providerId="LiveId" clId="{D426A5C3-16BC-459B-8B24-6227DC7E5B5C}" dt="2021-06-04T04:33:23.164" v="8500" actId="20577"/>
         <pc:sldMkLst>
           <pc:docMk/>
           <pc:sldMk cId="1346450560" sldId="256"/>
@@ -160,7 +161,7 @@
           </ac:spMkLst>
         </pc:spChg>
         <pc:spChg chg="mod">
-          <ac:chgData name="Isaac Low" userId="7480a74fbf43f6b1" providerId="LiveId" clId="{D426A5C3-16BC-459B-8B24-6227DC7E5B5C}" dt="2021-06-03T04:13:39.558" v="5421" actId="26606"/>
+          <ac:chgData name="Isaac Low" userId="7480a74fbf43f6b1" providerId="LiveId" clId="{D426A5C3-16BC-459B-8B24-6227DC7E5B5C}" dt="2021-06-04T04:33:23.164" v="8500" actId="20577"/>
           <ac:spMkLst>
             <pc:docMk/>
             <pc:sldMk cId="1346450560" sldId="256"/>
@@ -782,7 +783,7 @@
         </pc:spChg>
       </pc:sldChg>
       <pc:sldChg chg="modSp new mod">
-        <pc:chgData name="Isaac Low" userId="7480a74fbf43f6b1" providerId="LiveId" clId="{D426A5C3-16BC-459B-8B24-6227DC7E5B5C}" dt="2021-06-03T04:44:10.801" v="5858"/>
+        <pc:chgData name="Isaac Low" userId="7480a74fbf43f6b1" providerId="LiveId" clId="{D426A5C3-16BC-459B-8B24-6227DC7E5B5C}" dt="2021-06-04T04:41:43.100" v="8665" actId="108"/>
         <pc:sldMkLst>
           <pc:docMk/>
           <pc:sldMk cId="3367198734" sldId="268"/>
@@ -796,7 +797,7 @@
           </ac:spMkLst>
         </pc:spChg>
         <pc:spChg chg="mod">
-          <ac:chgData name="Isaac Low" userId="7480a74fbf43f6b1" providerId="LiveId" clId="{D426A5C3-16BC-459B-8B24-6227DC7E5B5C}" dt="2021-06-03T04:44:10.801" v="5858"/>
+          <ac:chgData name="Isaac Low" userId="7480a74fbf43f6b1" providerId="LiveId" clId="{D426A5C3-16BC-459B-8B24-6227DC7E5B5C}" dt="2021-06-04T04:41:43.100" v="8665" actId="108"/>
           <ac:spMkLst>
             <pc:docMk/>
             <pc:sldMk cId="3367198734" sldId="268"/>
@@ -989,28 +990,163 @@
           </ac:picMkLst>
         </pc:picChg>
       </pc:sldChg>
-      <pc:sldChg chg="modSp new mod">
-        <pc:chgData name="Isaac Low" userId="7480a74fbf43f6b1" providerId="LiveId" clId="{D426A5C3-16BC-459B-8B24-6227DC7E5B5C}" dt="2021-06-04T04:31:21.825" v="8480" actId="14100"/>
+      <pc:sldChg chg="addSp delSp modSp new mod setBg">
+        <pc:chgData name="Isaac Low" userId="7480a74fbf43f6b1" providerId="LiveId" clId="{D426A5C3-16BC-459B-8B24-6227DC7E5B5C}" dt="2021-06-04T04:38:29.231" v="8595" actId="255"/>
         <pc:sldMkLst>
           <pc:docMk/>
           <pc:sldMk cId="2740044751" sldId="274"/>
         </pc:sldMkLst>
         <pc:spChg chg="mod">
-          <ac:chgData name="Isaac Low" userId="7480a74fbf43f6b1" providerId="LiveId" clId="{D426A5C3-16BC-459B-8B24-6227DC7E5B5C}" dt="2021-06-04T04:31:20.046" v="8479" actId="14100"/>
+          <ac:chgData name="Isaac Low" userId="7480a74fbf43f6b1" providerId="LiveId" clId="{D426A5C3-16BC-459B-8B24-6227DC7E5B5C}" dt="2021-06-04T04:35:40.180" v="8557" actId="26606"/>
           <ac:spMkLst>
             <pc:docMk/>
             <pc:sldMk cId="2740044751" sldId="274"/>
             <ac:spMk id="2" creationId="{6249B7D5-92AF-4D27-A3E3-426057971270}"/>
           </ac:spMkLst>
         </pc:spChg>
-        <pc:spChg chg="mod">
-          <ac:chgData name="Isaac Low" userId="7480a74fbf43f6b1" providerId="LiveId" clId="{D426A5C3-16BC-459B-8B24-6227DC7E5B5C}" dt="2021-06-04T04:31:21.825" v="8480" actId="14100"/>
+        <pc:spChg chg="add del mod">
+          <ac:chgData name="Isaac Low" userId="7480a74fbf43f6b1" providerId="LiveId" clId="{D426A5C3-16BC-459B-8B24-6227DC7E5B5C}" dt="2021-06-04T04:38:29.231" v="8595" actId="255"/>
           <ac:spMkLst>
             <pc:docMk/>
             <pc:sldMk cId="2740044751" sldId="274"/>
             <ac:spMk id="3" creationId="{0DCC86D4-3768-4AD7-BA18-089C0FA6AC49}"/>
           </ac:spMkLst>
         </pc:spChg>
+        <pc:spChg chg="add del">
+          <ac:chgData name="Isaac Low" userId="7480a74fbf43f6b1" providerId="LiveId" clId="{D426A5C3-16BC-459B-8B24-6227DC7E5B5C}" dt="2021-06-04T04:35:40.180" v="8557" actId="26606"/>
+          <ac:spMkLst>
+            <pc:docMk/>
+            <pc:sldMk cId="2740044751" sldId="274"/>
+            <ac:spMk id="8" creationId="{5BE0789E-91A7-4246-978E-A17FE1BF952A}"/>
+          </ac:spMkLst>
+        </pc:spChg>
+        <pc:spChg chg="add del">
+          <ac:chgData name="Isaac Low" userId="7480a74fbf43f6b1" providerId="LiveId" clId="{D426A5C3-16BC-459B-8B24-6227DC7E5B5C}" dt="2021-06-04T04:34:49.285" v="8534" actId="26606"/>
+          <ac:spMkLst>
+            <pc:docMk/>
+            <pc:sldMk cId="2740044751" sldId="274"/>
+            <ac:spMk id="9" creationId="{2809B993-8FEB-46DC-9CD7-69C95E2C93DD}"/>
+          </ac:spMkLst>
+        </pc:spChg>
+        <pc:spChg chg="add del">
+          <ac:chgData name="Isaac Low" userId="7480a74fbf43f6b1" providerId="LiveId" clId="{D426A5C3-16BC-459B-8B24-6227DC7E5B5C}" dt="2021-06-04T04:34:49.285" v="8534" actId="26606"/>
+          <ac:spMkLst>
+            <pc:docMk/>
+            <pc:sldMk cId="2740044751" sldId="274"/>
+            <ac:spMk id="11" creationId="{1E9821DA-CF82-4DA7-A2E9-77C49ECD53FE}"/>
+          </ac:spMkLst>
+        </pc:spChg>
+        <pc:spChg chg="add del">
+          <ac:chgData name="Isaac Low" userId="7480a74fbf43f6b1" providerId="LiveId" clId="{D426A5C3-16BC-459B-8B24-6227DC7E5B5C}" dt="2021-06-04T04:34:49.285" v="8534" actId="26606"/>
+          <ac:spMkLst>
+            <pc:docMk/>
+            <pc:sldMk cId="2740044751" sldId="274"/>
+            <ac:spMk id="13" creationId="{67F90B71-DFD0-4AAD-BD8F-3D4A022FB0AC}"/>
+          </ac:spMkLst>
+        </pc:spChg>
+        <pc:spChg chg="add del">
+          <ac:chgData name="Isaac Low" userId="7480a74fbf43f6b1" providerId="LiveId" clId="{D426A5C3-16BC-459B-8B24-6227DC7E5B5C}" dt="2021-06-04T04:35:40.180" v="8557" actId="26606"/>
+          <ac:spMkLst>
+            <pc:docMk/>
+            <pc:sldMk cId="2740044751" sldId="274"/>
+            <ac:spMk id="24" creationId="{15EDA122-4530-45D2-A70A-B1A967AAE566}"/>
+          </ac:spMkLst>
+        </pc:spChg>
+        <pc:spChg chg="add del">
+          <ac:chgData name="Isaac Low" userId="7480a74fbf43f6b1" providerId="LiveId" clId="{D426A5C3-16BC-459B-8B24-6227DC7E5B5C}" dt="2021-06-04T04:35:40.180" v="8557" actId="26606"/>
+          <ac:spMkLst>
+            <pc:docMk/>
+            <pc:sldMk cId="2740044751" sldId="274"/>
+            <ac:spMk id="26" creationId="{9782F52E-0F94-4BFC-9F89-B054DDEAB9EF}"/>
+          </ac:spMkLst>
+        </pc:spChg>
+        <pc:spChg chg="add del mod">
+          <ac:chgData name="Isaac Low" userId="7480a74fbf43f6b1" providerId="LiveId" clId="{D426A5C3-16BC-459B-8B24-6227DC7E5B5C}" dt="2021-06-04T04:35:40.180" v="8557" actId="26606"/>
+          <ac:spMkLst>
+            <pc:docMk/>
+            <pc:sldMk cId="2740044751" sldId="274"/>
+            <ac:spMk id="27" creationId="{0DCC86D4-3768-4AD7-BA18-089C0FA6AC49}"/>
+          </ac:spMkLst>
+        </pc:spChg>
+        <pc:spChg chg="add del">
+          <ac:chgData name="Isaac Low" userId="7480a74fbf43f6b1" providerId="LiveId" clId="{D426A5C3-16BC-459B-8B24-6227DC7E5B5C}" dt="2021-06-04T04:35:39.719" v="8554" actId="26606"/>
+          <ac:spMkLst>
+            <pc:docMk/>
+            <pc:sldMk cId="2740044751" sldId="274"/>
+            <ac:spMk id="32" creationId="{27018161-547E-48F7-A0D9-272C9EA5B379}"/>
+          </ac:spMkLst>
+        </pc:spChg>
+        <pc:spChg chg="add del">
+          <ac:chgData name="Isaac Low" userId="7480a74fbf43f6b1" providerId="LiveId" clId="{D426A5C3-16BC-459B-8B24-6227DC7E5B5C}" dt="2021-06-04T04:35:39.719" v="8554" actId="26606"/>
+          <ac:spMkLst>
+            <pc:docMk/>
+            <pc:sldMk cId="2740044751" sldId="274"/>
+            <ac:spMk id="34" creationId="{19FE08D8-CEA0-461E-870A-02CD15D9B9D2}"/>
+          </ac:spMkLst>
+        </pc:spChg>
+        <pc:spChg chg="add del">
+          <ac:chgData name="Isaac Low" userId="7480a74fbf43f6b1" providerId="LiveId" clId="{D426A5C3-16BC-459B-8B24-6227DC7E5B5C}" dt="2021-06-04T04:35:39.719" v="8554" actId="26606"/>
+          <ac:spMkLst>
+            <pc:docMk/>
+            <pc:sldMk cId="2740044751" sldId="274"/>
+            <ac:spMk id="36" creationId="{2B982904-A46E-41DF-BA98-61E2300C7DCB}"/>
+          </ac:spMkLst>
+        </pc:spChg>
+        <pc:grpChg chg="add del">
+          <ac:chgData name="Isaac Low" userId="7480a74fbf43f6b1" providerId="LiveId" clId="{D426A5C3-16BC-459B-8B24-6227DC7E5B5C}" dt="2021-06-04T04:35:40.180" v="8557" actId="26606"/>
+          <ac:grpSpMkLst>
+            <pc:docMk/>
+            <pc:sldMk cId="2740044751" sldId="274"/>
+            <ac:grpSpMk id="10" creationId="{3C6C0BD2-8B3C-4042-B4EE-5DB7665A3736}"/>
+          </ac:grpSpMkLst>
+        </pc:grpChg>
+        <pc:graphicFrameChg chg="add del">
+          <ac:chgData name="Isaac Low" userId="7480a74fbf43f6b1" providerId="LiveId" clId="{D426A5C3-16BC-459B-8B24-6227DC7E5B5C}" dt="2021-06-04T04:34:49.285" v="8534" actId="26606"/>
+          <ac:graphicFrameMkLst>
+            <pc:docMk/>
+            <pc:sldMk cId="2740044751" sldId="274"/>
+            <ac:graphicFrameMk id="5" creationId="{A4F009FB-78D0-4B7B-97F3-A2D68051FDB5}"/>
+          </ac:graphicFrameMkLst>
+        </pc:graphicFrameChg>
+      </pc:sldChg>
+      <pc:sldChg chg="addSp delSp modSp new mod">
+        <pc:chgData name="Isaac Low" userId="7480a74fbf43f6b1" providerId="LiveId" clId="{D426A5C3-16BC-459B-8B24-6227DC7E5B5C}" dt="2021-06-04T04:39:51.192" v="8644" actId="1076"/>
+        <pc:sldMkLst>
+          <pc:docMk/>
+          <pc:sldMk cId="2471954762" sldId="275"/>
+        </pc:sldMkLst>
+        <pc:spChg chg="mod">
+          <ac:chgData name="Isaac Low" userId="7480a74fbf43f6b1" providerId="LiveId" clId="{D426A5C3-16BC-459B-8B24-6227DC7E5B5C}" dt="2021-06-04T04:38:46.002" v="8632" actId="14100"/>
+          <ac:spMkLst>
+            <pc:docMk/>
+            <pc:sldMk cId="2471954762" sldId="275"/>
+            <ac:spMk id="2" creationId="{DB918EA9-603C-4014-9C2D-843A14425F0A}"/>
+          </ac:spMkLst>
+        </pc:spChg>
+        <pc:spChg chg="del mod">
+          <ac:chgData name="Isaac Low" userId="7480a74fbf43f6b1" providerId="LiveId" clId="{D426A5C3-16BC-459B-8B24-6227DC7E5B5C}" dt="2021-06-04T04:39:08.427" v="8634" actId="22"/>
+          <ac:spMkLst>
+            <pc:docMk/>
+            <pc:sldMk cId="2471954762" sldId="275"/>
+            <ac:spMk id="3" creationId="{49F62EA9-7B8C-4289-8530-5EF414A3202A}"/>
+          </ac:spMkLst>
+        </pc:spChg>
+        <pc:picChg chg="add mod ord">
+          <ac:chgData name="Isaac Low" userId="7480a74fbf43f6b1" providerId="LiveId" clId="{D426A5C3-16BC-459B-8B24-6227DC7E5B5C}" dt="2021-06-04T04:39:43.496" v="8643" actId="14100"/>
+          <ac:picMkLst>
+            <pc:docMk/>
+            <pc:sldMk cId="2471954762" sldId="275"/>
+            <ac:picMk id="5" creationId="{EEFCDFAA-5BAA-4F88-89DC-C9843292CC3D}"/>
+          </ac:picMkLst>
+        </pc:picChg>
+        <pc:picChg chg="add mod">
+          <ac:chgData name="Isaac Low" userId="7480a74fbf43f6b1" providerId="LiveId" clId="{D426A5C3-16BC-459B-8B24-6227DC7E5B5C}" dt="2021-06-04T04:39:51.192" v="8644" actId="1076"/>
+          <ac:picMkLst>
+            <pc:docMk/>
+            <pc:sldMk cId="2471954762" sldId="275"/>
+            <ac:picMk id="7" creationId="{5C22AE57-BA8D-41C9-AD3E-78B619AC4962}"/>
+          </ac:picMkLst>
+        </pc:picChg>
       </pc:sldChg>
     </pc:docChg>
   </pc:docChgLst>
@@ -8619,18 +8755,18 @@
           <a:lstStyle/>
           <a:p>
             <a:r>
-              <a:rPr lang="en-AU">
+              <a:rPr lang="en-AU" dirty="0">
                 <a:solidFill>
                   <a:schemeClr val="tx2">
                     <a:lumMod val="75000"/>
                   </a:schemeClr>
                 </a:solidFill>
               </a:rPr>
-              <a:t>Capstone Project</a:t>
-            </a:r>
-          </a:p>
-          <a:p>
-            <a:endParaRPr lang="en-AU">
+              <a:t>Capstone Project: May 2021</a:t>
+            </a:r>
+          </a:p>
+          <a:p>
+            <a:endParaRPr lang="en-AU" dirty="0">
               <a:solidFill>
                 <a:schemeClr val="tx2">
                   <a:lumMod val="75000"/>
@@ -8640,7 +8776,7 @@
           </a:p>
           <a:p>
             <a:r>
-              <a:rPr lang="en-AU">
+              <a:rPr lang="en-AU" dirty="0">
                 <a:solidFill>
                   <a:schemeClr val="tx2">
                     <a:lumMod val="75000"/>
@@ -9698,7 +9834,7 @@
           <a:lstStyle/>
           <a:p>
             <a:r>
-              <a:rPr lang="en-US" dirty="0"/>
+              <a:rPr lang="en-US"/>
               <a:t>Ingesting new data with a pipeline</a:t>
             </a:r>
             <a:endParaRPr lang="en-AU" dirty="0"/>
@@ -9723,15 +9859,538 @@
         </p:nvSpPr>
         <p:spPr>
           <a:xfrm>
-            <a:off x="2589212" y="1695635"/>
-            <a:ext cx="8915400" cy="4215587"/>
+            <a:off x="2032986" y="1731145"/>
+            <a:ext cx="9471625" cy="4215587"/>
           </a:xfrm>
         </p:spPr>
         <p:txBody>
-          <a:bodyPr/>
+          <a:bodyPr>
+            <a:normAutofit/>
+          </a:bodyPr>
           <a:lstStyle/>
           <a:p>
+            <a:pPr marL="0" indent="0">
+              <a:buNone/>
+            </a:pPr>
+            <a:r>
+              <a:rPr lang="en-US" sz="1200" b="0" dirty="0">
+                <a:solidFill>
+                  <a:srgbClr val="C586C0"/>
+                </a:solidFill>
+                <a:effectLst/>
+                <a:latin typeface="Consolas" panose="020B0609020204030204" pitchFamily="49" charset="0"/>
+              </a:rPr>
+              <a:t>from</a:t>
+            </a:r>
+            <a:r>
+              <a:rPr lang="en-US" sz="1200" b="0" dirty="0">
+                <a:solidFill>
+                  <a:srgbClr val="000000"/>
+                </a:solidFill>
+                <a:effectLst/>
+                <a:latin typeface="Consolas" panose="020B0609020204030204" pitchFamily="49" charset="0"/>
+              </a:rPr>
+              <a:t> </a:t>
+            </a:r>
+            <a:r>
+              <a:rPr lang="en-US" sz="1200" b="0" dirty="0" err="1">
+                <a:solidFill>
+                  <a:schemeClr val="tx1"/>
+                </a:solidFill>
+                <a:effectLst/>
+                <a:latin typeface="Consolas" panose="020B0609020204030204" pitchFamily="49" charset="0"/>
+              </a:rPr>
+              <a:t>google_play_scraper</a:t>
+            </a:r>
+            <a:r>
+              <a:rPr lang="en-US" sz="1200" b="0" dirty="0">
+                <a:solidFill>
+                  <a:schemeClr val="tx1"/>
+                </a:solidFill>
+                <a:effectLst/>
+                <a:latin typeface="Consolas" panose="020B0609020204030204" pitchFamily="49" charset="0"/>
+              </a:rPr>
+              <a:t> </a:t>
+            </a:r>
+            <a:r>
+              <a:rPr lang="en-US" sz="1200" b="0" dirty="0">
+                <a:solidFill>
+                  <a:srgbClr val="C586C0"/>
+                </a:solidFill>
+                <a:effectLst/>
+                <a:latin typeface="Consolas" panose="020B0609020204030204" pitchFamily="49" charset="0"/>
+              </a:rPr>
+              <a:t>import</a:t>
+            </a:r>
+            <a:r>
+              <a:rPr lang="en-US" sz="1200" b="0" dirty="0">
+                <a:solidFill>
+                  <a:srgbClr val="000000"/>
+                </a:solidFill>
+                <a:effectLst/>
+                <a:latin typeface="Consolas" panose="020B0609020204030204" pitchFamily="49" charset="0"/>
+              </a:rPr>
+              <a:t> </a:t>
+            </a:r>
+            <a:r>
+              <a:rPr lang="en-US" sz="1200" dirty="0">
+                <a:solidFill>
+                  <a:schemeClr val="tx1"/>
+                </a:solidFill>
+                <a:latin typeface="Consolas" panose="020B0609020204030204" pitchFamily="49" charset="0"/>
+              </a:rPr>
+              <a:t>app</a:t>
+            </a:r>
+          </a:p>
+          <a:p>
+            <a:pPr marL="0" indent="0">
+              <a:buNone/>
+            </a:pPr>
+            <a:r>
+              <a:rPr lang="en-US" sz="1200" b="0" dirty="0">
+                <a:solidFill>
+                  <a:srgbClr val="C586C0"/>
+                </a:solidFill>
+                <a:effectLst/>
+                <a:latin typeface="Consolas" panose="020B0609020204030204" pitchFamily="49" charset="0"/>
+              </a:rPr>
+              <a:t>from</a:t>
+            </a:r>
+            <a:r>
+              <a:rPr lang="en-US" sz="1200" b="0" dirty="0">
+                <a:solidFill>
+                  <a:srgbClr val="000000"/>
+                </a:solidFill>
+                <a:effectLst/>
+                <a:latin typeface="Consolas" panose="020B0609020204030204" pitchFamily="49" charset="0"/>
+              </a:rPr>
+              <a:t> </a:t>
+            </a:r>
+            <a:r>
+              <a:rPr lang="en-US" sz="1200" dirty="0" err="1">
+                <a:solidFill>
+                  <a:schemeClr val="tx1"/>
+                </a:solidFill>
+                <a:latin typeface="Consolas" panose="020B0609020204030204" pitchFamily="49" charset="0"/>
+              </a:rPr>
+              <a:t>print_dict</a:t>
+            </a:r>
+            <a:r>
+              <a:rPr lang="en-US" sz="1200" dirty="0">
+                <a:solidFill>
+                  <a:schemeClr val="tx1"/>
+                </a:solidFill>
+                <a:latin typeface="Consolas" panose="020B0609020204030204" pitchFamily="49" charset="0"/>
+              </a:rPr>
+              <a:t> </a:t>
+            </a:r>
+            <a:r>
+              <a:rPr lang="en-US" sz="1200" b="0" dirty="0">
+                <a:solidFill>
+                  <a:srgbClr val="C586C0"/>
+                </a:solidFill>
+                <a:effectLst/>
+                <a:latin typeface="Consolas" panose="020B0609020204030204" pitchFamily="49" charset="0"/>
+              </a:rPr>
+              <a:t>import</a:t>
+            </a:r>
+            <a:r>
+              <a:rPr lang="en-US" sz="1200" b="0" dirty="0">
+                <a:solidFill>
+                  <a:srgbClr val="000000"/>
+                </a:solidFill>
+                <a:effectLst/>
+                <a:latin typeface="Consolas" panose="020B0609020204030204" pitchFamily="49" charset="0"/>
+              </a:rPr>
+              <a:t> </a:t>
+            </a:r>
+            <a:r>
+              <a:rPr lang="en-US" sz="1200" b="0" dirty="0">
+                <a:solidFill>
+                  <a:schemeClr val="tx1"/>
+                </a:solidFill>
+                <a:effectLst/>
+                <a:latin typeface="Consolas" panose="020B0609020204030204" pitchFamily="49" charset="0"/>
+              </a:rPr>
+              <a:t>p</a:t>
+            </a:r>
+            <a:r>
+              <a:rPr lang="en-US" sz="1200" dirty="0">
+                <a:solidFill>
+                  <a:schemeClr val="tx1"/>
+                </a:solidFill>
+                <a:latin typeface="Consolas" panose="020B0609020204030204" pitchFamily="49" charset="0"/>
+              </a:rPr>
+              <a:t>d</a:t>
+            </a:r>
+            <a:r>
+              <a:rPr lang="en-US" sz="1200" b="0" dirty="0">
+                <a:solidFill>
+                  <a:srgbClr val="000000"/>
+                </a:solidFill>
+                <a:effectLst/>
+                <a:latin typeface="Consolas" panose="020B0609020204030204" pitchFamily="49" charset="0"/>
+              </a:rPr>
+              <a:t> </a:t>
+            </a:r>
+            <a:r>
+              <a:rPr lang="en-US" sz="1200" b="0" dirty="0">
+                <a:solidFill>
+                  <a:srgbClr val="C586C0"/>
+                </a:solidFill>
+                <a:effectLst/>
+                <a:latin typeface="Consolas" panose="020B0609020204030204" pitchFamily="49" charset="0"/>
+              </a:rPr>
+              <a:t>as</a:t>
+            </a:r>
+            <a:r>
+              <a:rPr lang="en-US" sz="1200" b="0" dirty="0">
+                <a:solidFill>
+                  <a:srgbClr val="000000"/>
+                </a:solidFill>
+                <a:effectLst/>
+                <a:latin typeface="Consolas" panose="020B0609020204030204" pitchFamily="49" charset="0"/>
+              </a:rPr>
+              <a:t> </a:t>
+            </a:r>
+            <a:r>
+              <a:rPr lang="en-US" sz="1200" b="0" dirty="0" err="1">
+                <a:solidFill>
+                  <a:schemeClr val="tx1"/>
+                </a:solidFill>
+                <a:effectLst/>
+                <a:latin typeface="Consolas" panose="020B0609020204030204" pitchFamily="49" charset="0"/>
+              </a:rPr>
+              <a:t>prtd</a:t>
+            </a:r>
             <a:endParaRPr lang="en-AU" dirty="0"/>
+          </a:p>
+          <a:p>
+            <a:pPr marL="0" indent="0">
+              <a:buNone/>
+            </a:pPr>
+            <a:r>
+              <a:rPr lang="en-AU" sz="1200" dirty="0" err="1">
+                <a:solidFill>
+                  <a:schemeClr val="tx1"/>
+                </a:solidFill>
+                <a:latin typeface="Consolas" panose="020B0609020204030204" pitchFamily="49" charset="0"/>
+              </a:rPr>
+              <a:t>app_ids</a:t>
+            </a:r>
+            <a:r>
+              <a:rPr lang="en-AU" sz="1200" dirty="0">
+                <a:solidFill>
+                  <a:schemeClr val="tx1"/>
+                </a:solidFill>
+                <a:latin typeface="Consolas" panose="020B0609020204030204" pitchFamily="49" charset="0"/>
+              </a:rPr>
+              <a:t> =</a:t>
+            </a:r>
+            <a:r>
+              <a:rPr lang="en-AU" sz="1200" dirty="0">
+                <a:solidFill>
+                  <a:srgbClr val="000000"/>
+                </a:solidFill>
+                <a:latin typeface="Consolas" panose="020B0609020204030204" pitchFamily="49" charset="0"/>
+              </a:rPr>
+              <a:t> </a:t>
+            </a:r>
+            <a:r>
+              <a:rPr lang="en-AU" sz="1200" dirty="0">
+                <a:solidFill>
+                  <a:schemeClr val="tx1"/>
+                </a:solidFill>
+                <a:latin typeface="Consolas" panose="020B0609020204030204" pitchFamily="49" charset="0"/>
+              </a:rPr>
+              <a:t>[</a:t>
+            </a:r>
+            <a:r>
+              <a:rPr lang="en-AU" sz="1200" dirty="0">
+                <a:solidFill>
+                  <a:srgbClr val="FFC000"/>
+                </a:solidFill>
+                <a:latin typeface="Consolas" panose="020B0609020204030204" pitchFamily="49" charset="0"/>
+              </a:rPr>
+              <a:t>'com.mobincube.ndis_provider_directory.sc_592DRC&amp;showAllReviews=true', '</a:t>
+            </a:r>
+            <a:r>
+              <a:rPr lang="en-AU" sz="1200" dirty="0" err="1">
+                <a:solidFill>
+                  <a:srgbClr val="FFC000"/>
+                </a:solidFill>
+                <a:latin typeface="Consolas" panose="020B0609020204030204" pitchFamily="49" charset="0"/>
+              </a:rPr>
+              <a:t>com.planready</a:t>
+            </a:r>
+            <a:r>
+              <a:rPr lang="en-AU" sz="1200" dirty="0">
+                <a:solidFill>
+                  <a:srgbClr val="FFC000"/>
+                </a:solidFill>
+                <a:latin typeface="Consolas" panose="020B0609020204030204" pitchFamily="49" charset="0"/>
+              </a:rPr>
+              <a:t>', </a:t>
+            </a:r>
+          </a:p>
+          <a:p>
+            <a:pPr marL="0" indent="0">
+              <a:buNone/>
+            </a:pPr>
+            <a:r>
+              <a:rPr lang="en-AU" sz="1200" dirty="0">
+                <a:solidFill>
+                  <a:srgbClr val="FFC000"/>
+                </a:solidFill>
+                <a:latin typeface="Consolas" panose="020B0609020204030204" pitchFamily="49" charset="0"/>
+              </a:rPr>
+              <a:t>            'com.mysalesforce.mycommunity.C00D7F000003E7pqUAC.A0OT7F0000004C94WAE',</a:t>
+            </a:r>
+          </a:p>
+          <a:p>
+            <a:pPr marL="0" indent="0">
+              <a:buNone/>
+            </a:pPr>
+            <a:r>
+              <a:rPr lang="en-AU" sz="1200" dirty="0">
+                <a:solidFill>
+                  <a:srgbClr val="FFC000"/>
+                </a:solidFill>
+                <a:latin typeface="Consolas" panose="020B0609020204030204" pitchFamily="49" charset="0"/>
+              </a:rPr>
+              <a:t>            '</a:t>
+            </a:r>
+            <a:r>
+              <a:rPr lang="en-AU" sz="1200" dirty="0" err="1">
+                <a:solidFill>
+                  <a:srgbClr val="FFC000"/>
+                </a:solidFill>
+                <a:latin typeface="Consolas" panose="020B0609020204030204" pitchFamily="49" charset="0"/>
+              </a:rPr>
+              <a:t>au.com.myplanmanager&amp;showAllReviews</a:t>
+            </a:r>
+            <a:r>
+              <a:rPr lang="en-AU" sz="1200" dirty="0">
+                <a:solidFill>
+                  <a:srgbClr val="FFC000"/>
+                </a:solidFill>
+                <a:latin typeface="Consolas" panose="020B0609020204030204" pitchFamily="49" charset="0"/>
+              </a:rPr>
+              <a:t>=true',</a:t>
+            </a:r>
+          </a:p>
+          <a:p>
+            <a:pPr marL="0" indent="0">
+              <a:buNone/>
+            </a:pPr>
+            <a:r>
+              <a:rPr lang="en-AU" sz="1200" dirty="0">
+                <a:solidFill>
+                  <a:srgbClr val="FFC000"/>
+                </a:solidFill>
+                <a:latin typeface="Consolas" panose="020B0609020204030204" pitchFamily="49" charset="0"/>
+              </a:rPr>
+              <a:t>            '</a:t>
+            </a:r>
+            <a:r>
+              <a:rPr lang="en-AU" sz="1200" dirty="0" err="1">
+                <a:solidFill>
+                  <a:srgbClr val="FFC000"/>
+                </a:solidFill>
+                <a:latin typeface="Consolas" panose="020B0609020204030204" pitchFamily="49" charset="0"/>
+              </a:rPr>
+              <a:t>com.planready.ucq</a:t>
+            </a:r>
+            <a:r>
+              <a:rPr lang="en-AU" sz="1200" dirty="0">
+                <a:solidFill>
+                  <a:srgbClr val="FFC000"/>
+                </a:solidFill>
+                <a:latin typeface="Consolas" panose="020B0609020204030204" pitchFamily="49" charset="0"/>
+              </a:rPr>
+              <a:t>', '</a:t>
+            </a:r>
+            <a:r>
+              <a:rPr lang="en-AU" sz="1200" dirty="0" err="1">
+                <a:solidFill>
+                  <a:srgbClr val="FFC000"/>
+                </a:solidFill>
+                <a:latin typeface="Consolas" panose="020B0609020204030204" pitchFamily="49" charset="0"/>
+              </a:rPr>
+              <a:t>com.itelasoft.PlanTracker&amp;showAllReviews</a:t>
+            </a:r>
+            <a:r>
+              <a:rPr lang="en-AU" sz="1200" dirty="0">
+                <a:solidFill>
+                  <a:srgbClr val="FFC000"/>
+                </a:solidFill>
+                <a:latin typeface="Consolas" panose="020B0609020204030204" pitchFamily="49" charset="0"/>
+              </a:rPr>
+              <a:t>=true',</a:t>
+            </a:r>
+          </a:p>
+          <a:p>
+            <a:pPr marL="0" indent="0">
+              <a:buNone/>
+            </a:pPr>
+            <a:r>
+              <a:rPr lang="en-AU" sz="1200" dirty="0">
+                <a:solidFill>
+                  <a:srgbClr val="FFC000"/>
+                </a:solidFill>
+                <a:latin typeface="Consolas" panose="020B0609020204030204" pitchFamily="49" charset="0"/>
+              </a:rPr>
+              <a:t>            'com.ionicframework.bettercaring45581069&amp;showAllReviews=true',</a:t>
+            </a:r>
+          </a:p>
+          <a:p>
+            <a:pPr marL="0" indent="0">
+              <a:buNone/>
+            </a:pPr>
+            <a:r>
+              <a:rPr lang="en-AU" sz="1200" dirty="0">
+                <a:solidFill>
+                  <a:srgbClr val="FFC000"/>
+                </a:solidFill>
+                <a:latin typeface="Consolas" panose="020B0609020204030204" pitchFamily="49" charset="0"/>
+              </a:rPr>
+              <a:t>            'com.mysalesforce.mycommunity.C00D7F000004cbJAUAY.A0OT2P000000000HWAQ&amp;showAllReviews=true',</a:t>
+            </a:r>
+          </a:p>
+          <a:p>
+            <a:pPr marL="0" indent="0">
+              <a:buNone/>
+            </a:pPr>
+            <a:r>
+              <a:rPr lang="en-AU" sz="1200" dirty="0">
+                <a:solidFill>
+                  <a:srgbClr val="FFC000"/>
+                </a:solidFill>
+                <a:latin typeface="Consolas" panose="020B0609020204030204" pitchFamily="49" charset="0"/>
+              </a:rPr>
+              <a:t>            '</a:t>
+            </a:r>
+            <a:r>
+              <a:rPr lang="en-AU" sz="1200" dirty="0" err="1">
+                <a:solidFill>
+                  <a:srgbClr val="FFC000"/>
+                </a:solidFill>
+                <a:latin typeface="Consolas" panose="020B0609020204030204" pitchFamily="49" charset="0"/>
+              </a:rPr>
+              <a:t>au.gov.dhs.expressplus.medicare&amp;showAllReviews</a:t>
+            </a:r>
+            <a:r>
+              <a:rPr lang="en-AU" sz="1200" dirty="0">
+                <a:solidFill>
+                  <a:srgbClr val="FFC000"/>
+                </a:solidFill>
+                <a:latin typeface="Consolas" panose="020B0609020204030204" pitchFamily="49" charset="0"/>
+              </a:rPr>
+              <a:t>=true'</a:t>
+            </a:r>
+          </a:p>
+          <a:p>
+            <a:pPr marL="0" indent="0">
+              <a:buNone/>
+            </a:pPr>
+            <a:r>
+              <a:rPr lang="en-AU" sz="1200" dirty="0">
+                <a:solidFill>
+                  <a:srgbClr val="000000"/>
+                </a:solidFill>
+                <a:latin typeface="Consolas" panose="020B0609020204030204" pitchFamily="49" charset="0"/>
+              </a:rPr>
+              <a:t>         </a:t>
+            </a:r>
+            <a:r>
+              <a:rPr lang="en-AU" sz="1200" dirty="0">
+                <a:solidFill>
+                  <a:schemeClr val="tx1"/>
+                </a:solidFill>
+                <a:latin typeface="Consolas" panose="020B0609020204030204" pitchFamily="49" charset="0"/>
+              </a:rPr>
+              <a:t>]</a:t>
+            </a:r>
+          </a:p>
+          <a:p>
+            <a:pPr marL="0" indent="0">
+              <a:buNone/>
+            </a:pPr>
+            <a:r>
+              <a:rPr lang="en-US" sz="1200" dirty="0">
+                <a:solidFill>
+                  <a:schemeClr val="tx1"/>
+                </a:solidFill>
+                <a:latin typeface="Consolas" panose="020B0609020204030204" pitchFamily="49" charset="0"/>
+              </a:rPr>
+              <a:t>%%time</a:t>
+            </a:r>
+          </a:p>
+          <a:p>
+            <a:pPr marL="0" indent="0">
+              <a:buNone/>
+            </a:pPr>
+            <a:r>
+              <a:rPr lang="en-US" sz="1200" dirty="0">
+                <a:solidFill>
+                  <a:schemeClr val="tx1"/>
+                </a:solidFill>
+                <a:latin typeface="Consolas" panose="020B0609020204030204" pitchFamily="49" charset="0"/>
+              </a:rPr>
+              <a:t>df, logs = </a:t>
+            </a:r>
+            <a:r>
+              <a:rPr lang="en-US" sz="1200" dirty="0" err="1">
+                <a:solidFill>
+                  <a:schemeClr val="tx1"/>
+                </a:solidFill>
+                <a:latin typeface="Consolas" panose="020B0609020204030204" pitchFamily="49" charset="0"/>
+              </a:rPr>
+              <a:t>get_dictionary</a:t>
+            </a:r>
+            <a:r>
+              <a:rPr lang="en-US" sz="1200" dirty="0">
+                <a:solidFill>
+                  <a:schemeClr val="tx1"/>
+                </a:solidFill>
+                <a:latin typeface="Consolas" panose="020B0609020204030204" pitchFamily="49" charset="0"/>
+              </a:rPr>
+              <a:t>(</a:t>
+            </a:r>
+            <a:r>
+              <a:rPr lang="en-US" sz="1200" dirty="0" err="1">
+                <a:solidFill>
+                  <a:schemeClr val="tx1"/>
+                </a:solidFill>
+                <a:latin typeface="Consolas" panose="020B0609020204030204" pitchFamily="49" charset="0"/>
+              </a:rPr>
+              <a:t>app_ids</a:t>
+            </a:r>
+            <a:r>
+              <a:rPr lang="en-US" sz="1200" dirty="0">
+                <a:solidFill>
+                  <a:schemeClr val="tx1"/>
+                </a:solidFill>
+                <a:latin typeface="Consolas" panose="020B0609020204030204" pitchFamily="49" charset="0"/>
+              </a:rPr>
+              <a:t>)</a:t>
+            </a:r>
+          </a:p>
+          <a:p>
+            <a:pPr marL="0" indent="0">
+              <a:buNone/>
+            </a:pPr>
+            <a:r>
+              <a:rPr lang="en-AU" sz="1200" b="0" i="0" dirty="0">
+                <a:solidFill>
+                  <a:srgbClr val="D4D4D4"/>
+                </a:solidFill>
+                <a:effectLst/>
+                <a:latin typeface="Consolas" panose="020B0609020204030204" pitchFamily="49" charset="0"/>
+              </a:rPr>
+              <a:t>Wall time: 4.67 s</a:t>
+            </a:r>
+            <a:endParaRPr lang="en-AU" sz="1200" dirty="0"/>
           </a:p>
         </p:txBody>
       </p:sp>
@@ -9770,7 +10429,7 @@
           <p:cNvPr id="2" name="Title 1">
             <a:extLst>
               <a:ext uri="{FF2B5EF4-FFF2-40B4-BE49-F238E27FC236}">
-                <a16:creationId xmlns:a16="http://schemas.microsoft.com/office/drawing/2014/main" id="{DC24AD11-DE99-43A7-B16F-C6E82565A320}"/>
+                <a16:creationId xmlns:a16="http://schemas.microsoft.com/office/drawing/2014/main" id="{DB918EA9-603C-4014-9C2D-843A14425F0A}"/>
               </a:ext>
             </a:extLst>
           </p:cNvPr>
@@ -9781,101 +10440,87 @@
             <p:ph type="title"/>
           </p:nvPr>
         </p:nvSpPr>
-        <p:spPr/>
+        <p:spPr>
+          <a:xfrm>
+            <a:off x="2592925" y="624110"/>
+            <a:ext cx="8911687" cy="876216"/>
+          </a:xfrm>
+        </p:spPr>
         <p:txBody>
           <a:bodyPr/>
           <a:lstStyle/>
           <a:p>
             <a:r>
               <a:rPr lang="en-US" dirty="0"/>
-              <a:t>Summary, conclusions and next steps</a:t>
+              <a:t>New review data</a:t>
             </a:r>
             <a:endParaRPr lang="en-AU" dirty="0"/>
           </a:p>
         </p:txBody>
       </p:sp>
-      <p:sp>
-        <p:nvSpPr>
-          <p:cNvPr id="3" name="Content Placeholder 2">
+      <p:pic>
+        <p:nvPicPr>
+          <p:cNvPr id="5" name="Content Placeholder 4">
             <a:extLst>
               <a:ext uri="{FF2B5EF4-FFF2-40B4-BE49-F238E27FC236}">
-                <a16:creationId xmlns:a16="http://schemas.microsoft.com/office/drawing/2014/main" id="{1C695CFC-8F29-463A-825F-D3BECB2AF44F}"/>
+                <a16:creationId xmlns:a16="http://schemas.microsoft.com/office/drawing/2014/main" id="{EEFCDFAA-5BAA-4F88-89DC-C9843292CC3D}"/>
               </a:ext>
             </a:extLst>
           </p:cNvPr>
-          <p:cNvSpPr>
-            <a:spLocks noGrp="1"/>
-          </p:cNvSpPr>
+          <p:cNvPicPr>
+            <a:picLocks noGrp="1" noChangeAspect="1"/>
+          </p:cNvPicPr>
           <p:nvPr>
             <p:ph idx="1"/>
           </p:nvPr>
-        </p:nvSpPr>
-        <p:spPr/>
-        <p:txBody>
-          <a:bodyPr>
-            <a:normAutofit fontScale="92500"/>
-          </a:bodyPr>
-          <a:lstStyle/>
-          <a:p>
-            <a:r>
-              <a:rPr lang="en-US" dirty="0"/>
-              <a:t>Summary</a:t>
-            </a:r>
-          </a:p>
-          <a:p>
-            <a:pPr lvl="1"/>
-            <a:r>
-              <a:rPr lang="en-AU" dirty="0"/>
-              <a:t>My data solution is a first step in addressing company wide problems. It starts with addressing salient needs proposed by the IT teams in terms of product and feature prioritization</a:t>
-            </a:r>
-          </a:p>
-          <a:p>
-            <a:r>
-              <a:rPr lang="en-AU" dirty="0"/>
-              <a:t>Conclusions</a:t>
-            </a:r>
-          </a:p>
-          <a:p>
-            <a:pPr lvl="1"/>
-            <a:r>
-              <a:rPr lang="en-AU" dirty="0"/>
-              <a:t>Count Vectorizers and Linear SVC is a very good combination for predicting sentiment for new customer review data in the Google Play Store. However, other mobile platforms may still need addressing</a:t>
-            </a:r>
-          </a:p>
-          <a:p>
-            <a:r>
-              <a:rPr lang="en-AU" dirty="0"/>
-              <a:t>Next steps</a:t>
-            </a:r>
-          </a:p>
-          <a:p>
-            <a:pPr lvl="1"/>
-            <a:r>
-              <a:rPr lang="en-AU" dirty="0"/>
-              <a:t>The data pipeline needs further consolidation in terms of API calls and </a:t>
-            </a:r>
-            <a:r>
-              <a:rPr lang="en-AU" dirty="0" err="1"/>
-              <a:t>app_id</a:t>
-            </a:r>
-            <a:r>
-              <a:rPr lang="en-AU" dirty="0"/>
-              <a:t> inputs</a:t>
-            </a:r>
-          </a:p>
-          <a:p>
-            <a:pPr lvl="1"/>
-            <a:r>
-              <a:rPr lang="en-AU" dirty="0"/>
-              <a:t>A better labelling system for new data should be implemented. Perhaps a webhook to translate ratings into sentiment labels</a:t>
-            </a:r>
-          </a:p>
-        </p:txBody>
-      </p:sp>
+        </p:nvPicPr>
+        <p:blipFill>
+          <a:blip r:embed="rId2"/>
+          <a:stretch>
+            <a:fillRect/>
+          </a:stretch>
+        </p:blipFill>
+        <p:spPr>
+          <a:xfrm>
+            <a:off x="1727199" y="1166833"/>
+            <a:ext cx="3516605" cy="1343102"/>
+          </a:xfrm>
+        </p:spPr>
+      </p:pic>
+      <p:pic>
+        <p:nvPicPr>
+          <p:cNvPr id="7" name="Picture 6">
+            <a:extLst>
+              <a:ext uri="{FF2B5EF4-FFF2-40B4-BE49-F238E27FC236}">
+                <a16:creationId xmlns:a16="http://schemas.microsoft.com/office/drawing/2014/main" id="{5C22AE57-BA8D-41C9-AD3E-78B619AC4962}"/>
+              </a:ext>
+            </a:extLst>
+          </p:cNvPr>
+          <p:cNvPicPr>
+            <a:picLocks noChangeAspect="1"/>
+          </p:cNvPicPr>
+          <p:nvPr/>
+        </p:nvPicPr>
+        <p:blipFill>
+          <a:blip r:embed="rId3"/>
+          <a:stretch>
+            <a:fillRect/>
+          </a:stretch>
+        </p:blipFill>
+        <p:spPr>
+          <a:xfrm>
+            <a:off x="904875" y="2662529"/>
+            <a:ext cx="11287125" cy="3790950"/>
+          </a:xfrm>
+          <a:prstGeom prst="rect">
+            <a:avLst/>
+          </a:prstGeom>
+        </p:spPr>
+      </p:pic>
     </p:spTree>
     <p:extLst>
       <p:ext uri="{BB962C8B-B14F-4D97-AF65-F5344CB8AC3E}">
-        <p14:creationId xmlns:p14="http://schemas.microsoft.com/office/powerpoint/2010/main" val="443828993"/>
+        <p14:creationId xmlns:p14="http://schemas.microsoft.com/office/powerpoint/2010/main" val="2471954762"/>
       </p:ext>
     </p:extLst>
   </p:cSld>
@@ -9907,6 +10552,143 @@
           <p:cNvPr id="2" name="Title 1">
             <a:extLst>
               <a:ext uri="{FF2B5EF4-FFF2-40B4-BE49-F238E27FC236}">
+                <a16:creationId xmlns:a16="http://schemas.microsoft.com/office/drawing/2014/main" id="{DC24AD11-DE99-43A7-B16F-C6E82565A320}"/>
+              </a:ext>
+            </a:extLst>
+          </p:cNvPr>
+          <p:cNvSpPr>
+            <a:spLocks noGrp="1"/>
+          </p:cNvSpPr>
+          <p:nvPr>
+            <p:ph type="title"/>
+          </p:nvPr>
+        </p:nvSpPr>
+        <p:spPr/>
+        <p:txBody>
+          <a:bodyPr/>
+          <a:lstStyle/>
+          <a:p>
+            <a:r>
+              <a:rPr lang="en-US" dirty="0"/>
+              <a:t>Summary, conclusions and next steps</a:t>
+            </a:r>
+            <a:endParaRPr lang="en-AU" dirty="0"/>
+          </a:p>
+        </p:txBody>
+      </p:sp>
+      <p:sp>
+        <p:nvSpPr>
+          <p:cNvPr id="3" name="Content Placeholder 2">
+            <a:extLst>
+              <a:ext uri="{FF2B5EF4-FFF2-40B4-BE49-F238E27FC236}">
+                <a16:creationId xmlns:a16="http://schemas.microsoft.com/office/drawing/2014/main" id="{1C695CFC-8F29-463A-825F-D3BECB2AF44F}"/>
+              </a:ext>
+            </a:extLst>
+          </p:cNvPr>
+          <p:cNvSpPr>
+            <a:spLocks noGrp="1"/>
+          </p:cNvSpPr>
+          <p:nvPr>
+            <p:ph idx="1"/>
+          </p:nvPr>
+        </p:nvSpPr>
+        <p:spPr/>
+        <p:txBody>
+          <a:bodyPr>
+            <a:normAutofit fontScale="92500"/>
+          </a:bodyPr>
+          <a:lstStyle/>
+          <a:p>
+            <a:r>
+              <a:rPr lang="en-US" dirty="0"/>
+              <a:t>Summary</a:t>
+            </a:r>
+          </a:p>
+          <a:p>
+            <a:pPr lvl="1"/>
+            <a:r>
+              <a:rPr lang="en-AU" dirty="0"/>
+              <a:t>My data solution is a first step in addressing company wide problems. It starts with addressing salient needs proposed by the IT teams in terms of product and feature prioritization</a:t>
+            </a:r>
+          </a:p>
+          <a:p>
+            <a:r>
+              <a:rPr lang="en-AU" dirty="0"/>
+              <a:t>Conclusions</a:t>
+            </a:r>
+          </a:p>
+          <a:p>
+            <a:pPr lvl="1"/>
+            <a:r>
+              <a:rPr lang="en-AU" dirty="0"/>
+              <a:t>Count Vectorizers and Linear SVC is a very good combination for predicting sentiment for new customer review data in the Google Play Store. However, other mobile platforms may still need addressing</a:t>
+            </a:r>
+          </a:p>
+          <a:p>
+            <a:r>
+              <a:rPr lang="en-AU" dirty="0"/>
+              <a:t>Next steps</a:t>
+            </a:r>
+          </a:p>
+          <a:p>
+            <a:pPr lvl="1"/>
+            <a:r>
+              <a:rPr lang="en-AU" dirty="0"/>
+              <a:t>The data pipeline needs further consolidation in terms of API calls and </a:t>
+            </a:r>
+            <a:r>
+              <a:rPr lang="en-AU" dirty="0" err="1"/>
+              <a:t>app_id</a:t>
+            </a:r>
+            <a:r>
+              <a:rPr lang="en-AU" dirty="0"/>
+              <a:t> inputs</a:t>
+            </a:r>
+          </a:p>
+          <a:p>
+            <a:pPr lvl="1"/>
+            <a:r>
+              <a:rPr lang="en-AU" dirty="0"/>
+              <a:t>A better labelling system for new data should be implemented. Perhaps a webhook to translate ratings into sentiment labels</a:t>
+            </a:r>
+          </a:p>
+        </p:txBody>
+      </p:sp>
+    </p:spTree>
+    <p:extLst>
+      <p:ext uri="{BB962C8B-B14F-4D97-AF65-F5344CB8AC3E}">
+        <p14:creationId xmlns:p14="http://schemas.microsoft.com/office/powerpoint/2010/main" val="443828993"/>
+      </p:ext>
+    </p:extLst>
+  </p:cSld>
+  <p:clrMapOvr>
+    <a:masterClrMapping/>
+  </p:clrMapOvr>
+</p:sld>
+</file>
+
+<file path=ppt/slides/slide18.xml><?xml version="1.0" encoding="utf-8"?>
+<p:sld xmlns:a="http://schemas.openxmlformats.org/drawingml/2006/main" xmlns:r="http://schemas.openxmlformats.org/officeDocument/2006/relationships" xmlns:p="http://schemas.openxmlformats.org/presentationml/2006/main">
+  <p:cSld>
+    <p:spTree>
+      <p:nvGrpSpPr>
+        <p:cNvPr id="1" name=""/>
+        <p:cNvGrpSpPr/>
+        <p:nvPr/>
+      </p:nvGrpSpPr>
+      <p:grpSpPr>
+        <a:xfrm>
+          <a:off x="0" y="0"/>
+          <a:ext cx="0" cy="0"/>
+          <a:chOff x="0" y="0"/>
+          <a:chExt cx="0" cy="0"/>
+        </a:xfrm>
+      </p:grpSpPr>
+      <p:sp>
+        <p:nvSpPr>
+          <p:cNvPr id="2" name="Title 1">
+            <a:extLst>
+              <a:ext uri="{FF2B5EF4-FFF2-40B4-BE49-F238E27FC236}">
                 <a16:creationId xmlns:a16="http://schemas.microsoft.com/office/drawing/2014/main" id="{93912A85-5843-4ED2-920A-3843FDC16C63}"/>
               </a:ext>
             </a:extLst>
@@ -9949,13 +10731,255 @@
         </p:nvSpPr>
         <p:spPr/>
         <p:txBody>
-          <a:bodyPr/>
+          <a:bodyPr>
+            <a:normAutofit/>
+          </a:bodyPr>
           <a:lstStyle/>
           <a:p>
             <a:r>
               <a:rPr lang="en-US" dirty="0"/>
               <a:t>References</a:t>
             </a:r>
+          </a:p>
+          <a:p>
+            <a:pPr>
+              <a:lnSpc>
+                <a:spcPct val="115000"/>
+              </a:lnSpc>
+              <a:spcBef>
+                <a:spcPts val="0"/>
+              </a:spcBef>
+              <a:buFont typeface="Arial" panose="020B0604020202020204" pitchFamily="34" charset="0"/>
+              <a:buChar char="-"/>
+            </a:pPr>
+            <a:r>
+              <a:rPr lang="en-GB" u="sng" dirty="0">
+                <a:solidFill>
+                  <a:schemeClr val="accent1">
+                    <a:lumMod val="60000"/>
+                    <a:lumOff val="40000"/>
+                  </a:schemeClr>
+                </a:solidFill>
+                <a:latin typeface="Arial" panose="020B0604020202020204" pitchFamily="34" charset="0"/>
+                <a:hlinkClick r:id="rId2">
+                  <a:extLst>
+                    <a:ext uri="{A12FA001-AC4F-418D-AE19-62706E023703}">
+                      <ahyp:hlinkClr xmlns:ahyp="http://schemas.microsoft.com/office/drawing/2018/hyperlinkcolor" val="tx"/>
+                    </a:ext>
+                  </a:extLst>
+                </a:hlinkClick>
+              </a:rPr>
+              <a:t>https://www.grandviewresearch.com/industry-analysis/mobile-application-market</a:t>
+            </a:r>
+            <a:endParaRPr lang="en-AU" u="sng" dirty="0">
+              <a:solidFill>
+                <a:schemeClr val="accent1">
+                  <a:lumMod val="60000"/>
+                  <a:lumOff val="40000"/>
+                </a:schemeClr>
+              </a:solidFill>
+              <a:latin typeface="Arial" panose="020B0604020202020204" pitchFamily="34" charset="0"/>
+            </a:endParaRPr>
+          </a:p>
+          <a:p>
+            <a:pPr>
+              <a:lnSpc>
+                <a:spcPct val="115000"/>
+              </a:lnSpc>
+              <a:spcBef>
+                <a:spcPts val="0"/>
+              </a:spcBef>
+              <a:buFont typeface="Arial" panose="020B0604020202020204" pitchFamily="34" charset="0"/>
+              <a:buChar char="-"/>
+            </a:pPr>
+            <a:r>
+              <a:rPr lang="en-GB" u="sng" dirty="0">
+                <a:solidFill>
+                  <a:schemeClr val="accent1">
+                    <a:lumMod val="60000"/>
+                    <a:lumOff val="40000"/>
+                  </a:schemeClr>
+                </a:solidFill>
+                <a:latin typeface="Arial" panose="020B0604020202020204" pitchFamily="34" charset="0"/>
+                <a:hlinkClick r:id="rId3">
+                  <a:extLst>
+                    <a:ext uri="{A12FA001-AC4F-418D-AE19-62706E023703}">
+                      <ahyp:hlinkClr xmlns:ahyp="http://schemas.microsoft.com/office/drawing/2018/hyperlinkcolor" val="tx"/>
+                    </a:ext>
+                  </a:extLst>
+                </a:hlinkClick>
+              </a:rPr>
+              <a:t>https://agilemanifesto.org/</a:t>
+            </a:r>
+            <a:endParaRPr lang="en-AU" u="sng" dirty="0">
+              <a:solidFill>
+                <a:schemeClr val="accent1">
+                  <a:lumMod val="60000"/>
+                  <a:lumOff val="40000"/>
+                </a:schemeClr>
+              </a:solidFill>
+              <a:latin typeface="Arial" panose="020B0604020202020204" pitchFamily="34" charset="0"/>
+            </a:endParaRPr>
+          </a:p>
+          <a:p>
+            <a:pPr>
+              <a:lnSpc>
+                <a:spcPct val="115000"/>
+              </a:lnSpc>
+              <a:spcBef>
+                <a:spcPts val="0"/>
+              </a:spcBef>
+              <a:buFont typeface="Arial" panose="020B0604020202020204" pitchFamily="34" charset="0"/>
+              <a:buChar char="-"/>
+            </a:pPr>
+            <a:r>
+              <a:rPr lang="en-GB" u="sng" dirty="0">
+                <a:solidFill>
+                  <a:schemeClr val="accent1">
+                    <a:lumMod val="60000"/>
+                    <a:lumOff val="40000"/>
+                  </a:schemeClr>
+                </a:solidFill>
+                <a:latin typeface="Arial" panose="020B0604020202020204" pitchFamily="34" charset="0"/>
+                <a:hlinkClick r:id="rId4">
+                  <a:extLst>
+                    <a:ext uri="{A12FA001-AC4F-418D-AE19-62706E023703}">
+                      <ahyp:hlinkClr xmlns:ahyp="http://schemas.microsoft.com/office/drawing/2018/hyperlinkcolor" val="tx"/>
+                    </a:ext>
+                  </a:extLst>
+                </a:hlinkClick>
+              </a:rPr>
+              <a:t>https://www.investopedia.com/terms/v/valuechain.asp</a:t>
+            </a:r>
+            <a:endParaRPr lang="en-AU" u="sng" dirty="0">
+              <a:solidFill>
+                <a:schemeClr val="accent1">
+                  <a:lumMod val="60000"/>
+                  <a:lumOff val="40000"/>
+                </a:schemeClr>
+              </a:solidFill>
+              <a:latin typeface="Arial" panose="020B0604020202020204" pitchFamily="34" charset="0"/>
+            </a:endParaRPr>
+          </a:p>
+          <a:p>
+            <a:pPr>
+              <a:lnSpc>
+                <a:spcPct val="115000"/>
+              </a:lnSpc>
+              <a:spcBef>
+                <a:spcPts val="0"/>
+              </a:spcBef>
+              <a:buFont typeface="Arial" panose="020B0604020202020204" pitchFamily="34" charset="0"/>
+              <a:buChar char="-"/>
+            </a:pPr>
+            <a:r>
+              <a:rPr lang="en-GB" u="sng" dirty="0">
+                <a:solidFill>
+                  <a:schemeClr val="accent1">
+                    <a:lumMod val="60000"/>
+                    <a:lumOff val="40000"/>
+                  </a:schemeClr>
+                </a:solidFill>
+                <a:latin typeface="Arial" panose="020B0604020202020204" pitchFamily="34" charset="0"/>
+                <a:hlinkClick r:id="rId5">
+                  <a:extLst>
+                    <a:ext uri="{A12FA001-AC4F-418D-AE19-62706E023703}">
+                      <ahyp:hlinkClr xmlns:ahyp="http://schemas.microsoft.com/office/drawing/2018/hyperlinkcolor" val="tx"/>
+                    </a:ext>
+                  </a:extLst>
+                </a:hlinkClick>
+              </a:rPr>
+              <a:t>https://techgeek365.com/5-software-development-concepts-to-improve-your-programming/</a:t>
+            </a:r>
+            <a:endParaRPr lang="en-AU" u="sng" dirty="0">
+              <a:solidFill>
+                <a:schemeClr val="accent1">
+                  <a:lumMod val="60000"/>
+                  <a:lumOff val="40000"/>
+                </a:schemeClr>
+              </a:solidFill>
+              <a:latin typeface="Arial" panose="020B0604020202020204" pitchFamily="34" charset="0"/>
+            </a:endParaRPr>
+          </a:p>
+          <a:p>
+            <a:pPr>
+              <a:lnSpc>
+                <a:spcPct val="115000"/>
+              </a:lnSpc>
+              <a:spcBef>
+                <a:spcPts val="0"/>
+              </a:spcBef>
+              <a:buFont typeface="Arial" panose="020B0604020202020204" pitchFamily="34" charset="0"/>
+              <a:buChar char="-"/>
+            </a:pPr>
+            <a:r>
+              <a:rPr lang="en-GB" u="sng" dirty="0">
+                <a:solidFill>
+                  <a:schemeClr val="accent1">
+                    <a:lumMod val="60000"/>
+                    <a:lumOff val="40000"/>
+                  </a:schemeClr>
+                </a:solidFill>
+                <a:latin typeface="Arial" panose="020B0604020202020204" pitchFamily="34" charset="0"/>
+                <a:hlinkClick r:id="rId6">
+                  <a:extLst>
+                    <a:ext uri="{A12FA001-AC4F-418D-AE19-62706E023703}">
+                      <ahyp:hlinkClr xmlns:ahyp="http://schemas.microsoft.com/office/drawing/2018/hyperlinkcolor" val="tx"/>
+                    </a:ext>
+                  </a:extLst>
+                </a:hlinkClick>
+              </a:rPr>
+              <a:t>https://www.lexalytics.com/lexablog/sentiment-accuracy-baseline-testing</a:t>
+            </a:r>
+            <a:endParaRPr lang="en-AU" u="sng" dirty="0">
+              <a:solidFill>
+                <a:schemeClr val="accent1">
+                  <a:lumMod val="60000"/>
+                  <a:lumOff val="40000"/>
+                </a:schemeClr>
+              </a:solidFill>
+              <a:latin typeface="Arial" panose="020B0604020202020204" pitchFamily="34" charset="0"/>
+            </a:endParaRPr>
+          </a:p>
+          <a:p>
+            <a:pPr>
+              <a:lnSpc>
+                <a:spcPct val="115000"/>
+              </a:lnSpc>
+              <a:spcBef>
+                <a:spcPts val="0"/>
+              </a:spcBef>
+              <a:buFont typeface="Arial" panose="020B0604020202020204" pitchFamily="34" charset="0"/>
+              <a:buChar char="-"/>
+            </a:pPr>
+            <a:r>
+              <a:rPr lang="en-GB" u="sng" dirty="0">
+                <a:solidFill>
+                  <a:schemeClr val="accent1">
+                    <a:lumMod val="60000"/>
+                    <a:lumOff val="40000"/>
+                  </a:schemeClr>
+                </a:solidFill>
+                <a:latin typeface="Arial" panose="020B0604020202020204" pitchFamily="34" charset="0"/>
+                <a:hlinkClick r:id="rId7">
+                  <a:extLst>
+                    <a:ext uri="{A12FA001-AC4F-418D-AE19-62706E023703}">
+                      <ahyp:hlinkClr xmlns:ahyp="http://schemas.microsoft.com/office/drawing/2018/hyperlinkcolor" val="tx"/>
+                    </a:ext>
+                  </a:extLst>
+                </a:hlinkClick>
+              </a:rPr>
+              <a:t>https://www.stitchdata.com/resources/what-is-data-pipeline/</a:t>
+            </a:r>
+            <a:endParaRPr lang="en-GB" u="sng" dirty="0">
+              <a:solidFill>
+                <a:schemeClr val="accent1">
+                  <a:lumMod val="60000"/>
+                  <a:lumOff val="40000"/>
+                </a:schemeClr>
+              </a:solidFill>
+              <a:latin typeface="Arial" panose="020B0604020202020204" pitchFamily="34" charset="0"/>
+            </a:endParaRPr>
           </a:p>
           <a:p>
             <a:pPr marL="342900" marR="0" lvl="0" indent="-342900">
@@ -9972,21 +10996,32 @@
               <a:buChar char="-"/>
             </a:pPr>
             <a:r>
-              <a:rPr lang="en-GB" sz="1800" u="sng" dirty="0">
+              <a:rPr lang="en-GB" u="sng" dirty="0">
                 <a:solidFill>
-                  <a:srgbClr val="0000FF"/>
+                  <a:schemeClr val="accent1">
+                    <a:lumMod val="60000"/>
+                    <a:lumOff val="40000"/>
+                  </a:schemeClr>
                 </a:solidFill>
-                <a:effectLst/>
                 <a:latin typeface="Arial" panose="020B0604020202020204" pitchFamily="34" charset="0"/>
-                <a:ea typeface="Arial" panose="020B0604020202020204" pitchFamily="34" charset="0"/>
-                <a:hlinkClick r:id="rId2"/>
+                <a:hlinkClick r:id="rId8">
+                  <a:extLst>
+                    <a:ext uri="{A12FA001-AC4F-418D-AE19-62706E023703}">
+                      <ahyp:hlinkClr xmlns:ahyp="http://schemas.microsoft.com/office/drawing/2018/hyperlinkcolor" val="tx"/>
+                    </a:ext>
+                  </a:extLst>
+                </a:hlinkClick>
               </a:rPr>
-              <a:t>https://www.grandviewresearch.com/industry-analysis/mobile-application-market</a:t>
-            </a:r>
-            <a:endParaRPr lang="en-AU" sz="1800" dirty="0">
-              <a:effectLst/>
+              <a:t>https://www.kaggle.com/ashraf1997/anz-synthesised-transaction-dataset</a:t>
+            </a:r>
+            <a:endParaRPr lang="en-GB" u="sng" dirty="0">
+              <a:solidFill>
+                <a:schemeClr val="accent1">
+                  <a:lumMod val="60000"/>
+                  <a:lumOff val="40000"/>
+                </a:schemeClr>
+              </a:solidFill>
               <a:latin typeface="Arial" panose="020B0604020202020204" pitchFamily="34" charset="0"/>
-              <a:ea typeface="Arial" panose="020B0604020202020204" pitchFamily="34" charset="0"/>
             </a:endParaRPr>
           </a:p>
           <a:p>
@@ -10004,21 +11039,32 @@
               <a:buChar char="-"/>
             </a:pPr>
             <a:r>
-              <a:rPr lang="en-GB" sz="1800" u="sng" dirty="0">
+              <a:rPr lang="en-GB" u="sng" dirty="0">
                 <a:solidFill>
-                  <a:srgbClr val="0000FF"/>
+                  <a:schemeClr val="accent1">
+                    <a:lumMod val="60000"/>
+                    <a:lumOff val="40000"/>
+                  </a:schemeClr>
                 </a:solidFill>
-                <a:effectLst/>
                 <a:latin typeface="Arial" panose="020B0604020202020204" pitchFamily="34" charset="0"/>
-                <a:ea typeface="Arial" panose="020B0604020202020204" pitchFamily="34" charset="0"/>
-                <a:hlinkClick r:id="rId3"/>
+                <a:hlinkClick r:id="rId9">
+                  <a:extLst>
+                    <a:ext uri="{A12FA001-AC4F-418D-AE19-62706E023703}">
+                      <ahyp:hlinkClr xmlns:ahyp="http://schemas.microsoft.com/office/drawing/2018/hyperlinkcolor" val="tx"/>
+                    </a:ext>
+                  </a:extLst>
+                </a:hlinkClick>
               </a:rPr>
-              <a:t>https://agilemanifesto.org/</a:t>
-            </a:r>
-            <a:endParaRPr lang="en-AU" sz="1800" dirty="0">
-              <a:effectLst/>
+              <a:t>https://play.google.com/store</a:t>
+            </a:r>
+            <a:endParaRPr lang="en-GB" u="sng" dirty="0">
+              <a:solidFill>
+                <a:schemeClr val="accent1">
+                  <a:lumMod val="60000"/>
+                  <a:lumOff val="40000"/>
+                </a:schemeClr>
+              </a:solidFill>
               <a:latin typeface="Arial" panose="020B0604020202020204" pitchFamily="34" charset="0"/>
-              <a:ea typeface="Arial" panose="020B0604020202020204" pitchFamily="34" charset="0"/>
             </a:endParaRPr>
           </a:p>
           <a:p>
@@ -10036,118 +11082,17 @@
               <a:buChar char="-"/>
             </a:pPr>
             <a:r>
-              <a:rPr lang="en-GB" sz="1800" u="sng" dirty="0">
+              <a:rPr lang="en-AU" u="sng" dirty="0">
                 <a:solidFill>
-                  <a:srgbClr val="0000FF"/>
+                  <a:schemeClr val="accent1">
+                    <a:lumMod val="60000"/>
+                    <a:lumOff val="40000"/>
+                  </a:schemeClr>
                 </a:solidFill>
-                <a:effectLst/>
                 <a:latin typeface="Arial" panose="020B0604020202020204" pitchFamily="34" charset="0"/>
-                <a:ea typeface="Arial" panose="020B0604020202020204" pitchFamily="34" charset="0"/>
-                <a:hlinkClick r:id="rId4"/>
               </a:rPr>
-              <a:t>https://www.investopedia.com/terms/v/valuechain.asp</a:t>
-            </a:r>
-            <a:endParaRPr lang="en-AU" sz="1800" dirty="0">
-              <a:effectLst/>
-              <a:latin typeface="Arial" panose="020B0604020202020204" pitchFamily="34" charset="0"/>
-              <a:ea typeface="Arial" panose="020B0604020202020204" pitchFamily="34" charset="0"/>
-            </a:endParaRPr>
-          </a:p>
-          <a:p>
-            <a:pPr marL="342900" marR="0" lvl="0" indent="-342900">
-              <a:lnSpc>
-                <a:spcPct val="115000"/>
-              </a:lnSpc>
-              <a:spcBef>
-                <a:spcPts val="0"/>
-              </a:spcBef>
-              <a:spcAft>
-                <a:spcPts val="0"/>
-              </a:spcAft>
-              <a:buFont typeface="Arial" panose="020B0604020202020204" pitchFamily="34" charset="0"/>
-              <a:buChar char="-"/>
-            </a:pPr>
-            <a:r>
-              <a:rPr lang="en-GB" sz="1800" u="sng" dirty="0">
-                <a:solidFill>
-                  <a:srgbClr val="0000FF"/>
-                </a:solidFill>
-                <a:effectLst/>
-                <a:latin typeface="Arial" panose="020B0604020202020204" pitchFamily="34" charset="0"/>
-                <a:ea typeface="Arial" panose="020B0604020202020204" pitchFamily="34" charset="0"/>
-                <a:hlinkClick r:id="rId5"/>
-              </a:rPr>
-              <a:t>https://techgeek365.com/5-software-development-concepts-to-improve-your-programming/</a:t>
-            </a:r>
-            <a:endParaRPr lang="en-AU" sz="1800" dirty="0">
-              <a:effectLst/>
-              <a:latin typeface="Arial" panose="020B0604020202020204" pitchFamily="34" charset="0"/>
-              <a:ea typeface="Arial" panose="020B0604020202020204" pitchFamily="34" charset="0"/>
-            </a:endParaRPr>
-          </a:p>
-          <a:p>
-            <a:pPr marL="342900" marR="0" lvl="0" indent="-342900">
-              <a:lnSpc>
-                <a:spcPct val="115000"/>
-              </a:lnSpc>
-              <a:spcBef>
-                <a:spcPts val="0"/>
-              </a:spcBef>
-              <a:spcAft>
-                <a:spcPts val="0"/>
-              </a:spcAft>
-              <a:buFont typeface="Arial" panose="020B0604020202020204" pitchFamily="34" charset="0"/>
-              <a:buChar char="-"/>
-            </a:pPr>
-            <a:r>
-              <a:rPr lang="en-GB" sz="1800" u="sng" dirty="0">
-                <a:solidFill>
-                  <a:srgbClr val="0000FF"/>
-                </a:solidFill>
-                <a:effectLst/>
-                <a:latin typeface="Arial" panose="020B0604020202020204" pitchFamily="34" charset="0"/>
-                <a:ea typeface="Arial" panose="020B0604020202020204" pitchFamily="34" charset="0"/>
-                <a:hlinkClick r:id="rId6"/>
-              </a:rPr>
-              <a:t>https://www.lexalytics.com/lexablog/sentiment-accuracy-baseline-testing</a:t>
-            </a:r>
-            <a:endParaRPr lang="en-AU" sz="1800" dirty="0">
-              <a:effectLst/>
-              <a:latin typeface="Arial" panose="020B0604020202020204" pitchFamily="34" charset="0"/>
-              <a:ea typeface="Arial" panose="020B0604020202020204" pitchFamily="34" charset="0"/>
-            </a:endParaRPr>
-          </a:p>
-          <a:p>
-            <a:pPr marL="342900" marR="0" lvl="0" indent="-342900">
-              <a:lnSpc>
-                <a:spcPct val="115000"/>
-              </a:lnSpc>
-              <a:spcBef>
-                <a:spcPts val="0"/>
-              </a:spcBef>
-              <a:spcAft>
-                <a:spcPts val="0"/>
-              </a:spcAft>
-              <a:buFont typeface="Arial" panose="020B0604020202020204" pitchFamily="34" charset="0"/>
-              <a:buChar char="-"/>
-            </a:pPr>
-            <a:r>
-              <a:rPr lang="en-GB" sz="1800" u="sng" dirty="0">
-                <a:solidFill>
-                  <a:srgbClr val="0000FF"/>
-                </a:solidFill>
-                <a:effectLst/>
-                <a:latin typeface="Arial" panose="020B0604020202020204" pitchFamily="34" charset="0"/>
-                <a:ea typeface="Arial" panose="020B0604020202020204" pitchFamily="34" charset="0"/>
-                <a:hlinkClick r:id="rId7"/>
-              </a:rPr>
-              <a:t>https://www.stitchdata.com/resources/what-is-data-pipeline/</a:t>
-            </a:r>
-            <a:endParaRPr lang="en-AU" sz="1800" dirty="0">
-              <a:effectLst/>
-              <a:latin typeface="Arial" panose="020B0604020202020204" pitchFamily="34" charset="0"/>
-              <a:ea typeface="Arial" panose="020B0604020202020204" pitchFamily="34" charset="0"/>
-            </a:endParaRPr>
+              <a:t>https://pypi.org/project/google-play-scraper/</a:t>
+            </a:r>
           </a:p>
           <a:p>
             <a:endParaRPr lang="en-AU" dirty="0"/>
